--- a/JavaLecture/LectureFile/java 3강.pptx
+++ b/JavaLecture/LectureFile/java 3강.pptx
@@ -16,24 +16,24 @@
     <p:sldId id="466" r:id="rId7"/>
     <p:sldId id="467" r:id="rId8"/>
     <p:sldId id="468" r:id="rId9"/>
-    <p:sldId id="281" r:id="rId10"/>
-    <p:sldId id="470" r:id="rId11"/>
-    <p:sldId id="471" r:id="rId12"/>
-    <p:sldId id="472" r:id="rId13"/>
-    <p:sldId id="469" r:id="rId14"/>
-    <p:sldId id="473" r:id="rId15"/>
-    <p:sldId id="474" r:id="rId16"/>
-    <p:sldId id="374" r:id="rId17"/>
-    <p:sldId id="475" r:id="rId18"/>
-    <p:sldId id="477" r:id="rId19"/>
-    <p:sldId id="479" r:id="rId20"/>
-    <p:sldId id="476" r:id="rId21"/>
-    <p:sldId id="478" r:id="rId22"/>
-    <p:sldId id="481" r:id="rId23"/>
-    <p:sldId id="480" r:id="rId24"/>
-    <p:sldId id="385" r:id="rId25"/>
-    <p:sldId id="482" r:id="rId26"/>
-    <p:sldId id="464" r:id="rId27"/>
+    <p:sldId id="483" r:id="rId10"/>
+    <p:sldId id="281" r:id="rId11"/>
+    <p:sldId id="470" r:id="rId12"/>
+    <p:sldId id="471" r:id="rId13"/>
+    <p:sldId id="472" r:id="rId14"/>
+    <p:sldId id="469" r:id="rId15"/>
+    <p:sldId id="473" r:id="rId16"/>
+    <p:sldId id="474" r:id="rId17"/>
+    <p:sldId id="374" r:id="rId18"/>
+    <p:sldId id="475" r:id="rId19"/>
+    <p:sldId id="477" r:id="rId20"/>
+    <p:sldId id="479" r:id="rId21"/>
+    <p:sldId id="476" r:id="rId22"/>
+    <p:sldId id="478" r:id="rId23"/>
+    <p:sldId id="481" r:id="rId24"/>
+    <p:sldId id="480" r:id="rId25"/>
+    <p:sldId id="385" r:id="rId26"/>
+    <p:sldId id="482" r:id="rId27"/>
     <p:sldId id="275" r:id="rId28"/>
   </p:sldIdLst>
   <p:sldSz cx="18288000" cy="10287000"/>
@@ -234,7 +234,7 @@
           <a:p>
             <a:fld id="{D79F2C30-10E1-4C46-91DC-BBDB9629E720}" type="datetimeFigureOut">
               <a:rPr lang="ko-KR" altLang="en-US" smtClean="0"/>
-              <a:t>2023-01-13</a:t>
+              <a:t>2023-01-14 Saturday</a:t>
             </a:fld>
             <a:endParaRPr lang="ko-KR" altLang="en-US"/>
           </a:p>
@@ -680,7 +680,7 @@
           <a:p>
             <a:fld id="{F8166F1F-CE9B-4651-A6AA-CD717754106B}" type="datetimeFigureOut">
               <a:rPr lang="en-US" smtClean="0"/>
-              <a:t>1/13/2023</a:t>
+              <a:t>1/14/2023</a:t>
             </a:fld>
             <a:endParaRPr lang="en-US"/>
           </a:p>
@@ -843,7 +843,7 @@
           <a:p>
             <a:fld id="{A76116CE-C4A3-4A05-B2D7-7C2E9A889C0F}" type="datetimeFigureOut">
               <a:rPr lang="en-US" smtClean="0"/>
-              <a:t>1/13/2023</a:t>
+              <a:t>1/14/2023</a:t>
             </a:fld>
             <a:endParaRPr lang="en-US"/>
           </a:p>
@@ -1016,7 +1016,7 @@
           <a:p>
             <a:fld id="{A76116CE-C4A3-4A05-B2D7-7C2E9A889C0F}" type="datetimeFigureOut">
               <a:rPr lang="en-US" smtClean="0"/>
-              <a:t>1/13/2023</a:t>
+              <a:t>1/14/2023</a:t>
             </a:fld>
             <a:endParaRPr lang="en-US"/>
           </a:p>
@@ -1181,7 +1181,7 @@
           <a:p>
             <a:fld id="{A76116CE-C4A3-4A05-B2D7-7C2E9A889C0F}" type="datetimeFigureOut">
               <a:rPr lang="en-US" smtClean="0"/>
-              <a:t>1/13/2023</a:t>
+              <a:t>1/14/2023</a:t>
             </a:fld>
             <a:endParaRPr lang="en-US"/>
           </a:p>
@@ -1421,7 +1421,7 @@
           <a:p>
             <a:fld id="{A76116CE-C4A3-4A05-B2D7-7C2E9A889C0F}" type="datetimeFigureOut">
               <a:rPr lang="en-US" smtClean="0"/>
-              <a:t>1/13/2023</a:t>
+              <a:t>1/14/2023</a:t>
             </a:fld>
             <a:endParaRPr lang="en-US"/>
           </a:p>
@@ -1701,7 +1701,7 @@
           <a:p>
             <a:fld id="{A76116CE-C4A3-4A05-B2D7-7C2E9A889C0F}" type="datetimeFigureOut">
               <a:rPr lang="en-US" smtClean="0"/>
-              <a:t>1/13/2023</a:t>
+              <a:t>1/14/2023</a:t>
             </a:fld>
             <a:endParaRPr lang="en-US"/>
           </a:p>
@@ -2115,7 +2115,7 @@
           <a:p>
             <a:fld id="{A76116CE-C4A3-4A05-B2D7-7C2E9A889C0F}" type="datetimeFigureOut">
               <a:rPr lang="en-US" smtClean="0"/>
-              <a:t>1/13/2023</a:t>
+              <a:t>1/14/2023</a:t>
             </a:fld>
             <a:endParaRPr lang="en-US"/>
           </a:p>
@@ -2227,7 +2227,7 @@
           <a:p>
             <a:fld id="{A76116CE-C4A3-4A05-B2D7-7C2E9A889C0F}" type="datetimeFigureOut">
               <a:rPr lang="en-US" smtClean="0"/>
-              <a:t>1/13/2023</a:t>
+              <a:t>1/14/2023</a:t>
             </a:fld>
             <a:endParaRPr lang="en-US"/>
           </a:p>
@@ -2317,7 +2317,7 @@
           <a:p>
             <a:fld id="{A76116CE-C4A3-4A05-B2D7-7C2E9A889C0F}" type="datetimeFigureOut">
               <a:rPr lang="en-US" smtClean="0"/>
-              <a:t>1/13/2023</a:t>
+              <a:t>1/14/2023</a:t>
             </a:fld>
             <a:endParaRPr lang="en-US"/>
           </a:p>
@@ -2587,7 +2587,7 @@
           <a:p>
             <a:fld id="{A76116CE-C4A3-4A05-B2D7-7C2E9A889C0F}" type="datetimeFigureOut">
               <a:rPr lang="en-US" smtClean="0"/>
-              <a:t>1/13/2023</a:t>
+              <a:t>1/14/2023</a:t>
             </a:fld>
             <a:endParaRPr lang="en-US"/>
           </a:p>
@@ -2834,7 +2834,7 @@
           <a:p>
             <a:fld id="{A76116CE-C4A3-4A05-B2D7-7C2E9A889C0F}" type="datetimeFigureOut">
               <a:rPr lang="en-US" smtClean="0"/>
-              <a:t>1/13/2023</a:t>
+              <a:t>1/14/2023</a:t>
             </a:fld>
             <a:endParaRPr lang="en-US"/>
           </a:p>
@@ -3040,7 +3040,7 @@
           <a:p>
             <a:fld id="{F8166F1F-CE9B-4651-A6AA-CD717754106B}" type="datetimeFigureOut">
               <a:rPr lang="en-US" smtClean="0"/>
-              <a:t>1/13/2023</a:t>
+              <a:t>1/14/2023</a:t>
             </a:fld>
             <a:endParaRPr lang="en-US"/>
           </a:p>
@@ -3696,7 +3696,7 @@
           <p:cNvPr id="2" name="TextBox 1">
             <a:extLst>
               <a:ext uri="{FF2B5EF4-FFF2-40B4-BE49-F238E27FC236}">
-                <a16:creationId xmlns:a16="http://schemas.microsoft.com/office/drawing/2014/main" xmlns="" id="{E9A453A8-9968-67AB-7B4A-83EEB4662AA6}"/>
+                <a16:creationId xmlns:a16="http://schemas.microsoft.com/office/drawing/2014/main" id="{E9A453A8-9968-67AB-7B4A-83EEB4662AA6}"/>
               </a:ext>
             </a:extLst>
           </p:cNvPr>
@@ -3744,7 +3744,7 @@
           <p:cNvPr id="4" name="TextBox 3">
             <a:extLst>
               <a:ext uri="{FF2B5EF4-FFF2-40B4-BE49-F238E27FC236}">
-                <a16:creationId xmlns:a16="http://schemas.microsoft.com/office/drawing/2014/main" xmlns="" id="{F4B7A35A-8AAC-4622-64BC-CAD1472D4115}"/>
+                <a16:creationId xmlns:a16="http://schemas.microsoft.com/office/drawing/2014/main" id="{F4B7A35A-8AAC-4622-64BC-CAD1472D4115}"/>
               </a:ext>
             </a:extLst>
           </p:cNvPr>
@@ -3816,7 +3816,7 @@
           <p:cNvPr id="7" name="TextBox 6">
             <a:extLst>
               <a:ext uri="{FF2B5EF4-FFF2-40B4-BE49-F238E27FC236}">
-                <a16:creationId xmlns:a16="http://schemas.microsoft.com/office/drawing/2014/main" xmlns="" id="{3ACE900A-D779-4343-6623-8588B376F0A1}"/>
+                <a16:creationId xmlns:a16="http://schemas.microsoft.com/office/drawing/2014/main" id="{3ACE900A-D779-4343-6623-8588B376F0A1}"/>
               </a:ext>
             </a:extLst>
           </p:cNvPr>
@@ -3861,6 +3861,14 @@
 <file path=ppt/slides/slide10.xml><?xml version="1.0" encoding="utf-8"?>
 <p:sld xmlns:a="http://schemas.openxmlformats.org/drawingml/2006/main" xmlns:r="http://schemas.openxmlformats.org/officeDocument/2006/relationships" xmlns:p="http://schemas.openxmlformats.org/presentationml/2006/main">
   <p:cSld>
+    <p:bg>
+      <p:bgPr>
+        <a:solidFill>
+          <a:srgbClr val="4C50BB"/>
+        </a:solidFill>
+        <a:effectLst/>
+      </p:bgPr>
+    </p:bg>
     <p:spTree>
       <p:nvGrpSpPr>
         <p:cNvPr id="1" name=""/>
@@ -3875,12 +3883,192 @@
           <a:chExt cx="0" cy="0"/>
         </a:xfrm>
       </p:grpSpPr>
-      <p:sp>
-        <p:nvSpPr>
-          <p:cNvPr id="4" name="TextBox 3">
+      <p:grpSp>
+        <p:nvGrpSpPr>
+          <p:cNvPr id="1001" name="그룹 1001"/>
+          <p:cNvGrpSpPr/>
+          <p:nvPr/>
+        </p:nvGrpSpPr>
+        <p:grpSpPr>
+          <a:xfrm>
+            <a:off x="-159165" y="3685351"/>
+            <a:ext cx="1432688" cy="191978"/>
+            <a:chOff x="-159165" y="3685351"/>
+            <a:chExt cx="1432688" cy="191978"/>
+          </a:xfrm>
+        </p:grpSpPr>
+        <p:pic>
+          <p:nvPicPr>
+            <p:cNvPr id="3" name="Object 2"/>
+            <p:cNvPicPr>
+              <a:picLocks noChangeAspect="1"/>
+            </p:cNvPicPr>
+            <p:nvPr/>
+          </p:nvPicPr>
+          <p:blipFill>
+            <a:blip r:embed="rId2" cstate="print"/>
+            <a:stretch>
+              <a:fillRect/>
+            </a:stretch>
+          </p:blipFill>
+          <p:spPr>
+            <a:xfrm rot="-10800000">
+              <a:off x="-159165" y="3685351"/>
+              <a:ext cx="1432688" cy="191978"/>
+            </a:xfrm>
+            <a:prstGeom prst="rect">
+              <a:avLst/>
+            </a:prstGeom>
+          </p:spPr>
+        </p:pic>
+      </p:grpSp>
+      <p:grpSp>
+        <p:nvGrpSpPr>
+          <p:cNvPr id="1002" name="그룹 1002"/>
+          <p:cNvGrpSpPr/>
+          <p:nvPr/>
+        </p:nvGrpSpPr>
+        <p:grpSpPr>
+          <a:xfrm>
+            <a:off x="13074845" y="-1224069"/>
+            <a:ext cx="3388803" cy="3355932"/>
+            <a:chOff x="13074845" y="-1224069"/>
+            <a:chExt cx="3388803" cy="3355932"/>
+          </a:xfrm>
+        </p:grpSpPr>
+        <p:pic>
+          <p:nvPicPr>
+            <p:cNvPr id="6" name="Object 5"/>
+            <p:cNvPicPr>
+              <a:picLocks noChangeAspect="1"/>
+            </p:cNvPicPr>
+            <p:nvPr/>
+          </p:nvPicPr>
+          <p:blipFill>
+            <a:blip r:embed="rId3" cstate="print"/>
+            <a:stretch>
+              <a:fillRect/>
+            </a:stretch>
+          </p:blipFill>
+          <p:spPr>
+            <a:xfrm>
+              <a:off x="13074845" y="-1224069"/>
+              <a:ext cx="3388803" cy="3355932"/>
+            </a:xfrm>
+            <a:prstGeom prst="rect">
+              <a:avLst/>
+            </a:prstGeom>
+          </p:spPr>
+        </p:pic>
+      </p:grpSp>
+      <p:grpSp>
+        <p:nvGrpSpPr>
+          <p:cNvPr id="1003" name="그룹 1003"/>
+          <p:cNvGrpSpPr/>
+          <p:nvPr/>
+        </p:nvGrpSpPr>
+        <p:grpSpPr>
+          <a:xfrm>
+            <a:off x="15502230" y="-877556"/>
+            <a:ext cx="3902974" cy="3971928"/>
+            <a:chOff x="15502230" y="-877556"/>
+            <a:chExt cx="3902974" cy="3971928"/>
+          </a:xfrm>
+        </p:grpSpPr>
+        <p:pic>
+          <p:nvPicPr>
+            <p:cNvPr id="9" name="Object 8"/>
+            <p:cNvPicPr>
+              <a:picLocks noChangeAspect="1"/>
+            </p:cNvPicPr>
+            <p:nvPr/>
+          </p:nvPicPr>
+          <p:blipFill>
+            <a:blip r:embed="rId4" cstate="print"/>
+            <a:stretch>
+              <a:fillRect/>
+            </a:stretch>
+          </p:blipFill>
+          <p:spPr>
+            <a:xfrm rot="-2700000">
+              <a:off x="15502230" y="-877556"/>
+              <a:ext cx="3902974" cy="3971928"/>
+            </a:xfrm>
+            <a:prstGeom prst="rect">
+              <a:avLst/>
+            </a:prstGeom>
+          </p:spPr>
+        </p:pic>
+      </p:grpSp>
+      <p:grpSp>
+        <p:nvGrpSpPr>
+          <p:cNvPr id="1004" name="그룹 1004"/>
+          <p:cNvGrpSpPr/>
+          <p:nvPr/>
+        </p:nvGrpSpPr>
+        <p:grpSpPr>
+          <a:xfrm>
+            <a:off x="14137208" y="6930045"/>
+            <a:ext cx="4652881" cy="4607748"/>
+            <a:chOff x="14137208" y="6930045"/>
+            <a:chExt cx="4652881" cy="4607748"/>
+          </a:xfrm>
+        </p:grpSpPr>
+        <p:pic>
+          <p:nvPicPr>
+            <p:cNvPr id="12" name="Object 11"/>
+            <p:cNvPicPr>
+              <a:picLocks noChangeAspect="1"/>
+            </p:cNvPicPr>
+            <p:nvPr/>
+          </p:nvPicPr>
+          <p:blipFill>
+            <a:blip r:embed="rId5" cstate="print"/>
+            <a:stretch>
+              <a:fillRect/>
+            </a:stretch>
+          </p:blipFill>
+          <p:spPr>
+            <a:xfrm>
+              <a:off x="14137208" y="6930045"/>
+              <a:ext cx="4652881" cy="4607748"/>
+            </a:xfrm>
+            <a:prstGeom prst="rect">
+              <a:avLst/>
+            </a:prstGeom>
+          </p:spPr>
+        </p:pic>
+      </p:grpSp>
+      <p:pic>
+        <p:nvPicPr>
+          <p:cNvPr id="15" name="Object 14"/>
+          <p:cNvPicPr>
+            <a:picLocks noChangeAspect="1"/>
+          </p:cNvPicPr>
+          <p:nvPr/>
+        </p:nvPicPr>
+        <p:blipFill>
+          <a:blip r:embed="rId6" cstate="print"/>
+          <a:stretch>
+            <a:fillRect/>
+          </a:stretch>
+        </p:blipFill>
+        <p:spPr>
+          <a:xfrm>
+            <a:off x="1468058" y="2416536"/>
+            <a:ext cx="3149371" cy="3284880"/>
+          </a:xfrm>
+          <a:prstGeom prst="rect">
+            <a:avLst/>
+          </a:prstGeom>
+        </p:spPr>
+      </p:pic>
+      <p:sp>
+        <p:nvSpPr>
+          <p:cNvPr id="2" name="TextBox 1">
             <a:extLst>
               <a:ext uri="{FF2B5EF4-FFF2-40B4-BE49-F238E27FC236}">
-                <a16:creationId xmlns:a16="http://schemas.microsoft.com/office/drawing/2014/main" xmlns="" id="{9F7DCD18-D21C-6601-530F-F0F4F9937612}"/>
+                <a16:creationId xmlns:a16="http://schemas.microsoft.com/office/drawing/2014/main" id="{76F36AE5-79B5-0B9F-E510-1C27AAC4B649}"/>
               </a:ext>
             </a:extLst>
           </p:cNvPr>
@@ -3889,8 +4077,8 @@
         </p:nvSpPr>
         <p:spPr>
           <a:xfrm>
-            <a:off x="1371600" y="497131"/>
-            <a:ext cx="6096000" cy="830997"/>
+            <a:off x="2172958" y="5295900"/>
+            <a:ext cx="3687228" cy="1107996"/>
           </a:xfrm>
           <a:prstGeom prst="rect">
             <a:avLst/>
@@ -3898,54 +4086,34 @@
           <a:noFill/>
         </p:spPr>
         <p:txBody>
-          <a:bodyPr wrap="square" rtlCol="0">
+          <a:bodyPr wrap="none" rtlCol="0">
             <a:spAutoFit/>
           </a:bodyPr>
           <a:lstStyle/>
           <a:p>
             <a:r>
-              <a:rPr lang="en-US" altLang="ko-KR" sz="4800" dirty="0">
-                <a:solidFill>
-                  <a:srgbClr val="4C50BC"/>
-                </a:solidFill>
-                <a:latin typeface="G마켓 산스 Medium" panose="02000000000000000000" pitchFamily="50" charset="-127"/>
-                <a:ea typeface="G마켓 산스 Medium" panose="02000000000000000000" pitchFamily="50" charset="-127"/>
-              </a:rPr>
-              <a:t>If</a:t>
-            </a:r>
-            <a:r>
-              <a:rPr lang="ko-KR" altLang="en-US" sz="4800" dirty="0">
-                <a:solidFill>
-                  <a:srgbClr val="4C50BC"/>
-                </a:solidFill>
-                <a:latin typeface="G마켓 산스 Medium" panose="02000000000000000000" pitchFamily="50" charset="-127"/>
-                <a:ea typeface="G마켓 산스 Medium" panose="02000000000000000000" pitchFamily="50" charset="-127"/>
-              </a:rPr>
-              <a:t> </a:t>
-            </a:r>
-            <a:r>
-              <a:rPr lang="en-US" altLang="ko-KR" sz="4800" dirty="0">
-                <a:solidFill>
-                  <a:srgbClr val="4C50BC"/>
-                </a:solidFill>
-                <a:latin typeface="G마켓 산스 Medium" panose="02000000000000000000" pitchFamily="50" charset="-127"/>
-                <a:ea typeface="G마켓 산스 Medium" panose="02000000000000000000" pitchFamily="50" charset="-127"/>
-              </a:rPr>
-              <a:t>else </a:t>
-            </a:r>
-            <a:r>
-              <a:rPr lang="ko-KR" altLang="en-US" sz="4800" dirty="0">
-                <a:solidFill>
-                  <a:srgbClr val="4C50BC"/>
+              <a:rPr lang="en-US" altLang="ko-KR" sz="6600">
+                <a:solidFill>
+                  <a:schemeClr val="bg1"/>
+                </a:solidFill>
+                <a:latin typeface="G마켓 산스 Medium" panose="02000000000000000000" pitchFamily="50" charset="-127"/>
+                <a:ea typeface="G마켓 산스 Medium" panose="02000000000000000000" pitchFamily="50" charset="-127"/>
+              </a:rPr>
+              <a:t>If else</a:t>
+            </a:r>
+            <a:r>
+              <a:rPr lang="ko-KR" altLang="en-US" sz="6600">
+                <a:solidFill>
+                  <a:schemeClr val="bg1"/>
                 </a:solidFill>
                 <a:latin typeface="G마켓 산스 Medium" panose="02000000000000000000" pitchFamily="50" charset="-127"/>
                 <a:ea typeface="G마켓 산스 Medium" panose="02000000000000000000" pitchFamily="50" charset="-127"/>
               </a:rPr>
               <a:t>문</a:t>
             </a:r>
-            <a:endParaRPr lang="en-US" altLang="ko-KR" sz="4800" dirty="0">
+            <a:endParaRPr lang="ko-KR" altLang="en-US" sz="2800" dirty="0">
               <a:solidFill>
-                <a:srgbClr val="4C50BC"/>
+                <a:schemeClr val="bg1"/>
               </a:solidFill>
               <a:latin typeface="G마켓 산스 Medium" panose="02000000000000000000" pitchFamily="50" charset="-127"/>
               <a:ea typeface="G마켓 산스 Medium" panose="02000000000000000000" pitchFamily="50" charset="-127"/>
@@ -3953,163 +4121,10 @@
           </a:p>
         </p:txBody>
       </p:sp>
-      <p:pic>
-        <p:nvPicPr>
-          <p:cNvPr id="6" name="그림 5">
-            <a:extLst>
-              <a:ext uri="{FF2B5EF4-FFF2-40B4-BE49-F238E27FC236}">
-                <a16:creationId xmlns:a16="http://schemas.microsoft.com/office/drawing/2014/main" xmlns="" id="{1BAE0638-DBC8-5C47-FD9C-CE0D30CCF5E4}"/>
-              </a:ext>
-            </a:extLst>
-          </p:cNvPr>
-          <p:cNvPicPr>
-            <a:picLocks noChangeAspect="1"/>
-          </p:cNvPicPr>
-          <p:nvPr/>
-        </p:nvPicPr>
-        <p:blipFill>
-          <a:blip r:embed="rId2"/>
-          <a:stretch>
-            <a:fillRect/>
-          </a:stretch>
-        </p:blipFill>
-        <p:spPr>
-          <a:xfrm>
-            <a:off x="3276600" y="1485900"/>
-            <a:ext cx="7239000" cy="3209745"/>
-          </a:xfrm>
-          <a:prstGeom prst="rect">
-            <a:avLst/>
-          </a:prstGeom>
-        </p:spPr>
-      </p:pic>
-      <p:pic>
-        <p:nvPicPr>
-          <p:cNvPr id="8" name="그림 7">
-            <a:extLst>
-              <a:ext uri="{FF2B5EF4-FFF2-40B4-BE49-F238E27FC236}">
-                <a16:creationId xmlns:a16="http://schemas.microsoft.com/office/drawing/2014/main" xmlns="" id="{EB487B60-E45A-24AE-7CA2-5C56677DE4C2}"/>
-              </a:ext>
-            </a:extLst>
-          </p:cNvPr>
-          <p:cNvPicPr>
-            <a:picLocks noChangeAspect="1"/>
-          </p:cNvPicPr>
-          <p:nvPr/>
-        </p:nvPicPr>
-        <p:blipFill>
-          <a:blip r:embed="rId3"/>
-          <a:stretch>
-            <a:fillRect/>
-          </a:stretch>
-        </p:blipFill>
-        <p:spPr>
-          <a:xfrm>
-            <a:off x="3276600" y="5119802"/>
-            <a:ext cx="10435288" cy="2385898"/>
-          </a:xfrm>
-          <a:prstGeom prst="rect">
-            <a:avLst/>
-          </a:prstGeom>
-        </p:spPr>
-      </p:pic>
-      <p:sp>
-        <p:nvSpPr>
-          <p:cNvPr id="10" name="TextBox 9">
-            <a:extLst>
-              <a:ext uri="{FF2B5EF4-FFF2-40B4-BE49-F238E27FC236}">
-                <a16:creationId xmlns:a16="http://schemas.microsoft.com/office/drawing/2014/main" xmlns="" id="{9E0E451F-64C2-B448-16B3-68087D879252}"/>
-              </a:ext>
-            </a:extLst>
-          </p:cNvPr>
-          <p:cNvSpPr txBox="1"/>
-          <p:nvPr/>
-        </p:nvSpPr>
-        <p:spPr>
-          <a:xfrm>
-            <a:off x="1981200" y="8191500"/>
-            <a:ext cx="13563600" cy="830997"/>
-          </a:xfrm>
-          <a:prstGeom prst="rect">
-            <a:avLst/>
-          </a:prstGeom>
-          <a:noFill/>
-        </p:spPr>
-        <p:txBody>
-          <a:bodyPr wrap="square" rtlCol="0">
-            <a:spAutoFit/>
-          </a:bodyPr>
-          <a:lstStyle/>
-          <a:p>
-            <a:r>
-              <a:rPr lang="en-US" altLang="ko-KR" sz="4800" dirty="0">
-                <a:solidFill>
-                  <a:schemeClr val="tx1">
-                    <a:lumMod val="50000"/>
-                    <a:lumOff val="50000"/>
-                  </a:schemeClr>
-                </a:solidFill>
-                <a:latin typeface="G마켓 산스 Medium" panose="02000000000000000000" pitchFamily="50" charset="-127"/>
-                <a:ea typeface="G마켓 산스 Medium" panose="02000000000000000000" pitchFamily="50" charset="-127"/>
-              </a:rPr>
-              <a:t>Else</a:t>
-            </a:r>
-            <a:r>
-              <a:rPr lang="ko-KR" altLang="en-US" sz="4800" dirty="0">
-                <a:solidFill>
-                  <a:schemeClr val="tx1">
-                    <a:lumMod val="50000"/>
-                    <a:lumOff val="50000"/>
-                  </a:schemeClr>
-                </a:solidFill>
-                <a:latin typeface="G마켓 산스 Medium" panose="02000000000000000000" pitchFamily="50" charset="-127"/>
-                <a:ea typeface="G마켓 산스 Medium" panose="02000000000000000000" pitchFamily="50" charset="-127"/>
-              </a:rPr>
-              <a:t>문 역시 한줄이라면 중괄호는 생략 가능하다</a:t>
-            </a:r>
-            <a:r>
-              <a:rPr lang="en-US" altLang="ko-KR" sz="4800" dirty="0">
-                <a:solidFill>
-                  <a:schemeClr val="tx1">
-                    <a:lumMod val="50000"/>
-                    <a:lumOff val="50000"/>
-                  </a:schemeClr>
-                </a:solidFill>
-                <a:latin typeface="G마켓 산스 Medium" panose="02000000000000000000" pitchFamily="50" charset="-127"/>
-                <a:ea typeface="G마켓 산스 Medium" panose="02000000000000000000" pitchFamily="50" charset="-127"/>
-              </a:rPr>
-              <a:t>.</a:t>
-            </a:r>
-            <a:r>
-              <a:rPr lang="ko-KR" altLang="en-US" sz="4800" dirty="0">
-                <a:solidFill>
-                  <a:schemeClr val="tx1">
-                    <a:lumMod val="50000"/>
-                    <a:lumOff val="50000"/>
-                  </a:schemeClr>
-                </a:solidFill>
-                <a:latin typeface="G마켓 산스 Medium" panose="02000000000000000000" pitchFamily="50" charset="-127"/>
-                <a:ea typeface="G마켓 산스 Medium" panose="02000000000000000000" pitchFamily="50" charset="-127"/>
-              </a:rPr>
-              <a:t> </a:t>
-            </a:r>
-            <a:endParaRPr lang="en-US" altLang="ko-KR" sz="4800" dirty="0">
-              <a:solidFill>
-                <a:schemeClr val="tx1">
-                  <a:lumMod val="50000"/>
-                  <a:lumOff val="50000"/>
-                </a:schemeClr>
-              </a:solidFill>
-              <a:latin typeface="G마켓 산스 Medium" panose="02000000000000000000" pitchFamily="50" charset="-127"/>
-              <a:ea typeface="G마켓 산스 Medium" panose="02000000000000000000" pitchFamily="50" charset="-127"/>
-            </a:endParaRPr>
-          </a:p>
-        </p:txBody>
-      </p:sp>
     </p:spTree>
     <p:extLst>
       <p:ext uri="{BB962C8B-B14F-4D97-AF65-F5344CB8AC3E}">
-        <p14:creationId xmlns:p14="http://schemas.microsoft.com/office/powerpoint/2010/main" val="2029341290"/>
+        <p14:creationId xmlns:p14="http://schemas.microsoft.com/office/powerpoint/2010/main" val="52312865"/>
       </p:ext>
     </p:extLst>
   </p:cSld>
@@ -4136,12 +4151,90 @@
           <a:chExt cx="0" cy="0"/>
         </a:xfrm>
       </p:grpSpPr>
+      <p:sp>
+        <p:nvSpPr>
+          <p:cNvPr id="4" name="TextBox 3">
+            <a:extLst>
+              <a:ext uri="{FF2B5EF4-FFF2-40B4-BE49-F238E27FC236}">
+                <a16:creationId xmlns:a16="http://schemas.microsoft.com/office/drawing/2014/main" id="{9F7DCD18-D21C-6601-530F-F0F4F9937612}"/>
+              </a:ext>
+            </a:extLst>
+          </p:cNvPr>
+          <p:cNvSpPr txBox="1"/>
+          <p:nvPr/>
+        </p:nvSpPr>
+        <p:spPr>
+          <a:xfrm>
+            <a:off x="1371600" y="497131"/>
+            <a:ext cx="6096000" cy="830997"/>
+          </a:xfrm>
+          <a:prstGeom prst="rect">
+            <a:avLst/>
+          </a:prstGeom>
+          <a:noFill/>
+        </p:spPr>
+        <p:txBody>
+          <a:bodyPr wrap="square" rtlCol="0">
+            <a:spAutoFit/>
+          </a:bodyPr>
+          <a:lstStyle/>
+          <a:p>
+            <a:r>
+              <a:rPr lang="en-US" altLang="ko-KR" sz="4800" dirty="0">
+                <a:solidFill>
+                  <a:srgbClr val="4C50BC"/>
+                </a:solidFill>
+                <a:latin typeface="G마켓 산스 Medium" panose="02000000000000000000" pitchFamily="50" charset="-127"/>
+                <a:ea typeface="G마켓 산스 Medium" panose="02000000000000000000" pitchFamily="50" charset="-127"/>
+              </a:rPr>
+              <a:t>If</a:t>
+            </a:r>
+            <a:r>
+              <a:rPr lang="ko-KR" altLang="en-US" sz="4800" dirty="0">
+                <a:solidFill>
+                  <a:srgbClr val="4C50BC"/>
+                </a:solidFill>
+                <a:latin typeface="G마켓 산스 Medium" panose="02000000000000000000" pitchFamily="50" charset="-127"/>
+                <a:ea typeface="G마켓 산스 Medium" panose="02000000000000000000" pitchFamily="50" charset="-127"/>
+              </a:rPr>
+              <a:t> </a:t>
+            </a:r>
+            <a:r>
+              <a:rPr lang="en-US" altLang="ko-KR" sz="4800" dirty="0">
+                <a:solidFill>
+                  <a:srgbClr val="4C50BC"/>
+                </a:solidFill>
+                <a:latin typeface="G마켓 산스 Medium" panose="02000000000000000000" pitchFamily="50" charset="-127"/>
+                <a:ea typeface="G마켓 산스 Medium" panose="02000000000000000000" pitchFamily="50" charset="-127"/>
+              </a:rPr>
+              <a:t>else </a:t>
+            </a:r>
+            <a:r>
+              <a:rPr lang="ko-KR" altLang="en-US" sz="4800" dirty="0">
+                <a:solidFill>
+                  <a:srgbClr val="4C50BC"/>
+                </a:solidFill>
+                <a:latin typeface="G마켓 산스 Medium" panose="02000000000000000000" pitchFamily="50" charset="-127"/>
+                <a:ea typeface="G마켓 산스 Medium" panose="02000000000000000000" pitchFamily="50" charset="-127"/>
+              </a:rPr>
+              <a:t>문</a:t>
+            </a:r>
+            <a:endParaRPr lang="en-US" altLang="ko-KR" sz="4800" dirty="0">
+              <a:solidFill>
+                <a:srgbClr val="4C50BC"/>
+              </a:solidFill>
+              <a:latin typeface="G마켓 산스 Medium" panose="02000000000000000000" pitchFamily="50" charset="-127"/>
+              <a:ea typeface="G마켓 산스 Medium" panose="02000000000000000000" pitchFamily="50" charset="-127"/>
+            </a:endParaRPr>
+          </a:p>
+        </p:txBody>
+      </p:sp>
       <p:pic>
         <p:nvPicPr>
-          <p:cNvPr id="5" name="그림 4">
+          <p:cNvPr id="6" name="그림 5">
             <a:extLst>
               <a:ext uri="{FF2B5EF4-FFF2-40B4-BE49-F238E27FC236}">
-                <a16:creationId xmlns:a16="http://schemas.microsoft.com/office/drawing/2014/main" xmlns="" id="{7BEE3E39-A24D-F33E-4CA5-82D38D31593B}"/>
+                <a16:creationId xmlns:a16="http://schemas.microsoft.com/office/drawing/2014/main" id="{1BAE0638-DBC8-5C47-FD9C-CE0D30CCF5E4}"/>
               </a:ext>
             </a:extLst>
           </p:cNvPr>
@@ -4158,20 +4251,50 @@
         </p:blipFill>
         <p:spPr>
           <a:xfrm>
-            <a:off x="3265714" y="2019300"/>
-            <a:ext cx="10430650" cy="5105400"/>
+            <a:off x="3276600" y="1485900"/>
+            <a:ext cx="7239000" cy="3209745"/>
           </a:xfrm>
           <a:prstGeom prst="rect">
             <a:avLst/>
           </a:prstGeom>
         </p:spPr>
       </p:pic>
-      <p:sp>
-        <p:nvSpPr>
-          <p:cNvPr id="6" name="TextBox 5">
+      <p:pic>
+        <p:nvPicPr>
+          <p:cNvPr id="8" name="그림 7">
             <a:extLst>
               <a:ext uri="{FF2B5EF4-FFF2-40B4-BE49-F238E27FC236}">
-                <a16:creationId xmlns:a16="http://schemas.microsoft.com/office/drawing/2014/main" xmlns="" id="{4F43F10C-CC06-7760-CF3C-67D67D7B696F}"/>
+                <a16:creationId xmlns:a16="http://schemas.microsoft.com/office/drawing/2014/main" id="{EB487B60-E45A-24AE-7CA2-5C56677DE4C2}"/>
+              </a:ext>
+            </a:extLst>
+          </p:cNvPr>
+          <p:cNvPicPr>
+            <a:picLocks noChangeAspect="1"/>
+          </p:cNvPicPr>
+          <p:nvPr/>
+        </p:nvPicPr>
+        <p:blipFill>
+          <a:blip r:embed="rId3"/>
+          <a:stretch>
+            <a:fillRect/>
+          </a:stretch>
+        </p:blipFill>
+        <p:spPr>
+          <a:xfrm>
+            <a:off x="3276600" y="5119802"/>
+            <a:ext cx="10435288" cy="2385898"/>
+          </a:xfrm>
+          <a:prstGeom prst="rect">
+            <a:avLst/>
+          </a:prstGeom>
+        </p:spPr>
+      </p:pic>
+      <p:sp>
+        <p:nvSpPr>
+          <p:cNvPr id="10" name="TextBox 9">
+            <a:extLst>
+              <a:ext uri="{FF2B5EF4-FFF2-40B4-BE49-F238E27FC236}">
+                <a16:creationId xmlns:a16="http://schemas.microsoft.com/office/drawing/2014/main" id="{9E0E451F-64C2-B448-16B3-68087D879252}"/>
               </a:ext>
             </a:extLst>
           </p:cNvPr>
@@ -4180,8 +4303,8 @@
         </p:nvSpPr>
         <p:spPr>
           <a:xfrm>
-            <a:off x="2590800" y="7641326"/>
-            <a:ext cx="2743200" cy="646331"/>
+            <a:off x="1981200" y="8191500"/>
+            <a:ext cx="13563600" cy="830997"/>
           </a:xfrm>
           <a:prstGeom prst="rect">
             <a:avLst/>
@@ -4195,6 +4318,159 @@
           <a:lstStyle/>
           <a:p>
             <a:r>
+              <a:rPr lang="en-US" altLang="ko-KR" sz="4800" dirty="0">
+                <a:solidFill>
+                  <a:schemeClr val="tx1">
+                    <a:lumMod val="50000"/>
+                    <a:lumOff val="50000"/>
+                  </a:schemeClr>
+                </a:solidFill>
+                <a:latin typeface="G마켓 산스 Medium" panose="02000000000000000000" pitchFamily="50" charset="-127"/>
+                <a:ea typeface="G마켓 산스 Medium" panose="02000000000000000000" pitchFamily="50" charset="-127"/>
+              </a:rPr>
+              <a:t>Else</a:t>
+            </a:r>
+            <a:r>
+              <a:rPr lang="ko-KR" altLang="en-US" sz="4800" dirty="0">
+                <a:solidFill>
+                  <a:schemeClr val="tx1">
+                    <a:lumMod val="50000"/>
+                    <a:lumOff val="50000"/>
+                  </a:schemeClr>
+                </a:solidFill>
+                <a:latin typeface="G마켓 산스 Medium" panose="02000000000000000000" pitchFamily="50" charset="-127"/>
+                <a:ea typeface="G마켓 산스 Medium" panose="02000000000000000000" pitchFamily="50" charset="-127"/>
+              </a:rPr>
+              <a:t>문 역시 한줄이라면 중괄호는 생략 가능하다</a:t>
+            </a:r>
+            <a:r>
+              <a:rPr lang="en-US" altLang="ko-KR" sz="4800" dirty="0">
+                <a:solidFill>
+                  <a:schemeClr val="tx1">
+                    <a:lumMod val="50000"/>
+                    <a:lumOff val="50000"/>
+                  </a:schemeClr>
+                </a:solidFill>
+                <a:latin typeface="G마켓 산스 Medium" panose="02000000000000000000" pitchFamily="50" charset="-127"/>
+                <a:ea typeface="G마켓 산스 Medium" panose="02000000000000000000" pitchFamily="50" charset="-127"/>
+              </a:rPr>
+              <a:t>.</a:t>
+            </a:r>
+            <a:r>
+              <a:rPr lang="ko-KR" altLang="en-US" sz="4800" dirty="0">
+                <a:solidFill>
+                  <a:schemeClr val="tx1">
+                    <a:lumMod val="50000"/>
+                    <a:lumOff val="50000"/>
+                  </a:schemeClr>
+                </a:solidFill>
+                <a:latin typeface="G마켓 산스 Medium" panose="02000000000000000000" pitchFamily="50" charset="-127"/>
+                <a:ea typeface="G마켓 산스 Medium" panose="02000000000000000000" pitchFamily="50" charset="-127"/>
+              </a:rPr>
+              <a:t> </a:t>
+            </a:r>
+            <a:endParaRPr lang="en-US" altLang="ko-KR" sz="4800" dirty="0">
+              <a:solidFill>
+                <a:schemeClr val="tx1">
+                  <a:lumMod val="50000"/>
+                  <a:lumOff val="50000"/>
+                </a:schemeClr>
+              </a:solidFill>
+              <a:latin typeface="G마켓 산스 Medium" panose="02000000000000000000" pitchFamily="50" charset="-127"/>
+              <a:ea typeface="G마켓 산스 Medium" panose="02000000000000000000" pitchFamily="50" charset="-127"/>
+            </a:endParaRPr>
+          </a:p>
+        </p:txBody>
+      </p:sp>
+    </p:spTree>
+    <p:extLst>
+      <p:ext uri="{BB962C8B-B14F-4D97-AF65-F5344CB8AC3E}">
+        <p14:creationId xmlns:p14="http://schemas.microsoft.com/office/powerpoint/2010/main" val="2029341290"/>
+      </p:ext>
+    </p:extLst>
+  </p:cSld>
+  <p:clrMapOvr>
+    <a:masterClrMapping/>
+  </p:clrMapOvr>
+</p:sld>
+</file>
+
+<file path=ppt/slides/slide12.xml><?xml version="1.0" encoding="utf-8"?>
+<p:sld xmlns:a="http://schemas.openxmlformats.org/drawingml/2006/main" xmlns:r="http://schemas.openxmlformats.org/officeDocument/2006/relationships" xmlns:p="http://schemas.openxmlformats.org/presentationml/2006/main">
+  <p:cSld>
+    <p:spTree>
+      <p:nvGrpSpPr>
+        <p:cNvPr id="1" name=""/>
+        <p:cNvGrpSpPr/>
+        <p:nvPr/>
+      </p:nvGrpSpPr>
+      <p:grpSpPr>
+        <a:xfrm>
+          <a:off x="0" y="0"/>
+          <a:ext cx="0" cy="0"/>
+          <a:chOff x="0" y="0"/>
+          <a:chExt cx="0" cy="0"/>
+        </a:xfrm>
+      </p:grpSpPr>
+      <p:pic>
+        <p:nvPicPr>
+          <p:cNvPr id="5" name="그림 4">
+            <a:extLst>
+              <a:ext uri="{FF2B5EF4-FFF2-40B4-BE49-F238E27FC236}">
+                <a16:creationId xmlns:a16="http://schemas.microsoft.com/office/drawing/2014/main" id="{7BEE3E39-A24D-F33E-4CA5-82D38D31593B}"/>
+              </a:ext>
+            </a:extLst>
+          </p:cNvPr>
+          <p:cNvPicPr>
+            <a:picLocks noChangeAspect="1"/>
+          </p:cNvPicPr>
+          <p:nvPr/>
+        </p:nvPicPr>
+        <p:blipFill>
+          <a:blip r:embed="rId2"/>
+          <a:stretch>
+            <a:fillRect/>
+          </a:stretch>
+        </p:blipFill>
+        <p:spPr>
+          <a:xfrm>
+            <a:off x="3265714" y="2019300"/>
+            <a:ext cx="10430650" cy="5105400"/>
+          </a:xfrm>
+          <a:prstGeom prst="rect">
+            <a:avLst/>
+          </a:prstGeom>
+        </p:spPr>
+      </p:pic>
+      <p:sp>
+        <p:nvSpPr>
+          <p:cNvPr id="6" name="TextBox 5">
+            <a:extLst>
+              <a:ext uri="{FF2B5EF4-FFF2-40B4-BE49-F238E27FC236}">
+                <a16:creationId xmlns:a16="http://schemas.microsoft.com/office/drawing/2014/main" id="{4F43F10C-CC06-7760-CF3C-67D67D7B696F}"/>
+              </a:ext>
+            </a:extLst>
+          </p:cNvPr>
+          <p:cNvSpPr txBox="1"/>
+          <p:nvPr/>
+        </p:nvSpPr>
+        <p:spPr>
+          <a:xfrm>
+            <a:off x="2590800" y="7641326"/>
+            <a:ext cx="2743200" cy="646331"/>
+          </a:xfrm>
+          <a:prstGeom prst="rect">
+            <a:avLst/>
+          </a:prstGeom>
+          <a:noFill/>
+        </p:spPr>
+        <p:txBody>
+          <a:bodyPr wrap="square" rtlCol="0">
+            <a:spAutoFit/>
+          </a:bodyPr>
+          <a:lstStyle/>
+          <a:p>
+            <a:r>
               <a:rPr lang="ko-KR" altLang="en-US" sz="3600" dirty="0">
                 <a:solidFill>
                   <a:srgbClr val="FF0000"/>
@@ -4222,7 +4498,7 @@
           <p:cNvPr id="7" name="직사각형 6">
             <a:extLst>
               <a:ext uri="{FF2B5EF4-FFF2-40B4-BE49-F238E27FC236}">
-                <a16:creationId xmlns:a16="http://schemas.microsoft.com/office/drawing/2014/main" xmlns="" id="{53EF01DA-1BCB-8BA3-E428-193F296D34A4}"/>
+                <a16:creationId xmlns:a16="http://schemas.microsoft.com/office/drawing/2014/main" id="{53EF01DA-1BCB-8BA3-E428-193F296D34A4}"/>
               </a:ext>
             </a:extLst>
           </p:cNvPr>
@@ -4274,7 +4550,7 @@
           <p:cNvPr id="8" name="직선 화살표 연결선 7">
             <a:extLst>
               <a:ext uri="{FF2B5EF4-FFF2-40B4-BE49-F238E27FC236}">
-                <a16:creationId xmlns:a16="http://schemas.microsoft.com/office/drawing/2014/main" xmlns="" id="{90995D50-2843-08FC-0C33-515398921122}"/>
+                <a16:creationId xmlns:a16="http://schemas.microsoft.com/office/drawing/2014/main" id="{90995D50-2843-08FC-0C33-515398921122}"/>
               </a:ext>
             </a:extLst>
           </p:cNvPr>
@@ -4315,7 +4591,7 @@
           <p:cNvPr id="9" name="TextBox 8">
             <a:extLst>
               <a:ext uri="{FF2B5EF4-FFF2-40B4-BE49-F238E27FC236}">
-                <a16:creationId xmlns:a16="http://schemas.microsoft.com/office/drawing/2014/main" xmlns="" id="{B3F3ACE7-DA91-9F3A-7E2D-A96A5940A8E4}"/>
+                <a16:creationId xmlns:a16="http://schemas.microsoft.com/office/drawing/2014/main" id="{B3F3ACE7-DA91-9F3A-7E2D-A96A5940A8E4}"/>
               </a:ext>
             </a:extLst>
           </p:cNvPr>
@@ -4534,188 +4810,6 @@
 </p:sld>
 </file>
 
-<file path=ppt/slides/slide12.xml><?xml version="1.0" encoding="utf-8"?>
-<p:sld xmlns:a="http://schemas.openxmlformats.org/drawingml/2006/main" xmlns:r="http://schemas.openxmlformats.org/officeDocument/2006/relationships" xmlns:p="http://schemas.openxmlformats.org/presentationml/2006/main">
-  <p:cSld>
-    <p:spTree>
-      <p:nvGrpSpPr>
-        <p:cNvPr id="1" name=""/>
-        <p:cNvGrpSpPr/>
-        <p:nvPr/>
-      </p:nvGrpSpPr>
-      <p:grpSpPr>
-        <a:xfrm>
-          <a:off x="0" y="0"/>
-          <a:ext cx="0" cy="0"/>
-          <a:chOff x="0" y="0"/>
-          <a:chExt cx="0" cy="0"/>
-        </a:xfrm>
-      </p:grpSpPr>
-      <p:sp>
-        <p:nvSpPr>
-          <p:cNvPr id="5" name="TextBox 4">
-            <a:extLst>
-              <a:ext uri="{FF2B5EF4-FFF2-40B4-BE49-F238E27FC236}">
-                <a16:creationId xmlns:a16="http://schemas.microsoft.com/office/drawing/2014/main" xmlns="" id="{E8999D63-5E6C-352A-7C9F-755BB5230669}"/>
-              </a:ext>
-            </a:extLst>
-          </p:cNvPr>
-          <p:cNvSpPr txBox="1"/>
-          <p:nvPr/>
-        </p:nvSpPr>
-        <p:spPr>
-          <a:xfrm>
-            <a:off x="7086600" y="1790700"/>
-            <a:ext cx="3733800" cy="830997"/>
-          </a:xfrm>
-          <a:prstGeom prst="rect">
-            <a:avLst/>
-          </a:prstGeom>
-          <a:noFill/>
-        </p:spPr>
-        <p:txBody>
-          <a:bodyPr wrap="square" rtlCol="0">
-            <a:spAutoFit/>
-          </a:bodyPr>
-          <a:lstStyle/>
-          <a:p>
-            <a:r>
-              <a:rPr lang="ko-KR" altLang="en-US" sz="4800" dirty="0" err="1">
-                <a:solidFill>
-                  <a:srgbClr val="4C50BC"/>
-                </a:solidFill>
-                <a:latin typeface="G마켓 산스 Medium" panose="02000000000000000000" pitchFamily="50" charset="-127"/>
-                <a:ea typeface="G마켓 산스 Medium" panose="02000000000000000000" pitchFamily="50" charset="-127"/>
-              </a:rPr>
-              <a:t>같은것인가</a:t>
-            </a:r>
-            <a:r>
-              <a:rPr lang="en-US" altLang="ko-KR" sz="4800" dirty="0">
-                <a:solidFill>
-                  <a:srgbClr val="4C50BC"/>
-                </a:solidFill>
-                <a:latin typeface="G마켓 산스 Medium" panose="02000000000000000000" pitchFamily="50" charset="-127"/>
-                <a:ea typeface="G마켓 산스 Medium" panose="02000000000000000000" pitchFamily="50" charset="-127"/>
-              </a:rPr>
-              <a:t>?</a:t>
-            </a:r>
-          </a:p>
-        </p:txBody>
-      </p:sp>
-      <p:sp>
-        <p:nvSpPr>
-          <p:cNvPr id="6" name="TextBox 5">
-            <a:extLst>
-              <a:ext uri="{FF2B5EF4-FFF2-40B4-BE49-F238E27FC236}">
-                <a16:creationId xmlns:a16="http://schemas.microsoft.com/office/drawing/2014/main" xmlns="" id="{3D942B6A-100D-7C4F-8A6D-16BF9AFCDB26}"/>
-              </a:ext>
-            </a:extLst>
-          </p:cNvPr>
-          <p:cNvSpPr txBox="1"/>
-          <p:nvPr/>
-        </p:nvSpPr>
-        <p:spPr>
-          <a:xfrm>
-            <a:off x="8153400" y="4312503"/>
-            <a:ext cx="685800" cy="1446550"/>
-          </a:xfrm>
-          <a:prstGeom prst="rect">
-            <a:avLst/>
-          </a:prstGeom>
-          <a:noFill/>
-        </p:spPr>
-        <p:txBody>
-          <a:bodyPr wrap="square" rtlCol="0">
-            <a:spAutoFit/>
-          </a:bodyPr>
-          <a:lstStyle/>
-          <a:p>
-            <a:r>
-              <a:rPr lang="en-US" altLang="ko-KR" sz="8800" b="1" dirty="0">
-                <a:solidFill>
-                  <a:srgbClr val="4C50BC"/>
-                </a:solidFill>
-                <a:latin typeface="G마켓 산스 Bold"/>
-                <a:ea typeface="G마켓 산스 Medium" panose="02000000000000000000" pitchFamily="50" charset="-127"/>
-              </a:rPr>
-              <a:t>=</a:t>
-            </a:r>
-          </a:p>
-        </p:txBody>
-      </p:sp>
-      <p:pic>
-        <p:nvPicPr>
-          <p:cNvPr id="8" name="그림 7">
-            <a:extLst>
-              <a:ext uri="{FF2B5EF4-FFF2-40B4-BE49-F238E27FC236}">
-                <a16:creationId xmlns:a16="http://schemas.microsoft.com/office/drawing/2014/main" xmlns="" id="{9B64380C-2998-E601-FA96-882BE9CC965D}"/>
-              </a:ext>
-            </a:extLst>
-          </p:cNvPr>
-          <p:cNvPicPr>
-            <a:picLocks noChangeAspect="1"/>
-          </p:cNvPicPr>
-          <p:nvPr/>
-        </p:nvPicPr>
-        <p:blipFill>
-          <a:blip r:embed="rId2"/>
-          <a:stretch>
-            <a:fillRect/>
-          </a:stretch>
-        </p:blipFill>
-        <p:spPr>
-          <a:xfrm>
-            <a:off x="228599" y="3359870"/>
-            <a:ext cx="7868495" cy="3764830"/>
-          </a:xfrm>
-          <a:prstGeom prst="rect">
-            <a:avLst/>
-          </a:prstGeom>
-        </p:spPr>
-      </p:pic>
-      <p:pic>
-        <p:nvPicPr>
-          <p:cNvPr id="10" name="그림 9">
-            <a:extLst>
-              <a:ext uri="{FF2B5EF4-FFF2-40B4-BE49-F238E27FC236}">
-                <a16:creationId xmlns:a16="http://schemas.microsoft.com/office/drawing/2014/main" xmlns="" id="{0A483ABE-F810-B686-DFCE-E76E8EE700A3}"/>
-              </a:ext>
-            </a:extLst>
-          </p:cNvPr>
-          <p:cNvPicPr>
-            <a:picLocks noChangeAspect="1"/>
-          </p:cNvPicPr>
-          <p:nvPr/>
-        </p:nvPicPr>
-        <p:blipFill>
-          <a:blip r:embed="rId3"/>
-          <a:stretch>
-            <a:fillRect/>
-          </a:stretch>
-        </p:blipFill>
-        <p:spPr>
-          <a:xfrm>
-            <a:off x="9144000" y="3326528"/>
-            <a:ext cx="7908272" cy="3798172"/>
-          </a:xfrm>
-          <a:prstGeom prst="rect">
-            <a:avLst/>
-          </a:prstGeom>
-        </p:spPr>
-      </p:pic>
-    </p:spTree>
-    <p:extLst>
-      <p:ext uri="{BB962C8B-B14F-4D97-AF65-F5344CB8AC3E}">
-        <p14:creationId xmlns:p14="http://schemas.microsoft.com/office/powerpoint/2010/main" val="3864149432"/>
-      </p:ext>
-    </p:extLst>
-  </p:cSld>
-  <p:clrMapOvr>
-    <a:masterClrMapping/>
-  </p:clrMapOvr>
-</p:sld>
-</file>
-
 <file path=ppt/slides/slide13.xml><?xml version="1.0" encoding="utf-8"?>
 <p:sld xmlns:a="http://schemas.openxmlformats.org/drawingml/2006/main" xmlns:r="http://schemas.openxmlformats.org/officeDocument/2006/relationships" xmlns:p="http://schemas.openxmlformats.org/presentationml/2006/main">
   <p:cSld>
@@ -4735,10 +4829,10 @@
       </p:grpSpPr>
       <p:sp>
         <p:nvSpPr>
-          <p:cNvPr id="4" name="TextBox 3">
+          <p:cNvPr id="5" name="TextBox 4">
             <a:extLst>
               <a:ext uri="{FF2B5EF4-FFF2-40B4-BE49-F238E27FC236}">
-                <a16:creationId xmlns:a16="http://schemas.microsoft.com/office/drawing/2014/main" xmlns="" id="{5ADC00B6-990A-40DC-3CEA-505258F5E8DA}"/>
+                <a16:creationId xmlns:a16="http://schemas.microsoft.com/office/drawing/2014/main" id="{E8999D63-5E6C-352A-7C9F-755BB5230669}"/>
               </a:ext>
             </a:extLst>
           </p:cNvPr>
@@ -4747,8 +4841,8 @@
         </p:nvSpPr>
         <p:spPr>
           <a:xfrm>
-            <a:off x="1371600" y="497131"/>
-            <a:ext cx="6096000" cy="830997"/>
+            <a:off x="7086600" y="1790700"/>
+            <a:ext cx="3733800" cy="830997"/>
           </a:xfrm>
           <a:prstGeom prst="rect">
             <a:avLst/>
@@ -4762,17 +4856,199 @@
           <a:lstStyle/>
           <a:p>
             <a:r>
-              <a:rPr lang="ko-KR" altLang="en-US" sz="4800" smtClean="0">
+              <a:rPr lang="ko-KR" altLang="en-US" sz="4800" dirty="0" err="1">
                 <a:solidFill>
                   <a:srgbClr val="4C50BC"/>
                 </a:solidFill>
                 <a:latin typeface="G마켓 산스 Medium" panose="02000000000000000000" pitchFamily="50" charset="-127"/>
                 <a:ea typeface="G마켓 산스 Medium" panose="02000000000000000000" pitchFamily="50" charset="-127"/>
               </a:rPr>
+              <a:t>같은것인가</a:t>
+            </a:r>
+            <a:r>
+              <a:rPr lang="en-US" altLang="ko-KR" sz="4800" dirty="0">
+                <a:solidFill>
+                  <a:srgbClr val="4C50BC"/>
+                </a:solidFill>
+                <a:latin typeface="G마켓 산스 Medium" panose="02000000000000000000" pitchFamily="50" charset="-127"/>
+                <a:ea typeface="G마켓 산스 Medium" panose="02000000000000000000" pitchFamily="50" charset="-127"/>
+              </a:rPr>
+              <a:t>?</a:t>
+            </a:r>
+          </a:p>
+        </p:txBody>
+      </p:sp>
+      <p:sp>
+        <p:nvSpPr>
+          <p:cNvPr id="6" name="TextBox 5">
+            <a:extLst>
+              <a:ext uri="{FF2B5EF4-FFF2-40B4-BE49-F238E27FC236}">
+                <a16:creationId xmlns:a16="http://schemas.microsoft.com/office/drawing/2014/main" id="{3D942B6A-100D-7C4F-8A6D-16BF9AFCDB26}"/>
+              </a:ext>
+            </a:extLst>
+          </p:cNvPr>
+          <p:cNvSpPr txBox="1"/>
+          <p:nvPr/>
+        </p:nvSpPr>
+        <p:spPr>
+          <a:xfrm>
+            <a:off x="8153400" y="4312503"/>
+            <a:ext cx="685800" cy="1446550"/>
+          </a:xfrm>
+          <a:prstGeom prst="rect">
+            <a:avLst/>
+          </a:prstGeom>
+          <a:noFill/>
+        </p:spPr>
+        <p:txBody>
+          <a:bodyPr wrap="square" rtlCol="0">
+            <a:spAutoFit/>
+          </a:bodyPr>
+          <a:lstStyle/>
+          <a:p>
+            <a:r>
+              <a:rPr lang="en-US" altLang="ko-KR" sz="8800" b="1" dirty="0">
+                <a:solidFill>
+                  <a:srgbClr val="4C50BC"/>
+                </a:solidFill>
+                <a:latin typeface="G마켓 산스 Bold"/>
+                <a:ea typeface="G마켓 산스 Medium" panose="02000000000000000000" pitchFamily="50" charset="-127"/>
+              </a:rPr>
+              <a:t>=</a:t>
+            </a:r>
+          </a:p>
+        </p:txBody>
+      </p:sp>
+      <p:pic>
+        <p:nvPicPr>
+          <p:cNvPr id="8" name="그림 7">
+            <a:extLst>
+              <a:ext uri="{FF2B5EF4-FFF2-40B4-BE49-F238E27FC236}">
+                <a16:creationId xmlns:a16="http://schemas.microsoft.com/office/drawing/2014/main" id="{9B64380C-2998-E601-FA96-882BE9CC965D}"/>
+              </a:ext>
+            </a:extLst>
+          </p:cNvPr>
+          <p:cNvPicPr>
+            <a:picLocks noChangeAspect="1"/>
+          </p:cNvPicPr>
+          <p:nvPr/>
+        </p:nvPicPr>
+        <p:blipFill>
+          <a:blip r:embed="rId2"/>
+          <a:stretch>
+            <a:fillRect/>
+          </a:stretch>
+        </p:blipFill>
+        <p:spPr>
+          <a:xfrm>
+            <a:off x="228599" y="3359870"/>
+            <a:ext cx="7868495" cy="3764830"/>
+          </a:xfrm>
+          <a:prstGeom prst="rect">
+            <a:avLst/>
+          </a:prstGeom>
+        </p:spPr>
+      </p:pic>
+      <p:pic>
+        <p:nvPicPr>
+          <p:cNvPr id="10" name="그림 9">
+            <a:extLst>
+              <a:ext uri="{FF2B5EF4-FFF2-40B4-BE49-F238E27FC236}">
+                <a16:creationId xmlns:a16="http://schemas.microsoft.com/office/drawing/2014/main" id="{0A483ABE-F810-B686-DFCE-E76E8EE700A3}"/>
+              </a:ext>
+            </a:extLst>
+          </p:cNvPr>
+          <p:cNvPicPr>
+            <a:picLocks noChangeAspect="1"/>
+          </p:cNvPicPr>
+          <p:nvPr/>
+        </p:nvPicPr>
+        <p:blipFill>
+          <a:blip r:embed="rId3"/>
+          <a:stretch>
+            <a:fillRect/>
+          </a:stretch>
+        </p:blipFill>
+        <p:spPr>
+          <a:xfrm>
+            <a:off x="9144000" y="3326528"/>
+            <a:ext cx="7908272" cy="3798172"/>
+          </a:xfrm>
+          <a:prstGeom prst="rect">
+            <a:avLst/>
+          </a:prstGeom>
+        </p:spPr>
+      </p:pic>
+    </p:spTree>
+    <p:extLst>
+      <p:ext uri="{BB962C8B-B14F-4D97-AF65-F5344CB8AC3E}">
+        <p14:creationId xmlns:p14="http://schemas.microsoft.com/office/powerpoint/2010/main" val="3864149432"/>
+      </p:ext>
+    </p:extLst>
+  </p:cSld>
+  <p:clrMapOvr>
+    <a:masterClrMapping/>
+  </p:clrMapOvr>
+</p:sld>
+</file>
+
+<file path=ppt/slides/slide14.xml><?xml version="1.0" encoding="utf-8"?>
+<p:sld xmlns:a="http://schemas.openxmlformats.org/drawingml/2006/main" xmlns:r="http://schemas.openxmlformats.org/officeDocument/2006/relationships" xmlns:p="http://schemas.openxmlformats.org/presentationml/2006/main">
+  <p:cSld>
+    <p:spTree>
+      <p:nvGrpSpPr>
+        <p:cNvPr id="1" name=""/>
+        <p:cNvGrpSpPr/>
+        <p:nvPr/>
+      </p:nvGrpSpPr>
+      <p:grpSpPr>
+        <a:xfrm>
+          <a:off x="0" y="0"/>
+          <a:ext cx="0" cy="0"/>
+          <a:chOff x="0" y="0"/>
+          <a:chExt cx="0" cy="0"/>
+        </a:xfrm>
+      </p:grpSpPr>
+      <p:sp>
+        <p:nvSpPr>
+          <p:cNvPr id="4" name="TextBox 3">
+            <a:extLst>
+              <a:ext uri="{FF2B5EF4-FFF2-40B4-BE49-F238E27FC236}">
+                <a16:creationId xmlns:a16="http://schemas.microsoft.com/office/drawing/2014/main" id="{5ADC00B6-990A-40DC-3CEA-505258F5E8DA}"/>
+              </a:ext>
+            </a:extLst>
+          </p:cNvPr>
+          <p:cNvSpPr txBox="1"/>
+          <p:nvPr/>
+        </p:nvSpPr>
+        <p:spPr>
+          <a:xfrm>
+            <a:off x="1371600" y="497131"/>
+            <a:ext cx="6096000" cy="830997"/>
+          </a:xfrm>
+          <a:prstGeom prst="rect">
+            <a:avLst/>
+          </a:prstGeom>
+          <a:noFill/>
+        </p:spPr>
+        <p:txBody>
+          <a:bodyPr wrap="square" rtlCol="0">
+            <a:spAutoFit/>
+          </a:bodyPr>
+          <a:lstStyle/>
+          <a:p>
+            <a:r>
+              <a:rPr lang="ko-KR" altLang="en-US" sz="4800">
+                <a:solidFill>
+                  <a:srgbClr val="4C50BC"/>
+                </a:solidFill>
+                <a:latin typeface="G마켓 산스 Medium" panose="02000000000000000000" pitchFamily="50" charset="-127"/>
+                <a:ea typeface="G마켓 산스 Medium" panose="02000000000000000000" pitchFamily="50" charset="-127"/>
+              </a:rPr>
               <a:t>실습문제</a:t>
             </a:r>
             <a:r>
-              <a:rPr lang="en-US" altLang="ko-KR" sz="4800" smtClean="0">
+              <a:rPr lang="en-US" altLang="ko-KR" sz="4800">
                 <a:solidFill>
                   <a:srgbClr val="4C50BC"/>
                 </a:solidFill>
@@ -4796,7 +5072,7 @@
           <p:cNvPr id="5" name="TextBox 4">
             <a:extLst>
               <a:ext uri="{FF2B5EF4-FFF2-40B4-BE49-F238E27FC236}">
-                <a16:creationId xmlns:a16="http://schemas.microsoft.com/office/drawing/2014/main" xmlns="" id="{4EDAA912-8FA0-0F11-119B-EA9F8B36A489}"/>
+                <a16:creationId xmlns:a16="http://schemas.microsoft.com/office/drawing/2014/main" id="{4EDAA912-8FA0-0F11-119B-EA9F8B36A489}"/>
               </a:ext>
             </a:extLst>
           </p:cNvPr>
@@ -4995,7 +5271,7 @@
           <p:cNvPr id="3" name="TextBox 2">
             <a:extLst>
               <a:ext uri="{FF2B5EF4-FFF2-40B4-BE49-F238E27FC236}">
-                <a16:creationId xmlns:a16="http://schemas.microsoft.com/office/drawing/2014/main" xmlns="" id="{37E7CF9D-7E92-6FF8-C88F-AC65D75D85F8}"/>
+                <a16:creationId xmlns:a16="http://schemas.microsoft.com/office/drawing/2014/main" id="{37E7CF9D-7E92-6FF8-C88F-AC65D75D85F8}"/>
               </a:ext>
             </a:extLst>
           </p:cNvPr>
@@ -5005,7 +5281,7 @@
         <p:spPr>
           <a:xfrm>
             <a:off x="990600" y="5924371"/>
-            <a:ext cx="12454050" cy="3416320"/>
+            <a:ext cx="12615954" cy="3416320"/>
           </a:xfrm>
           <a:prstGeom prst="rect">
             <a:avLst/>
@@ -5042,7 +5318,7 @@
                 <a:latin typeface="G마켓 산스 Medium" panose="02000000000000000000" pitchFamily="50" charset="-127"/>
                 <a:ea typeface="G마켓 산스 Medium" panose="02000000000000000000" pitchFamily="50" charset="-127"/>
               </a:rPr>
-              <a:t>키보드로 성적을 입력 받아  아래의 기준대로 </a:t>
+              <a:t>키보드로 성적을 입력 받아  아래의 기준대로 출력 </a:t>
             </a:r>
             <a:r>
               <a:rPr lang="ko-KR" altLang="en-US" sz="3600" dirty="0" err="1">
@@ -5055,7 +5331,7 @@
                 <a:latin typeface="G마켓 산스 Medium" panose="02000000000000000000" pitchFamily="50" charset="-127"/>
                 <a:ea typeface="G마켓 산스 Medium" panose="02000000000000000000" pitchFamily="50" charset="-127"/>
               </a:rPr>
-              <a:t>출력하시오</a:t>
+              <a:t>하시오</a:t>
             </a:r>
             <a:endParaRPr lang="en-US" altLang="ko-KR" sz="3600" dirty="0">
               <a:solidFill>
@@ -5460,7 +5736,7 @@
           <p:cNvPr id="11" name="그림 10">
             <a:extLst>
               <a:ext uri="{FF2B5EF4-FFF2-40B4-BE49-F238E27FC236}">
-                <a16:creationId xmlns:a16="http://schemas.microsoft.com/office/drawing/2014/main" xmlns="" id="{64FE6E6B-92BC-1BEB-DD68-5A03B62EEDA1}"/>
+                <a16:creationId xmlns:a16="http://schemas.microsoft.com/office/drawing/2014/main" id="{64FE6E6B-92BC-1BEB-DD68-5A03B62EEDA1}"/>
               </a:ext>
             </a:extLst>
           </p:cNvPr>
@@ -5490,7 +5766,7 @@
           <p:cNvPr id="13" name="그림 12">
             <a:extLst>
               <a:ext uri="{FF2B5EF4-FFF2-40B4-BE49-F238E27FC236}">
-                <a16:creationId xmlns:a16="http://schemas.microsoft.com/office/drawing/2014/main" xmlns="" id="{3CF34DAD-48D2-F0CB-86F9-A2E7445936F0}"/>
+                <a16:creationId xmlns:a16="http://schemas.microsoft.com/office/drawing/2014/main" id="{3CF34DAD-48D2-F0CB-86F9-A2E7445936F0}"/>
               </a:ext>
             </a:extLst>
           </p:cNvPr>
@@ -5520,7 +5796,7 @@
           <p:cNvPr id="15" name="그림 14">
             <a:extLst>
               <a:ext uri="{FF2B5EF4-FFF2-40B4-BE49-F238E27FC236}">
-                <a16:creationId xmlns:a16="http://schemas.microsoft.com/office/drawing/2014/main" xmlns="" id="{00BA284B-8A8E-714B-841D-54FBC7A47159}"/>
+                <a16:creationId xmlns:a16="http://schemas.microsoft.com/office/drawing/2014/main" id="{00BA284B-8A8E-714B-841D-54FBC7A47159}"/>
               </a:ext>
             </a:extLst>
           </p:cNvPr>
@@ -5550,7 +5826,7 @@
           <p:cNvPr id="17" name="그림 16">
             <a:extLst>
               <a:ext uri="{FF2B5EF4-FFF2-40B4-BE49-F238E27FC236}">
-                <a16:creationId xmlns:a16="http://schemas.microsoft.com/office/drawing/2014/main" xmlns="" id="{4E6EBF70-C1D2-8978-A62E-DF7FE2B76E0D}"/>
+                <a16:creationId xmlns:a16="http://schemas.microsoft.com/office/drawing/2014/main" id="{4E6EBF70-C1D2-8978-A62E-DF7FE2B76E0D}"/>
               </a:ext>
             </a:extLst>
           </p:cNvPr>
@@ -5580,7 +5856,7 @@
           <p:cNvPr id="19" name="그림 18">
             <a:extLst>
               <a:ext uri="{FF2B5EF4-FFF2-40B4-BE49-F238E27FC236}">
-                <a16:creationId xmlns:a16="http://schemas.microsoft.com/office/drawing/2014/main" xmlns="" id="{966D2FC5-402B-3935-686F-5F57DB4E358F}"/>
+                <a16:creationId xmlns:a16="http://schemas.microsoft.com/office/drawing/2014/main" id="{966D2FC5-402B-3935-686F-5F57DB4E358F}"/>
               </a:ext>
             </a:extLst>
           </p:cNvPr>
@@ -5738,124 +6014,6 @@
 </p:sld>
 </file>
 
-<file path=ppt/slides/slide14.xml><?xml version="1.0" encoding="utf-8"?>
-<p:sld xmlns:a="http://schemas.openxmlformats.org/drawingml/2006/main" xmlns:r="http://schemas.openxmlformats.org/officeDocument/2006/relationships" xmlns:p="http://schemas.openxmlformats.org/presentationml/2006/main">
-  <p:cSld>
-    <p:spTree>
-      <p:nvGrpSpPr>
-        <p:cNvPr id="1" name=""/>
-        <p:cNvGrpSpPr/>
-        <p:nvPr/>
-      </p:nvGrpSpPr>
-      <p:grpSpPr>
-        <a:xfrm>
-          <a:off x="0" y="0"/>
-          <a:ext cx="0" cy="0"/>
-          <a:chOff x="0" y="0"/>
-          <a:chExt cx="0" cy="0"/>
-        </a:xfrm>
-      </p:grpSpPr>
-      <p:sp>
-        <p:nvSpPr>
-          <p:cNvPr id="4" name="TextBox 3">
-            <a:extLst>
-              <a:ext uri="{FF2B5EF4-FFF2-40B4-BE49-F238E27FC236}">
-                <a16:creationId xmlns:a16="http://schemas.microsoft.com/office/drawing/2014/main" xmlns="" id="{42DA360B-FCE9-ADF1-10BF-66DDB117C22D}"/>
-              </a:ext>
-            </a:extLst>
-          </p:cNvPr>
-          <p:cNvSpPr txBox="1"/>
-          <p:nvPr/>
-        </p:nvSpPr>
-        <p:spPr>
-          <a:xfrm>
-            <a:off x="1371600" y="497131"/>
-            <a:ext cx="6096000" cy="830997"/>
-          </a:xfrm>
-          <a:prstGeom prst="rect">
-            <a:avLst/>
-          </a:prstGeom>
-          <a:noFill/>
-        </p:spPr>
-        <p:txBody>
-          <a:bodyPr wrap="square" rtlCol="0">
-            <a:spAutoFit/>
-          </a:bodyPr>
-          <a:lstStyle/>
-          <a:p>
-            <a:r>
-              <a:rPr lang="en-US" altLang="ko-KR" sz="4800" dirty="0">
-                <a:solidFill>
-                  <a:srgbClr val="4C50BC"/>
-                </a:solidFill>
-                <a:latin typeface="G마켓 산스 Medium" panose="02000000000000000000" pitchFamily="50" charset="-127"/>
-                <a:ea typeface="G마켓 산스 Medium" panose="02000000000000000000" pitchFamily="50" charset="-127"/>
-              </a:rPr>
-              <a:t>If</a:t>
-            </a:r>
-            <a:r>
-              <a:rPr lang="ko-KR" altLang="en-US" sz="4800" dirty="0">
-                <a:solidFill>
-                  <a:srgbClr val="4C50BC"/>
-                </a:solidFill>
-                <a:latin typeface="G마켓 산스 Medium" panose="02000000000000000000" pitchFamily="50" charset="-127"/>
-                <a:ea typeface="G마켓 산스 Medium" panose="02000000000000000000" pitchFamily="50" charset="-127"/>
-              </a:rPr>
-              <a:t>문 중첩</a:t>
-            </a:r>
-            <a:endParaRPr lang="en-US" altLang="ko-KR" sz="4800" dirty="0">
-              <a:solidFill>
-                <a:srgbClr val="4C50BC"/>
-              </a:solidFill>
-              <a:latin typeface="G마켓 산스 Medium" panose="02000000000000000000" pitchFamily="50" charset="-127"/>
-              <a:ea typeface="G마켓 산스 Medium" panose="02000000000000000000" pitchFamily="50" charset="-127"/>
-            </a:endParaRPr>
-          </a:p>
-        </p:txBody>
-      </p:sp>
-      <p:pic>
-        <p:nvPicPr>
-          <p:cNvPr id="6" name="그림 5">
-            <a:extLst>
-              <a:ext uri="{FF2B5EF4-FFF2-40B4-BE49-F238E27FC236}">
-                <a16:creationId xmlns:a16="http://schemas.microsoft.com/office/drawing/2014/main" xmlns="" id="{9FDCB96E-3A6A-E20E-6B3E-74A3ACF74BDA}"/>
-              </a:ext>
-            </a:extLst>
-          </p:cNvPr>
-          <p:cNvPicPr>
-            <a:picLocks noChangeAspect="1"/>
-          </p:cNvPicPr>
-          <p:nvPr/>
-        </p:nvPicPr>
-        <p:blipFill>
-          <a:blip r:embed="rId2"/>
-          <a:stretch>
-            <a:fillRect/>
-          </a:stretch>
-        </p:blipFill>
-        <p:spPr>
-          <a:xfrm>
-            <a:off x="2438400" y="1638300"/>
-            <a:ext cx="11746051" cy="5486400"/>
-          </a:xfrm>
-          <a:prstGeom prst="rect">
-            <a:avLst/>
-          </a:prstGeom>
-        </p:spPr>
-      </p:pic>
-    </p:spTree>
-    <p:extLst>
-      <p:ext uri="{BB962C8B-B14F-4D97-AF65-F5344CB8AC3E}">
-        <p14:creationId xmlns:p14="http://schemas.microsoft.com/office/powerpoint/2010/main" val="2446098907"/>
-      </p:ext>
-    </p:extLst>
-  </p:cSld>
-  <p:clrMapOvr>
-    <a:masterClrMapping/>
-  </p:clrMapOvr>
-</p:sld>
-</file>
-
 <file path=ppt/slides/slide15.xml><?xml version="1.0" encoding="utf-8"?>
 <p:sld xmlns:a="http://schemas.openxmlformats.org/drawingml/2006/main" xmlns:r="http://schemas.openxmlformats.org/officeDocument/2006/relationships" xmlns:p="http://schemas.openxmlformats.org/presentationml/2006/main">
   <p:cSld>
@@ -5878,7 +6036,7 @@
           <p:cNvPr id="4" name="TextBox 3">
             <a:extLst>
               <a:ext uri="{FF2B5EF4-FFF2-40B4-BE49-F238E27FC236}">
-                <a16:creationId xmlns:a16="http://schemas.microsoft.com/office/drawing/2014/main" xmlns="" id="{75630B4D-DF4E-BC3D-757C-A3B2A315F4F2}"/>
+                <a16:creationId xmlns:a16="http://schemas.microsoft.com/office/drawing/2014/main" id="{42DA360B-FCE9-ADF1-10BF-66DDB117C22D}"/>
               </a:ext>
             </a:extLst>
           </p:cNvPr>
@@ -5887,7 +6045,7 @@
         </p:nvSpPr>
         <p:spPr>
           <a:xfrm>
-            <a:off x="5105400" y="1943100"/>
+            <a:off x="1371600" y="497131"/>
             <a:ext cx="6096000" cy="830997"/>
           </a:xfrm>
           <a:prstGeom prst="rect">
@@ -5902,6 +6060,16 @@
           <a:lstStyle/>
           <a:p>
             <a:r>
+              <a:rPr lang="en-US" altLang="ko-KR" sz="4800" dirty="0">
+                <a:solidFill>
+                  <a:srgbClr val="4C50BC"/>
+                </a:solidFill>
+                <a:latin typeface="G마켓 산스 Medium" panose="02000000000000000000" pitchFamily="50" charset="-127"/>
+                <a:ea typeface="G마켓 산스 Medium" panose="02000000000000000000" pitchFamily="50" charset="-127"/>
+              </a:rPr>
+              <a:t>If</a:t>
+            </a:r>
+            <a:r>
               <a:rPr lang="ko-KR" altLang="en-US" sz="4800" dirty="0">
                 <a:solidFill>
                   <a:srgbClr val="4C50BC"/>
@@ -5909,48 +6077,15 @@
                 <a:latin typeface="G마켓 산스 Medium" panose="02000000000000000000" pitchFamily="50" charset="-127"/>
                 <a:ea typeface="G마켓 산스 Medium" panose="02000000000000000000" pitchFamily="50" charset="-127"/>
               </a:rPr>
-              <a:t>어디의 </a:t>
-            </a:r>
-            <a:r>
-              <a:rPr lang="en-US" altLang="ko-KR" sz="4800" dirty="0">
-                <a:solidFill>
-                  <a:srgbClr val="4C50BC"/>
-                </a:solidFill>
-                <a:latin typeface="G마켓 산스 Medium" panose="02000000000000000000" pitchFamily="50" charset="-127"/>
-                <a:ea typeface="G마켓 산스 Medium" panose="02000000000000000000" pitchFamily="50" charset="-127"/>
-              </a:rPr>
-              <a:t>else</a:t>
-            </a:r>
-            <a:r>
-              <a:rPr lang="ko-KR" altLang="en-US" sz="4800" dirty="0">
-                <a:solidFill>
-                  <a:srgbClr val="4C50BC"/>
-                </a:solidFill>
-                <a:latin typeface="G마켓 산스 Medium" panose="02000000000000000000" pitchFamily="50" charset="-127"/>
-                <a:ea typeface="G마켓 산스 Medium" panose="02000000000000000000" pitchFamily="50" charset="-127"/>
-              </a:rPr>
-              <a:t>문 </a:t>
-            </a:r>
-            <a:r>
-              <a:rPr lang="ko-KR" altLang="en-US" sz="4800" dirty="0" err="1">
-                <a:solidFill>
-                  <a:srgbClr val="4C50BC"/>
-                </a:solidFill>
-                <a:latin typeface="G마켓 산스 Medium" panose="02000000000000000000" pitchFamily="50" charset="-127"/>
-                <a:ea typeface="G마켓 산스 Medium" panose="02000000000000000000" pitchFamily="50" charset="-127"/>
-              </a:rPr>
-              <a:t>인걸까</a:t>
-            </a:r>
-            <a:r>
-              <a:rPr lang="en-US" altLang="ko-KR" sz="4800" dirty="0">
-                <a:solidFill>
-                  <a:srgbClr val="4C50BC"/>
-                </a:solidFill>
-                <a:latin typeface="G마켓 산스 Medium" panose="02000000000000000000" pitchFamily="50" charset="-127"/>
-                <a:ea typeface="G마켓 산스 Medium" panose="02000000000000000000" pitchFamily="50" charset="-127"/>
-              </a:rPr>
-              <a:t>?</a:t>
-            </a:r>
+              <a:t>문 중첩</a:t>
+            </a:r>
+            <a:endParaRPr lang="en-US" altLang="ko-KR" sz="4800" dirty="0">
+              <a:solidFill>
+                <a:srgbClr val="4C50BC"/>
+              </a:solidFill>
+              <a:latin typeface="G마켓 산스 Medium" panose="02000000000000000000" pitchFamily="50" charset="-127"/>
+              <a:ea typeface="G마켓 산스 Medium" panose="02000000000000000000" pitchFamily="50" charset="-127"/>
+            </a:endParaRPr>
           </a:p>
         </p:txBody>
       </p:sp>
@@ -5959,7 +6094,7 @@
           <p:cNvPr id="6" name="그림 5">
             <a:extLst>
               <a:ext uri="{FF2B5EF4-FFF2-40B4-BE49-F238E27FC236}">
-                <a16:creationId xmlns:a16="http://schemas.microsoft.com/office/drawing/2014/main" xmlns="" id="{5DE5418B-082F-E705-4D28-CBA7C8AC9BB1}"/>
+                <a16:creationId xmlns:a16="http://schemas.microsoft.com/office/drawing/2014/main" id="{9FDCB96E-3A6A-E20E-6B3E-74A3ACF74BDA}"/>
               </a:ext>
             </a:extLst>
           </p:cNvPr>
@@ -5976,20 +6111,50 @@
         </p:blipFill>
         <p:spPr>
           <a:xfrm>
-            <a:off x="1060116" y="3219477"/>
-            <a:ext cx="16167767" cy="3848046"/>
+            <a:off x="2438400" y="1638300"/>
+            <a:ext cx="11746051" cy="5486400"/>
           </a:xfrm>
           <a:prstGeom prst="rect">
             <a:avLst/>
           </a:prstGeom>
         </p:spPr>
       </p:pic>
-      <p:sp>
-        <p:nvSpPr>
-          <p:cNvPr id="7" name="TextBox 6">
+    </p:spTree>
+    <p:extLst>
+      <p:ext uri="{BB962C8B-B14F-4D97-AF65-F5344CB8AC3E}">
+        <p14:creationId xmlns:p14="http://schemas.microsoft.com/office/powerpoint/2010/main" val="2446098907"/>
+      </p:ext>
+    </p:extLst>
+  </p:cSld>
+  <p:clrMapOvr>
+    <a:masterClrMapping/>
+  </p:clrMapOvr>
+</p:sld>
+</file>
+
+<file path=ppt/slides/slide16.xml><?xml version="1.0" encoding="utf-8"?>
+<p:sld xmlns:a="http://schemas.openxmlformats.org/drawingml/2006/main" xmlns:r="http://schemas.openxmlformats.org/officeDocument/2006/relationships" xmlns:p="http://schemas.openxmlformats.org/presentationml/2006/main">
+  <p:cSld>
+    <p:spTree>
+      <p:nvGrpSpPr>
+        <p:cNvPr id="1" name=""/>
+        <p:cNvGrpSpPr/>
+        <p:nvPr/>
+      </p:nvGrpSpPr>
+      <p:grpSpPr>
+        <a:xfrm>
+          <a:off x="0" y="0"/>
+          <a:ext cx="0" cy="0"/>
+          <a:chOff x="0" y="0"/>
+          <a:chExt cx="0" cy="0"/>
+        </a:xfrm>
+      </p:grpSpPr>
+      <p:sp>
+        <p:nvSpPr>
+          <p:cNvPr id="4" name="TextBox 3">
             <a:extLst>
               <a:ext uri="{FF2B5EF4-FFF2-40B4-BE49-F238E27FC236}">
-                <a16:creationId xmlns:a16="http://schemas.microsoft.com/office/drawing/2014/main" xmlns="" id="{793BDE34-33C5-FDA9-E751-35DF54EBB531}"/>
+                <a16:creationId xmlns:a16="http://schemas.microsoft.com/office/drawing/2014/main" id="{75630B4D-DF4E-BC3D-757C-A3B2A315F4F2}"/>
               </a:ext>
             </a:extLst>
           </p:cNvPr>
@@ -5998,8 +6163,8 @@
         </p:nvSpPr>
         <p:spPr>
           <a:xfrm>
-            <a:off x="3962400" y="7842223"/>
-            <a:ext cx="11201400" cy="646331"/>
+            <a:off x="5105400" y="1943100"/>
+            <a:ext cx="6096000" cy="830997"/>
           </a:xfrm>
           <a:prstGeom prst="rect">
             <a:avLst/>
@@ -6013,6 +6178,117 @@
           <a:lstStyle/>
           <a:p>
             <a:r>
+              <a:rPr lang="ko-KR" altLang="en-US" sz="4800" dirty="0">
+                <a:solidFill>
+                  <a:srgbClr val="4C50BC"/>
+                </a:solidFill>
+                <a:latin typeface="G마켓 산스 Medium" panose="02000000000000000000" pitchFamily="50" charset="-127"/>
+                <a:ea typeface="G마켓 산스 Medium" panose="02000000000000000000" pitchFamily="50" charset="-127"/>
+              </a:rPr>
+              <a:t>어디의 </a:t>
+            </a:r>
+            <a:r>
+              <a:rPr lang="en-US" altLang="ko-KR" sz="4800" dirty="0">
+                <a:solidFill>
+                  <a:srgbClr val="4C50BC"/>
+                </a:solidFill>
+                <a:latin typeface="G마켓 산스 Medium" panose="02000000000000000000" pitchFamily="50" charset="-127"/>
+                <a:ea typeface="G마켓 산스 Medium" panose="02000000000000000000" pitchFamily="50" charset="-127"/>
+              </a:rPr>
+              <a:t>else</a:t>
+            </a:r>
+            <a:r>
+              <a:rPr lang="ko-KR" altLang="en-US" sz="4800" dirty="0">
+                <a:solidFill>
+                  <a:srgbClr val="4C50BC"/>
+                </a:solidFill>
+                <a:latin typeface="G마켓 산스 Medium" panose="02000000000000000000" pitchFamily="50" charset="-127"/>
+                <a:ea typeface="G마켓 산스 Medium" panose="02000000000000000000" pitchFamily="50" charset="-127"/>
+              </a:rPr>
+              <a:t>문 </a:t>
+            </a:r>
+            <a:r>
+              <a:rPr lang="ko-KR" altLang="en-US" sz="4800" dirty="0" err="1">
+                <a:solidFill>
+                  <a:srgbClr val="4C50BC"/>
+                </a:solidFill>
+                <a:latin typeface="G마켓 산스 Medium" panose="02000000000000000000" pitchFamily="50" charset="-127"/>
+                <a:ea typeface="G마켓 산스 Medium" panose="02000000000000000000" pitchFamily="50" charset="-127"/>
+              </a:rPr>
+              <a:t>인걸까</a:t>
+            </a:r>
+            <a:r>
+              <a:rPr lang="en-US" altLang="ko-KR" sz="4800" dirty="0">
+                <a:solidFill>
+                  <a:srgbClr val="4C50BC"/>
+                </a:solidFill>
+                <a:latin typeface="G마켓 산스 Medium" panose="02000000000000000000" pitchFamily="50" charset="-127"/>
+                <a:ea typeface="G마켓 산스 Medium" panose="02000000000000000000" pitchFamily="50" charset="-127"/>
+              </a:rPr>
+              <a:t>?</a:t>
+            </a:r>
+          </a:p>
+        </p:txBody>
+      </p:sp>
+      <p:pic>
+        <p:nvPicPr>
+          <p:cNvPr id="6" name="그림 5">
+            <a:extLst>
+              <a:ext uri="{FF2B5EF4-FFF2-40B4-BE49-F238E27FC236}">
+                <a16:creationId xmlns:a16="http://schemas.microsoft.com/office/drawing/2014/main" id="{5DE5418B-082F-E705-4D28-CBA7C8AC9BB1}"/>
+              </a:ext>
+            </a:extLst>
+          </p:cNvPr>
+          <p:cNvPicPr>
+            <a:picLocks noChangeAspect="1"/>
+          </p:cNvPicPr>
+          <p:nvPr/>
+        </p:nvPicPr>
+        <p:blipFill>
+          <a:blip r:embed="rId2"/>
+          <a:stretch>
+            <a:fillRect/>
+          </a:stretch>
+        </p:blipFill>
+        <p:spPr>
+          <a:xfrm>
+            <a:off x="1060116" y="3219477"/>
+            <a:ext cx="16167767" cy="3848046"/>
+          </a:xfrm>
+          <a:prstGeom prst="rect">
+            <a:avLst/>
+          </a:prstGeom>
+        </p:spPr>
+      </p:pic>
+      <p:sp>
+        <p:nvSpPr>
+          <p:cNvPr id="7" name="TextBox 6">
+            <a:extLst>
+              <a:ext uri="{FF2B5EF4-FFF2-40B4-BE49-F238E27FC236}">
+                <a16:creationId xmlns:a16="http://schemas.microsoft.com/office/drawing/2014/main" id="{793BDE34-33C5-FDA9-E751-35DF54EBB531}"/>
+              </a:ext>
+            </a:extLst>
+          </p:cNvPr>
+          <p:cNvSpPr txBox="1"/>
+          <p:nvPr/>
+        </p:nvSpPr>
+        <p:spPr>
+          <a:xfrm>
+            <a:off x="3962400" y="7842223"/>
+            <a:ext cx="11201400" cy="646331"/>
+          </a:xfrm>
+          <a:prstGeom prst="rect">
+            <a:avLst/>
+          </a:prstGeom>
+          <a:noFill/>
+        </p:spPr>
+        <p:txBody>
+          <a:bodyPr wrap="square" rtlCol="0">
+            <a:spAutoFit/>
+          </a:bodyPr>
+          <a:lstStyle/>
+          <a:p>
+            <a:r>
               <a:rPr lang="ko-KR" altLang="en-US" sz="3600" dirty="0">
                 <a:solidFill>
                   <a:srgbClr val="FF0000"/>
@@ -6080,7 +6356,7 @@
           <p:cNvPr id="8" name="직사각형 7">
             <a:extLst>
               <a:ext uri="{FF2B5EF4-FFF2-40B4-BE49-F238E27FC236}">
-                <a16:creationId xmlns:a16="http://schemas.microsoft.com/office/drawing/2014/main" xmlns="" id="{4318435F-3F26-893B-C776-AEF9745E9F14}"/>
+                <a16:creationId xmlns:a16="http://schemas.microsoft.com/office/drawing/2014/main" id="{4318435F-3F26-893B-C776-AEF9745E9F14}"/>
               </a:ext>
             </a:extLst>
           </p:cNvPr>
@@ -6132,7 +6408,7 @@
           <p:cNvPr id="9" name="직선 화살표 연결선 8">
             <a:extLst>
               <a:ext uri="{FF2B5EF4-FFF2-40B4-BE49-F238E27FC236}">
-                <a16:creationId xmlns:a16="http://schemas.microsoft.com/office/drawing/2014/main" xmlns="" id="{1127EAB3-6DAD-9C7A-14B8-F0BC20C76B84}"/>
+                <a16:creationId xmlns:a16="http://schemas.microsoft.com/office/drawing/2014/main" id="{1127EAB3-6DAD-9C7A-14B8-F0BC20C76B84}"/>
               </a:ext>
             </a:extLst>
           </p:cNvPr>
@@ -6314,7 +6590,7 @@
 </p:sld>
 </file>
 
-<file path=ppt/slides/slide16.xml><?xml version="1.0" encoding="utf-8"?>
+<file path=ppt/slides/slide17.xml><?xml version="1.0" encoding="utf-8"?>
 <p:sld xmlns:a="http://schemas.openxmlformats.org/drawingml/2006/main" xmlns:r="http://schemas.openxmlformats.org/officeDocument/2006/relationships" xmlns:p="http://schemas.openxmlformats.org/presentationml/2006/main">
   <p:cSld>
     <p:bg>
@@ -6344,7 +6620,7 @@
           <p:cNvPr id="4" name="Object 1">
             <a:extLst>
               <a:ext uri="{FF2B5EF4-FFF2-40B4-BE49-F238E27FC236}">
-                <a16:creationId xmlns:a16="http://schemas.microsoft.com/office/drawing/2014/main" xmlns="" id="{B0329035-BE76-33A8-0F2E-44624FCC1DED}"/>
+                <a16:creationId xmlns:a16="http://schemas.microsoft.com/office/drawing/2014/main" id="{B0329035-BE76-33A8-0F2E-44624FCC1DED}"/>
               </a:ext>
             </a:extLst>
           </p:cNvPr>
@@ -6374,7 +6650,7 @@
           <p:cNvPr id="7" name="그룹 1001">
             <a:extLst>
               <a:ext uri="{FF2B5EF4-FFF2-40B4-BE49-F238E27FC236}">
-                <a16:creationId xmlns:a16="http://schemas.microsoft.com/office/drawing/2014/main" xmlns="" id="{CD24CE9D-AC18-B6CD-F397-7E8E03D6FE26}"/>
+                <a16:creationId xmlns:a16="http://schemas.microsoft.com/office/drawing/2014/main" id="{CD24CE9D-AC18-B6CD-F397-7E8E03D6FE26}"/>
               </a:ext>
             </a:extLst>
           </p:cNvPr>
@@ -6394,7 +6670,7 @@
             <p:cNvPr id="8" name="Object 5">
               <a:extLst>
                 <a:ext uri="{FF2B5EF4-FFF2-40B4-BE49-F238E27FC236}">
-                  <a16:creationId xmlns:a16="http://schemas.microsoft.com/office/drawing/2014/main" xmlns="" id="{0EEF25E8-3BA8-EBAA-6DC2-66D70C3F9F4D}"/>
+                  <a16:creationId xmlns:a16="http://schemas.microsoft.com/office/drawing/2014/main" id="{0EEF25E8-3BA8-EBAA-6DC2-66D70C3F9F4D}"/>
                 </a:ext>
               </a:extLst>
             </p:cNvPr>
@@ -6425,7 +6701,7 @@
           <p:cNvPr id="9" name="그룹 1002">
             <a:extLst>
               <a:ext uri="{FF2B5EF4-FFF2-40B4-BE49-F238E27FC236}">
-                <a16:creationId xmlns:a16="http://schemas.microsoft.com/office/drawing/2014/main" xmlns="" id="{0F281BC9-DE1F-D1FE-E64C-C4640398F00C}"/>
+                <a16:creationId xmlns:a16="http://schemas.microsoft.com/office/drawing/2014/main" id="{0F281BC9-DE1F-D1FE-E64C-C4640398F00C}"/>
               </a:ext>
             </a:extLst>
           </p:cNvPr>
@@ -6445,7 +6721,7 @@
             <p:cNvPr id="10" name="Object 8">
               <a:extLst>
                 <a:ext uri="{FF2B5EF4-FFF2-40B4-BE49-F238E27FC236}">
-                  <a16:creationId xmlns:a16="http://schemas.microsoft.com/office/drawing/2014/main" xmlns="" id="{F669DCEF-04BB-7046-3F7F-5B513213556E}"/>
+                  <a16:creationId xmlns:a16="http://schemas.microsoft.com/office/drawing/2014/main" id="{F669DCEF-04BB-7046-3F7F-5B513213556E}"/>
                 </a:ext>
               </a:extLst>
             </p:cNvPr>
@@ -6476,7 +6752,7 @@
           <p:cNvPr id="11" name="그룹 1003">
             <a:extLst>
               <a:ext uri="{FF2B5EF4-FFF2-40B4-BE49-F238E27FC236}">
-                <a16:creationId xmlns:a16="http://schemas.microsoft.com/office/drawing/2014/main" xmlns="" id="{1F91EEF9-13EA-BB7F-B056-D35E7DB989AC}"/>
+                <a16:creationId xmlns:a16="http://schemas.microsoft.com/office/drawing/2014/main" id="{1F91EEF9-13EA-BB7F-B056-D35E7DB989AC}"/>
               </a:ext>
             </a:extLst>
           </p:cNvPr>
@@ -6496,7 +6772,7 @@
             <p:cNvPr id="12" name="Object 11">
               <a:extLst>
                 <a:ext uri="{FF2B5EF4-FFF2-40B4-BE49-F238E27FC236}">
-                  <a16:creationId xmlns:a16="http://schemas.microsoft.com/office/drawing/2014/main" xmlns="" id="{2CFFB217-AEFB-2C9E-5F86-6EE19510FFC6}"/>
+                  <a16:creationId xmlns:a16="http://schemas.microsoft.com/office/drawing/2014/main" id="{2CFFB217-AEFB-2C9E-5F86-6EE19510FFC6}"/>
                 </a:ext>
               </a:extLst>
             </p:cNvPr>
@@ -6527,7 +6803,7 @@
           <p:cNvPr id="13" name="그룹 1004">
             <a:extLst>
               <a:ext uri="{FF2B5EF4-FFF2-40B4-BE49-F238E27FC236}">
-                <a16:creationId xmlns:a16="http://schemas.microsoft.com/office/drawing/2014/main" xmlns="" id="{123B9C7E-94E8-E7E1-81BE-D59EA0299187}"/>
+                <a16:creationId xmlns:a16="http://schemas.microsoft.com/office/drawing/2014/main" id="{123B9C7E-94E8-E7E1-81BE-D59EA0299187}"/>
               </a:ext>
             </a:extLst>
           </p:cNvPr>
@@ -6547,7 +6823,7 @@
             <p:cNvPr id="14" name="Object 14">
               <a:extLst>
                 <a:ext uri="{FF2B5EF4-FFF2-40B4-BE49-F238E27FC236}">
-                  <a16:creationId xmlns:a16="http://schemas.microsoft.com/office/drawing/2014/main" xmlns="" id="{B6291552-2D89-A79F-7ACD-EA0EF9A4C389}"/>
+                  <a16:creationId xmlns:a16="http://schemas.microsoft.com/office/drawing/2014/main" id="{B6291552-2D89-A79F-7ACD-EA0EF9A4C389}"/>
                 </a:ext>
               </a:extLst>
             </p:cNvPr>
@@ -6578,7 +6854,7 @@
           <p:cNvPr id="15" name="TextBox 14">
             <a:extLst>
               <a:ext uri="{FF2B5EF4-FFF2-40B4-BE49-F238E27FC236}">
-                <a16:creationId xmlns:a16="http://schemas.microsoft.com/office/drawing/2014/main" xmlns="" id="{7D99763A-FC24-23F5-5BA9-D7B042E0F323}"/>
+                <a16:creationId xmlns:a16="http://schemas.microsoft.com/office/drawing/2014/main" id="{7D99763A-FC24-23F5-5BA9-D7B042E0F323}"/>
               </a:ext>
             </a:extLst>
           </p:cNvPr>
@@ -6602,7 +6878,7 @@
           <a:lstStyle/>
           <a:p>
             <a:r>
-              <a:rPr lang="en-US" altLang="ko-KR" sz="6600" smtClean="0">
+              <a:rPr lang="en-US" altLang="ko-KR" sz="6600">
                 <a:solidFill>
                   <a:schemeClr val="bg1"/>
                 </a:solidFill>
@@ -6625,678 +6901,6 @@
     <p:extLst>
       <p:ext uri="{BB962C8B-B14F-4D97-AF65-F5344CB8AC3E}">
         <p14:creationId xmlns:p14="http://schemas.microsoft.com/office/powerpoint/2010/main" val="4010059195"/>
-      </p:ext>
-    </p:extLst>
-  </p:cSld>
-  <p:clrMapOvr>
-    <a:masterClrMapping/>
-  </p:clrMapOvr>
-</p:sld>
-</file>
-
-<file path=ppt/slides/slide17.xml><?xml version="1.0" encoding="utf-8"?>
-<p:sld xmlns:a="http://schemas.openxmlformats.org/drawingml/2006/main" xmlns:r="http://schemas.openxmlformats.org/officeDocument/2006/relationships" xmlns:p="http://schemas.openxmlformats.org/presentationml/2006/main">
-  <p:cSld>
-    <p:spTree>
-      <p:nvGrpSpPr>
-        <p:cNvPr id="1" name=""/>
-        <p:cNvGrpSpPr/>
-        <p:nvPr/>
-      </p:nvGrpSpPr>
-      <p:grpSpPr>
-        <a:xfrm>
-          <a:off x="0" y="0"/>
-          <a:ext cx="0" cy="0"/>
-          <a:chOff x="0" y="0"/>
-          <a:chExt cx="0" cy="0"/>
-        </a:xfrm>
-      </p:grpSpPr>
-      <p:pic>
-        <p:nvPicPr>
-          <p:cNvPr id="15" name="그림 14">
-            <a:extLst>
-              <a:ext uri="{FF2B5EF4-FFF2-40B4-BE49-F238E27FC236}">
-                <a16:creationId xmlns:a16="http://schemas.microsoft.com/office/drawing/2014/main" xmlns="" id="{C6D1BEA1-FCB7-ADA2-78D2-FCA636D86816}"/>
-              </a:ext>
-            </a:extLst>
-          </p:cNvPr>
-          <p:cNvPicPr>
-            <a:picLocks noChangeAspect="1"/>
-          </p:cNvPicPr>
-          <p:nvPr/>
-        </p:nvPicPr>
-        <p:blipFill>
-          <a:blip r:embed="rId2"/>
-          <a:stretch>
-            <a:fillRect/>
-          </a:stretch>
-        </p:blipFill>
-        <p:spPr>
-          <a:xfrm>
-            <a:off x="381000" y="1328128"/>
-            <a:ext cx="9601200" cy="7387225"/>
-          </a:xfrm>
-          <a:prstGeom prst="rect">
-            <a:avLst/>
-          </a:prstGeom>
-        </p:spPr>
-      </p:pic>
-      <p:cxnSp>
-        <p:nvCxnSpPr>
-          <p:cNvPr id="7" name="직선 화살표 연결선 6">
-            <a:extLst>
-              <a:ext uri="{FF2B5EF4-FFF2-40B4-BE49-F238E27FC236}">
-                <a16:creationId xmlns:a16="http://schemas.microsoft.com/office/drawing/2014/main" xmlns="" id="{CFF5B8DD-5AE4-FAD3-A6B6-087AE8C7C5CC}"/>
-              </a:ext>
-            </a:extLst>
-          </p:cNvPr>
-          <p:cNvCxnSpPr>
-            <a:cxnSpLocks/>
-          </p:cNvCxnSpPr>
-          <p:nvPr/>
-        </p:nvCxnSpPr>
-        <p:spPr>
-          <a:xfrm flipV="1">
-            <a:off x="3338286" y="2697869"/>
-            <a:ext cx="1333500" cy="644099"/>
-          </a:xfrm>
-          <a:prstGeom prst="straightConnector1">
-            <a:avLst/>
-          </a:prstGeom>
-          <a:ln w="38100">
-            <a:tailEnd type="triangle"/>
-          </a:ln>
-        </p:spPr>
-        <p:style>
-          <a:lnRef idx="1">
-            <a:schemeClr val="accent2"/>
-          </a:lnRef>
-          <a:fillRef idx="0">
-            <a:schemeClr val="accent2"/>
-          </a:fillRef>
-          <a:effectRef idx="0">
-            <a:schemeClr val="accent2"/>
-          </a:effectRef>
-          <a:fontRef idx="minor">
-            <a:schemeClr val="tx1"/>
-          </a:fontRef>
-        </p:style>
-      </p:cxnSp>
-      <p:sp>
-        <p:nvSpPr>
-          <p:cNvPr id="8" name="직사각형 7">
-            <a:extLst>
-              <a:ext uri="{FF2B5EF4-FFF2-40B4-BE49-F238E27FC236}">
-                <a16:creationId xmlns:a16="http://schemas.microsoft.com/office/drawing/2014/main" xmlns="" id="{E796A059-B810-0D98-E1E7-CFDC3D7E4445}"/>
-              </a:ext>
-            </a:extLst>
-          </p:cNvPr>
-          <p:cNvSpPr/>
-          <p:nvPr/>
-        </p:nvSpPr>
-        <p:spPr>
-          <a:xfrm>
-            <a:off x="2728686" y="3113368"/>
-            <a:ext cx="533400" cy="457200"/>
-          </a:xfrm>
-          <a:prstGeom prst="rect">
-            <a:avLst/>
-          </a:prstGeom>
-          <a:noFill/>
-          <a:ln>
-            <a:solidFill>
-              <a:srgbClr val="FF0000"/>
-            </a:solidFill>
-          </a:ln>
-        </p:spPr>
-        <p:style>
-          <a:lnRef idx="2">
-            <a:schemeClr val="accent2">
-              <a:shade val="50000"/>
-            </a:schemeClr>
-          </a:lnRef>
-          <a:fillRef idx="1">
-            <a:schemeClr val="accent2"/>
-          </a:fillRef>
-          <a:effectRef idx="0">
-            <a:schemeClr val="accent2"/>
-          </a:effectRef>
-          <a:fontRef idx="minor">
-            <a:schemeClr val="lt1"/>
-          </a:fontRef>
-        </p:style>
-        <p:txBody>
-          <a:bodyPr rtlCol="0" anchor="ctr"/>
-          <a:lstStyle/>
-          <a:p>
-            <a:pPr algn="ctr"/>
-            <a:endParaRPr lang="ko-KR" altLang="en-US"/>
-          </a:p>
-        </p:txBody>
-      </p:sp>
-      <p:sp>
-        <p:nvSpPr>
-          <p:cNvPr id="11" name="TextBox 10">
-            <a:extLst>
-              <a:ext uri="{FF2B5EF4-FFF2-40B4-BE49-F238E27FC236}">
-                <a16:creationId xmlns:a16="http://schemas.microsoft.com/office/drawing/2014/main" xmlns="" id="{B294F0AF-B11E-C3D3-7E36-E421B71D61F4}"/>
-              </a:ext>
-            </a:extLst>
-          </p:cNvPr>
-          <p:cNvSpPr txBox="1"/>
-          <p:nvPr/>
-        </p:nvSpPr>
-        <p:spPr>
-          <a:xfrm>
-            <a:off x="4786086" y="2019300"/>
-            <a:ext cx="5334000" cy="1077218"/>
-          </a:xfrm>
-          <a:prstGeom prst="rect">
-            <a:avLst/>
-          </a:prstGeom>
-          <a:noFill/>
-        </p:spPr>
-        <p:txBody>
-          <a:bodyPr wrap="square" rtlCol="0">
-            <a:spAutoFit/>
-          </a:bodyPr>
-          <a:lstStyle/>
-          <a:p>
-            <a:r>
-              <a:rPr lang="ko-KR" altLang="en-US" sz="3200" dirty="0">
-                <a:solidFill>
-                  <a:srgbClr val="FF0000"/>
-                </a:solidFill>
-                <a:latin typeface="G마켓 산스 Medium" panose="02000000000000000000" pitchFamily="50" charset="-127"/>
-                <a:ea typeface="G마켓 산스 Medium" panose="02000000000000000000" pitchFamily="50" charset="-127"/>
-              </a:rPr>
-              <a:t>조건식과 값이 </a:t>
-            </a:r>
-            <a:r>
-              <a:rPr lang="ko-KR" altLang="en-US" sz="3200" dirty="0" err="1">
-                <a:solidFill>
-                  <a:srgbClr val="FF0000"/>
-                </a:solidFill>
-                <a:latin typeface="G마켓 산스 Medium" panose="02000000000000000000" pitchFamily="50" charset="-127"/>
-                <a:ea typeface="G마켓 산스 Medium" panose="02000000000000000000" pitchFamily="50" charset="-127"/>
-              </a:rPr>
-              <a:t>일치해야지</a:t>
-            </a:r>
-            <a:r>
-              <a:rPr lang="ko-KR" altLang="en-US" sz="3200" dirty="0">
-                <a:solidFill>
-                  <a:srgbClr val="FF0000"/>
-                </a:solidFill>
-                <a:latin typeface="G마켓 산스 Medium" panose="02000000000000000000" pitchFamily="50" charset="-127"/>
-                <a:ea typeface="G마켓 산스 Medium" panose="02000000000000000000" pitchFamily="50" charset="-127"/>
-              </a:rPr>
-              <a:t> 실행된다</a:t>
-            </a:r>
-            <a:r>
-              <a:rPr lang="en-US" altLang="ko-KR" sz="3200" dirty="0">
-                <a:solidFill>
-                  <a:srgbClr val="FF0000"/>
-                </a:solidFill>
-                <a:latin typeface="G마켓 산스 Medium" panose="02000000000000000000" pitchFamily="50" charset="-127"/>
-                <a:ea typeface="G마켓 산스 Medium" panose="02000000000000000000" pitchFamily="50" charset="-127"/>
-              </a:rPr>
-              <a:t>.</a:t>
-            </a:r>
-          </a:p>
-        </p:txBody>
-      </p:sp>
-      <p:cxnSp>
-        <p:nvCxnSpPr>
-          <p:cNvPr id="20" name="직선 화살표 연결선 19">
-            <a:extLst>
-              <a:ext uri="{FF2B5EF4-FFF2-40B4-BE49-F238E27FC236}">
-                <a16:creationId xmlns:a16="http://schemas.microsoft.com/office/drawing/2014/main" xmlns="" id="{F7C1572C-BCA3-8087-AA95-7CC53490A1B0}"/>
-              </a:ext>
-            </a:extLst>
-          </p:cNvPr>
-          <p:cNvCxnSpPr>
-            <a:cxnSpLocks/>
-          </p:cNvCxnSpPr>
-          <p:nvPr/>
-        </p:nvCxnSpPr>
-        <p:spPr>
-          <a:xfrm>
-            <a:off x="3185886" y="7048500"/>
-            <a:ext cx="1433286" cy="0"/>
-          </a:xfrm>
-          <a:prstGeom prst="straightConnector1">
-            <a:avLst/>
-          </a:prstGeom>
-          <a:ln w="38100">
-            <a:tailEnd type="triangle"/>
-          </a:ln>
-        </p:spPr>
-        <p:style>
-          <a:lnRef idx="1">
-            <a:schemeClr val="accent2"/>
-          </a:lnRef>
-          <a:fillRef idx="0">
-            <a:schemeClr val="accent2"/>
-          </a:fillRef>
-          <a:effectRef idx="0">
-            <a:schemeClr val="accent2"/>
-          </a:effectRef>
-          <a:fontRef idx="minor">
-            <a:schemeClr val="tx1"/>
-          </a:fontRef>
-        </p:style>
-      </p:cxnSp>
-      <p:sp>
-        <p:nvSpPr>
-          <p:cNvPr id="21" name="직사각형 20">
-            <a:extLst>
-              <a:ext uri="{FF2B5EF4-FFF2-40B4-BE49-F238E27FC236}">
-                <a16:creationId xmlns:a16="http://schemas.microsoft.com/office/drawing/2014/main" xmlns="" id="{09A98BD4-AB00-6A86-0B92-B0599743A4C4}"/>
-              </a:ext>
-            </a:extLst>
-          </p:cNvPr>
-          <p:cNvSpPr/>
-          <p:nvPr/>
-        </p:nvSpPr>
-        <p:spPr>
-          <a:xfrm>
-            <a:off x="1433286" y="6819900"/>
-            <a:ext cx="1676400" cy="457200"/>
-          </a:xfrm>
-          <a:prstGeom prst="rect">
-            <a:avLst/>
-          </a:prstGeom>
-          <a:noFill/>
-          <a:ln>
-            <a:solidFill>
-              <a:srgbClr val="FF0000"/>
-            </a:solidFill>
-          </a:ln>
-        </p:spPr>
-        <p:style>
-          <a:lnRef idx="2">
-            <a:schemeClr val="accent2">
-              <a:shade val="50000"/>
-            </a:schemeClr>
-          </a:lnRef>
-          <a:fillRef idx="1">
-            <a:schemeClr val="accent2"/>
-          </a:fillRef>
-          <a:effectRef idx="0">
-            <a:schemeClr val="accent2"/>
-          </a:effectRef>
-          <a:fontRef idx="minor">
-            <a:schemeClr val="lt1"/>
-          </a:fontRef>
-        </p:style>
-        <p:txBody>
-          <a:bodyPr rtlCol="0" anchor="ctr"/>
-          <a:lstStyle/>
-          <a:p>
-            <a:pPr algn="ctr"/>
-            <a:endParaRPr lang="ko-KR" altLang="en-US"/>
-          </a:p>
-        </p:txBody>
-      </p:sp>
-      <p:sp>
-        <p:nvSpPr>
-          <p:cNvPr id="22" name="TextBox 21">
-            <a:extLst>
-              <a:ext uri="{FF2B5EF4-FFF2-40B4-BE49-F238E27FC236}">
-                <a16:creationId xmlns:a16="http://schemas.microsoft.com/office/drawing/2014/main" xmlns="" id="{C8A0704C-FEE1-6E77-EBF1-1AE8FC4BD2CC}"/>
-              </a:ext>
-            </a:extLst>
-          </p:cNvPr>
-          <p:cNvSpPr txBox="1"/>
-          <p:nvPr/>
-        </p:nvSpPr>
-        <p:spPr>
-          <a:xfrm>
-            <a:off x="4724400" y="6405653"/>
-            <a:ext cx="10606314" cy="1077218"/>
-          </a:xfrm>
-          <a:prstGeom prst="rect">
-            <a:avLst/>
-          </a:prstGeom>
-          <a:noFill/>
-        </p:spPr>
-        <p:txBody>
-          <a:bodyPr wrap="square" rtlCol="0">
-            <a:spAutoFit/>
-          </a:bodyPr>
-          <a:lstStyle/>
-          <a:p>
-            <a:r>
-              <a:rPr lang="ko-KR" altLang="en-US" sz="3200" dirty="0">
-                <a:solidFill>
-                  <a:srgbClr val="FF0000"/>
-                </a:solidFill>
-                <a:latin typeface="G마켓 산스 Medium" panose="02000000000000000000" pitchFamily="50" charset="-127"/>
-                <a:ea typeface="G마켓 산스 Medium" panose="02000000000000000000" pitchFamily="50" charset="-127"/>
-              </a:rPr>
-              <a:t>모든 케이스에 걸리지 </a:t>
-            </a:r>
-            <a:r>
-              <a:rPr lang="ko-KR" altLang="en-US" sz="3200" dirty="0" err="1">
-                <a:solidFill>
-                  <a:srgbClr val="FF0000"/>
-                </a:solidFill>
-                <a:latin typeface="G마켓 산스 Medium" panose="02000000000000000000" pitchFamily="50" charset="-127"/>
-                <a:ea typeface="G마켓 산스 Medium" panose="02000000000000000000" pitchFamily="50" charset="-127"/>
-              </a:rPr>
-              <a:t>않을경우</a:t>
-            </a:r>
-            <a:r>
-              <a:rPr lang="ko-KR" altLang="en-US" sz="3200" dirty="0">
-                <a:solidFill>
-                  <a:srgbClr val="FF0000"/>
-                </a:solidFill>
-                <a:latin typeface="G마켓 산스 Medium" panose="02000000000000000000" pitchFamily="50" charset="-127"/>
-                <a:ea typeface="G마켓 산스 Medium" panose="02000000000000000000" pitchFamily="50" charset="-127"/>
-              </a:rPr>
-              <a:t> 실행된다</a:t>
-            </a:r>
-            <a:r>
-              <a:rPr lang="en-US" altLang="ko-KR" sz="3200" dirty="0">
-                <a:solidFill>
-                  <a:srgbClr val="FF0000"/>
-                </a:solidFill>
-                <a:latin typeface="G마켓 산스 Medium" panose="02000000000000000000" pitchFamily="50" charset="-127"/>
-                <a:ea typeface="G마켓 산스 Medium" panose="02000000000000000000" pitchFamily="50" charset="-127"/>
-              </a:rPr>
-              <a:t>. </a:t>
-            </a:r>
-            <a:r>
-              <a:rPr lang="ko-KR" altLang="en-US" sz="3200" dirty="0">
-                <a:solidFill>
-                  <a:srgbClr val="FF0000"/>
-                </a:solidFill>
-                <a:latin typeface="G마켓 산스 Medium" panose="02000000000000000000" pitchFamily="50" charset="-127"/>
-                <a:ea typeface="G마켓 산스 Medium" panose="02000000000000000000" pitchFamily="50" charset="-127"/>
-              </a:rPr>
-              <a:t>필수요소는 아니다</a:t>
-            </a:r>
-            <a:r>
-              <a:rPr lang="en-US" altLang="ko-KR" sz="3200" dirty="0">
-                <a:solidFill>
-                  <a:srgbClr val="FF0000"/>
-                </a:solidFill>
-                <a:latin typeface="G마켓 산스 Medium" panose="02000000000000000000" pitchFamily="50" charset="-127"/>
-                <a:ea typeface="G마켓 산스 Medium" panose="02000000000000000000" pitchFamily="50" charset="-127"/>
-              </a:rPr>
-              <a:t>.</a:t>
-            </a:r>
-          </a:p>
-        </p:txBody>
-      </p:sp>
-      <p:sp>
-        <p:nvSpPr>
-          <p:cNvPr id="10" name="TextBox 9">
-            <a:extLst>
-              <a:ext uri="{FF2B5EF4-FFF2-40B4-BE49-F238E27FC236}">
-                <a16:creationId xmlns:a16="http://schemas.microsoft.com/office/drawing/2014/main" xmlns="" id="{4EDAA912-8FA0-0F11-119B-EA9F8B36A489}"/>
-              </a:ext>
-            </a:extLst>
-          </p:cNvPr>
-          <p:cNvSpPr txBox="1"/>
-          <p:nvPr/>
-        </p:nvSpPr>
-        <p:spPr>
-          <a:xfrm>
-            <a:off x="10695169" y="1409700"/>
-            <a:ext cx="6678431" cy="2062103"/>
-          </a:xfrm>
-          <a:prstGeom prst="rect">
-            <a:avLst/>
-          </a:prstGeom>
-          <a:noFill/>
-        </p:spPr>
-        <p:txBody>
-          <a:bodyPr wrap="none" rtlCol="0">
-            <a:spAutoFit/>
-          </a:bodyPr>
-          <a:lstStyle/>
-          <a:p>
-            <a:r>
-              <a:rPr lang="en-US" altLang="ko-KR" sz="3200" smtClean="0">
-                <a:solidFill>
-                  <a:schemeClr val="tx1">
-                    <a:lumMod val="50000"/>
-                    <a:lumOff val="50000"/>
-                  </a:schemeClr>
-                </a:solidFill>
-                <a:latin typeface="G마켓 산스 Medium" panose="02000000000000000000" pitchFamily="50" charset="-127"/>
-                <a:ea typeface="G마켓 산스 Medium" panose="02000000000000000000" pitchFamily="50" charset="-127"/>
-              </a:rPr>
-              <a:t>1. </a:t>
-            </a:r>
-            <a:r>
-              <a:rPr lang="ko-KR" altLang="en-US" sz="3200" smtClean="0">
-                <a:solidFill>
-                  <a:schemeClr val="tx1">
-                    <a:lumMod val="50000"/>
-                    <a:lumOff val="50000"/>
-                  </a:schemeClr>
-                </a:solidFill>
-                <a:latin typeface="G마켓 산스 Medium" panose="02000000000000000000" pitchFamily="50" charset="-127"/>
-                <a:ea typeface="G마켓 산스 Medium" panose="02000000000000000000" pitchFamily="50" charset="-127"/>
-              </a:rPr>
-              <a:t>조건식의 결과는 반드시 정수</a:t>
-            </a:r>
-            <a:r>
-              <a:rPr lang="en-US" altLang="ko-KR" sz="3200" smtClean="0">
-                <a:solidFill>
-                  <a:schemeClr val="tx1">
-                    <a:lumMod val="50000"/>
-                    <a:lumOff val="50000"/>
-                  </a:schemeClr>
-                </a:solidFill>
-                <a:latin typeface="G마켓 산스 Medium" panose="02000000000000000000" pitchFamily="50" charset="-127"/>
-                <a:ea typeface="G마켓 산스 Medium" panose="02000000000000000000" pitchFamily="50" charset="-127"/>
-              </a:rPr>
-              <a:t>, </a:t>
-            </a:r>
-          </a:p>
-          <a:p>
-            <a:r>
-              <a:rPr lang="en-US" altLang="ko-KR" sz="3200">
-                <a:solidFill>
-                  <a:schemeClr val="tx1">
-                    <a:lumMod val="50000"/>
-                    <a:lumOff val="50000"/>
-                  </a:schemeClr>
-                </a:solidFill>
-                <a:latin typeface="G마켓 산스 Medium" panose="02000000000000000000" pitchFamily="50" charset="-127"/>
-                <a:ea typeface="G마켓 산스 Medium" panose="02000000000000000000" pitchFamily="50" charset="-127"/>
-              </a:rPr>
-              <a:t> </a:t>
-            </a:r>
-            <a:r>
-              <a:rPr lang="en-US" altLang="ko-KR" sz="3200" smtClean="0">
-                <a:solidFill>
-                  <a:schemeClr val="tx1">
-                    <a:lumMod val="50000"/>
-                    <a:lumOff val="50000"/>
-                  </a:schemeClr>
-                </a:solidFill>
-                <a:latin typeface="G마켓 산스 Medium" panose="02000000000000000000" pitchFamily="50" charset="-127"/>
-                <a:ea typeface="G마켓 산스 Medium" panose="02000000000000000000" pitchFamily="50" charset="-127"/>
-              </a:rPr>
-              <a:t>      </a:t>
-            </a:r>
-            <a:r>
-              <a:rPr lang="ko-KR" altLang="en-US" sz="3200" smtClean="0">
-                <a:solidFill>
-                  <a:schemeClr val="tx1">
-                    <a:lumMod val="50000"/>
-                    <a:lumOff val="50000"/>
-                  </a:schemeClr>
-                </a:solidFill>
-                <a:latin typeface="G마켓 산스 Medium" panose="02000000000000000000" pitchFamily="50" charset="-127"/>
-                <a:ea typeface="G마켓 산스 Medium" panose="02000000000000000000" pitchFamily="50" charset="-127"/>
-              </a:rPr>
-              <a:t>문자열이어야 한다</a:t>
-            </a:r>
-            <a:r>
-              <a:rPr lang="en-US" altLang="ko-KR" sz="3200" smtClean="0">
-                <a:solidFill>
-                  <a:schemeClr val="tx1">
-                    <a:lumMod val="50000"/>
-                    <a:lumOff val="50000"/>
-                  </a:schemeClr>
-                </a:solidFill>
-                <a:latin typeface="G마켓 산스 Medium" panose="02000000000000000000" pitchFamily="50" charset="-127"/>
-                <a:ea typeface="G마켓 산스 Medium" panose="02000000000000000000" pitchFamily="50" charset="-127"/>
-              </a:rPr>
-              <a:t>.</a:t>
-            </a:r>
-          </a:p>
-          <a:p>
-            <a:r>
-              <a:rPr lang="en-US" altLang="ko-KR" sz="3200" smtClean="0">
-                <a:solidFill>
-                  <a:schemeClr val="tx1">
-                    <a:lumMod val="50000"/>
-                    <a:lumOff val="50000"/>
-                  </a:schemeClr>
-                </a:solidFill>
-                <a:latin typeface="G마켓 산스 Medium" panose="02000000000000000000" pitchFamily="50" charset="-127"/>
-                <a:ea typeface="G마켓 산스 Medium" panose="02000000000000000000" pitchFamily="50" charset="-127"/>
-              </a:rPr>
-              <a:t>2. case </a:t>
-            </a:r>
-            <a:r>
-              <a:rPr lang="ko-KR" altLang="en-US" sz="3200" smtClean="0">
-                <a:solidFill>
-                  <a:schemeClr val="tx1">
-                    <a:lumMod val="50000"/>
-                    <a:lumOff val="50000"/>
-                  </a:schemeClr>
-                </a:solidFill>
-                <a:latin typeface="G마켓 산스 Medium" panose="02000000000000000000" pitchFamily="50" charset="-127"/>
-                <a:ea typeface="G마켓 산스 Medium" panose="02000000000000000000" pitchFamily="50" charset="-127"/>
-              </a:rPr>
-              <a:t>문의 값은 중복될수 없다</a:t>
-            </a:r>
-            <a:r>
-              <a:rPr lang="en-US" altLang="ko-KR" sz="3200" smtClean="0">
-                <a:solidFill>
-                  <a:schemeClr val="tx1">
-                    <a:lumMod val="50000"/>
-                    <a:lumOff val="50000"/>
-                  </a:schemeClr>
-                </a:solidFill>
-                <a:latin typeface="G마켓 산스 Medium" panose="02000000000000000000" pitchFamily="50" charset="-127"/>
-                <a:ea typeface="G마켓 산스 Medium" panose="02000000000000000000" pitchFamily="50" charset="-127"/>
-              </a:rPr>
-              <a:t>.</a:t>
-            </a:r>
-          </a:p>
-          <a:p>
-            <a:r>
-              <a:rPr lang="en-US" altLang="ko-KR" sz="3200" smtClean="0">
-                <a:solidFill>
-                  <a:schemeClr val="tx1">
-                    <a:lumMod val="50000"/>
-                    <a:lumOff val="50000"/>
-                  </a:schemeClr>
-                </a:solidFill>
-                <a:latin typeface="G마켓 산스 Medium" panose="02000000000000000000" pitchFamily="50" charset="-127"/>
-                <a:ea typeface="G마켓 산스 Medium" panose="02000000000000000000" pitchFamily="50" charset="-127"/>
-              </a:rPr>
-              <a:t>3. case </a:t>
-            </a:r>
-            <a:r>
-              <a:rPr lang="ko-KR" altLang="en-US" sz="3200" smtClean="0">
-                <a:solidFill>
-                  <a:schemeClr val="tx1">
-                    <a:lumMod val="50000"/>
-                    <a:lumOff val="50000"/>
-                  </a:schemeClr>
-                </a:solidFill>
-                <a:latin typeface="G마켓 산스 Medium" panose="02000000000000000000" pitchFamily="50" charset="-127"/>
-                <a:ea typeface="G마켓 산스 Medium" panose="02000000000000000000" pitchFamily="50" charset="-127"/>
-              </a:rPr>
-              <a:t>문의 값은 상수이어야 한다</a:t>
-            </a:r>
-            <a:r>
-              <a:rPr lang="en-US" altLang="ko-KR" sz="3200" smtClean="0">
-                <a:solidFill>
-                  <a:schemeClr val="tx1">
-                    <a:lumMod val="50000"/>
-                    <a:lumOff val="50000"/>
-                  </a:schemeClr>
-                </a:solidFill>
-                <a:latin typeface="G마켓 산스 Medium" panose="02000000000000000000" pitchFamily="50" charset="-127"/>
-                <a:ea typeface="G마켓 산스 Medium" panose="02000000000000000000" pitchFamily="50" charset="-127"/>
-              </a:rPr>
-              <a:t>.</a:t>
-            </a:r>
-          </a:p>
-        </p:txBody>
-      </p:sp>
-      <p:sp>
-        <p:nvSpPr>
-          <p:cNvPr id="12" name="TextBox 11">
-            <a:extLst>
-              <a:ext uri="{FF2B5EF4-FFF2-40B4-BE49-F238E27FC236}">
-                <a16:creationId xmlns:a16="http://schemas.microsoft.com/office/drawing/2014/main" xmlns="" id="{CB8A15C9-2EDD-D4B9-010E-8DA55A06F005}"/>
-              </a:ext>
-            </a:extLst>
-          </p:cNvPr>
-          <p:cNvSpPr txBox="1"/>
-          <p:nvPr/>
-        </p:nvSpPr>
-        <p:spPr>
-          <a:xfrm>
-            <a:off x="10279966" y="486876"/>
-            <a:ext cx="6941234" cy="830997"/>
-          </a:xfrm>
-          <a:prstGeom prst="rect">
-            <a:avLst/>
-          </a:prstGeom>
-          <a:noFill/>
-        </p:spPr>
-        <p:txBody>
-          <a:bodyPr wrap="square" rtlCol="0">
-            <a:spAutoFit/>
-          </a:bodyPr>
-          <a:lstStyle/>
-          <a:p>
-            <a:r>
-              <a:rPr lang="en-US" altLang="ko-KR" sz="4800" smtClean="0">
-                <a:solidFill>
-                  <a:srgbClr val="4C50BC"/>
-                </a:solidFill>
-                <a:latin typeface="G마켓 산스 Medium" panose="02000000000000000000" pitchFamily="50" charset="-127"/>
-                <a:ea typeface="G마켓 산스 Medium" panose="02000000000000000000" pitchFamily="50" charset="-127"/>
-              </a:rPr>
-              <a:t>Switch</a:t>
-            </a:r>
-            <a:r>
-              <a:rPr lang="ko-KR" altLang="en-US" sz="4800" smtClean="0">
-                <a:solidFill>
-                  <a:srgbClr val="4C50BC"/>
-                </a:solidFill>
-                <a:latin typeface="G마켓 산스 Medium" panose="02000000000000000000" pitchFamily="50" charset="-127"/>
-                <a:ea typeface="G마켓 산스 Medium" panose="02000000000000000000" pitchFamily="50" charset="-127"/>
-              </a:rPr>
-              <a:t>문의 제약조건</a:t>
-            </a:r>
-            <a:endParaRPr lang="en-US" altLang="ko-KR" sz="4800" dirty="0">
-              <a:solidFill>
-                <a:srgbClr val="4C50BC"/>
-              </a:solidFill>
-              <a:latin typeface="G마켓 산스 Medium" panose="02000000000000000000" pitchFamily="50" charset="-127"/>
-              <a:ea typeface="G마켓 산스 Medium" panose="02000000000000000000" pitchFamily="50" charset="-127"/>
-            </a:endParaRPr>
-          </a:p>
-        </p:txBody>
-      </p:sp>
-    </p:spTree>
-    <p:extLst>
-      <p:ext uri="{BB962C8B-B14F-4D97-AF65-F5344CB8AC3E}">
-        <p14:creationId xmlns:p14="http://schemas.microsoft.com/office/powerpoint/2010/main" val="3173075709"/>
       </p:ext>
     </p:extLst>
   </p:cSld>
@@ -7325,10 +6929,10 @@
       </p:grpSpPr>
       <p:pic>
         <p:nvPicPr>
-          <p:cNvPr id="5" name="그림 4">
+          <p:cNvPr id="15" name="그림 14">
             <a:extLst>
               <a:ext uri="{FF2B5EF4-FFF2-40B4-BE49-F238E27FC236}">
-                <a16:creationId xmlns:a16="http://schemas.microsoft.com/office/drawing/2014/main" xmlns="" id="{CF4E70EB-AA80-91DA-57D2-19FC56B8DADD}"/>
+                <a16:creationId xmlns:a16="http://schemas.microsoft.com/office/drawing/2014/main" id="{C6D1BEA1-FCB7-ADA2-78D2-FCA636D86816}"/>
               </a:ext>
             </a:extLst>
           </p:cNvPr>
@@ -7345,8 +6949,8 @@
         </p:blipFill>
         <p:spPr>
           <a:xfrm>
-            <a:off x="1905000" y="1562100"/>
-            <a:ext cx="4724400" cy="1652091"/>
+            <a:off x="381000" y="1328128"/>
+            <a:ext cx="9601200" cy="7387225"/>
           </a:xfrm>
           <a:prstGeom prst="rect">
             <a:avLst/>
@@ -7355,10 +6959,10 @@
       </p:pic>
       <p:cxnSp>
         <p:nvCxnSpPr>
-          <p:cNvPr id="6" name="직선 화살표 연결선 5">
+          <p:cNvPr id="7" name="직선 화살표 연결선 6">
             <a:extLst>
               <a:ext uri="{FF2B5EF4-FFF2-40B4-BE49-F238E27FC236}">
-                <a16:creationId xmlns:a16="http://schemas.microsoft.com/office/drawing/2014/main" xmlns="" id="{8728C6A8-4D7D-268E-5281-DC10D54F5FAB}"/>
+                <a16:creationId xmlns:a16="http://schemas.microsoft.com/office/drawing/2014/main" id="{CFF5B8DD-5AE4-FAD3-A6B6-087AE8C7C5CC}"/>
               </a:ext>
             </a:extLst>
           </p:cNvPr>
@@ -7368,9 +6972,9 @@
           <p:nvPr/>
         </p:nvCxnSpPr>
         <p:spPr>
-          <a:xfrm>
-            <a:off x="6019800" y="2171700"/>
-            <a:ext cx="1524000" cy="0"/>
+          <a:xfrm flipV="1">
+            <a:off x="3338286" y="2697869"/>
+            <a:ext cx="1333500" cy="644099"/>
           </a:xfrm>
           <a:prstGeom prst="straightConnector1">
             <a:avLst/>
@@ -7396,10 +7000,10 @@
       </p:cxnSp>
       <p:sp>
         <p:nvSpPr>
-          <p:cNvPr id="7" name="직사각형 6">
+          <p:cNvPr id="8" name="직사각형 7">
             <a:extLst>
               <a:ext uri="{FF2B5EF4-FFF2-40B4-BE49-F238E27FC236}">
-                <a16:creationId xmlns:a16="http://schemas.microsoft.com/office/drawing/2014/main" xmlns="" id="{302FBC73-6D32-BE4A-99AE-931EFFD21AAA}"/>
+                <a16:creationId xmlns:a16="http://schemas.microsoft.com/office/drawing/2014/main" id="{E796A059-B810-0D98-E1E7-CFDC3D7E4445}"/>
               </a:ext>
             </a:extLst>
           </p:cNvPr>
@@ -7408,8 +7012,8 @@
         </p:nvSpPr>
         <p:spPr>
           <a:xfrm>
-            <a:off x="4267200" y="1943100"/>
-            <a:ext cx="1524000" cy="457200"/>
+            <a:off x="2728686" y="3113368"/>
+            <a:ext cx="533400" cy="457200"/>
           </a:xfrm>
           <a:prstGeom prst="rect">
             <a:avLst/>
@@ -7448,10 +7052,10 @@
       </p:sp>
       <p:sp>
         <p:nvSpPr>
-          <p:cNvPr id="8" name="TextBox 7">
+          <p:cNvPr id="11" name="TextBox 10">
             <a:extLst>
               <a:ext uri="{FF2B5EF4-FFF2-40B4-BE49-F238E27FC236}">
-                <a16:creationId xmlns:a16="http://schemas.microsoft.com/office/drawing/2014/main" xmlns="" id="{8DB3966A-604A-C7AF-0667-0ED47D22CC92}"/>
+                <a16:creationId xmlns:a16="http://schemas.microsoft.com/office/drawing/2014/main" id="{B294F0AF-B11E-C3D3-7E36-E421B71D61F4}"/>
               </a:ext>
             </a:extLst>
           </p:cNvPr>
@@ -7460,8 +7064,8 @@
         </p:nvSpPr>
         <p:spPr>
           <a:xfrm>
-            <a:off x="7734300" y="1906235"/>
-            <a:ext cx="6781800" cy="584775"/>
+            <a:off x="4786086" y="2019300"/>
+            <a:ext cx="5334000" cy="1077218"/>
           </a:xfrm>
           <a:prstGeom prst="rect">
             <a:avLst/>
@@ -7475,6 +7079,36 @@
           <a:lstStyle/>
           <a:p>
             <a:r>
+              <a:rPr lang="ko-KR" altLang="en-US" sz="3200" dirty="0">
+                <a:solidFill>
+                  <a:srgbClr val="FF0000"/>
+                </a:solidFill>
+                <a:latin typeface="G마켓 산스 Medium" panose="02000000000000000000" pitchFamily="50" charset="-127"/>
+                <a:ea typeface="G마켓 산스 Medium" panose="02000000000000000000" pitchFamily="50" charset="-127"/>
+              </a:rPr>
+              <a:t>조건식과 값이 </a:t>
+            </a:r>
+            <a:r>
+              <a:rPr lang="ko-KR" altLang="en-US" sz="3200" dirty="0" err="1">
+                <a:solidFill>
+                  <a:srgbClr val="FF0000"/>
+                </a:solidFill>
+                <a:latin typeface="G마켓 산스 Medium" panose="02000000000000000000" pitchFamily="50" charset="-127"/>
+                <a:ea typeface="G마켓 산스 Medium" panose="02000000000000000000" pitchFamily="50" charset="-127"/>
+              </a:rPr>
+              <a:t>일치해야지</a:t>
+            </a:r>
+            <a:r>
+              <a:rPr lang="ko-KR" altLang="en-US" sz="3200" dirty="0">
+                <a:solidFill>
+                  <a:srgbClr val="FF0000"/>
+                </a:solidFill>
+                <a:latin typeface="G마켓 산스 Medium" panose="02000000000000000000" pitchFamily="50" charset="-127"/>
+                <a:ea typeface="G마켓 산스 Medium" panose="02000000000000000000" pitchFamily="50" charset="-127"/>
+              </a:rPr>
+              <a:t> 실행된다</a:t>
+            </a:r>
+            <a:r>
               <a:rPr lang="en-US" altLang="ko-KR" sz="3200" dirty="0">
                 <a:solidFill>
                   <a:srgbClr val="FF0000"/>
@@ -7482,87 +7116,17 @@
                 <a:latin typeface="G마켓 산스 Medium" panose="02000000000000000000" pitchFamily="50" charset="-127"/>
                 <a:ea typeface="G마켓 산스 Medium" panose="02000000000000000000" pitchFamily="50" charset="-127"/>
               </a:rPr>
-              <a:t>Boolean</a:t>
-            </a:r>
-            <a:r>
-              <a:rPr lang="ko-KR" altLang="en-US" sz="3200" dirty="0">
-                <a:solidFill>
-                  <a:srgbClr val="FF0000"/>
-                </a:solidFill>
-                <a:latin typeface="G마켓 산스 Medium" panose="02000000000000000000" pitchFamily="50" charset="-127"/>
-                <a:ea typeface="G마켓 산스 Medium" panose="02000000000000000000" pitchFamily="50" charset="-127"/>
-              </a:rPr>
-              <a:t>타입은 </a:t>
-            </a:r>
-            <a:r>
-              <a:rPr lang="ko-KR" altLang="en-US" sz="3200" dirty="0" err="1">
-                <a:solidFill>
-                  <a:srgbClr val="FF0000"/>
-                </a:solidFill>
-                <a:latin typeface="G마켓 산스 Medium" panose="02000000000000000000" pitchFamily="50" charset="-127"/>
-                <a:ea typeface="G마켓 산스 Medium" panose="02000000000000000000" pitchFamily="50" charset="-127"/>
-              </a:rPr>
-              <a:t>쓸수</a:t>
-            </a:r>
-            <a:r>
-              <a:rPr lang="ko-KR" altLang="en-US" sz="3200" dirty="0">
-                <a:solidFill>
-                  <a:srgbClr val="FF0000"/>
-                </a:solidFill>
-                <a:latin typeface="G마켓 산스 Medium" panose="02000000000000000000" pitchFamily="50" charset="-127"/>
-                <a:ea typeface="G마켓 산스 Medium" panose="02000000000000000000" pitchFamily="50" charset="-127"/>
-              </a:rPr>
-              <a:t> 없다</a:t>
-            </a:r>
-            <a:r>
-              <a:rPr lang="en-US" altLang="ko-KR" sz="3200" dirty="0">
-                <a:solidFill>
-                  <a:srgbClr val="FF0000"/>
-                </a:solidFill>
-                <a:latin typeface="G마켓 산스 Medium" panose="02000000000000000000" pitchFamily="50" charset="-127"/>
-                <a:ea typeface="G마켓 산스 Medium" panose="02000000000000000000" pitchFamily="50" charset="-127"/>
-              </a:rPr>
               <a:t>.</a:t>
             </a:r>
           </a:p>
         </p:txBody>
       </p:sp>
-      <p:pic>
-        <p:nvPicPr>
-          <p:cNvPr id="10" name="그림 9">
+      <p:cxnSp>
+        <p:nvCxnSpPr>
+          <p:cNvPr id="20" name="직선 화살표 연결선 19">
             <a:extLst>
               <a:ext uri="{FF2B5EF4-FFF2-40B4-BE49-F238E27FC236}">
-                <a16:creationId xmlns:a16="http://schemas.microsoft.com/office/drawing/2014/main" xmlns="" id="{AA78E6EB-2B01-79CC-9057-3759C5D56CD9}"/>
-              </a:ext>
-            </a:extLst>
-          </p:cNvPr>
-          <p:cNvPicPr>
-            <a:picLocks noChangeAspect="1"/>
-          </p:cNvPicPr>
-          <p:nvPr/>
-        </p:nvPicPr>
-        <p:blipFill>
-          <a:blip r:embed="rId3"/>
-          <a:stretch>
-            <a:fillRect/>
-          </a:stretch>
-        </p:blipFill>
-        <p:spPr>
-          <a:xfrm>
-            <a:off x="1905000" y="3626034"/>
-            <a:ext cx="7409848" cy="2431866"/>
-          </a:xfrm>
-          <a:prstGeom prst="rect">
-            <a:avLst/>
-          </a:prstGeom>
-        </p:spPr>
-      </p:pic>
-      <p:cxnSp>
-        <p:nvCxnSpPr>
-          <p:cNvPr id="11" name="직선 화살표 연결선 10">
-            <a:extLst>
-              <a:ext uri="{FF2B5EF4-FFF2-40B4-BE49-F238E27FC236}">
-                <a16:creationId xmlns:a16="http://schemas.microsoft.com/office/drawing/2014/main" xmlns="" id="{93549FE3-F7E7-5442-6CD8-8AD51821A1D6}"/>
+                <a16:creationId xmlns:a16="http://schemas.microsoft.com/office/drawing/2014/main" id="{F7C1572C-BCA3-8087-AA95-7CC53490A1B0}"/>
               </a:ext>
             </a:extLst>
           </p:cNvPr>
@@ -7573,8 +7137,8 @@
         </p:nvCxnSpPr>
         <p:spPr>
           <a:xfrm>
-            <a:off x="5715000" y="5205190"/>
-            <a:ext cx="1524000" cy="0"/>
+            <a:off x="3185886" y="7048500"/>
+            <a:ext cx="1433286" cy="0"/>
           </a:xfrm>
           <a:prstGeom prst="straightConnector1">
             <a:avLst/>
@@ -7600,10 +7164,10 @@
       </p:cxnSp>
       <p:sp>
         <p:nvSpPr>
-          <p:cNvPr id="12" name="직사각형 11">
+          <p:cNvPr id="21" name="직사각형 20">
             <a:extLst>
               <a:ext uri="{FF2B5EF4-FFF2-40B4-BE49-F238E27FC236}">
-                <a16:creationId xmlns:a16="http://schemas.microsoft.com/office/drawing/2014/main" xmlns="" id="{94227EF0-3965-DF6B-ED6C-E7B6D0756247}"/>
+                <a16:creationId xmlns:a16="http://schemas.microsoft.com/office/drawing/2014/main" id="{09A98BD4-AB00-6A86-0B92-B0599743A4C4}"/>
               </a:ext>
             </a:extLst>
           </p:cNvPr>
@@ -7612,8 +7176,8 @@
         </p:nvSpPr>
         <p:spPr>
           <a:xfrm>
-            <a:off x="3962400" y="4976590"/>
-            <a:ext cx="1524000" cy="457200"/>
+            <a:off x="1433286" y="6819900"/>
+            <a:ext cx="1676400" cy="457200"/>
           </a:xfrm>
           <a:prstGeom prst="rect">
             <a:avLst/>
@@ -7652,10 +7216,10 @@
       </p:sp>
       <p:sp>
         <p:nvSpPr>
-          <p:cNvPr id="13" name="TextBox 12">
+          <p:cNvPr id="22" name="TextBox 21">
             <a:extLst>
               <a:ext uri="{FF2B5EF4-FFF2-40B4-BE49-F238E27FC236}">
-                <a16:creationId xmlns:a16="http://schemas.microsoft.com/office/drawing/2014/main" xmlns="" id="{3EABB99B-43C1-73B3-BBA9-53357E140C3A}"/>
+                <a16:creationId xmlns:a16="http://schemas.microsoft.com/office/drawing/2014/main" id="{C8A0704C-FEE1-6E77-EBF1-1AE8FC4BD2CC}"/>
               </a:ext>
             </a:extLst>
           </p:cNvPr>
@@ -7664,8 +7228,8 @@
         </p:nvSpPr>
         <p:spPr>
           <a:xfrm>
-            <a:off x="7429500" y="4939725"/>
-            <a:ext cx="6781800" cy="584775"/>
+            <a:off x="4724400" y="6405653"/>
+            <a:ext cx="10606314" cy="1077218"/>
           </a:xfrm>
           <a:prstGeom prst="rect">
             <a:avLst/>
@@ -7679,6 +7243,36 @@
           <a:lstStyle/>
           <a:p>
             <a:r>
+              <a:rPr lang="ko-KR" altLang="en-US" sz="3200" dirty="0">
+                <a:solidFill>
+                  <a:srgbClr val="FF0000"/>
+                </a:solidFill>
+                <a:latin typeface="G마켓 산스 Medium" panose="02000000000000000000" pitchFamily="50" charset="-127"/>
+                <a:ea typeface="G마켓 산스 Medium" panose="02000000000000000000" pitchFamily="50" charset="-127"/>
+              </a:rPr>
+              <a:t>모든 케이스에 걸리지 </a:t>
+            </a:r>
+            <a:r>
+              <a:rPr lang="ko-KR" altLang="en-US" sz="3200" dirty="0" err="1">
+                <a:solidFill>
+                  <a:srgbClr val="FF0000"/>
+                </a:solidFill>
+                <a:latin typeface="G마켓 산스 Medium" panose="02000000000000000000" pitchFamily="50" charset="-127"/>
+                <a:ea typeface="G마켓 산스 Medium" panose="02000000000000000000" pitchFamily="50" charset="-127"/>
+              </a:rPr>
+              <a:t>않을경우</a:t>
+            </a:r>
+            <a:r>
+              <a:rPr lang="ko-KR" altLang="en-US" sz="3200" dirty="0">
+                <a:solidFill>
+                  <a:srgbClr val="FF0000"/>
+                </a:solidFill>
+                <a:latin typeface="G마켓 산스 Medium" panose="02000000000000000000" pitchFamily="50" charset="-127"/>
+                <a:ea typeface="G마켓 산스 Medium" panose="02000000000000000000" pitchFamily="50" charset="-127"/>
+              </a:rPr>
+              <a:t> 실행된다</a:t>
+            </a:r>
+            <a:r>
               <a:rPr lang="en-US" altLang="ko-KR" sz="3200" dirty="0">
                 <a:solidFill>
                   <a:srgbClr val="FF0000"/>
@@ -7686,7 +7280,7 @@
                 <a:latin typeface="G마켓 산스 Medium" panose="02000000000000000000" pitchFamily="50" charset="-127"/>
                 <a:ea typeface="G마켓 산스 Medium" panose="02000000000000000000" pitchFamily="50" charset="-127"/>
               </a:rPr>
-              <a:t>Case</a:t>
+              <a:t>. </a:t>
             </a:r>
             <a:r>
               <a:rPr lang="ko-KR" altLang="en-US" sz="3200" dirty="0">
@@ -7696,45 +7290,276 @@
                 <a:latin typeface="G마켓 산스 Medium" panose="02000000000000000000" pitchFamily="50" charset="-127"/>
                 <a:ea typeface="G마켓 산스 Medium" panose="02000000000000000000" pitchFamily="50" charset="-127"/>
               </a:rPr>
-              <a:t> 에서도 </a:t>
-            </a:r>
-            <a:r>
-              <a:rPr lang="en-US" altLang="ko-KR" sz="3200" dirty="0" err="1">
+              <a:t>필수요소는 아니다</a:t>
+            </a:r>
+            <a:r>
+              <a:rPr lang="en-US" altLang="ko-KR" sz="3200" dirty="0">
                 <a:solidFill>
                   <a:srgbClr val="FF0000"/>
                 </a:solidFill>
                 <a:latin typeface="G마켓 산스 Medium" panose="02000000000000000000" pitchFamily="50" charset="-127"/>
                 <a:ea typeface="G마켓 산스 Medium" panose="02000000000000000000" pitchFamily="50" charset="-127"/>
               </a:rPr>
-              <a:t>boolean</a:t>
-            </a:r>
-            <a:r>
-              <a:rPr lang="ko-KR" altLang="en-US" sz="3200" dirty="0">
-                <a:solidFill>
-                  <a:srgbClr val="FF0000"/>
-                </a:solidFill>
-                <a:latin typeface="G마켓 산스 Medium" panose="02000000000000000000" pitchFamily="50" charset="-127"/>
-                <a:ea typeface="G마켓 산스 Medium" panose="02000000000000000000" pitchFamily="50" charset="-127"/>
-              </a:rPr>
-              <a:t>을 쓸 수 없다</a:t>
-            </a:r>
-            <a:r>
-              <a:rPr lang="en-US" altLang="ko-KR" sz="3200" dirty="0">
-                <a:solidFill>
-                  <a:srgbClr val="FF0000"/>
-                </a:solidFill>
-                <a:latin typeface="G마켓 산스 Medium" panose="02000000000000000000" pitchFamily="50" charset="-127"/>
-                <a:ea typeface="G마켓 산스 Medium" panose="02000000000000000000" pitchFamily="50" charset="-127"/>
-              </a:rPr>
               <a:t>.</a:t>
             </a:r>
+          </a:p>
+        </p:txBody>
+      </p:sp>
+      <p:sp>
+        <p:nvSpPr>
+          <p:cNvPr id="10" name="TextBox 9">
+            <a:extLst>
+              <a:ext uri="{FF2B5EF4-FFF2-40B4-BE49-F238E27FC236}">
+                <a16:creationId xmlns:a16="http://schemas.microsoft.com/office/drawing/2014/main" id="{4EDAA912-8FA0-0F11-119B-EA9F8B36A489}"/>
+              </a:ext>
+            </a:extLst>
+          </p:cNvPr>
+          <p:cNvSpPr txBox="1"/>
+          <p:nvPr/>
+        </p:nvSpPr>
+        <p:spPr>
+          <a:xfrm>
+            <a:off x="10695169" y="1409700"/>
+            <a:ext cx="6678431" cy="2062103"/>
+          </a:xfrm>
+          <a:prstGeom prst="rect">
+            <a:avLst/>
+          </a:prstGeom>
+          <a:noFill/>
+        </p:spPr>
+        <p:txBody>
+          <a:bodyPr wrap="none" rtlCol="0">
+            <a:spAutoFit/>
+          </a:bodyPr>
+          <a:lstStyle/>
+          <a:p>
+            <a:r>
+              <a:rPr lang="en-US" altLang="ko-KR" sz="3200">
+                <a:solidFill>
+                  <a:schemeClr val="tx1">
+                    <a:lumMod val="50000"/>
+                    <a:lumOff val="50000"/>
+                  </a:schemeClr>
+                </a:solidFill>
+                <a:latin typeface="G마켓 산스 Medium" panose="02000000000000000000" pitchFamily="50" charset="-127"/>
+                <a:ea typeface="G마켓 산스 Medium" panose="02000000000000000000" pitchFamily="50" charset="-127"/>
+              </a:rPr>
+              <a:t>1. </a:t>
+            </a:r>
+            <a:r>
+              <a:rPr lang="ko-KR" altLang="en-US" sz="3200">
+                <a:solidFill>
+                  <a:schemeClr val="tx1">
+                    <a:lumMod val="50000"/>
+                    <a:lumOff val="50000"/>
+                  </a:schemeClr>
+                </a:solidFill>
+                <a:latin typeface="G마켓 산스 Medium" panose="02000000000000000000" pitchFamily="50" charset="-127"/>
+                <a:ea typeface="G마켓 산스 Medium" panose="02000000000000000000" pitchFamily="50" charset="-127"/>
+              </a:rPr>
+              <a:t>조건식의 결과는 반드시 정수</a:t>
+            </a:r>
+            <a:r>
+              <a:rPr lang="en-US" altLang="ko-KR" sz="3200">
+                <a:solidFill>
+                  <a:schemeClr val="tx1">
+                    <a:lumMod val="50000"/>
+                    <a:lumOff val="50000"/>
+                  </a:schemeClr>
+                </a:solidFill>
+                <a:latin typeface="G마켓 산스 Medium" panose="02000000000000000000" pitchFamily="50" charset="-127"/>
+                <a:ea typeface="G마켓 산스 Medium" panose="02000000000000000000" pitchFamily="50" charset="-127"/>
+              </a:rPr>
+              <a:t>, </a:t>
+            </a:r>
+          </a:p>
+          <a:p>
+            <a:r>
+              <a:rPr lang="en-US" altLang="ko-KR" sz="3200">
+                <a:solidFill>
+                  <a:schemeClr val="tx1">
+                    <a:lumMod val="50000"/>
+                    <a:lumOff val="50000"/>
+                  </a:schemeClr>
+                </a:solidFill>
+                <a:latin typeface="G마켓 산스 Medium" panose="02000000000000000000" pitchFamily="50" charset="-127"/>
+                <a:ea typeface="G마켓 산스 Medium" panose="02000000000000000000" pitchFamily="50" charset="-127"/>
+              </a:rPr>
+              <a:t>       </a:t>
+            </a:r>
+            <a:r>
+              <a:rPr lang="ko-KR" altLang="en-US" sz="3200">
+                <a:solidFill>
+                  <a:schemeClr val="tx1">
+                    <a:lumMod val="50000"/>
+                    <a:lumOff val="50000"/>
+                  </a:schemeClr>
+                </a:solidFill>
+                <a:latin typeface="G마켓 산스 Medium" panose="02000000000000000000" pitchFamily="50" charset="-127"/>
+                <a:ea typeface="G마켓 산스 Medium" panose="02000000000000000000" pitchFamily="50" charset="-127"/>
+              </a:rPr>
+              <a:t>문자열이어야 한다</a:t>
+            </a:r>
+            <a:r>
+              <a:rPr lang="en-US" altLang="ko-KR" sz="3200">
+                <a:solidFill>
+                  <a:schemeClr val="tx1">
+                    <a:lumMod val="50000"/>
+                    <a:lumOff val="50000"/>
+                  </a:schemeClr>
+                </a:solidFill>
+                <a:latin typeface="G마켓 산스 Medium" panose="02000000000000000000" pitchFamily="50" charset="-127"/>
+                <a:ea typeface="G마켓 산스 Medium" panose="02000000000000000000" pitchFamily="50" charset="-127"/>
+              </a:rPr>
+              <a:t>.</a:t>
+            </a:r>
+          </a:p>
+          <a:p>
+            <a:r>
+              <a:rPr lang="en-US" altLang="ko-KR" sz="3200">
+                <a:solidFill>
+                  <a:schemeClr val="tx1">
+                    <a:lumMod val="50000"/>
+                    <a:lumOff val="50000"/>
+                  </a:schemeClr>
+                </a:solidFill>
+                <a:latin typeface="G마켓 산스 Medium" panose="02000000000000000000" pitchFamily="50" charset="-127"/>
+                <a:ea typeface="G마켓 산스 Medium" panose="02000000000000000000" pitchFamily="50" charset="-127"/>
+              </a:rPr>
+              <a:t>2. case </a:t>
+            </a:r>
+            <a:r>
+              <a:rPr lang="ko-KR" altLang="en-US" sz="3200">
+                <a:solidFill>
+                  <a:schemeClr val="tx1">
+                    <a:lumMod val="50000"/>
+                    <a:lumOff val="50000"/>
+                  </a:schemeClr>
+                </a:solidFill>
+                <a:latin typeface="G마켓 산스 Medium" panose="02000000000000000000" pitchFamily="50" charset="-127"/>
+                <a:ea typeface="G마켓 산스 Medium" panose="02000000000000000000" pitchFamily="50" charset="-127"/>
+              </a:rPr>
+              <a:t>문의 값은 중복될수 없다</a:t>
+            </a:r>
+            <a:r>
+              <a:rPr lang="en-US" altLang="ko-KR" sz="3200">
+                <a:solidFill>
+                  <a:schemeClr val="tx1">
+                    <a:lumMod val="50000"/>
+                    <a:lumOff val="50000"/>
+                  </a:schemeClr>
+                </a:solidFill>
+                <a:latin typeface="G마켓 산스 Medium" panose="02000000000000000000" pitchFamily="50" charset="-127"/>
+                <a:ea typeface="G마켓 산스 Medium" panose="02000000000000000000" pitchFamily="50" charset="-127"/>
+              </a:rPr>
+              <a:t>.</a:t>
+            </a:r>
+          </a:p>
+          <a:p>
+            <a:r>
+              <a:rPr lang="en-US" altLang="ko-KR" sz="3200">
+                <a:solidFill>
+                  <a:schemeClr val="tx1">
+                    <a:lumMod val="50000"/>
+                    <a:lumOff val="50000"/>
+                  </a:schemeClr>
+                </a:solidFill>
+                <a:latin typeface="G마켓 산스 Medium" panose="02000000000000000000" pitchFamily="50" charset="-127"/>
+                <a:ea typeface="G마켓 산스 Medium" panose="02000000000000000000" pitchFamily="50" charset="-127"/>
+              </a:rPr>
+              <a:t>3. case </a:t>
+            </a:r>
+            <a:r>
+              <a:rPr lang="ko-KR" altLang="en-US" sz="3200">
+                <a:solidFill>
+                  <a:schemeClr val="tx1">
+                    <a:lumMod val="50000"/>
+                    <a:lumOff val="50000"/>
+                  </a:schemeClr>
+                </a:solidFill>
+                <a:latin typeface="G마켓 산스 Medium" panose="02000000000000000000" pitchFamily="50" charset="-127"/>
+                <a:ea typeface="G마켓 산스 Medium" panose="02000000000000000000" pitchFamily="50" charset="-127"/>
+              </a:rPr>
+              <a:t>문의 값은 상수이어야 한다</a:t>
+            </a:r>
+            <a:r>
+              <a:rPr lang="en-US" altLang="ko-KR" sz="3200">
+                <a:solidFill>
+                  <a:schemeClr val="tx1">
+                    <a:lumMod val="50000"/>
+                    <a:lumOff val="50000"/>
+                  </a:schemeClr>
+                </a:solidFill>
+                <a:latin typeface="G마켓 산스 Medium" panose="02000000000000000000" pitchFamily="50" charset="-127"/>
+                <a:ea typeface="G마켓 산스 Medium" panose="02000000000000000000" pitchFamily="50" charset="-127"/>
+              </a:rPr>
+              <a:t>.</a:t>
+            </a:r>
+          </a:p>
+        </p:txBody>
+      </p:sp>
+      <p:sp>
+        <p:nvSpPr>
+          <p:cNvPr id="12" name="TextBox 11">
+            <a:extLst>
+              <a:ext uri="{FF2B5EF4-FFF2-40B4-BE49-F238E27FC236}">
+                <a16:creationId xmlns:a16="http://schemas.microsoft.com/office/drawing/2014/main" id="{CB8A15C9-2EDD-D4B9-010E-8DA55A06F005}"/>
+              </a:ext>
+            </a:extLst>
+          </p:cNvPr>
+          <p:cNvSpPr txBox="1"/>
+          <p:nvPr/>
+        </p:nvSpPr>
+        <p:spPr>
+          <a:xfrm>
+            <a:off x="10279966" y="486876"/>
+            <a:ext cx="6941234" cy="830997"/>
+          </a:xfrm>
+          <a:prstGeom prst="rect">
+            <a:avLst/>
+          </a:prstGeom>
+          <a:noFill/>
+        </p:spPr>
+        <p:txBody>
+          <a:bodyPr wrap="square" rtlCol="0">
+            <a:spAutoFit/>
+          </a:bodyPr>
+          <a:lstStyle/>
+          <a:p>
+            <a:r>
+              <a:rPr lang="en-US" altLang="ko-KR" sz="4800">
+                <a:solidFill>
+                  <a:srgbClr val="4C50BC"/>
+                </a:solidFill>
+                <a:latin typeface="G마켓 산스 Medium" panose="02000000000000000000" pitchFamily="50" charset="-127"/>
+                <a:ea typeface="G마켓 산스 Medium" panose="02000000000000000000" pitchFamily="50" charset="-127"/>
+              </a:rPr>
+              <a:t>Switch</a:t>
+            </a:r>
+            <a:r>
+              <a:rPr lang="ko-KR" altLang="en-US" sz="4800">
+                <a:solidFill>
+                  <a:srgbClr val="4C50BC"/>
+                </a:solidFill>
+                <a:latin typeface="G마켓 산스 Medium" panose="02000000000000000000" pitchFamily="50" charset="-127"/>
+                <a:ea typeface="G마켓 산스 Medium" panose="02000000000000000000" pitchFamily="50" charset="-127"/>
+              </a:rPr>
+              <a:t>문의 제약조건</a:t>
+            </a:r>
+            <a:endParaRPr lang="en-US" altLang="ko-KR" sz="4800" dirty="0">
+              <a:solidFill>
+                <a:srgbClr val="4C50BC"/>
+              </a:solidFill>
+              <a:latin typeface="G마켓 산스 Medium" panose="02000000000000000000" pitchFamily="50" charset="-127"/>
+              <a:ea typeface="G마켓 산스 Medium" panose="02000000000000000000" pitchFamily="50" charset="-127"/>
+            </a:endParaRPr>
           </a:p>
         </p:txBody>
       </p:sp>
     </p:spTree>
     <p:extLst>
       <p:ext uri="{BB962C8B-B14F-4D97-AF65-F5344CB8AC3E}">
-        <p14:creationId xmlns:p14="http://schemas.microsoft.com/office/powerpoint/2010/main" val="3774936087"/>
+        <p14:creationId xmlns:p14="http://schemas.microsoft.com/office/powerpoint/2010/main" val="3173075709"/>
       </p:ext>
     </p:extLst>
   </p:cSld>
@@ -7763,7 +7588,13 @@
       </p:grpSpPr>
       <p:pic>
         <p:nvPicPr>
-          <p:cNvPr id="5" name="그림 4"/>
+          <p:cNvPr id="5" name="그림 4">
+            <a:extLst>
+              <a:ext uri="{FF2B5EF4-FFF2-40B4-BE49-F238E27FC236}">
+                <a16:creationId xmlns:a16="http://schemas.microsoft.com/office/drawing/2014/main" id="{CF4E70EB-AA80-91DA-57D2-19FC56B8DADD}"/>
+              </a:ext>
+            </a:extLst>
+          </p:cNvPr>
           <p:cNvPicPr>
             <a:picLocks noChangeAspect="1"/>
           </p:cNvPicPr>
@@ -7777,8 +7608,8 @@
         </p:blipFill>
         <p:spPr>
           <a:xfrm>
-            <a:off x="3505200" y="495300"/>
-            <a:ext cx="4876800" cy="7784563"/>
+            <a:off x="1905000" y="1562100"/>
+            <a:ext cx="4724400" cy="1652091"/>
           </a:xfrm>
           <a:prstGeom prst="rect">
             <a:avLst/>
@@ -7790,7 +7621,7 @@
           <p:cNvPr id="6" name="직선 화살표 연결선 5">
             <a:extLst>
               <a:ext uri="{FF2B5EF4-FFF2-40B4-BE49-F238E27FC236}">
-                <a16:creationId xmlns:a16="http://schemas.microsoft.com/office/drawing/2014/main" xmlns="" id="{93549FE3-F7E7-5442-6CD8-8AD51821A1D6}"/>
+                <a16:creationId xmlns:a16="http://schemas.microsoft.com/office/drawing/2014/main" id="{8728C6A8-4D7D-268E-5281-DC10D54F5FAB}"/>
               </a:ext>
             </a:extLst>
           </p:cNvPr>
@@ -7801,7 +7632,7 @@
         </p:nvCxnSpPr>
         <p:spPr>
           <a:xfrm>
-            <a:off x="7658100" y="4113565"/>
+            <a:off x="6019800" y="2171700"/>
             <a:ext cx="1524000" cy="0"/>
           </a:xfrm>
           <a:prstGeom prst="straightConnector1">
@@ -7831,7 +7662,7 @@
           <p:cNvPr id="7" name="직사각형 6">
             <a:extLst>
               <a:ext uri="{FF2B5EF4-FFF2-40B4-BE49-F238E27FC236}">
-                <a16:creationId xmlns:a16="http://schemas.microsoft.com/office/drawing/2014/main" xmlns="" id="{94227EF0-3965-DF6B-ED6C-E7B6D0756247}"/>
+                <a16:creationId xmlns:a16="http://schemas.microsoft.com/office/drawing/2014/main" id="{302FBC73-6D32-BE4A-99AE-931EFFD21AAA}"/>
               </a:ext>
             </a:extLst>
           </p:cNvPr>
@@ -7840,7 +7671,7 @@
         </p:nvSpPr>
         <p:spPr>
           <a:xfrm>
-            <a:off x="5905500" y="3884965"/>
+            <a:off x="4267200" y="1943100"/>
             <a:ext cx="1524000" cy="457200"/>
           </a:xfrm>
           <a:prstGeom prst="rect">
@@ -7883,7 +7714,7 @@
           <p:cNvPr id="8" name="TextBox 7">
             <a:extLst>
               <a:ext uri="{FF2B5EF4-FFF2-40B4-BE49-F238E27FC236}">
-                <a16:creationId xmlns:a16="http://schemas.microsoft.com/office/drawing/2014/main" xmlns="" id="{3EABB99B-43C1-73B3-BBA9-53357E140C3A}"/>
+                <a16:creationId xmlns:a16="http://schemas.microsoft.com/office/drawing/2014/main" id="{8DB3966A-604A-C7AF-0667-0ED47D22CC92}"/>
               </a:ext>
             </a:extLst>
           </p:cNvPr>
@@ -7892,8 +7723,8 @@
         </p:nvSpPr>
         <p:spPr>
           <a:xfrm>
-            <a:off x="9372600" y="3848100"/>
-            <a:ext cx="6096000" cy="584775"/>
+            <a:off x="7734300" y="1906235"/>
+            <a:ext cx="6781800" cy="584775"/>
           </a:xfrm>
           <a:prstGeom prst="rect">
             <a:avLst/>
@@ -7907,41 +7738,94 @@
           <a:lstStyle/>
           <a:p>
             <a:r>
-              <a:rPr lang="ko-KR" altLang="en-US" sz="3200" smtClean="0">
+              <a:rPr lang="en-US" altLang="ko-KR" sz="3200" dirty="0">
                 <a:solidFill>
                   <a:srgbClr val="FF0000"/>
                 </a:solidFill>
                 <a:latin typeface="G마켓 산스 Medium" panose="02000000000000000000" pitchFamily="50" charset="-127"/>
                 <a:ea typeface="G마켓 산스 Medium" panose="02000000000000000000" pitchFamily="50" charset="-127"/>
               </a:rPr>
-              <a:t>유니코드로 변환되어 정수  </a:t>
-            </a:r>
-            <a:r>
-              <a:rPr lang="en-US" altLang="ko-KR" sz="3200" smtClean="0">
+              <a:t>Boolean</a:t>
+            </a:r>
+            <a:r>
+              <a:rPr lang="ko-KR" altLang="en-US" sz="3200" dirty="0">
                 <a:solidFill>
                   <a:srgbClr val="FF0000"/>
                 </a:solidFill>
                 <a:latin typeface="G마켓 산스 Medium" panose="02000000000000000000" pitchFamily="50" charset="-127"/>
                 <a:ea typeface="G마켓 산스 Medium" panose="02000000000000000000" pitchFamily="50" charset="-127"/>
               </a:rPr>
-              <a:t>OK!</a:t>
-            </a:r>
-            <a:endParaRPr lang="en-US" altLang="ko-KR" sz="3200" dirty="0">
-              <a:solidFill>
-                <a:srgbClr val="FF0000"/>
-              </a:solidFill>
-              <a:latin typeface="G마켓 산스 Medium" panose="02000000000000000000" pitchFamily="50" charset="-127"/>
-              <a:ea typeface="G마켓 산스 Medium" panose="02000000000000000000" pitchFamily="50" charset="-127"/>
-            </a:endParaRPr>
-          </a:p>
-        </p:txBody>
-      </p:sp>
+              <a:t>타입은 </a:t>
+            </a:r>
+            <a:r>
+              <a:rPr lang="ko-KR" altLang="en-US" sz="3200" dirty="0" err="1">
+                <a:solidFill>
+                  <a:srgbClr val="FF0000"/>
+                </a:solidFill>
+                <a:latin typeface="G마켓 산스 Medium" panose="02000000000000000000" pitchFamily="50" charset="-127"/>
+                <a:ea typeface="G마켓 산스 Medium" panose="02000000000000000000" pitchFamily="50" charset="-127"/>
+              </a:rPr>
+              <a:t>쓸수</a:t>
+            </a:r>
+            <a:r>
+              <a:rPr lang="ko-KR" altLang="en-US" sz="3200" dirty="0">
+                <a:solidFill>
+                  <a:srgbClr val="FF0000"/>
+                </a:solidFill>
+                <a:latin typeface="G마켓 산스 Medium" panose="02000000000000000000" pitchFamily="50" charset="-127"/>
+                <a:ea typeface="G마켓 산스 Medium" panose="02000000000000000000" pitchFamily="50" charset="-127"/>
+              </a:rPr>
+              <a:t> 없다</a:t>
+            </a:r>
+            <a:r>
+              <a:rPr lang="en-US" altLang="ko-KR" sz="3200" dirty="0">
+                <a:solidFill>
+                  <a:srgbClr val="FF0000"/>
+                </a:solidFill>
+                <a:latin typeface="G마켓 산스 Medium" panose="02000000000000000000" pitchFamily="50" charset="-127"/>
+                <a:ea typeface="G마켓 산스 Medium" panose="02000000000000000000" pitchFamily="50" charset="-127"/>
+              </a:rPr>
+              <a:t>.</a:t>
+            </a:r>
+          </a:p>
+        </p:txBody>
+      </p:sp>
+      <p:pic>
+        <p:nvPicPr>
+          <p:cNvPr id="10" name="그림 9">
+            <a:extLst>
+              <a:ext uri="{FF2B5EF4-FFF2-40B4-BE49-F238E27FC236}">
+                <a16:creationId xmlns:a16="http://schemas.microsoft.com/office/drawing/2014/main" id="{AA78E6EB-2B01-79CC-9057-3759C5D56CD9}"/>
+              </a:ext>
+            </a:extLst>
+          </p:cNvPr>
+          <p:cNvPicPr>
+            <a:picLocks noChangeAspect="1"/>
+          </p:cNvPicPr>
+          <p:nvPr/>
+        </p:nvPicPr>
+        <p:blipFill>
+          <a:blip r:embed="rId3"/>
+          <a:stretch>
+            <a:fillRect/>
+          </a:stretch>
+        </p:blipFill>
+        <p:spPr>
+          <a:xfrm>
+            <a:off x="1905000" y="3626034"/>
+            <a:ext cx="7409848" cy="2431866"/>
+          </a:xfrm>
+          <a:prstGeom prst="rect">
+            <a:avLst/>
+          </a:prstGeom>
+        </p:spPr>
+      </p:pic>
       <p:cxnSp>
         <p:nvCxnSpPr>
-          <p:cNvPr id="9" name="직선 화살표 연결선 8">
+          <p:cNvPr id="11" name="직선 화살표 연결선 10">
             <a:extLst>
               <a:ext uri="{FF2B5EF4-FFF2-40B4-BE49-F238E27FC236}">
-                <a16:creationId xmlns:a16="http://schemas.microsoft.com/office/drawing/2014/main" xmlns="" id="{93549FE3-F7E7-5442-6CD8-8AD51821A1D6}"/>
+                <a16:creationId xmlns:a16="http://schemas.microsoft.com/office/drawing/2014/main" id="{93549FE3-F7E7-5442-6CD8-8AD51821A1D6}"/>
               </a:ext>
             </a:extLst>
           </p:cNvPr>
@@ -7952,7 +7836,7 @@
         </p:nvCxnSpPr>
         <p:spPr>
           <a:xfrm>
-            <a:off x="7658100" y="4951765"/>
+            <a:off x="5715000" y="5205190"/>
             <a:ext cx="1524000" cy="0"/>
           </a:xfrm>
           <a:prstGeom prst="straightConnector1">
@@ -7979,10 +7863,10 @@
       </p:cxnSp>
       <p:sp>
         <p:nvSpPr>
-          <p:cNvPr id="10" name="직사각형 9">
+          <p:cNvPr id="12" name="직사각형 11">
             <a:extLst>
               <a:ext uri="{FF2B5EF4-FFF2-40B4-BE49-F238E27FC236}">
-                <a16:creationId xmlns:a16="http://schemas.microsoft.com/office/drawing/2014/main" xmlns="" id="{94227EF0-3965-DF6B-ED6C-E7B6D0756247}"/>
+                <a16:creationId xmlns:a16="http://schemas.microsoft.com/office/drawing/2014/main" id="{94227EF0-3965-DF6B-ED6C-E7B6D0756247}"/>
               </a:ext>
             </a:extLst>
           </p:cNvPr>
@@ -7991,7 +7875,7 @@
         </p:nvSpPr>
         <p:spPr>
           <a:xfrm>
-            <a:off x="5905500" y="4723165"/>
+            <a:off x="3962400" y="4976590"/>
             <a:ext cx="1524000" cy="457200"/>
           </a:xfrm>
           <a:prstGeom prst="rect">
@@ -8031,10 +7915,10 @@
       </p:sp>
       <p:sp>
         <p:nvSpPr>
-          <p:cNvPr id="11" name="TextBox 10">
+          <p:cNvPr id="13" name="TextBox 12">
             <a:extLst>
               <a:ext uri="{FF2B5EF4-FFF2-40B4-BE49-F238E27FC236}">
-                <a16:creationId xmlns:a16="http://schemas.microsoft.com/office/drawing/2014/main" xmlns="" id="{3EABB99B-43C1-73B3-BBA9-53357E140C3A}"/>
+                <a16:creationId xmlns:a16="http://schemas.microsoft.com/office/drawing/2014/main" id="{3EABB99B-43C1-73B3-BBA9-53357E140C3A}"/>
               </a:ext>
             </a:extLst>
           </p:cNvPr>
@@ -8043,7 +7927,7 @@
         </p:nvSpPr>
         <p:spPr>
           <a:xfrm>
-            <a:off x="9372600" y="4686300"/>
+            <a:off x="7429500" y="4939725"/>
             <a:ext cx="6781800" cy="584775"/>
           </a:xfrm>
           <a:prstGeom prst="rect">
@@ -8058,522 +7942,62 @@
           <a:lstStyle/>
           <a:p>
             <a:r>
-              <a:rPr lang="ko-KR" altLang="en-US" sz="3200" smtClean="0">
+              <a:rPr lang="en-US" altLang="ko-KR" sz="3200" dirty="0">
                 <a:solidFill>
                   <a:srgbClr val="FF0000"/>
                 </a:solidFill>
                 <a:latin typeface="G마켓 산스 Medium" panose="02000000000000000000" pitchFamily="50" charset="-127"/>
                 <a:ea typeface="G마켓 산스 Medium" panose="02000000000000000000" pitchFamily="50" charset="-127"/>
               </a:rPr>
-              <a:t>변수는 사용할수 없다 </a:t>
-            </a:r>
-            <a:r>
-              <a:rPr lang="en-US" altLang="ko-KR" sz="3200" smtClean="0">
+              <a:t>Case</a:t>
+            </a:r>
+            <a:r>
+              <a:rPr lang="ko-KR" altLang="en-US" sz="3200" dirty="0">
                 <a:solidFill>
                   <a:srgbClr val="FF0000"/>
                 </a:solidFill>
                 <a:latin typeface="G마켓 산스 Medium" panose="02000000000000000000" pitchFamily="50" charset="-127"/>
                 <a:ea typeface="G마켓 산스 Medium" panose="02000000000000000000" pitchFamily="50" charset="-127"/>
               </a:rPr>
-              <a:t>ERROR!</a:t>
-            </a:r>
-            <a:endParaRPr lang="en-US" altLang="ko-KR" sz="3200" dirty="0">
-              <a:solidFill>
-                <a:srgbClr val="FF0000"/>
-              </a:solidFill>
-              <a:latin typeface="G마켓 산스 Medium" panose="02000000000000000000" pitchFamily="50" charset="-127"/>
-              <a:ea typeface="G마켓 산스 Medium" panose="02000000000000000000" pitchFamily="50" charset="-127"/>
-            </a:endParaRPr>
-          </a:p>
-        </p:txBody>
-      </p:sp>
-      <p:cxnSp>
-        <p:nvCxnSpPr>
-          <p:cNvPr id="12" name="직선 화살표 연결선 11">
-            <a:extLst>
-              <a:ext uri="{FF2B5EF4-FFF2-40B4-BE49-F238E27FC236}">
-                <a16:creationId xmlns:a16="http://schemas.microsoft.com/office/drawing/2014/main" xmlns="" id="{93549FE3-F7E7-5442-6CD8-8AD51821A1D6}"/>
-              </a:ext>
-            </a:extLst>
-          </p:cNvPr>
-          <p:cNvCxnSpPr>
-            <a:cxnSpLocks/>
-          </p:cNvCxnSpPr>
-          <p:nvPr/>
-        </p:nvCxnSpPr>
-        <p:spPr>
-          <a:xfrm>
-            <a:off x="7658100" y="5866165"/>
-            <a:ext cx="1524000" cy="0"/>
-          </a:xfrm>
-          <a:prstGeom prst="straightConnector1">
-            <a:avLst/>
-          </a:prstGeom>
-          <a:ln w="38100">
-            <a:tailEnd type="triangle"/>
-          </a:ln>
-        </p:spPr>
-        <p:style>
-          <a:lnRef idx="1">
-            <a:schemeClr val="accent2"/>
-          </a:lnRef>
-          <a:fillRef idx="0">
-            <a:schemeClr val="accent2"/>
-          </a:fillRef>
-          <a:effectRef idx="0">
-            <a:schemeClr val="accent2"/>
-          </a:effectRef>
-          <a:fontRef idx="minor">
-            <a:schemeClr val="tx1"/>
-          </a:fontRef>
-        </p:style>
-      </p:cxnSp>
-      <p:sp>
-        <p:nvSpPr>
-          <p:cNvPr id="13" name="직사각형 12">
-            <a:extLst>
-              <a:ext uri="{FF2B5EF4-FFF2-40B4-BE49-F238E27FC236}">
-                <a16:creationId xmlns:a16="http://schemas.microsoft.com/office/drawing/2014/main" xmlns="" id="{94227EF0-3965-DF6B-ED6C-E7B6D0756247}"/>
-              </a:ext>
-            </a:extLst>
-          </p:cNvPr>
-          <p:cNvSpPr/>
-          <p:nvPr/>
-        </p:nvSpPr>
-        <p:spPr>
-          <a:xfrm>
-            <a:off x="5905500" y="5637565"/>
-            <a:ext cx="1524000" cy="457200"/>
-          </a:xfrm>
-          <a:prstGeom prst="rect">
-            <a:avLst/>
-          </a:prstGeom>
-          <a:noFill/>
-          <a:ln>
-            <a:solidFill>
-              <a:srgbClr val="FF0000"/>
-            </a:solidFill>
-          </a:ln>
-        </p:spPr>
-        <p:style>
-          <a:lnRef idx="2">
-            <a:schemeClr val="accent2">
-              <a:shade val="50000"/>
-            </a:schemeClr>
-          </a:lnRef>
-          <a:fillRef idx="1">
-            <a:schemeClr val="accent2"/>
-          </a:fillRef>
-          <a:effectRef idx="0">
-            <a:schemeClr val="accent2"/>
-          </a:effectRef>
-          <a:fontRef idx="minor">
-            <a:schemeClr val="lt1"/>
-          </a:fontRef>
-        </p:style>
-        <p:txBody>
-          <a:bodyPr rtlCol="0" anchor="ctr"/>
-          <a:lstStyle/>
-          <a:p>
-            <a:pPr algn="ctr"/>
-            <a:endParaRPr lang="ko-KR" altLang="en-US"/>
-          </a:p>
-        </p:txBody>
-      </p:sp>
-      <p:sp>
-        <p:nvSpPr>
-          <p:cNvPr id="14" name="TextBox 13">
-            <a:extLst>
-              <a:ext uri="{FF2B5EF4-FFF2-40B4-BE49-F238E27FC236}">
-                <a16:creationId xmlns:a16="http://schemas.microsoft.com/office/drawing/2014/main" xmlns="" id="{3EABB99B-43C1-73B3-BBA9-53357E140C3A}"/>
-              </a:ext>
-            </a:extLst>
-          </p:cNvPr>
-          <p:cNvSpPr txBox="1"/>
-          <p:nvPr/>
-        </p:nvSpPr>
-        <p:spPr>
-          <a:xfrm>
-            <a:off x="9372600" y="5600700"/>
-            <a:ext cx="6781800" cy="584775"/>
-          </a:xfrm>
-          <a:prstGeom prst="rect">
-            <a:avLst/>
-          </a:prstGeom>
-          <a:noFill/>
-        </p:spPr>
-        <p:txBody>
-          <a:bodyPr wrap="square" rtlCol="0">
-            <a:spAutoFit/>
-          </a:bodyPr>
-          <a:lstStyle/>
-          <a:p>
-            <a:r>
-              <a:rPr lang="ko-KR" altLang="en-US" sz="3200" smtClean="0">
+              <a:t> 에서도 </a:t>
+            </a:r>
+            <a:r>
+              <a:rPr lang="en-US" altLang="ko-KR" sz="3200" dirty="0" err="1">
                 <a:solidFill>
                   <a:srgbClr val="FF0000"/>
                 </a:solidFill>
                 <a:latin typeface="G마켓 산스 Medium" panose="02000000000000000000" pitchFamily="50" charset="-127"/>
                 <a:ea typeface="G마켓 산스 Medium" panose="02000000000000000000" pitchFamily="50" charset="-127"/>
               </a:rPr>
-              <a:t>상수라서 사용 가능 </a:t>
-            </a:r>
-            <a:r>
-              <a:rPr lang="en-US" altLang="ko-KR" sz="3200" smtClean="0">
+              <a:t>boolean</a:t>
+            </a:r>
+            <a:r>
+              <a:rPr lang="ko-KR" altLang="en-US" sz="3200" dirty="0">
                 <a:solidFill>
                   <a:srgbClr val="FF0000"/>
                 </a:solidFill>
                 <a:latin typeface="G마켓 산스 Medium" panose="02000000000000000000" pitchFamily="50" charset="-127"/>
                 <a:ea typeface="G마켓 산스 Medium" panose="02000000000000000000" pitchFamily="50" charset="-127"/>
               </a:rPr>
-              <a:t>OK!</a:t>
-            </a:r>
-            <a:endParaRPr lang="en-US" altLang="ko-KR" sz="3200" dirty="0">
-              <a:solidFill>
-                <a:srgbClr val="FF0000"/>
-              </a:solidFill>
-              <a:latin typeface="G마켓 산스 Medium" panose="02000000000000000000" pitchFamily="50" charset="-127"/>
-              <a:ea typeface="G마켓 산스 Medium" panose="02000000000000000000" pitchFamily="50" charset="-127"/>
-            </a:endParaRPr>
-          </a:p>
-        </p:txBody>
-      </p:sp>
-      <p:cxnSp>
-        <p:nvCxnSpPr>
-          <p:cNvPr id="15" name="직선 화살표 연결선 14">
-            <a:extLst>
-              <a:ext uri="{FF2B5EF4-FFF2-40B4-BE49-F238E27FC236}">
-                <a16:creationId xmlns:a16="http://schemas.microsoft.com/office/drawing/2014/main" xmlns="" id="{93549FE3-F7E7-5442-6CD8-8AD51821A1D6}"/>
-              </a:ext>
-            </a:extLst>
-          </p:cNvPr>
-          <p:cNvCxnSpPr>
-            <a:cxnSpLocks/>
-          </p:cNvCxnSpPr>
-          <p:nvPr/>
-        </p:nvCxnSpPr>
-        <p:spPr>
-          <a:xfrm>
-            <a:off x="7620000" y="6729190"/>
-            <a:ext cx="1524000" cy="0"/>
-          </a:xfrm>
-          <a:prstGeom prst="straightConnector1">
-            <a:avLst/>
-          </a:prstGeom>
-          <a:ln w="38100">
-            <a:tailEnd type="triangle"/>
-          </a:ln>
-        </p:spPr>
-        <p:style>
-          <a:lnRef idx="1">
-            <a:schemeClr val="accent2"/>
-          </a:lnRef>
-          <a:fillRef idx="0">
-            <a:schemeClr val="accent2"/>
-          </a:fillRef>
-          <a:effectRef idx="0">
-            <a:schemeClr val="accent2"/>
-          </a:effectRef>
-          <a:fontRef idx="minor">
-            <a:schemeClr val="tx1"/>
-          </a:fontRef>
-        </p:style>
-      </p:cxnSp>
-      <p:sp>
-        <p:nvSpPr>
-          <p:cNvPr id="16" name="직사각형 15">
-            <a:extLst>
-              <a:ext uri="{FF2B5EF4-FFF2-40B4-BE49-F238E27FC236}">
-                <a16:creationId xmlns:a16="http://schemas.microsoft.com/office/drawing/2014/main" xmlns="" id="{94227EF0-3965-DF6B-ED6C-E7B6D0756247}"/>
-              </a:ext>
-            </a:extLst>
-          </p:cNvPr>
-          <p:cNvSpPr/>
-          <p:nvPr/>
-        </p:nvSpPr>
-        <p:spPr>
-          <a:xfrm>
-            <a:off x="5867400" y="6500590"/>
-            <a:ext cx="1524000" cy="457200"/>
-          </a:xfrm>
-          <a:prstGeom prst="rect">
-            <a:avLst/>
-          </a:prstGeom>
-          <a:noFill/>
-          <a:ln>
-            <a:solidFill>
-              <a:srgbClr val="FF0000"/>
-            </a:solidFill>
-          </a:ln>
-        </p:spPr>
-        <p:style>
-          <a:lnRef idx="2">
-            <a:schemeClr val="accent2">
-              <a:shade val="50000"/>
-            </a:schemeClr>
-          </a:lnRef>
-          <a:fillRef idx="1">
-            <a:schemeClr val="accent2"/>
-          </a:fillRef>
-          <a:effectRef idx="0">
-            <a:schemeClr val="accent2"/>
-          </a:effectRef>
-          <a:fontRef idx="minor">
-            <a:schemeClr val="lt1"/>
-          </a:fontRef>
-        </p:style>
-        <p:txBody>
-          <a:bodyPr rtlCol="0" anchor="ctr"/>
-          <a:lstStyle/>
-          <a:p>
-            <a:pPr algn="ctr"/>
-            <a:endParaRPr lang="ko-KR" altLang="en-US"/>
-          </a:p>
-        </p:txBody>
-      </p:sp>
-      <p:sp>
-        <p:nvSpPr>
-          <p:cNvPr id="17" name="TextBox 16">
-            <a:extLst>
-              <a:ext uri="{FF2B5EF4-FFF2-40B4-BE49-F238E27FC236}">
-                <a16:creationId xmlns:a16="http://schemas.microsoft.com/office/drawing/2014/main" xmlns="" id="{3EABB99B-43C1-73B3-BBA9-53357E140C3A}"/>
-              </a:ext>
-            </a:extLst>
-          </p:cNvPr>
-          <p:cNvSpPr txBox="1"/>
-          <p:nvPr/>
-        </p:nvSpPr>
-        <p:spPr>
-          <a:xfrm>
-            <a:off x="9334500" y="6352282"/>
-            <a:ext cx="8953500" cy="1077218"/>
-          </a:xfrm>
-          <a:prstGeom prst="rect">
-            <a:avLst/>
-          </a:prstGeom>
-          <a:noFill/>
-        </p:spPr>
-        <p:txBody>
-          <a:bodyPr wrap="square" rtlCol="0">
-            <a:spAutoFit/>
-          </a:bodyPr>
-          <a:lstStyle/>
-          <a:p>
-            <a:r>
-              <a:rPr lang="en-US" altLang="ko-KR" sz="3200" smtClean="0">
+              <a:t>을 쓸 수 없다</a:t>
+            </a:r>
+            <a:r>
+              <a:rPr lang="en-US" altLang="ko-KR" sz="3200" dirty="0">
                 <a:solidFill>
                   <a:srgbClr val="FF0000"/>
                 </a:solidFill>
                 <a:latin typeface="G마켓 산스 Medium" panose="02000000000000000000" pitchFamily="50" charset="-127"/>
                 <a:ea typeface="G마켓 산스 Medium" panose="02000000000000000000" pitchFamily="50" charset="-127"/>
               </a:rPr>
-              <a:t>JDK 1.7</a:t>
-            </a:r>
-            <a:r>
-              <a:rPr lang="ko-KR" altLang="en-US" sz="3200" smtClean="0">
-                <a:solidFill>
-                  <a:srgbClr val="FF0000"/>
-                </a:solidFill>
-                <a:latin typeface="G마켓 산스 Medium" panose="02000000000000000000" pitchFamily="50" charset="-127"/>
-                <a:ea typeface="G마켓 산스 Medium" panose="02000000000000000000" pitchFamily="50" charset="-127"/>
-              </a:rPr>
-              <a:t>이상부터 문자열 사용가능</a:t>
-            </a:r>
-            <a:r>
-              <a:rPr lang="en-US" altLang="ko-KR" sz="3200" smtClean="0">
-                <a:solidFill>
-                  <a:srgbClr val="FF0000"/>
-                </a:solidFill>
-                <a:latin typeface="G마켓 산스 Medium" panose="02000000000000000000" pitchFamily="50" charset="-127"/>
-                <a:ea typeface="G마켓 산스 Medium" panose="02000000000000000000" pitchFamily="50" charset="-127"/>
-              </a:rPr>
-              <a:t>. </a:t>
-            </a:r>
-            <a:r>
-              <a:rPr lang="ko-KR" altLang="en-US" sz="3200" smtClean="0">
-                <a:solidFill>
-                  <a:srgbClr val="FF0000"/>
-                </a:solidFill>
-                <a:latin typeface="G마켓 산스 Medium" panose="02000000000000000000" pitchFamily="50" charset="-127"/>
-                <a:ea typeface="G마켓 산스 Medium" panose="02000000000000000000" pitchFamily="50" charset="-127"/>
-              </a:rPr>
-              <a:t>단 조건문 역시 문자열이여야 한다</a:t>
-            </a:r>
-            <a:r>
-              <a:rPr lang="en-US" altLang="ko-KR" sz="3200" smtClean="0">
-                <a:solidFill>
-                  <a:srgbClr val="FF0000"/>
-                </a:solidFill>
-                <a:latin typeface="G마켓 산스 Medium" panose="02000000000000000000" pitchFamily="50" charset="-127"/>
-                <a:ea typeface="G마켓 산스 Medium" panose="02000000000000000000" pitchFamily="50" charset="-127"/>
-              </a:rPr>
-              <a:t>. OK!</a:t>
-            </a:r>
-            <a:endParaRPr lang="en-US" altLang="ko-KR" sz="3200" dirty="0">
-              <a:solidFill>
-                <a:srgbClr val="FF0000"/>
-              </a:solidFill>
-              <a:latin typeface="G마켓 산스 Medium" panose="02000000000000000000" pitchFamily="50" charset="-127"/>
-              <a:ea typeface="G마켓 산스 Medium" panose="02000000000000000000" pitchFamily="50" charset="-127"/>
-            </a:endParaRPr>
-          </a:p>
-        </p:txBody>
-      </p:sp>
-      <p:cxnSp>
-        <p:nvCxnSpPr>
-          <p:cNvPr id="18" name="직선 화살표 연결선 17">
-            <a:extLst>
-              <a:ext uri="{FF2B5EF4-FFF2-40B4-BE49-F238E27FC236}">
-                <a16:creationId xmlns:a16="http://schemas.microsoft.com/office/drawing/2014/main" xmlns="" id="{93549FE3-F7E7-5442-6CD8-8AD51821A1D6}"/>
-              </a:ext>
-            </a:extLst>
-          </p:cNvPr>
-          <p:cNvCxnSpPr>
-            <a:cxnSpLocks/>
-          </p:cNvCxnSpPr>
-          <p:nvPr/>
-        </p:nvCxnSpPr>
-        <p:spPr>
-          <a:xfrm>
-            <a:off x="7581900" y="7618765"/>
-            <a:ext cx="1524000" cy="0"/>
-          </a:xfrm>
-          <a:prstGeom prst="straightConnector1">
-            <a:avLst/>
-          </a:prstGeom>
-          <a:ln w="38100">
-            <a:tailEnd type="triangle"/>
-          </a:ln>
-        </p:spPr>
-        <p:style>
-          <a:lnRef idx="1">
-            <a:schemeClr val="accent2"/>
-          </a:lnRef>
-          <a:fillRef idx="0">
-            <a:schemeClr val="accent2"/>
-          </a:fillRef>
-          <a:effectRef idx="0">
-            <a:schemeClr val="accent2"/>
-          </a:effectRef>
-          <a:fontRef idx="minor">
-            <a:schemeClr val="tx1"/>
-          </a:fontRef>
-        </p:style>
-      </p:cxnSp>
-      <p:sp>
-        <p:nvSpPr>
-          <p:cNvPr id="19" name="직사각형 18">
-            <a:extLst>
-              <a:ext uri="{FF2B5EF4-FFF2-40B4-BE49-F238E27FC236}">
-                <a16:creationId xmlns:a16="http://schemas.microsoft.com/office/drawing/2014/main" xmlns="" id="{94227EF0-3965-DF6B-ED6C-E7B6D0756247}"/>
-              </a:ext>
-            </a:extLst>
-          </p:cNvPr>
-          <p:cNvSpPr/>
-          <p:nvPr/>
-        </p:nvSpPr>
-        <p:spPr>
-          <a:xfrm>
-            <a:off x="5829300" y="7390165"/>
-            <a:ext cx="1524000" cy="457200"/>
-          </a:xfrm>
-          <a:prstGeom prst="rect">
-            <a:avLst/>
-          </a:prstGeom>
-          <a:noFill/>
-          <a:ln>
-            <a:solidFill>
-              <a:srgbClr val="FF0000"/>
-            </a:solidFill>
-          </a:ln>
-        </p:spPr>
-        <p:style>
-          <a:lnRef idx="2">
-            <a:schemeClr val="accent2">
-              <a:shade val="50000"/>
-            </a:schemeClr>
-          </a:lnRef>
-          <a:fillRef idx="1">
-            <a:schemeClr val="accent2"/>
-          </a:fillRef>
-          <a:effectRef idx="0">
-            <a:schemeClr val="accent2"/>
-          </a:effectRef>
-          <a:fontRef idx="minor">
-            <a:schemeClr val="lt1"/>
-          </a:fontRef>
-        </p:style>
-        <p:txBody>
-          <a:bodyPr rtlCol="0" anchor="ctr"/>
-          <a:lstStyle/>
-          <a:p>
-            <a:pPr algn="ctr"/>
-            <a:endParaRPr lang="ko-KR" altLang="en-US"/>
-          </a:p>
-        </p:txBody>
-      </p:sp>
-      <p:sp>
-        <p:nvSpPr>
-          <p:cNvPr id="20" name="TextBox 19">
-            <a:extLst>
-              <a:ext uri="{FF2B5EF4-FFF2-40B4-BE49-F238E27FC236}">
-                <a16:creationId xmlns:a16="http://schemas.microsoft.com/office/drawing/2014/main" xmlns="" id="{3EABB99B-43C1-73B3-BBA9-53357E140C3A}"/>
-              </a:ext>
-            </a:extLst>
-          </p:cNvPr>
-          <p:cNvSpPr txBox="1"/>
-          <p:nvPr/>
-        </p:nvSpPr>
-        <p:spPr>
-          <a:xfrm>
-            <a:off x="9296400" y="7454325"/>
-            <a:ext cx="7772400" cy="584775"/>
-          </a:xfrm>
-          <a:prstGeom prst="rect">
-            <a:avLst/>
-          </a:prstGeom>
-          <a:noFill/>
-        </p:spPr>
-        <p:txBody>
-          <a:bodyPr wrap="square" rtlCol="0">
-            <a:spAutoFit/>
-          </a:bodyPr>
-          <a:lstStyle/>
-          <a:p>
-            <a:r>
-              <a:rPr lang="ko-KR" altLang="en-US" sz="3200" smtClean="0">
-                <a:solidFill>
-                  <a:srgbClr val="FF0000"/>
-                </a:solidFill>
-                <a:latin typeface="G마켓 산스 Medium" panose="02000000000000000000" pitchFamily="50" charset="-127"/>
-                <a:ea typeface="G마켓 산스 Medium" panose="02000000000000000000" pitchFamily="50" charset="-127"/>
-              </a:rPr>
-              <a:t>실수는 사용 불가능 </a:t>
-            </a:r>
-            <a:r>
-              <a:rPr lang="en-US" altLang="ko-KR" sz="3200" smtClean="0">
-                <a:solidFill>
-                  <a:srgbClr val="FF0000"/>
-                </a:solidFill>
-                <a:latin typeface="G마켓 산스 Medium" panose="02000000000000000000" pitchFamily="50" charset="-127"/>
-                <a:ea typeface="G마켓 산스 Medium" panose="02000000000000000000" pitchFamily="50" charset="-127"/>
-              </a:rPr>
-              <a:t>ERROR!</a:t>
-            </a:r>
-            <a:endParaRPr lang="en-US" altLang="ko-KR" sz="3200" dirty="0">
-              <a:solidFill>
-                <a:srgbClr val="FF0000"/>
-              </a:solidFill>
-              <a:latin typeface="G마켓 산스 Medium" panose="02000000000000000000" pitchFamily="50" charset="-127"/>
-              <a:ea typeface="G마켓 산스 Medium" panose="02000000000000000000" pitchFamily="50" charset="-127"/>
-            </a:endParaRPr>
+              <a:t>.</a:t>
+            </a:r>
           </a:p>
         </p:txBody>
       </p:sp>
     </p:spTree>
     <p:extLst>
       <p:ext uri="{BB962C8B-B14F-4D97-AF65-F5344CB8AC3E}">
-        <p14:creationId xmlns:p14="http://schemas.microsoft.com/office/powerpoint/2010/main" val="1299067387"/>
+        <p14:creationId xmlns:p14="http://schemas.microsoft.com/office/powerpoint/2010/main" val="3774936087"/>
       </p:ext>
     </p:extLst>
   </p:cSld>
@@ -8778,7 +8202,7 @@
           <p:cNvPr id="11" name="TextBox 10">
             <a:extLst>
               <a:ext uri="{FF2B5EF4-FFF2-40B4-BE49-F238E27FC236}">
-                <a16:creationId xmlns:a16="http://schemas.microsoft.com/office/drawing/2014/main" xmlns="" id="{9F88F580-08BE-88C2-D640-13F0026591CB}"/>
+                <a16:creationId xmlns:a16="http://schemas.microsoft.com/office/drawing/2014/main" id="{9F88F580-08BE-88C2-D640-13F0026591CB}"/>
               </a:ext>
             </a:extLst>
           </p:cNvPr>
@@ -8836,7 +8260,7 @@
           <p:cNvPr id="13" name="TextBox 12">
             <a:extLst>
               <a:ext uri="{FF2B5EF4-FFF2-40B4-BE49-F238E27FC236}">
-                <a16:creationId xmlns:a16="http://schemas.microsoft.com/office/drawing/2014/main" xmlns="" id="{72769C28-9BB6-DE9C-7B6F-264B77B8DD0E}"/>
+                <a16:creationId xmlns:a16="http://schemas.microsoft.com/office/drawing/2014/main" id="{72769C28-9BB6-DE9C-7B6F-264B77B8DD0E}"/>
               </a:ext>
             </a:extLst>
           </p:cNvPr>
@@ -8894,7 +8318,7 @@
           <p:cNvPr id="14" name="TextBox 13">
             <a:extLst>
               <a:ext uri="{FF2B5EF4-FFF2-40B4-BE49-F238E27FC236}">
-                <a16:creationId xmlns:a16="http://schemas.microsoft.com/office/drawing/2014/main" xmlns="" id="{270FBB6A-01CE-5637-78DA-58F0C974145C}"/>
+                <a16:creationId xmlns:a16="http://schemas.microsoft.com/office/drawing/2014/main" id="{270FBB6A-01CE-5637-78DA-58F0C974145C}"/>
               </a:ext>
             </a:extLst>
           </p:cNvPr>
@@ -8962,7 +8386,7 @@
           <p:cNvPr id="2" name="Object 17">
             <a:extLst>
               <a:ext uri="{FF2B5EF4-FFF2-40B4-BE49-F238E27FC236}">
-                <a16:creationId xmlns:a16="http://schemas.microsoft.com/office/drawing/2014/main" xmlns="" id="{140B283D-FE58-FA6F-6F7C-E0F1DBB62A65}"/>
+                <a16:creationId xmlns:a16="http://schemas.microsoft.com/office/drawing/2014/main" id="{140B283D-FE58-FA6F-6F7C-E0F1DBB62A65}"/>
               </a:ext>
             </a:extLst>
           </p:cNvPr>
@@ -8992,7 +8416,7 @@
           <p:cNvPr id="4" name="TextBox 3">
             <a:extLst>
               <a:ext uri="{FF2B5EF4-FFF2-40B4-BE49-F238E27FC236}">
-                <a16:creationId xmlns:a16="http://schemas.microsoft.com/office/drawing/2014/main" xmlns="" id="{2C8D0998-79BC-6FD2-59D9-8052B4A25F65}"/>
+                <a16:creationId xmlns:a16="http://schemas.microsoft.com/office/drawing/2014/main" id="{2C8D0998-79BC-6FD2-59D9-8052B4A25F65}"/>
               </a:ext>
             </a:extLst>
           </p:cNvPr>
@@ -9040,7 +8464,7 @@
           <p:cNvPr id="5" name="Object 18">
             <a:extLst>
               <a:ext uri="{FF2B5EF4-FFF2-40B4-BE49-F238E27FC236}">
-                <a16:creationId xmlns:a16="http://schemas.microsoft.com/office/drawing/2014/main" xmlns="" id="{3F58EA3E-1018-64D3-FAB2-4F6B9618FA56}"/>
+                <a16:creationId xmlns:a16="http://schemas.microsoft.com/office/drawing/2014/main" id="{3F58EA3E-1018-64D3-FAB2-4F6B9618FA56}"/>
               </a:ext>
             </a:extLst>
           </p:cNvPr>
@@ -9070,7 +8494,7 @@
           <p:cNvPr id="8" name="TextBox 7">
             <a:extLst>
               <a:ext uri="{FF2B5EF4-FFF2-40B4-BE49-F238E27FC236}">
-                <a16:creationId xmlns:a16="http://schemas.microsoft.com/office/drawing/2014/main" xmlns="" id="{681D3F16-7DCF-41AD-F5F1-0558C78C0E4D}"/>
+                <a16:creationId xmlns:a16="http://schemas.microsoft.com/office/drawing/2014/main" id="{681D3F16-7DCF-41AD-F5F1-0558C78C0E4D}"/>
               </a:ext>
             </a:extLst>
           </p:cNvPr>
@@ -9140,13 +8564,7 @@
       </p:grpSpPr>
       <p:pic>
         <p:nvPicPr>
-          <p:cNvPr id="4" name="그림 3">
-            <a:extLst>
-              <a:ext uri="{FF2B5EF4-FFF2-40B4-BE49-F238E27FC236}">
-                <a16:creationId xmlns:a16="http://schemas.microsoft.com/office/drawing/2014/main" xmlns="" id="{97C83C48-30DF-B7DB-0742-60E502BCD85E}"/>
-              </a:ext>
-            </a:extLst>
-          </p:cNvPr>
+          <p:cNvPr id="5" name="그림 4"/>
           <p:cNvPicPr>
             <a:picLocks noChangeAspect="1"/>
           </p:cNvPicPr>
@@ -9160,8 +8578,8 @@
         </p:blipFill>
         <p:spPr>
           <a:xfrm>
-            <a:off x="1386114" y="1328128"/>
-            <a:ext cx="9601200" cy="7387225"/>
+            <a:off x="3505200" y="495300"/>
+            <a:ext cx="4876800" cy="7784563"/>
           </a:xfrm>
           <a:prstGeom prst="rect">
             <a:avLst/>
@@ -9170,10 +8588,10 @@
       </p:pic>
       <p:cxnSp>
         <p:nvCxnSpPr>
-          <p:cNvPr id="9" name="직선 화살표 연결선 8">
+          <p:cNvPr id="6" name="직선 화살표 연결선 5">
             <a:extLst>
               <a:ext uri="{FF2B5EF4-FFF2-40B4-BE49-F238E27FC236}">
-                <a16:creationId xmlns:a16="http://schemas.microsoft.com/office/drawing/2014/main" xmlns="" id="{192B3151-4915-2B1F-8714-223155661583}"/>
+                <a16:creationId xmlns:a16="http://schemas.microsoft.com/office/drawing/2014/main" id="{93549FE3-F7E7-5442-6CD8-8AD51821A1D6}"/>
               </a:ext>
             </a:extLst>
           </p:cNvPr>
@@ -9184,7 +8602,7 @@
         </p:nvCxnSpPr>
         <p:spPr>
           <a:xfrm>
-            <a:off x="5029200" y="5372100"/>
+            <a:off x="7658100" y="4113565"/>
             <a:ext cx="1524000" cy="0"/>
           </a:xfrm>
           <a:prstGeom prst="straightConnector1">
@@ -9211,10 +8629,10 @@
       </p:cxnSp>
       <p:sp>
         <p:nvSpPr>
-          <p:cNvPr id="10" name="직사각형 9">
+          <p:cNvPr id="7" name="직사각형 6">
             <a:extLst>
               <a:ext uri="{FF2B5EF4-FFF2-40B4-BE49-F238E27FC236}">
-                <a16:creationId xmlns:a16="http://schemas.microsoft.com/office/drawing/2014/main" xmlns="" id="{AF3E039D-11F1-65FF-C1CD-AC61ECFD442F}"/>
+                <a16:creationId xmlns:a16="http://schemas.microsoft.com/office/drawing/2014/main" id="{94227EF0-3965-DF6B-ED6C-E7B6D0756247}"/>
               </a:ext>
             </a:extLst>
           </p:cNvPr>
@@ -9223,7 +8641,7 @@
         </p:nvSpPr>
         <p:spPr>
           <a:xfrm>
-            <a:off x="3276600" y="5143500"/>
+            <a:off x="5905500" y="3884965"/>
             <a:ext cx="1524000" cy="457200"/>
           </a:xfrm>
           <a:prstGeom prst="rect">
@@ -9263,10 +8681,10 @@
       </p:sp>
       <p:sp>
         <p:nvSpPr>
-          <p:cNvPr id="11" name="TextBox 10">
+          <p:cNvPr id="8" name="TextBox 7">
             <a:extLst>
               <a:ext uri="{FF2B5EF4-FFF2-40B4-BE49-F238E27FC236}">
-                <a16:creationId xmlns:a16="http://schemas.microsoft.com/office/drawing/2014/main" xmlns="" id="{DF3264D7-FC01-A60A-1582-524467C672CA}"/>
+                <a16:creationId xmlns:a16="http://schemas.microsoft.com/office/drawing/2014/main" id="{3EABB99B-43C1-73B3-BBA9-53357E140C3A}"/>
               </a:ext>
             </a:extLst>
           </p:cNvPr>
@@ -9275,8 +8693,8 @@
         </p:nvSpPr>
         <p:spPr>
           <a:xfrm>
-            <a:off x="6743700" y="5106635"/>
-            <a:ext cx="6781800" cy="584775"/>
+            <a:off x="9372600" y="3848100"/>
+            <a:ext cx="6096000" cy="584775"/>
           </a:xfrm>
           <a:prstGeom prst="rect">
             <a:avLst/>
@@ -9290,24 +8708,24 @@
           <a:lstStyle/>
           <a:p>
             <a:r>
-              <a:rPr lang="en-US" altLang="ko-KR" sz="3200" dirty="0">
+              <a:rPr lang="ko-KR" altLang="en-US" sz="3200">
                 <a:solidFill>
                   <a:srgbClr val="FF0000"/>
                 </a:solidFill>
                 <a:latin typeface="G마켓 산스 Medium" panose="02000000000000000000" pitchFamily="50" charset="-127"/>
                 <a:ea typeface="G마켓 산스 Medium" panose="02000000000000000000" pitchFamily="50" charset="-127"/>
               </a:rPr>
-              <a:t>break;  </a:t>
-            </a:r>
-            <a:r>
-              <a:rPr lang="ko-KR" altLang="en-US" sz="3200" dirty="0">
+              <a:t>유니코드로 변환되어 정수  </a:t>
+            </a:r>
+            <a:r>
+              <a:rPr lang="en-US" altLang="ko-KR" sz="3200">
                 <a:solidFill>
                   <a:srgbClr val="FF0000"/>
                 </a:solidFill>
                 <a:latin typeface="G마켓 산스 Medium" panose="02000000000000000000" pitchFamily="50" charset="-127"/>
                 <a:ea typeface="G마켓 산스 Medium" panose="02000000000000000000" pitchFamily="50" charset="-127"/>
               </a:rPr>
-              <a:t>문을 제거하고 실행해보자</a:t>
+              <a:t>OK!</a:t>
             </a:r>
             <a:endParaRPr lang="en-US" altLang="ko-KR" sz="3200" dirty="0">
               <a:solidFill>
@@ -9319,10 +8737,644 @@
           </a:p>
         </p:txBody>
       </p:sp>
+      <p:cxnSp>
+        <p:nvCxnSpPr>
+          <p:cNvPr id="9" name="직선 화살표 연결선 8">
+            <a:extLst>
+              <a:ext uri="{FF2B5EF4-FFF2-40B4-BE49-F238E27FC236}">
+                <a16:creationId xmlns:a16="http://schemas.microsoft.com/office/drawing/2014/main" id="{93549FE3-F7E7-5442-6CD8-8AD51821A1D6}"/>
+              </a:ext>
+            </a:extLst>
+          </p:cNvPr>
+          <p:cNvCxnSpPr>
+            <a:cxnSpLocks/>
+          </p:cNvCxnSpPr>
+          <p:nvPr/>
+        </p:nvCxnSpPr>
+        <p:spPr>
+          <a:xfrm>
+            <a:off x="7658100" y="4951765"/>
+            <a:ext cx="1524000" cy="0"/>
+          </a:xfrm>
+          <a:prstGeom prst="straightConnector1">
+            <a:avLst/>
+          </a:prstGeom>
+          <a:ln w="38100">
+            <a:tailEnd type="triangle"/>
+          </a:ln>
+        </p:spPr>
+        <p:style>
+          <a:lnRef idx="1">
+            <a:schemeClr val="accent2"/>
+          </a:lnRef>
+          <a:fillRef idx="0">
+            <a:schemeClr val="accent2"/>
+          </a:fillRef>
+          <a:effectRef idx="0">
+            <a:schemeClr val="accent2"/>
+          </a:effectRef>
+          <a:fontRef idx="minor">
+            <a:schemeClr val="tx1"/>
+          </a:fontRef>
+        </p:style>
+      </p:cxnSp>
+      <p:sp>
+        <p:nvSpPr>
+          <p:cNvPr id="10" name="직사각형 9">
+            <a:extLst>
+              <a:ext uri="{FF2B5EF4-FFF2-40B4-BE49-F238E27FC236}">
+                <a16:creationId xmlns:a16="http://schemas.microsoft.com/office/drawing/2014/main" id="{94227EF0-3965-DF6B-ED6C-E7B6D0756247}"/>
+              </a:ext>
+            </a:extLst>
+          </p:cNvPr>
+          <p:cNvSpPr/>
+          <p:nvPr/>
+        </p:nvSpPr>
+        <p:spPr>
+          <a:xfrm>
+            <a:off x="5905500" y="4723165"/>
+            <a:ext cx="1524000" cy="457200"/>
+          </a:xfrm>
+          <a:prstGeom prst="rect">
+            <a:avLst/>
+          </a:prstGeom>
+          <a:noFill/>
+          <a:ln>
+            <a:solidFill>
+              <a:srgbClr val="FF0000"/>
+            </a:solidFill>
+          </a:ln>
+        </p:spPr>
+        <p:style>
+          <a:lnRef idx="2">
+            <a:schemeClr val="accent2">
+              <a:shade val="50000"/>
+            </a:schemeClr>
+          </a:lnRef>
+          <a:fillRef idx="1">
+            <a:schemeClr val="accent2"/>
+          </a:fillRef>
+          <a:effectRef idx="0">
+            <a:schemeClr val="accent2"/>
+          </a:effectRef>
+          <a:fontRef idx="minor">
+            <a:schemeClr val="lt1"/>
+          </a:fontRef>
+        </p:style>
+        <p:txBody>
+          <a:bodyPr rtlCol="0" anchor="ctr"/>
+          <a:lstStyle/>
+          <a:p>
+            <a:pPr algn="ctr"/>
+            <a:endParaRPr lang="ko-KR" altLang="en-US"/>
+          </a:p>
+        </p:txBody>
+      </p:sp>
+      <p:sp>
+        <p:nvSpPr>
+          <p:cNvPr id="11" name="TextBox 10">
+            <a:extLst>
+              <a:ext uri="{FF2B5EF4-FFF2-40B4-BE49-F238E27FC236}">
+                <a16:creationId xmlns:a16="http://schemas.microsoft.com/office/drawing/2014/main" id="{3EABB99B-43C1-73B3-BBA9-53357E140C3A}"/>
+              </a:ext>
+            </a:extLst>
+          </p:cNvPr>
+          <p:cNvSpPr txBox="1"/>
+          <p:nvPr/>
+        </p:nvSpPr>
+        <p:spPr>
+          <a:xfrm>
+            <a:off x="9372600" y="4686300"/>
+            <a:ext cx="6781800" cy="584775"/>
+          </a:xfrm>
+          <a:prstGeom prst="rect">
+            <a:avLst/>
+          </a:prstGeom>
+          <a:noFill/>
+        </p:spPr>
+        <p:txBody>
+          <a:bodyPr wrap="square" rtlCol="0">
+            <a:spAutoFit/>
+          </a:bodyPr>
+          <a:lstStyle/>
+          <a:p>
+            <a:r>
+              <a:rPr lang="ko-KR" altLang="en-US" sz="3200">
+                <a:solidFill>
+                  <a:srgbClr val="FF0000"/>
+                </a:solidFill>
+                <a:latin typeface="G마켓 산스 Medium" panose="02000000000000000000" pitchFamily="50" charset="-127"/>
+                <a:ea typeface="G마켓 산스 Medium" panose="02000000000000000000" pitchFamily="50" charset="-127"/>
+              </a:rPr>
+              <a:t>변수는 사용할수 없다 </a:t>
+            </a:r>
+            <a:r>
+              <a:rPr lang="en-US" altLang="ko-KR" sz="3200">
+                <a:solidFill>
+                  <a:srgbClr val="FF0000"/>
+                </a:solidFill>
+                <a:latin typeface="G마켓 산스 Medium" panose="02000000000000000000" pitchFamily="50" charset="-127"/>
+                <a:ea typeface="G마켓 산스 Medium" panose="02000000000000000000" pitchFamily="50" charset="-127"/>
+              </a:rPr>
+              <a:t>ERROR!</a:t>
+            </a:r>
+            <a:endParaRPr lang="en-US" altLang="ko-KR" sz="3200" dirty="0">
+              <a:solidFill>
+                <a:srgbClr val="FF0000"/>
+              </a:solidFill>
+              <a:latin typeface="G마켓 산스 Medium" panose="02000000000000000000" pitchFamily="50" charset="-127"/>
+              <a:ea typeface="G마켓 산스 Medium" panose="02000000000000000000" pitchFamily="50" charset="-127"/>
+            </a:endParaRPr>
+          </a:p>
+        </p:txBody>
+      </p:sp>
+      <p:cxnSp>
+        <p:nvCxnSpPr>
+          <p:cNvPr id="12" name="직선 화살표 연결선 11">
+            <a:extLst>
+              <a:ext uri="{FF2B5EF4-FFF2-40B4-BE49-F238E27FC236}">
+                <a16:creationId xmlns:a16="http://schemas.microsoft.com/office/drawing/2014/main" id="{93549FE3-F7E7-5442-6CD8-8AD51821A1D6}"/>
+              </a:ext>
+            </a:extLst>
+          </p:cNvPr>
+          <p:cNvCxnSpPr>
+            <a:cxnSpLocks/>
+          </p:cNvCxnSpPr>
+          <p:nvPr/>
+        </p:nvCxnSpPr>
+        <p:spPr>
+          <a:xfrm>
+            <a:off x="7658100" y="5866165"/>
+            <a:ext cx="1524000" cy="0"/>
+          </a:xfrm>
+          <a:prstGeom prst="straightConnector1">
+            <a:avLst/>
+          </a:prstGeom>
+          <a:ln w="38100">
+            <a:tailEnd type="triangle"/>
+          </a:ln>
+        </p:spPr>
+        <p:style>
+          <a:lnRef idx="1">
+            <a:schemeClr val="accent2"/>
+          </a:lnRef>
+          <a:fillRef idx="0">
+            <a:schemeClr val="accent2"/>
+          </a:fillRef>
+          <a:effectRef idx="0">
+            <a:schemeClr val="accent2"/>
+          </a:effectRef>
+          <a:fontRef idx="minor">
+            <a:schemeClr val="tx1"/>
+          </a:fontRef>
+        </p:style>
+      </p:cxnSp>
+      <p:sp>
+        <p:nvSpPr>
+          <p:cNvPr id="13" name="직사각형 12">
+            <a:extLst>
+              <a:ext uri="{FF2B5EF4-FFF2-40B4-BE49-F238E27FC236}">
+                <a16:creationId xmlns:a16="http://schemas.microsoft.com/office/drawing/2014/main" id="{94227EF0-3965-DF6B-ED6C-E7B6D0756247}"/>
+              </a:ext>
+            </a:extLst>
+          </p:cNvPr>
+          <p:cNvSpPr/>
+          <p:nvPr/>
+        </p:nvSpPr>
+        <p:spPr>
+          <a:xfrm>
+            <a:off x="5905500" y="5637565"/>
+            <a:ext cx="1524000" cy="457200"/>
+          </a:xfrm>
+          <a:prstGeom prst="rect">
+            <a:avLst/>
+          </a:prstGeom>
+          <a:noFill/>
+          <a:ln>
+            <a:solidFill>
+              <a:srgbClr val="FF0000"/>
+            </a:solidFill>
+          </a:ln>
+        </p:spPr>
+        <p:style>
+          <a:lnRef idx="2">
+            <a:schemeClr val="accent2">
+              <a:shade val="50000"/>
+            </a:schemeClr>
+          </a:lnRef>
+          <a:fillRef idx="1">
+            <a:schemeClr val="accent2"/>
+          </a:fillRef>
+          <a:effectRef idx="0">
+            <a:schemeClr val="accent2"/>
+          </a:effectRef>
+          <a:fontRef idx="minor">
+            <a:schemeClr val="lt1"/>
+          </a:fontRef>
+        </p:style>
+        <p:txBody>
+          <a:bodyPr rtlCol="0" anchor="ctr"/>
+          <a:lstStyle/>
+          <a:p>
+            <a:pPr algn="ctr"/>
+            <a:endParaRPr lang="ko-KR" altLang="en-US"/>
+          </a:p>
+        </p:txBody>
+      </p:sp>
+      <p:sp>
+        <p:nvSpPr>
+          <p:cNvPr id="14" name="TextBox 13">
+            <a:extLst>
+              <a:ext uri="{FF2B5EF4-FFF2-40B4-BE49-F238E27FC236}">
+                <a16:creationId xmlns:a16="http://schemas.microsoft.com/office/drawing/2014/main" id="{3EABB99B-43C1-73B3-BBA9-53357E140C3A}"/>
+              </a:ext>
+            </a:extLst>
+          </p:cNvPr>
+          <p:cNvSpPr txBox="1"/>
+          <p:nvPr/>
+        </p:nvSpPr>
+        <p:spPr>
+          <a:xfrm>
+            <a:off x="9372600" y="5600700"/>
+            <a:ext cx="6781800" cy="584775"/>
+          </a:xfrm>
+          <a:prstGeom prst="rect">
+            <a:avLst/>
+          </a:prstGeom>
+          <a:noFill/>
+        </p:spPr>
+        <p:txBody>
+          <a:bodyPr wrap="square" rtlCol="0">
+            <a:spAutoFit/>
+          </a:bodyPr>
+          <a:lstStyle/>
+          <a:p>
+            <a:r>
+              <a:rPr lang="ko-KR" altLang="en-US" sz="3200">
+                <a:solidFill>
+                  <a:srgbClr val="FF0000"/>
+                </a:solidFill>
+                <a:latin typeface="G마켓 산스 Medium" panose="02000000000000000000" pitchFamily="50" charset="-127"/>
+                <a:ea typeface="G마켓 산스 Medium" panose="02000000000000000000" pitchFamily="50" charset="-127"/>
+              </a:rPr>
+              <a:t>상수라서 사용 가능 </a:t>
+            </a:r>
+            <a:r>
+              <a:rPr lang="en-US" altLang="ko-KR" sz="3200">
+                <a:solidFill>
+                  <a:srgbClr val="FF0000"/>
+                </a:solidFill>
+                <a:latin typeface="G마켓 산스 Medium" panose="02000000000000000000" pitchFamily="50" charset="-127"/>
+                <a:ea typeface="G마켓 산스 Medium" panose="02000000000000000000" pitchFamily="50" charset="-127"/>
+              </a:rPr>
+              <a:t>OK!</a:t>
+            </a:r>
+            <a:endParaRPr lang="en-US" altLang="ko-KR" sz="3200" dirty="0">
+              <a:solidFill>
+                <a:srgbClr val="FF0000"/>
+              </a:solidFill>
+              <a:latin typeface="G마켓 산스 Medium" panose="02000000000000000000" pitchFamily="50" charset="-127"/>
+              <a:ea typeface="G마켓 산스 Medium" panose="02000000000000000000" pitchFamily="50" charset="-127"/>
+            </a:endParaRPr>
+          </a:p>
+        </p:txBody>
+      </p:sp>
+      <p:cxnSp>
+        <p:nvCxnSpPr>
+          <p:cNvPr id="15" name="직선 화살표 연결선 14">
+            <a:extLst>
+              <a:ext uri="{FF2B5EF4-FFF2-40B4-BE49-F238E27FC236}">
+                <a16:creationId xmlns:a16="http://schemas.microsoft.com/office/drawing/2014/main" id="{93549FE3-F7E7-5442-6CD8-8AD51821A1D6}"/>
+              </a:ext>
+            </a:extLst>
+          </p:cNvPr>
+          <p:cNvCxnSpPr>
+            <a:cxnSpLocks/>
+          </p:cNvCxnSpPr>
+          <p:nvPr/>
+        </p:nvCxnSpPr>
+        <p:spPr>
+          <a:xfrm>
+            <a:off x="7620000" y="6729190"/>
+            <a:ext cx="1524000" cy="0"/>
+          </a:xfrm>
+          <a:prstGeom prst="straightConnector1">
+            <a:avLst/>
+          </a:prstGeom>
+          <a:ln w="38100">
+            <a:tailEnd type="triangle"/>
+          </a:ln>
+        </p:spPr>
+        <p:style>
+          <a:lnRef idx="1">
+            <a:schemeClr val="accent2"/>
+          </a:lnRef>
+          <a:fillRef idx="0">
+            <a:schemeClr val="accent2"/>
+          </a:fillRef>
+          <a:effectRef idx="0">
+            <a:schemeClr val="accent2"/>
+          </a:effectRef>
+          <a:fontRef idx="minor">
+            <a:schemeClr val="tx1"/>
+          </a:fontRef>
+        </p:style>
+      </p:cxnSp>
+      <p:sp>
+        <p:nvSpPr>
+          <p:cNvPr id="16" name="직사각형 15">
+            <a:extLst>
+              <a:ext uri="{FF2B5EF4-FFF2-40B4-BE49-F238E27FC236}">
+                <a16:creationId xmlns:a16="http://schemas.microsoft.com/office/drawing/2014/main" id="{94227EF0-3965-DF6B-ED6C-E7B6D0756247}"/>
+              </a:ext>
+            </a:extLst>
+          </p:cNvPr>
+          <p:cNvSpPr/>
+          <p:nvPr/>
+        </p:nvSpPr>
+        <p:spPr>
+          <a:xfrm>
+            <a:off x="5867400" y="6500590"/>
+            <a:ext cx="1524000" cy="457200"/>
+          </a:xfrm>
+          <a:prstGeom prst="rect">
+            <a:avLst/>
+          </a:prstGeom>
+          <a:noFill/>
+          <a:ln>
+            <a:solidFill>
+              <a:srgbClr val="FF0000"/>
+            </a:solidFill>
+          </a:ln>
+        </p:spPr>
+        <p:style>
+          <a:lnRef idx="2">
+            <a:schemeClr val="accent2">
+              <a:shade val="50000"/>
+            </a:schemeClr>
+          </a:lnRef>
+          <a:fillRef idx="1">
+            <a:schemeClr val="accent2"/>
+          </a:fillRef>
+          <a:effectRef idx="0">
+            <a:schemeClr val="accent2"/>
+          </a:effectRef>
+          <a:fontRef idx="minor">
+            <a:schemeClr val="lt1"/>
+          </a:fontRef>
+        </p:style>
+        <p:txBody>
+          <a:bodyPr rtlCol="0" anchor="ctr"/>
+          <a:lstStyle/>
+          <a:p>
+            <a:pPr algn="ctr"/>
+            <a:endParaRPr lang="ko-KR" altLang="en-US"/>
+          </a:p>
+        </p:txBody>
+      </p:sp>
+      <p:sp>
+        <p:nvSpPr>
+          <p:cNvPr id="17" name="TextBox 16">
+            <a:extLst>
+              <a:ext uri="{FF2B5EF4-FFF2-40B4-BE49-F238E27FC236}">
+                <a16:creationId xmlns:a16="http://schemas.microsoft.com/office/drawing/2014/main" id="{3EABB99B-43C1-73B3-BBA9-53357E140C3A}"/>
+              </a:ext>
+            </a:extLst>
+          </p:cNvPr>
+          <p:cNvSpPr txBox="1"/>
+          <p:nvPr/>
+        </p:nvSpPr>
+        <p:spPr>
+          <a:xfrm>
+            <a:off x="9334500" y="6352282"/>
+            <a:ext cx="8953500" cy="1077218"/>
+          </a:xfrm>
+          <a:prstGeom prst="rect">
+            <a:avLst/>
+          </a:prstGeom>
+          <a:noFill/>
+        </p:spPr>
+        <p:txBody>
+          <a:bodyPr wrap="square" rtlCol="0">
+            <a:spAutoFit/>
+          </a:bodyPr>
+          <a:lstStyle/>
+          <a:p>
+            <a:r>
+              <a:rPr lang="en-US" altLang="ko-KR" sz="3200">
+                <a:solidFill>
+                  <a:srgbClr val="FF0000"/>
+                </a:solidFill>
+                <a:latin typeface="G마켓 산스 Medium" panose="02000000000000000000" pitchFamily="50" charset="-127"/>
+                <a:ea typeface="G마켓 산스 Medium" panose="02000000000000000000" pitchFamily="50" charset="-127"/>
+              </a:rPr>
+              <a:t>JDK 1.7</a:t>
+            </a:r>
+            <a:r>
+              <a:rPr lang="ko-KR" altLang="en-US" sz="3200">
+                <a:solidFill>
+                  <a:srgbClr val="FF0000"/>
+                </a:solidFill>
+                <a:latin typeface="G마켓 산스 Medium" panose="02000000000000000000" pitchFamily="50" charset="-127"/>
+                <a:ea typeface="G마켓 산스 Medium" panose="02000000000000000000" pitchFamily="50" charset="-127"/>
+              </a:rPr>
+              <a:t>이상부터 문자열 사용가능</a:t>
+            </a:r>
+            <a:r>
+              <a:rPr lang="en-US" altLang="ko-KR" sz="3200">
+                <a:solidFill>
+                  <a:srgbClr val="FF0000"/>
+                </a:solidFill>
+                <a:latin typeface="G마켓 산스 Medium" panose="02000000000000000000" pitchFamily="50" charset="-127"/>
+                <a:ea typeface="G마켓 산스 Medium" panose="02000000000000000000" pitchFamily="50" charset="-127"/>
+              </a:rPr>
+              <a:t>. </a:t>
+            </a:r>
+            <a:r>
+              <a:rPr lang="ko-KR" altLang="en-US" sz="3200">
+                <a:solidFill>
+                  <a:srgbClr val="FF0000"/>
+                </a:solidFill>
+                <a:latin typeface="G마켓 산스 Medium" panose="02000000000000000000" pitchFamily="50" charset="-127"/>
+                <a:ea typeface="G마켓 산스 Medium" panose="02000000000000000000" pitchFamily="50" charset="-127"/>
+              </a:rPr>
+              <a:t>단 조건문 역시 문자열이여야 한다</a:t>
+            </a:r>
+            <a:r>
+              <a:rPr lang="en-US" altLang="ko-KR" sz="3200">
+                <a:solidFill>
+                  <a:srgbClr val="FF0000"/>
+                </a:solidFill>
+                <a:latin typeface="G마켓 산스 Medium" panose="02000000000000000000" pitchFamily="50" charset="-127"/>
+                <a:ea typeface="G마켓 산스 Medium" panose="02000000000000000000" pitchFamily="50" charset="-127"/>
+              </a:rPr>
+              <a:t>. OK!</a:t>
+            </a:r>
+            <a:endParaRPr lang="en-US" altLang="ko-KR" sz="3200" dirty="0">
+              <a:solidFill>
+                <a:srgbClr val="FF0000"/>
+              </a:solidFill>
+              <a:latin typeface="G마켓 산스 Medium" panose="02000000000000000000" pitchFamily="50" charset="-127"/>
+              <a:ea typeface="G마켓 산스 Medium" panose="02000000000000000000" pitchFamily="50" charset="-127"/>
+            </a:endParaRPr>
+          </a:p>
+        </p:txBody>
+      </p:sp>
+      <p:cxnSp>
+        <p:nvCxnSpPr>
+          <p:cNvPr id="18" name="직선 화살표 연결선 17">
+            <a:extLst>
+              <a:ext uri="{FF2B5EF4-FFF2-40B4-BE49-F238E27FC236}">
+                <a16:creationId xmlns:a16="http://schemas.microsoft.com/office/drawing/2014/main" id="{93549FE3-F7E7-5442-6CD8-8AD51821A1D6}"/>
+              </a:ext>
+            </a:extLst>
+          </p:cNvPr>
+          <p:cNvCxnSpPr>
+            <a:cxnSpLocks/>
+          </p:cNvCxnSpPr>
+          <p:nvPr/>
+        </p:nvCxnSpPr>
+        <p:spPr>
+          <a:xfrm>
+            <a:off x="7581900" y="7618765"/>
+            <a:ext cx="1524000" cy="0"/>
+          </a:xfrm>
+          <a:prstGeom prst="straightConnector1">
+            <a:avLst/>
+          </a:prstGeom>
+          <a:ln w="38100">
+            <a:tailEnd type="triangle"/>
+          </a:ln>
+        </p:spPr>
+        <p:style>
+          <a:lnRef idx="1">
+            <a:schemeClr val="accent2"/>
+          </a:lnRef>
+          <a:fillRef idx="0">
+            <a:schemeClr val="accent2"/>
+          </a:fillRef>
+          <a:effectRef idx="0">
+            <a:schemeClr val="accent2"/>
+          </a:effectRef>
+          <a:fontRef idx="minor">
+            <a:schemeClr val="tx1"/>
+          </a:fontRef>
+        </p:style>
+      </p:cxnSp>
+      <p:sp>
+        <p:nvSpPr>
+          <p:cNvPr id="19" name="직사각형 18">
+            <a:extLst>
+              <a:ext uri="{FF2B5EF4-FFF2-40B4-BE49-F238E27FC236}">
+                <a16:creationId xmlns:a16="http://schemas.microsoft.com/office/drawing/2014/main" id="{94227EF0-3965-DF6B-ED6C-E7B6D0756247}"/>
+              </a:ext>
+            </a:extLst>
+          </p:cNvPr>
+          <p:cNvSpPr/>
+          <p:nvPr/>
+        </p:nvSpPr>
+        <p:spPr>
+          <a:xfrm>
+            <a:off x="5829300" y="7390165"/>
+            <a:ext cx="1524000" cy="457200"/>
+          </a:xfrm>
+          <a:prstGeom prst="rect">
+            <a:avLst/>
+          </a:prstGeom>
+          <a:noFill/>
+          <a:ln>
+            <a:solidFill>
+              <a:srgbClr val="FF0000"/>
+            </a:solidFill>
+          </a:ln>
+        </p:spPr>
+        <p:style>
+          <a:lnRef idx="2">
+            <a:schemeClr val="accent2">
+              <a:shade val="50000"/>
+            </a:schemeClr>
+          </a:lnRef>
+          <a:fillRef idx="1">
+            <a:schemeClr val="accent2"/>
+          </a:fillRef>
+          <a:effectRef idx="0">
+            <a:schemeClr val="accent2"/>
+          </a:effectRef>
+          <a:fontRef idx="minor">
+            <a:schemeClr val="lt1"/>
+          </a:fontRef>
+        </p:style>
+        <p:txBody>
+          <a:bodyPr rtlCol="0" anchor="ctr"/>
+          <a:lstStyle/>
+          <a:p>
+            <a:pPr algn="ctr"/>
+            <a:endParaRPr lang="ko-KR" altLang="en-US"/>
+          </a:p>
+        </p:txBody>
+      </p:sp>
+      <p:sp>
+        <p:nvSpPr>
+          <p:cNvPr id="20" name="TextBox 19">
+            <a:extLst>
+              <a:ext uri="{FF2B5EF4-FFF2-40B4-BE49-F238E27FC236}">
+                <a16:creationId xmlns:a16="http://schemas.microsoft.com/office/drawing/2014/main" id="{3EABB99B-43C1-73B3-BBA9-53357E140C3A}"/>
+              </a:ext>
+            </a:extLst>
+          </p:cNvPr>
+          <p:cNvSpPr txBox="1"/>
+          <p:nvPr/>
+        </p:nvSpPr>
+        <p:spPr>
+          <a:xfrm>
+            <a:off x="9296400" y="7454325"/>
+            <a:ext cx="7772400" cy="584775"/>
+          </a:xfrm>
+          <a:prstGeom prst="rect">
+            <a:avLst/>
+          </a:prstGeom>
+          <a:noFill/>
+        </p:spPr>
+        <p:txBody>
+          <a:bodyPr wrap="square" rtlCol="0">
+            <a:spAutoFit/>
+          </a:bodyPr>
+          <a:lstStyle/>
+          <a:p>
+            <a:r>
+              <a:rPr lang="ko-KR" altLang="en-US" sz="3200">
+                <a:solidFill>
+                  <a:srgbClr val="FF0000"/>
+                </a:solidFill>
+                <a:latin typeface="G마켓 산스 Medium" panose="02000000000000000000" pitchFamily="50" charset="-127"/>
+                <a:ea typeface="G마켓 산스 Medium" panose="02000000000000000000" pitchFamily="50" charset="-127"/>
+              </a:rPr>
+              <a:t>실수는 사용 불가능 </a:t>
+            </a:r>
+            <a:r>
+              <a:rPr lang="en-US" altLang="ko-KR" sz="3200">
+                <a:solidFill>
+                  <a:srgbClr val="FF0000"/>
+                </a:solidFill>
+                <a:latin typeface="G마켓 산스 Medium" panose="02000000000000000000" pitchFamily="50" charset="-127"/>
+                <a:ea typeface="G마켓 산스 Medium" panose="02000000000000000000" pitchFamily="50" charset="-127"/>
+              </a:rPr>
+              <a:t>ERROR!</a:t>
+            </a:r>
+            <a:endParaRPr lang="en-US" altLang="ko-KR" sz="3200" dirty="0">
+              <a:solidFill>
+                <a:srgbClr val="FF0000"/>
+              </a:solidFill>
+              <a:latin typeface="G마켓 산스 Medium" panose="02000000000000000000" pitchFamily="50" charset="-127"/>
+              <a:ea typeface="G마켓 산스 Medium" panose="02000000000000000000" pitchFamily="50" charset="-127"/>
+            </a:endParaRPr>
+          </a:p>
+        </p:txBody>
+      </p:sp>
     </p:spTree>
     <p:extLst>
       <p:ext uri="{BB962C8B-B14F-4D97-AF65-F5344CB8AC3E}">
-        <p14:creationId xmlns:p14="http://schemas.microsoft.com/office/powerpoint/2010/main" val="3518008263"/>
+        <p14:creationId xmlns:p14="http://schemas.microsoft.com/office/powerpoint/2010/main" val="1299067387"/>
       </p:ext>
     </p:extLst>
   </p:cSld>
@@ -9349,97 +9401,15 @@
           <a:chExt cx="0" cy="0"/>
         </a:xfrm>
       </p:grpSpPr>
-      <p:sp>
-        <p:nvSpPr>
-          <p:cNvPr id="4" name="TextBox 3">
+      <p:pic>
+        <p:nvPicPr>
+          <p:cNvPr id="4" name="그림 3">
             <a:extLst>
               <a:ext uri="{FF2B5EF4-FFF2-40B4-BE49-F238E27FC236}">
-                <a16:creationId xmlns:a16="http://schemas.microsoft.com/office/drawing/2014/main" xmlns="" id="{8B775B69-867E-6D09-FBAC-9DCE56EE27DC}"/>
+                <a16:creationId xmlns:a16="http://schemas.microsoft.com/office/drawing/2014/main" id="{97C83C48-30DF-B7DB-0742-60E502BCD85E}"/>
               </a:ext>
             </a:extLst>
           </p:cNvPr>
-          <p:cNvSpPr txBox="1"/>
-          <p:nvPr/>
-        </p:nvSpPr>
-        <p:spPr>
-          <a:xfrm>
-            <a:off x="3429000" y="7734300"/>
-            <a:ext cx="12268200" cy="1569660"/>
-          </a:xfrm>
-          <a:prstGeom prst="rect">
-            <a:avLst/>
-          </a:prstGeom>
-          <a:noFill/>
-        </p:spPr>
-        <p:txBody>
-          <a:bodyPr wrap="square" rtlCol="0">
-            <a:spAutoFit/>
-          </a:bodyPr>
-          <a:lstStyle/>
-          <a:p>
-            <a:r>
-              <a:rPr lang="ko-KR" altLang="en-US" sz="4800" smtClean="0">
-                <a:solidFill>
-                  <a:srgbClr val="4C50BC"/>
-                </a:solidFill>
-                <a:latin typeface="G마켓 산스 Medium" panose="02000000000000000000" pitchFamily="50" charset="-127"/>
-                <a:ea typeface="G마켓 산스 Medium" panose="02000000000000000000" pitchFamily="50" charset="-127"/>
-              </a:rPr>
-              <a:t>단계적으로 코드를 실행해야 할때 일부러 </a:t>
-            </a:r>
-            <a:r>
-              <a:rPr lang="en-US" altLang="ko-KR" sz="4800" dirty="0">
-                <a:solidFill>
-                  <a:srgbClr val="4C50BC"/>
-                </a:solidFill>
-                <a:latin typeface="G마켓 산스 Medium" panose="02000000000000000000" pitchFamily="50" charset="-127"/>
-                <a:ea typeface="G마켓 산스 Medium" panose="02000000000000000000" pitchFamily="50" charset="-127"/>
-              </a:rPr>
-              <a:t>break</a:t>
-            </a:r>
-            <a:r>
-              <a:rPr lang="ko-KR" altLang="en-US" sz="4800">
-                <a:solidFill>
-                  <a:srgbClr val="4C50BC"/>
-                </a:solidFill>
-                <a:latin typeface="G마켓 산스 Medium" panose="02000000000000000000" pitchFamily="50" charset="-127"/>
-                <a:ea typeface="G마켓 산스 Medium" panose="02000000000000000000" pitchFamily="50" charset="-127"/>
-              </a:rPr>
-              <a:t>를 </a:t>
-            </a:r>
-            <a:r>
-              <a:rPr lang="ko-KR" altLang="en-US" sz="4800" smtClean="0">
-                <a:solidFill>
-                  <a:srgbClr val="4C50BC"/>
-                </a:solidFill>
-                <a:latin typeface="G마켓 산스 Medium" panose="02000000000000000000" pitchFamily="50" charset="-127"/>
-                <a:ea typeface="G마켓 산스 Medium" panose="02000000000000000000" pitchFamily="50" charset="-127"/>
-              </a:rPr>
-              <a:t>빼서 활용하기도 한다</a:t>
-            </a:r>
-            <a:r>
-              <a:rPr lang="en-US" altLang="ko-KR" sz="4800" smtClean="0">
-                <a:solidFill>
-                  <a:srgbClr val="4C50BC"/>
-                </a:solidFill>
-                <a:latin typeface="G마켓 산스 Medium" panose="02000000000000000000" pitchFamily="50" charset="-127"/>
-                <a:ea typeface="G마켓 산스 Medium" panose="02000000000000000000" pitchFamily="50" charset="-127"/>
-              </a:rPr>
-              <a:t>.</a:t>
-            </a:r>
-            <a:endParaRPr lang="en-US" altLang="ko-KR" sz="4800" dirty="0">
-              <a:solidFill>
-                <a:srgbClr val="4C50BC"/>
-              </a:solidFill>
-              <a:latin typeface="G마켓 산스 Medium" panose="02000000000000000000" pitchFamily="50" charset="-127"/>
-              <a:ea typeface="G마켓 산스 Medium" panose="02000000000000000000" pitchFamily="50" charset="-127"/>
-            </a:endParaRPr>
-          </a:p>
-        </p:txBody>
-      </p:sp>
-      <p:pic>
-        <p:nvPicPr>
-          <p:cNvPr id="2" name="그림 1"/>
           <p:cNvPicPr>
             <a:picLocks noChangeAspect="1"/>
           </p:cNvPicPr>
@@ -9453,18 +9423,169 @@
         </p:blipFill>
         <p:spPr>
           <a:xfrm>
-            <a:off x="5638800" y="820373"/>
-            <a:ext cx="5334000" cy="6532927"/>
+            <a:off x="1386114" y="1328128"/>
+            <a:ext cx="9601200" cy="7387225"/>
           </a:xfrm>
           <a:prstGeom prst="rect">
             <a:avLst/>
           </a:prstGeom>
         </p:spPr>
       </p:pic>
+      <p:cxnSp>
+        <p:nvCxnSpPr>
+          <p:cNvPr id="9" name="직선 화살표 연결선 8">
+            <a:extLst>
+              <a:ext uri="{FF2B5EF4-FFF2-40B4-BE49-F238E27FC236}">
+                <a16:creationId xmlns:a16="http://schemas.microsoft.com/office/drawing/2014/main" id="{192B3151-4915-2B1F-8714-223155661583}"/>
+              </a:ext>
+            </a:extLst>
+          </p:cNvPr>
+          <p:cNvCxnSpPr>
+            <a:cxnSpLocks/>
+          </p:cNvCxnSpPr>
+          <p:nvPr/>
+        </p:nvCxnSpPr>
+        <p:spPr>
+          <a:xfrm>
+            <a:off x="5029200" y="5372100"/>
+            <a:ext cx="1524000" cy="0"/>
+          </a:xfrm>
+          <a:prstGeom prst="straightConnector1">
+            <a:avLst/>
+          </a:prstGeom>
+          <a:ln w="38100">
+            <a:tailEnd type="triangle"/>
+          </a:ln>
+        </p:spPr>
+        <p:style>
+          <a:lnRef idx="1">
+            <a:schemeClr val="accent2"/>
+          </a:lnRef>
+          <a:fillRef idx="0">
+            <a:schemeClr val="accent2"/>
+          </a:fillRef>
+          <a:effectRef idx="0">
+            <a:schemeClr val="accent2"/>
+          </a:effectRef>
+          <a:fontRef idx="minor">
+            <a:schemeClr val="tx1"/>
+          </a:fontRef>
+        </p:style>
+      </p:cxnSp>
+      <p:sp>
+        <p:nvSpPr>
+          <p:cNvPr id="10" name="직사각형 9">
+            <a:extLst>
+              <a:ext uri="{FF2B5EF4-FFF2-40B4-BE49-F238E27FC236}">
+                <a16:creationId xmlns:a16="http://schemas.microsoft.com/office/drawing/2014/main" id="{AF3E039D-11F1-65FF-C1CD-AC61ECFD442F}"/>
+              </a:ext>
+            </a:extLst>
+          </p:cNvPr>
+          <p:cNvSpPr/>
+          <p:nvPr/>
+        </p:nvSpPr>
+        <p:spPr>
+          <a:xfrm>
+            <a:off x="3276600" y="5143500"/>
+            <a:ext cx="1524000" cy="457200"/>
+          </a:xfrm>
+          <a:prstGeom prst="rect">
+            <a:avLst/>
+          </a:prstGeom>
+          <a:noFill/>
+          <a:ln>
+            <a:solidFill>
+              <a:srgbClr val="FF0000"/>
+            </a:solidFill>
+          </a:ln>
+        </p:spPr>
+        <p:style>
+          <a:lnRef idx="2">
+            <a:schemeClr val="accent2">
+              <a:shade val="50000"/>
+            </a:schemeClr>
+          </a:lnRef>
+          <a:fillRef idx="1">
+            <a:schemeClr val="accent2"/>
+          </a:fillRef>
+          <a:effectRef idx="0">
+            <a:schemeClr val="accent2"/>
+          </a:effectRef>
+          <a:fontRef idx="minor">
+            <a:schemeClr val="lt1"/>
+          </a:fontRef>
+        </p:style>
+        <p:txBody>
+          <a:bodyPr rtlCol="0" anchor="ctr"/>
+          <a:lstStyle/>
+          <a:p>
+            <a:pPr algn="ctr"/>
+            <a:endParaRPr lang="ko-KR" altLang="en-US"/>
+          </a:p>
+        </p:txBody>
+      </p:sp>
+      <p:sp>
+        <p:nvSpPr>
+          <p:cNvPr id="11" name="TextBox 10">
+            <a:extLst>
+              <a:ext uri="{FF2B5EF4-FFF2-40B4-BE49-F238E27FC236}">
+                <a16:creationId xmlns:a16="http://schemas.microsoft.com/office/drawing/2014/main" id="{DF3264D7-FC01-A60A-1582-524467C672CA}"/>
+              </a:ext>
+            </a:extLst>
+          </p:cNvPr>
+          <p:cNvSpPr txBox="1"/>
+          <p:nvPr/>
+        </p:nvSpPr>
+        <p:spPr>
+          <a:xfrm>
+            <a:off x="6743700" y="5106635"/>
+            <a:ext cx="6781800" cy="584775"/>
+          </a:xfrm>
+          <a:prstGeom prst="rect">
+            <a:avLst/>
+          </a:prstGeom>
+          <a:noFill/>
+        </p:spPr>
+        <p:txBody>
+          <a:bodyPr wrap="square" rtlCol="0">
+            <a:spAutoFit/>
+          </a:bodyPr>
+          <a:lstStyle/>
+          <a:p>
+            <a:r>
+              <a:rPr lang="en-US" altLang="ko-KR" sz="3200" dirty="0">
+                <a:solidFill>
+                  <a:srgbClr val="FF0000"/>
+                </a:solidFill>
+                <a:latin typeface="G마켓 산스 Medium" panose="02000000000000000000" pitchFamily="50" charset="-127"/>
+                <a:ea typeface="G마켓 산스 Medium" panose="02000000000000000000" pitchFamily="50" charset="-127"/>
+              </a:rPr>
+              <a:t>break;  </a:t>
+            </a:r>
+            <a:r>
+              <a:rPr lang="ko-KR" altLang="en-US" sz="3200" dirty="0">
+                <a:solidFill>
+                  <a:srgbClr val="FF0000"/>
+                </a:solidFill>
+                <a:latin typeface="G마켓 산스 Medium" panose="02000000000000000000" pitchFamily="50" charset="-127"/>
+                <a:ea typeface="G마켓 산스 Medium" panose="02000000000000000000" pitchFamily="50" charset="-127"/>
+              </a:rPr>
+              <a:t>문을 제거하고 실행해보자</a:t>
+            </a:r>
+            <a:endParaRPr lang="en-US" altLang="ko-KR" sz="3200" dirty="0">
+              <a:solidFill>
+                <a:srgbClr val="FF0000"/>
+              </a:solidFill>
+              <a:latin typeface="G마켓 산스 Medium" panose="02000000000000000000" pitchFamily="50" charset="-127"/>
+              <a:ea typeface="G마켓 산스 Medium" panose="02000000000000000000" pitchFamily="50" charset="-127"/>
+            </a:endParaRPr>
+          </a:p>
+        </p:txBody>
+      </p:sp>
     </p:spTree>
     <p:extLst>
       <p:ext uri="{BB962C8B-B14F-4D97-AF65-F5344CB8AC3E}">
-        <p14:creationId xmlns:p14="http://schemas.microsoft.com/office/powerpoint/2010/main" val="2505777111"/>
+        <p14:creationId xmlns:p14="http://schemas.microsoft.com/office/powerpoint/2010/main" val="3518008263"/>
       </p:ext>
     </p:extLst>
   </p:cSld>
@@ -9496,7 +9617,7 @@
           <p:cNvPr id="4" name="TextBox 3">
             <a:extLst>
               <a:ext uri="{FF2B5EF4-FFF2-40B4-BE49-F238E27FC236}">
-                <a16:creationId xmlns:a16="http://schemas.microsoft.com/office/drawing/2014/main" xmlns="" id="{42DA360B-FCE9-ADF1-10BF-66DDB117C22D}"/>
+                <a16:creationId xmlns:a16="http://schemas.microsoft.com/office/drawing/2014/main" id="{8B775B69-867E-6D09-FBAC-9DCE56EE27DC}"/>
               </a:ext>
             </a:extLst>
           </p:cNvPr>
@@ -9505,8 +9626,8 @@
         </p:nvSpPr>
         <p:spPr>
           <a:xfrm>
-            <a:off x="1371600" y="497131"/>
-            <a:ext cx="6096000" cy="830997"/>
+            <a:off x="3429000" y="7734300"/>
+            <a:ext cx="12268200" cy="1569660"/>
           </a:xfrm>
           <a:prstGeom prst="rect">
             <a:avLst/>
@@ -9520,14 +9641,44 @@
           <a:lstStyle/>
           <a:p>
             <a:r>
-              <a:rPr lang="ko-KR" altLang="en-US" sz="4800" smtClean="0">
+              <a:rPr lang="ko-KR" altLang="en-US" sz="4800">
                 <a:solidFill>
                   <a:srgbClr val="4C50BC"/>
                 </a:solidFill>
                 <a:latin typeface="G마켓 산스 Medium" panose="02000000000000000000" pitchFamily="50" charset="-127"/>
                 <a:ea typeface="G마켓 산스 Medium" panose="02000000000000000000" pitchFamily="50" charset="-127"/>
               </a:rPr>
-              <a:t>랜덤숫자 만들기</a:t>
+              <a:t>단계적으로 코드를 실행해야 할때 일부러 </a:t>
+            </a:r>
+            <a:r>
+              <a:rPr lang="en-US" altLang="ko-KR" sz="4800" dirty="0">
+                <a:solidFill>
+                  <a:srgbClr val="4C50BC"/>
+                </a:solidFill>
+                <a:latin typeface="G마켓 산스 Medium" panose="02000000000000000000" pitchFamily="50" charset="-127"/>
+                <a:ea typeface="G마켓 산스 Medium" panose="02000000000000000000" pitchFamily="50" charset="-127"/>
+              </a:rPr>
+              <a:t>break</a:t>
+            </a:r>
+            <a:r>
+              <a:rPr lang="ko-KR" altLang="en-US" sz="4800">
+                <a:solidFill>
+                  <a:srgbClr val="4C50BC"/>
+                </a:solidFill>
+                <a:latin typeface="G마켓 산스 Medium" panose="02000000000000000000" pitchFamily="50" charset="-127"/>
+                <a:ea typeface="G마켓 산스 Medium" panose="02000000000000000000" pitchFamily="50" charset="-127"/>
+              </a:rPr>
+              <a:t>를 빼서 활용하기도 한다</a:t>
+            </a:r>
+            <a:r>
+              <a:rPr lang="en-US" altLang="ko-KR" sz="4800">
+                <a:solidFill>
+                  <a:srgbClr val="4C50BC"/>
+                </a:solidFill>
+                <a:latin typeface="G마켓 산스 Medium" panose="02000000000000000000" pitchFamily="50" charset="-127"/>
+                <a:ea typeface="G마켓 산스 Medium" panose="02000000000000000000" pitchFamily="50" charset="-127"/>
+              </a:rPr>
+              <a:t>.</a:t>
             </a:r>
             <a:endParaRPr lang="en-US" altLang="ko-KR" sz="4800" dirty="0">
               <a:solidFill>
@@ -9539,12 +9690,66 @@
           </a:p>
         </p:txBody>
       </p:sp>
-      <p:sp>
-        <p:nvSpPr>
-          <p:cNvPr id="5" name="TextBox 4">
+      <p:pic>
+        <p:nvPicPr>
+          <p:cNvPr id="2" name="그림 1"/>
+          <p:cNvPicPr>
+            <a:picLocks noChangeAspect="1"/>
+          </p:cNvPicPr>
+          <p:nvPr/>
+        </p:nvPicPr>
+        <p:blipFill>
+          <a:blip r:embed="rId2"/>
+          <a:stretch>
+            <a:fillRect/>
+          </a:stretch>
+        </p:blipFill>
+        <p:spPr>
+          <a:xfrm>
+            <a:off x="5638800" y="820373"/>
+            <a:ext cx="5334000" cy="6532927"/>
+          </a:xfrm>
+          <a:prstGeom prst="rect">
+            <a:avLst/>
+          </a:prstGeom>
+        </p:spPr>
+      </p:pic>
+    </p:spTree>
+    <p:extLst>
+      <p:ext uri="{BB962C8B-B14F-4D97-AF65-F5344CB8AC3E}">
+        <p14:creationId xmlns:p14="http://schemas.microsoft.com/office/powerpoint/2010/main" val="2505777111"/>
+      </p:ext>
+    </p:extLst>
+  </p:cSld>
+  <p:clrMapOvr>
+    <a:masterClrMapping/>
+  </p:clrMapOvr>
+</p:sld>
+</file>
+
+<file path=ppt/slides/slide23.xml><?xml version="1.0" encoding="utf-8"?>
+<p:sld xmlns:a="http://schemas.openxmlformats.org/drawingml/2006/main" xmlns:r="http://schemas.openxmlformats.org/officeDocument/2006/relationships" xmlns:p="http://schemas.openxmlformats.org/presentationml/2006/main">
+  <p:cSld>
+    <p:spTree>
+      <p:nvGrpSpPr>
+        <p:cNvPr id="1" name=""/>
+        <p:cNvGrpSpPr/>
+        <p:nvPr/>
+      </p:nvGrpSpPr>
+      <p:grpSpPr>
+        <a:xfrm>
+          <a:off x="0" y="0"/>
+          <a:ext cx="0" cy="0"/>
+          <a:chOff x="0" y="0"/>
+          <a:chExt cx="0" cy="0"/>
+        </a:xfrm>
+      </p:grpSpPr>
+      <p:sp>
+        <p:nvSpPr>
+          <p:cNvPr id="4" name="TextBox 3">
             <a:extLst>
               <a:ext uri="{FF2B5EF4-FFF2-40B4-BE49-F238E27FC236}">
-                <a16:creationId xmlns:a16="http://schemas.microsoft.com/office/drawing/2014/main" xmlns="" id="{EDC0CEAC-03B0-6CA0-B904-A9724C34AA11}"/>
+                <a16:creationId xmlns:a16="http://schemas.microsoft.com/office/drawing/2014/main" id="{42DA360B-FCE9-ADF1-10BF-66DDB117C22D}"/>
               </a:ext>
             </a:extLst>
           </p:cNvPr>
@@ -9553,8 +9758,8 @@
         </p:nvSpPr>
         <p:spPr>
           <a:xfrm>
-            <a:off x="1143000" y="3680460"/>
-            <a:ext cx="7543800" cy="1569660"/>
+            <a:off x="1371600" y="497131"/>
+            <a:ext cx="6096000" cy="830997"/>
           </a:xfrm>
           <a:prstGeom prst="rect">
             <a:avLst/>
@@ -9568,7 +9773,55 @@
           <a:lstStyle/>
           <a:p>
             <a:r>
-              <a:rPr lang="en-US" altLang="ko-KR" sz="4800" smtClean="0">
+              <a:rPr lang="ko-KR" altLang="en-US" sz="4800">
+                <a:solidFill>
+                  <a:srgbClr val="4C50BC"/>
+                </a:solidFill>
+                <a:latin typeface="G마켓 산스 Medium" panose="02000000000000000000" pitchFamily="50" charset="-127"/>
+                <a:ea typeface="G마켓 산스 Medium" panose="02000000000000000000" pitchFamily="50" charset="-127"/>
+              </a:rPr>
+              <a:t>랜덤숫자 만들기</a:t>
+            </a:r>
+            <a:endParaRPr lang="en-US" altLang="ko-KR" sz="4800" dirty="0">
+              <a:solidFill>
+                <a:srgbClr val="4C50BC"/>
+              </a:solidFill>
+              <a:latin typeface="G마켓 산스 Medium" panose="02000000000000000000" pitchFamily="50" charset="-127"/>
+              <a:ea typeface="G마켓 산스 Medium" panose="02000000000000000000" pitchFamily="50" charset="-127"/>
+            </a:endParaRPr>
+          </a:p>
+        </p:txBody>
+      </p:sp>
+      <p:sp>
+        <p:nvSpPr>
+          <p:cNvPr id="5" name="TextBox 4">
+            <a:extLst>
+              <a:ext uri="{FF2B5EF4-FFF2-40B4-BE49-F238E27FC236}">
+                <a16:creationId xmlns:a16="http://schemas.microsoft.com/office/drawing/2014/main" id="{EDC0CEAC-03B0-6CA0-B904-A9724C34AA11}"/>
+              </a:ext>
+            </a:extLst>
+          </p:cNvPr>
+          <p:cNvSpPr txBox="1"/>
+          <p:nvPr/>
+        </p:nvSpPr>
+        <p:spPr>
+          <a:xfrm>
+            <a:off x="1143000" y="3680460"/>
+            <a:ext cx="7543800" cy="1569660"/>
+          </a:xfrm>
+          <a:prstGeom prst="rect">
+            <a:avLst/>
+          </a:prstGeom>
+          <a:noFill/>
+        </p:spPr>
+        <p:txBody>
+          <a:bodyPr wrap="square" rtlCol="0">
+            <a:spAutoFit/>
+          </a:bodyPr>
+          <a:lstStyle/>
+          <a:p>
+            <a:r>
+              <a:rPr lang="en-US" altLang="ko-KR" sz="4800">
                 <a:solidFill>
                   <a:schemeClr val="tx1">
                     <a:lumMod val="50000"/>
@@ -9581,7 +9834,7 @@
               <a:t>0 ~ 0.999… </a:t>
             </a:r>
             <a:r>
-              <a:rPr lang="ko-KR" altLang="en-US" sz="4800" smtClean="0">
+              <a:rPr lang="ko-KR" altLang="en-US" sz="4800">
                 <a:solidFill>
                   <a:schemeClr val="tx1">
                     <a:lumMod val="50000"/>
@@ -9593,7 +9846,7 @@
               </a:rPr>
               <a:t>사이의 소수를 </a:t>
             </a:r>
-            <a:endParaRPr lang="en-US" altLang="ko-KR" sz="4800" smtClean="0">
+            <a:endParaRPr lang="en-US" altLang="ko-KR" sz="4800">
               <a:solidFill>
                 <a:schemeClr val="tx1">
                   <a:lumMod val="50000"/>
@@ -9606,7 +9859,7 @@
           </a:p>
           <a:p>
             <a:r>
-              <a:rPr lang="ko-KR" altLang="en-US" sz="4800" smtClean="0">
+              <a:rPr lang="ko-KR" altLang="en-US" sz="4800">
                 <a:solidFill>
                   <a:schemeClr val="tx1">
                     <a:lumMod val="50000"/>
@@ -9619,7 +9872,7 @@
               <a:t>랜덤하게 생성한다</a:t>
             </a:r>
             <a:r>
-              <a:rPr lang="en-US" altLang="ko-KR" sz="4800" smtClean="0">
+              <a:rPr lang="en-US" altLang="ko-KR" sz="4800">
                 <a:solidFill>
                   <a:schemeClr val="tx1">
                     <a:lumMod val="50000"/>
@@ -9673,7 +9926,7 @@
           <p:cNvPr id="7" name="직선 화살표 연결선 6">
             <a:extLst>
               <a:ext uri="{FF2B5EF4-FFF2-40B4-BE49-F238E27FC236}">
-                <a16:creationId xmlns:a16="http://schemas.microsoft.com/office/drawing/2014/main" xmlns="" id="{299DF5EC-9DF4-5255-06AC-0A7CE4FF58C3}"/>
+                <a16:creationId xmlns:a16="http://schemas.microsoft.com/office/drawing/2014/main" id="{299DF5EC-9DF4-5255-06AC-0A7CE4FF58C3}"/>
               </a:ext>
             </a:extLst>
           </p:cNvPr>
@@ -9714,7 +9967,7 @@
           <p:cNvPr id="8" name="직사각형 7">
             <a:extLst>
               <a:ext uri="{FF2B5EF4-FFF2-40B4-BE49-F238E27FC236}">
-                <a16:creationId xmlns:a16="http://schemas.microsoft.com/office/drawing/2014/main" xmlns="" id="{FFF506F9-840A-0508-4CAF-3AC711D8D5CE}"/>
+                <a16:creationId xmlns:a16="http://schemas.microsoft.com/office/drawing/2014/main" id="{FFF506F9-840A-0508-4CAF-3AC711D8D5CE}"/>
               </a:ext>
             </a:extLst>
           </p:cNvPr>
@@ -9766,7 +10019,7 @@
           <p:cNvPr id="9" name="TextBox 8">
             <a:extLst>
               <a:ext uri="{FF2B5EF4-FFF2-40B4-BE49-F238E27FC236}">
-                <a16:creationId xmlns:a16="http://schemas.microsoft.com/office/drawing/2014/main" xmlns="" id="{C6D113C6-EA5C-788F-0C77-E7CE6EBB865F}"/>
+                <a16:creationId xmlns:a16="http://schemas.microsoft.com/office/drawing/2014/main" id="{C6D113C6-EA5C-788F-0C77-E7CE6EBB865F}"/>
               </a:ext>
             </a:extLst>
           </p:cNvPr>
@@ -9790,7 +10043,7 @@
           <a:lstStyle/>
           <a:p>
             <a:r>
-              <a:rPr lang="en-US" altLang="ko-KR" sz="4800" smtClean="0">
+              <a:rPr lang="en-US" altLang="ko-KR" sz="4800">
                 <a:solidFill>
                   <a:srgbClr val="FF0000"/>
                 </a:solidFill>
@@ -9800,7 +10053,7 @@
               <a:t>0~14 </a:t>
             </a:r>
             <a:r>
-              <a:rPr lang="ko-KR" altLang="en-US" sz="4800" smtClean="0">
+              <a:rPr lang="ko-KR" altLang="en-US" sz="4800">
                 <a:solidFill>
                   <a:srgbClr val="FF0000"/>
                 </a:solidFill>
@@ -9810,7 +10063,7 @@
               <a:t>까지의 수가 나온다</a:t>
             </a:r>
             <a:r>
-              <a:rPr lang="en-US" altLang="ko-KR" sz="4800" smtClean="0">
+              <a:rPr lang="en-US" altLang="ko-KR" sz="4800">
                 <a:solidFill>
                   <a:srgbClr val="FF0000"/>
                 </a:solidFill>
@@ -9834,7 +10087,7 @@
           <p:cNvPr id="12" name="직사각형 11">
             <a:extLst>
               <a:ext uri="{FF2B5EF4-FFF2-40B4-BE49-F238E27FC236}">
-                <a16:creationId xmlns:a16="http://schemas.microsoft.com/office/drawing/2014/main" xmlns="" id="{FFF506F9-840A-0508-4CAF-3AC711D8D5CE}"/>
+                <a16:creationId xmlns:a16="http://schemas.microsoft.com/office/drawing/2014/main" id="{FFF506F9-840A-0508-4CAF-3AC711D8D5CE}"/>
               </a:ext>
             </a:extLst>
           </p:cNvPr>
@@ -9886,7 +10139,7 @@
           <p:cNvPr id="13" name="직선 화살표 연결선 12">
             <a:extLst>
               <a:ext uri="{FF2B5EF4-FFF2-40B4-BE49-F238E27FC236}">
-                <a16:creationId xmlns:a16="http://schemas.microsoft.com/office/drawing/2014/main" xmlns="" id="{299DF5EC-9DF4-5255-06AC-0A7CE4FF58C3}"/>
+                <a16:creationId xmlns:a16="http://schemas.microsoft.com/office/drawing/2014/main" id="{299DF5EC-9DF4-5255-06AC-0A7CE4FF58C3}"/>
               </a:ext>
             </a:extLst>
           </p:cNvPr>
@@ -9935,7 +10188,7 @@
 </p:sld>
 </file>
 
-<file path=ppt/slides/slide23.xml><?xml version="1.0" encoding="utf-8"?>
+<file path=ppt/slides/slide24.xml><?xml version="1.0" encoding="utf-8"?>
 <p:sld xmlns:a="http://schemas.openxmlformats.org/drawingml/2006/main" xmlns:r="http://schemas.openxmlformats.org/officeDocument/2006/relationships" xmlns:p="http://schemas.openxmlformats.org/presentationml/2006/main">
   <p:cSld>
     <p:spTree>
@@ -9957,7 +10210,7 @@
           <p:cNvPr id="5" name="TextBox 4">
             <a:extLst>
               <a:ext uri="{FF2B5EF4-FFF2-40B4-BE49-F238E27FC236}">
-                <a16:creationId xmlns:a16="http://schemas.microsoft.com/office/drawing/2014/main" xmlns="" id="{42DA360B-FCE9-ADF1-10BF-66DDB117C22D}"/>
+                <a16:creationId xmlns:a16="http://schemas.microsoft.com/office/drawing/2014/main" id="{42DA360B-FCE9-ADF1-10BF-66DDB117C22D}"/>
               </a:ext>
             </a:extLst>
           </p:cNvPr>
@@ -9981,7 +10234,7 @@
           <a:lstStyle/>
           <a:p>
             <a:r>
-              <a:rPr lang="ko-KR" altLang="en-US" sz="4800" smtClean="0">
+              <a:rPr lang="ko-KR" altLang="en-US" sz="4800">
                 <a:solidFill>
                   <a:srgbClr val="4C50BC"/>
                 </a:solidFill>
@@ -9991,7 +10244,7 @@
               <a:t>실습문제</a:t>
             </a:r>
             <a:r>
-              <a:rPr lang="en-US" altLang="ko-KR" sz="4800" smtClean="0">
+              <a:rPr lang="en-US" altLang="ko-KR" sz="4800">
                 <a:solidFill>
                   <a:srgbClr val="4C50BC"/>
                 </a:solidFill>
@@ -10015,7 +10268,7 @@
           <p:cNvPr id="6" name="TextBox 5">
             <a:extLst>
               <a:ext uri="{FF2B5EF4-FFF2-40B4-BE49-F238E27FC236}">
-                <a16:creationId xmlns:a16="http://schemas.microsoft.com/office/drawing/2014/main" xmlns="" id="{EDC0CEAC-03B0-6CA0-B904-A9724C34AA11}"/>
+                <a16:creationId xmlns:a16="http://schemas.microsoft.com/office/drawing/2014/main" id="{EDC0CEAC-03B0-6CA0-B904-A9724C34AA11}"/>
               </a:ext>
             </a:extLst>
           </p:cNvPr>
@@ -10042,7 +10295,7 @@
               <a:buAutoNum type="arabicPeriod"/>
             </a:pPr>
             <a:r>
-              <a:rPr lang="ko-KR" altLang="en-US" sz="3600" smtClean="0">
+              <a:rPr lang="ko-KR" altLang="en-US" sz="3600">
                 <a:solidFill>
                   <a:schemeClr val="tx1">
                     <a:lumMod val="50000"/>
@@ -10055,7 +10308,7 @@
               <a:t>월을 입력받아 어떤 계절인지 출력해보자</a:t>
             </a:r>
             <a:r>
-              <a:rPr lang="en-US" altLang="ko-KR" sz="3600" smtClean="0">
+              <a:rPr lang="en-US" altLang="ko-KR" sz="3600">
                 <a:solidFill>
                   <a:schemeClr val="tx1">
                     <a:lumMod val="50000"/>
@@ -10068,7 +10321,7 @@
               <a:t>(switch</a:t>
             </a:r>
             <a:r>
-              <a:rPr lang="ko-KR" altLang="en-US" sz="3600" smtClean="0">
+              <a:rPr lang="ko-KR" altLang="en-US" sz="3600">
                 <a:solidFill>
                   <a:schemeClr val="tx1">
                     <a:lumMod val="50000"/>
@@ -10081,7 +10334,7 @@
               <a:t>문을 사용할것</a:t>
             </a:r>
             <a:r>
-              <a:rPr lang="en-US" altLang="ko-KR" sz="3600" smtClean="0">
+              <a:rPr lang="en-US" altLang="ko-KR" sz="3600">
                 <a:solidFill>
                   <a:schemeClr val="tx1">
                     <a:lumMod val="50000"/>
@@ -10096,7 +10349,7 @@
           </a:p>
           <a:p>
             <a:r>
-              <a:rPr lang="en-US" altLang="ko-KR" sz="3600" smtClean="0">
+              <a:rPr lang="en-US" altLang="ko-KR" sz="3600">
                 <a:solidFill>
                   <a:schemeClr val="tx1">
                     <a:lumMod val="50000"/>
@@ -10109,7 +10362,7 @@
               <a:t>     3,4,5 :</a:t>
             </a:r>
             <a:r>
-              <a:rPr lang="ko-KR" altLang="en-US" sz="3600" smtClean="0">
+              <a:rPr lang="ko-KR" altLang="en-US" sz="3600">
                 <a:solidFill>
                   <a:schemeClr val="tx1">
                     <a:lumMod val="50000"/>
@@ -10122,7 +10375,7 @@
               <a:t>봄     </a:t>
             </a:r>
             <a:r>
-              <a:rPr lang="en-US" altLang="ko-KR" sz="3600" smtClean="0">
+              <a:rPr lang="en-US" altLang="ko-KR" sz="3600">
                 <a:solidFill>
                   <a:schemeClr val="tx1">
                     <a:lumMod val="50000"/>
@@ -10135,7 +10388,7 @@
               <a:t>6,7,8 : </a:t>
             </a:r>
             <a:r>
-              <a:rPr lang="ko-KR" altLang="en-US" sz="3600" smtClean="0">
+              <a:rPr lang="ko-KR" altLang="en-US" sz="3600">
                 <a:solidFill>
                   <a:schemeClr val="tx1">
                     <a:lumMod val="50000"/>
@@ -10148,7 +10401,7 @@
               <a:t>여름  </a:t>
             </a:r>
             <a:r>
-              <a:rPr lang="en-US" altLang="ko-KR" sz="3600" smtClean="0">
+              <a:rPr lang="en-US" altLang="ko-KR" sz="3600">
                 <a:solidFill>
                   <a:schemeClr val="tx1">
                     <a:lumMod val="50000"/>
@@ -10161,7 +10414,7 @@
               <a:t>9,10,11 : </a:t>
             </a:r>
             <a:r>
-              <a:rPr lang="ko-KR" altLang="en-US" sz="3600" smtClean="0">
+              <a:rPr lang="ko-KR" altLang="en-US" sz="3600">
                 <a:solidFill>
                   <a:schemeClr val="tx1">
                     <a:lumMod val="50000"/>
@@ -10174,7 +10427,7 @@
               <a:t>가을  </a:t>
             </a:r>
             <a:r>
-              <a:rPr lang="en-US" altLang="ko-KR" sz="3600" smtClean="0">
+              <a:rPr lang="en-US" altLang="ko-KR" sz="3600">
                 <a:solidFill>
                   <a:schemeClr val="tx1">
                     <a:lumMod val="50000"/>
@@ -10184,20 +10437,7 @@
                 <a:latin typeface="G마켓 산스 Medium" panose="02000000000000000000" pitchFamily="50" charset="-127"/>
                 <a:ea typeface="G마켓 산스 Medium" panose="02000000000000000000" pitchFamily="50" charset="-127"/>
               </a:rPr>
-              <a:t>12,1,2 </a:t>
-            </a:r>
-            <a:r>
-              <a:rPr lang="en-US" altLang="ko-KR" sz="3600">
-                <a:solidFill>
-                  <a:schemeClr val="tx1">
-                    <a:lumMod val="50000"/>
-                    <a:lumOff val="50000"/>
-                  </a:schemeClr>
-                </a:solidFill>
-                <a:latin typeface="G마켓 산스 Medium" panose="02000000000000000000" pitchFamily="50" charset="-127"/>
-                <a:ea typeface="G마켓 산스 Medium" panose="02000000000000000000" pitchFamily="50" charset="-127"/>
-              </a:rPr>
-              <a:t>: </a:t>
+              <a:t>12,1,2 : </a:t>
             </a:r>
             <a:r>
               <a:rPr lang="ko-KR" altLang="en-US" sz="3600">
@@ -10254,7 +10494,7 @@
           <p:cNvPr id="8" name="TextBox 7">
             <a:extLst>
               <a:ext uri="{FF2B5EF4-FFF2-40B4-BE49-F238E27FC236}">
-                <a16:creationId xmlns:a16="http://schemas.microsoft.com/office/drawing/2014/main" xmlns="" id="{EDC0CEAC-03B0-6CA0-B904-A9724C34AA11}"/>
+                <a16:creationId xmlns:a16="http://schemas.microsoft.com/office/drawing/2014/main" id="{EDC0CEAC-03B0-6CA0-B904-A9724C34AA11}"/>
               </a:ext>
             </a:extLst>
           </p:cNvPr>
@@ -10278,7 +10518,7 @@
           <a:lstStyle/>
           <a:p>
             <a:r>
-              <a:rPr lang="en-US" altLang="ko-KR" sz="3600" smtClean="0">
+              <a:rPr lang="en-US" altLang="ko-KR" sz="3600">
                 <a:solidFill>
                   <a:schemeClr val="tx1">
                     <a:lumMod val="50000"/>
@@ -10291,7 +10531,7 @@
               <a:t>2. </a:t>
             </a:r>
             <a:r>
-              <a:rPr lang="ko-KR" altLang="en-US" sz="3600" smtClean="0">
+              <a:rPr lang="ko-KR" altLang="en-US" sz="3600">
                 <a:solidFill>
                   <a:schemeClr val="tx1">
                     <a:lumMod val="50000"/>
@@ -10344,7 +10584,7 @@
             </a:r>
           </a:p>
           <a:p>
-            <a:endParaRPr lang="en-US" altLang="ko-KR" sz="3600" smtClean="0">
+            <a:endParaRPr lang="en-US" altLang="ko-KR" sz="3600">
               <a:solidFill>
                 <a:schemeClr val="tx1">
                   <a:lumMod val="50000"/>
@@ -10394,7 +10634,7 @@
 </p:sld>
 </file>
 
-<file path=ppt/slides/slide24.xml><?xml version="1.0" encoding="utf-8"?>
+<file path=ppt/slides/slide25.xml><?xml version="1.0" encoding="utf-8"?>
 <p:sld xmlns:a="http://schemas.openxmlformats.org/drawingml/2006/main" xmlns:r="http://schemas.openxmlformats.org/officeDocument/2006/relationships" xmlns:p="http://schemas.openxmlformats.org/presentationml/2006/main">
   <p:cSld>
     <p:bg>
@@ -10424,7 +10664,7 @@
           <p:cNvPr id="5" name="Object 2">
             <a:extLst>
               <a:ext uri="{FF2B5EF4-FFF2-40B4-BE49-F238E27FC236}">
-                <a16:creationId xmlns:a16="http://schemas.microsoft.com/office/drawing/2014/main" xmlns="" id="{EB9768FE-76B0-709F-3C4D-0ECBB41147CD}"/>
+                <a16:creationId xmlns:a16="http://schemas.microsoft.com/office/drawing/2014/main" id="{EB9768FE-76B0-709F-3C4D-0ECBB41147CD}"/>
               </a:ext>
             </a:extLst>
           </p:cNvPr>
@@ -10454,7 +10694,7 @@
           <p:cNvPr id="7" name="그룹 1001">
             <a:extLst>
               <a:ext uri="{FF2B5EF4-FFF2-40B4-BE49-F238E27FC236}">
-                <a16:creationId xmlns:a16="http://schemas.microsoft.com/office/drawing/2014/main" xmlns="" id="{0637F47C-891C-2B90-8647-32B84C264D42}"/>
+                <a16:creationId xmlns:a16="http://schemas.microsoft.com/office/drawing/2014/main" id="{0637F47C-891C-2B90-8647-32B84C264D42}"/>
               </a:ext>
             </a:extLst>
           </p:cNvPr>
@@ -10474,7 +10714,7 @@
             <p:cNvPr id="8" name="Object 5">
               <a:extLst>
                 <a:ext uri="{FF2B5EF4-FFF2-40B4-BE49-F238E27FC236}">
-                  <a16:creationId xmlns:a16="http://schemas.microsoft.com/office/drawing/2014/main" xmlns="" id="{710F969D-8259-9328-33C3-C6DB500C60D4}"/>
+                  <a16:creationId xmlns:a16="http://schemas.microsoft.com/office/drawing/2014/main" id="{710F969D-8259-9328-33C3-C6DB500C60D4}"/>
                 </a:ext>
               </a:extLst>
             </p:cNvPr>
@@ -10505,7 +10745,7 @@
           <p:cNvPr id="9" name="그룹 1002">
             <a:extLst>
               <a:ext uri="{FF2B5EF4-FFF2-40B4-BE49-F238E27FC236}">
-                <a16:creationId xmlns:a16="http://schemas.microsoft.com/office/drawing/2014/main" xmlns="" id="{A87796A8-251B-F38A-5AE9-11F8D847B25D}"/>
+                <a16:creationId xmlns:a16="http://schemas.microsoft.com/office/drawing/2014/main" id="{A87796A8-251B-F38A-5AE9-11F8D847B25D}"/>
               </a:ext>
             </a:extLst>
           </p:cNvPr>
@@ -10525,7 +10765,7 @@
             <p:cNvPr id="10" name="Object 8">
               <a:extLst>
                 <a:ext uri="{FF2B5EF4-FFF2-40B4-BE49-F238E27FC236}">
-                  <a16:creationId xmlns:a16="http://schemas.microsoft.com/office/drawing/2014/main" xmlns="" id="{9E806C19-D323-E705-F3B8-EEABB39F0993}"/>
+                  <a16:creationId xmlns:a16="http://schemas.microsoft.com/office/drawing/2014/main" id="{9E806C19-D323-E705-F3B8-EEABB39F0993}"/>
                 </a:ext>
               </a:extLst>
             </p:cNvPr>
@@ -10556,7 +10796,7 @@
           <p:cNvPr id="11" name="그룹 1003">
             <a:extLst>
               <a:ext uri="{FF2B5EF4-FFF2-40B4-BE49-F238E27FC236}">
-                <a16:creationId xmlns:a16="http://schemas.microsoft.com/office/drawing/2014/main" xmlns="" id="{701795E0-24B6-38E6-7308-FED7AD2B6900}"/>
+                <a16:creationId xmlns:a16="http://schemas.microsoft.com/office/drawing/2014/main" id="{701795E0-24B6-38E6-7308-FED7AD2B6900}"/>
               </a:ext>
             </a:extLst>
           </p:cNvPr>
@@ -10576,7 +10816,7 @@
             <p:cNvPr id="12" name="Object 11">
               <a:extLst>
                 <a:ext uri="{FF2B5EF4-FFF2-40B4-BE49-F238E27FC236}">
-                  <a16:creationId xmlns:a16="http://schemas.microsoft.com/office/drawing/2014/main" xmlns="" id="{D8C68167-7FB5-1F8E-D53C-DEA682F465F5}"/>
+                  <a16:creationId xmlns:a16="http://schemas.microsoft.com/office/drawing/2014/main" id="{D8C68167-7FB5-1F8E-D53C-DEA682F465F5}"/>
                 </a:ext>
               </a:extLst>
             </p:cNvPr>
@@ -10607,7 +10847,7 @@
           <p:cNvPr id="13" name="그룹 1004">
             <a:extLst>
               <a:ext uri="{FF2B5EF4-FFF2-40B4-BE49-F238E27FC236}">
-                <a16:creationId xmlns:a16="http://schemas.microsoft.com/office/drawing/2014/main" xmlns="" id="{03226A72-764D-99F3-A14F-47C351CB448B}"/>
+                <a16:creationId xmlns:a16="http://schemas.microsoft.com/office/drawing/2014/main" id="{03226A72-764D-99F3-A14F-47C351CB448B}"/>
               </a:ext>
             </a:extLst>
           </p:cNvPr>
@@ -10627,7 +10867,7 @@
             <p:cNvPr id="14" name="Object 14">
               <a:extLst>
                 <a:ext uri="{FF2B5EF4-FFF2-40B4-BE49-F238E27FC236}">
-                  <a16:creationId xmlns:a16="http://schemas.microsoft.com/office/drawing/2014/main" xmlns="" id="{77C5B9A8-AEBA-093B-4CD6-4F1ECF519068}"/>
+                  <a16:creationId xmlns:a16="http://schemas.microsoft.com/office/drawing/2014/main" id="{77C5B9A8-AEBA-093B-4CD6-4F1ECF519068}"/>
                 </a:ext>
               </a:extLst>
             </p:cNvPr>
@@ -10658,7 +10898,7 @@
           <p:cNvPr id="15" name="TextBox 14">
             <a:extLst>
               <a:ext uri="{FF2B5EF4-FFF2-40B4-BE49-F238E27FC236}">
-                <a16:creationId xmlns:a16="http://schemas.microsoft.com/office/drawing/2014/main" xmlns="" id="{E44AB10B-96D7-19D1-5C7A-D2761E62F16E}"/>
+                <a16:creationId xmlns:a16="http://schemas.microsoft.com/office/drawing/2014/main" id="{E44AB10B-96D7-19D1-5C7A-D2761E62F16E}"/>
               </a:ext>
             </a:extLst>
           </p:cNvPr>
@@ -10705,738 +10945,6 @@
     <p:extLst>
       <p:ext uri="{BB962C8B-B14F-4D97-AF65-F5344CB8AC3E}">
         <p14:creationId xmlns:p14="http://schemas.microsoft.com/office/powerpoint/2010/main" val="3979785349"/>
-      </p:ext>
-    </p:extLst>
-  </p:cSld>
-  <p:clrMapOvr>
-    <a:masterClrMapping/>
-  </p:clrMapOvr>
-</p:sld>
-</file>
-
-<file path=ppt/slides/slide25.xml><?xml version="1.0" encoding="utf-8"?>
-<p:sld xmlns:a="http://schemas.openxmlformats.org/drawingml/2006/main" xmlns:r="http://schemas.openxmlformats.org/officeDocument/2006/relationships" xmlns:p="http://schemas.openxmlformats.org/presentationml/2006/main">
-  <p:cSld>
-    <p:spTree>
-      <p:nvGrpSpPr>
-        <p:cNvPr id="1" name=""/>
-        <p:cNvGrpSpPr/>
-        <p:nvPr/>
-      </p:nvGrpSpPr>
-      <p:grpSpPr>
-        <a:xfrm>
-          <a:off x="0" y="0"/>
-          <a:ext cx="0" cy="0"/>
-          <a:chOff x="0" y="0"/>
-          <a:chExt cx="0" cy="0"/>
-        </a:xfrm>
-      </p:grpSpPr>
-      <p:sp>
-        <p:nvSpPr>
-          <p:cNvPr id="4" name="TextBox 3">
-            <a:extLst>
-              <a:ext uri="{FF2B5EF4-FFF2-40B4-BE49-F238E27FC236}">
-                <a16:creationId xmlns:a16="http://schemas.microsoft.com/office/drawing/2014/main" xmlns="" id="{5ADC00B6-990A-40DC-3CEA-505258F5E8DA}"/>
-              </a:ext>
-            </a:extLst>
-          </p:cNvPr>
-          <p:cNvSpPr txBox="1"/>
-          <p:nvPr/>
-        </p:nvSpPr>
-        <p:spPr>
-          <a:xfrm>
-            <a:off x="137593" y="1785257"/>
-            <a:ext cx="2209800" cy="1015663"/>
-          </a:xfrm>
-          <a:prstGeom prst="rect">
-            <a:avLst/>
-          </a:prstGeom>
-          <a:noFill/>
-        </p:spPr>
-        <p:txBody>
-          <a:bodyPr wrap="square" rtlCol="0">
-            <a:spAutoFit/>
-          </a:bodyPr>
-          <a:lstStyle/>
-          <a:p>
-            <a:r>
-              <a:rPr lang="ko-KR" altLang="en-US" sz="6000" smtClean="0">
-                <a:solidFill>
-                  <a:srgbClr val="4C50BC"/>
-                </a:solidFill>
-                <a:latin typeface="G마켓 산스 Medium" panose="02000000000000000000" pitchFamily="50" charset="-127"/>
-                <a:ea typeface="G마켓 산스 Medium" panose="02000000000000000000" pitchFamily="50" charset="-127"/>
-              </a:rPr>
-              <a:t>문제</a:t>
-            </a:r>
-            <a:r>
-              <a:rPr lang="en-US" altLang="ko-KR" sz="6000">
-                <a:solidFill>
-                  <a:srgbClr val="4C50BC"/>
-                </a:solidFill>
-                <a:latin typeface="G마켓 산스 Medium" panose="02000000000000000000" pitchFamily="50" charset="-127"/>
-                <a:ea typeface="G마켓 산스 Medium" panose="02000000000000000000" pitchFamily="50" charset="-127"/>
-              </a:rPr>
-              <a:t>2</a:t>
-            </a:r>
-            <a:endParaRPr lang="en-US" altLang="ko-KR" sz="6000" dirty="0">
-              <a:solidFill>
-                <a:srgbClr val="4C50BC"/>
-              </a:solidFill>
-              <a:latin typeface="G마켓 산스 Medium" panose="02000000000000000000" pitchFamily="50" charset="-127"/>
-              <a:ea typeface="G마켓 산스 Medium" panose="02000000000000000000" pitchFamily="50" charset="-127"/>
-            </a:endParaRPr>
-          </a:p>
-        </p:txBody>
-      </p:sp>
-      <p:sp>
-        <p:nvSpPr>
-          <p:cNvPr id="5" name="TextBox 4">
-            <a:extLst>
-              <a:ext uri="{FF2B5EF4-FFF2-40B4-BE49-F238E27FC236}">
-                <a16:creationId xmlns:a16="http://schemas.microsoft.com/office/drawing/2014/main" xmlns="" id="{4EDAA912-8FA0-0F11-119B-EA9F8B36A489}"/>
-              </a:ext>
-            </a:extLst>
-          </p:cNvPr>
-          <p:cNvSpPr txBox="1"/>
-          <p:nvPr/>
-        </p:nvSpPr>
-        <p:spPr>
-          <a:xfrm>
-            <a:off x="2347393" y="1714500"/>
-            <a:ext cx="14376051" cy="2862322"/>
-          </a:xfrm>
-          <a:prstGeom prst="rect">
-            <a:avLst/>
-          </a:prstGeom>
-          <a:noFill/>
-        </p:spPr>
-        <p:txBody>
-          <a:bodyPr wrap="none" rtlCol="0">
-            <a:spAutoFit/>
-          </a:bodyPr>
-          <a:lstStyle/>
-          <a:p>
-            <a:r>
-              <a:rPr lang="ko-KR" altLang="en-US" sz="3600" smtClean="0">
-                <a:solidFill>
-                  <a:srgbClr val="4D4848"/>
-                </a:solidFill>
-                <a:latin typeface="G마켓 산스 Medium" panose="02000000000000000000" pitchFamily="50" charset="-127"/>
-                <a:ea typeface="G마켓 산스 Medium" panose="02000000000000000000" pitchFamily="50" charset="-127"/>
-              </a:rPr>
-              <a:t>변수 </a:t>
-            </a:r>
-            <a:r>
-              <a:rPr lang="en-US" altLang="ko-KR" sz="3600" smtClean="0">
-                <a:solidFill>
-                  <a:srgbClr val="4D4848"/>
-                </a:solidFill>
-                <a:latin typeface="G마켓 산스 Medium" panose="02000000000000000000" pitchFamily="50" charset="-127"/>
-                <a:ea typeface="G마켓 산스 Medium" panose="02000000000000000000" pitchFamily="50" charset="-127"/>
-              </a:rPr>
-              <a:t>year</a:t>
-            </a:r>
-            <a:r>
-              <a:rPr lang="ko-KR" altLang="en-US" sz="3600" smtClean="0">
-                <a:solidFill>
-                  <a:srgbClr val="4D4848"/>
-                </a:solidFill>
-                <a:latin typeface="G마켓 산스 Medium" panose="02000000000000000000" pitchFamily="50" charset="-127"/>
-                <a:ea typeface="G마켓 산스 Medium" panose="02000000000000000000" pitchFamily="50" charset="-127"/>
-              </a:rPr>
-              <a:t>에 년도를 입력받아 해당 년도가 윤년인지 아닌지 출력하시오</a:t>
-            </a:r>
-            <a:endParaRPr lang="en-US" altLang="ko-KR" sz="3600" smtClean="0">
-              <a:solidFill>
-                <a:srgbClr val="4D4848"/>
-              </a:solidFill>
-              <a:latin typeface="G마켓 산스 Medium" panose="02000000000000000000" pitchFamily="50" charset="-127"/>
-              <a:ea typeface="G마켓 산스 Medium" panose="02000000000000000000" pitchFamily="50" charset="-127"/>
-            </a:endParaRPr>
-          </a:p>
-          <a:p>
-            <a:r>
-              <a:rPr lang="en-US" altLang="ko-KR" sz="3600" smtClean="0">
-                <a:solidFill>
-                  <a:srgbClr val="4D4848"/>
-                </a:solidFill>
-                <a:latin typeface="G마켓 산스 Medium" panose="02000000000000000000" pitchFamily="50" charset="-127"/>
-                <a:ea typeface="G마켓 산스 Medium" panose="02000000000000000000" pitchFamily="50" charset="-127"/>
-              </a:rPr>
-              <a:t>*</a:t>
-            </a:r>
-            <a:r>
-              <a:rPr lang="ko-KR" altLang="en-US" sz="3600" smtClean="0">
-                <a:solidFill>
-                  <a:srgbClr val="4D4848"/>
-                </a:solidFill>
-                <a:latin typeface="G마켓 산스 Medium" panose="02000000000000000000" pitchFamily="50" charset="-127"/>
-                <a:ea typeface="G마켓 산스 Medium" panose="02000000000000000000" pitchFamily="50" charset="-127"/>
-              </a:rPr>
-              <a:t>윤년 </a:t>
-            </a:r>
-            <a:r>
-              <a:rPr lang="en-US" altLang="ko-KR" sz="3600" smtClean="0">
-                <a:solidFill>
-                  <a:srgbClr val="4D4848"/>
-                </a:solidFill>
-                <a:latin typeface="G마켓 산스 Medium" panose="02000000000000000000" pitchFamily="50" charset="-127"/>
-                <a:ea typeface="G마켓 산스 Medium" panose="02000000000000000000" pitchFamily="50" charset="-127"/>
-              </a:rPr>
-              <a:t>: 2</a:t>
-            </a:r>
-            <a:r>
-              <a:rPr lang="ko-KR" altLang="en-US" sz="3600" smtClean="0">
-                <a:solidFill>
-                  <a:srgbClr val="4D4848"/>
-                </a:solidFill>
-                <a:latin typeface="G마켓 산스 Medium" panose="02000000000000000000" pitchFamily="50" charset="-127"/>
-                <a:ea typeface="G마켓 산스 Medium" panose="02000000000000000000" pitchFamily="50" charset="-127"/>
-              </a:rPr>
-              <a:t>월</a:t>
-            </a:r>
-            <a:r>
-              <a:rPr lang="en-US" altLang="ko-KR" sz="3600" smtClean="0">
-                <a:solidFill>
-                  <a:srgbClr val="4D4848"/>
-                </a:solidFill>
-                <a:latin typeface="G마켓 산스 Medium" panose="02000000000000000000" pitchFamily="50" charset="-127"/>
-                <a:ea typeface="G마켓 산스 Medium" panose="02000000000000000000" pitchFamily="50" charset="-127"/>
-              </a:rPr>
-              <a:t>29</a:t>
-            </a:r>
-            <a:r>
-              <a:rPr lang="ko-KR" altLang="en-US" sz="3600" smtClean="0">
-                <a:solidFill>
-                  <a:srgbClr val="4D4848"/>
-                </a:solidFill>
-                <a:latin typeface="G마켓 산스 Medium" panose="02000000000000000000" pitchFamily="50" charset="-127"/>
-                <a:ea typeface="G마켓 산스 Medium" panose="02000000000000000000" pitchFamily="50" charset="-127"/>
-              </a:rPr>
-              <a:t>일이 있는 해</a:t>
-            </a:r>
-            <a:endParaRPr lang="en-US" altLang="ko-KR" sz="3600" smtClean="0">
-              <a:solidFill>
-                <a:srgbClr val="4D4848"/>
-              </a:solidFill>
-              <a:latin typeface="G마켓 산스 Medium" panose="02000000000000000000" pitchFamily="50" charset="-127"/>
-              <a:ea typeface="G마켓 산스 Medium" panose="02000000000000000000" pitchFamily="50" charset="-127"/>
-            </a:endParaRPr>
-          </a:p>
-          <a:p>
-            <a:r>
-              <a:rPr lang="en-US" altLang="ko-KR" sz="3600">
-                <a:solidFill>
-                  <a:srgbClr val="4D4848"/>
-                </a:solidFill>
-                <a:latin typeface="G마켓 산스 Medium" panose="02000000000000000000" pitchFamily="50" charset="-127"/>
-                <a:ea typeface="G마켓 산스 Medium" panose="02000000000000000000" pitchFamily="50" charset="-127"/>
-              </a:rPr>
-              <a:t> </a:t>
-            </a:r>
-            <a:r>
-              <a:rPr lang="en-US" altLang="ko-KR" sz="3600" smtClean="0">
-                <a:solidFill>
-                  <a:srgbClr val="4D4848"/>
-                </a:solidFill>
-                <a:latin typeface="G마켓 산스 Medium" panose="02000000000000000000" pitchFamily="50" charset="-127"/>
-                <a:ea typeface="G마켓 산스 Medium" panose="02000000000000000000" pitchFamily="50" charset="-127"/>
-              </a:rPr>
-              <a:t> </a:t>
-            </a:r>
-            <a:r>
-              <a:rPr lang="ko-KR" altLang="en-US" sz="3600" smtClean="0">
-                <a:solidFill>
-                  <a:srgbClr val="4D4848"/>
-                </a:solidFill>
-                <a:latin typeface="G마켓 산스 Medium" panose="02000000000000000000" pitchFamily="50" charset="-127"/>
-                <a:ea typeface="G마켓 산스 Medium" panose="02000000000000000000" pitchFamily="50" charset="-127"/>
-              </a:rPr>
-              <a:t>조건 </a:t>
-            </a:r>
-            <a:r>
-              <a:rPr lang="en-US" altLang="ko-KR" sz="3600" smtClean="0">
-                <a:solidFill>
-                  <a:srgbClr val="4D4848"/>
-                </a:solidFill>
-                <a:latin typeface="G마켓 산스 Medium" panose="02000000000000000000" pitchFamily="50" charset="-127"/>
-                <a:ea typeface="G마켓 산스 Medium" panose="02000000000000000000" pitchFamily="50" charset="-127"/>
-              </a:rPr>
-              <a:t>: 4</a:t>
-            </a:r>
-            <a:r>
-              <a:rPr lang="ko-KR" altLang="en-US" sz="3600" smtClean="0">
-                <a:solidFill>
-                  <a:srgbClr val="4D4848"/>
-                </a:solidFill>
-                <a:latin typeface="G마켓 산스 Medium" panose="02000000000000000000" pitchFamily="50" charset="-127"/>
-                <a:ea typeface="G마켓 산스 Medium" panose="02000000000000000000" pitchFamily="50" charset="-127"/>
-              </a:rPr>
-              <a:t>로 나누어 떨어지는 해 </a:t>
-            </a:r>
-            <a:r>
-              <a:rPr lang="en-US" altLang="ko-KR" sz="3600" smtClean="0">
-                <a:solidFill>
-                  <a:srgbClr val="4D4848"/>
-                </a:solidFill>
-                <a:latin typeface="G마켓 산스 Medium" panose="02000000000000000000" pitchFamily="50" charset="-127"/>
-                <a:ea typeface="G마켓 산스 Medium" panose="02000000000000000000" pitchFamily="50" charset="-127"/>
-              </a:rPr>
-              <a:t>ex) 2004, 2008</a:t>
-            </a:r>
-          </a:p>
-          <a:p>
-            <a:r>
-              <a:rPr lang="en-US" altLang="ko-KR" sz="3600" smtClean="0">
-                <a:solidFill>
-                  <a:srgbClr val="4D4848"/>
-                </a:solidFill>
-                <a:latin typeface="G마켓 산스 Medium" panose="02000000000000000000" pitchFamily="50" charset="-127"/>
-                <a:ea typeface="G마켓 산스 Medium" panose="02000000000000000000" pitchFamily="50" charset="-127"/>
-              </a:rPr>
-              <a:t>            </a:t>
-            </a:r>
-            <a:r>
-              <a:rPr lang="ko-KR" altLang="en-US" sz="3600" smtClean="0">
-                <a:solidFill>
-                  <a:srgbClr val="4D4848"/>
-                </a:solidFill>
-                <a:latin typeface="G마켓 산스 Medium" panose="02000000000000000000" pitchFamily="50" charset="-127"/>
-                <a:ea typeface="G마켓 산스 Medium" panose="02000000000000000000" pitchFamily="50" charset="-127"/>
-              </a:rPr>
-              <a:t>이중에서 </a:t>
-            </a:r>
-            <a:r>
-              <a:rPr lang="en-US" altLang="ko-KR" sz="3600" smtClean="0">
-                <a:solidFill>
-                  <a:srgbClr val="4D4848"/>
-                </a:solidFill>
-                <a:latin typeface="G마켓 산스 Medium" panose="02000000000000000000" pitchFamily="50" charset="-127"/>
-                <a:ea typeface="G마켓 산스 Medium" panose="02000000000000000000" pitchFamily="50" charset="-127"/>
-              </a:rPr>
-              <a:t>100</a:t>
-            </a:r>
-            <a:r>
-              <a:rPr lang="ko-KR" altLang="en-US" sz="3600" smtClean="0">
-                <a:solidFill>
-                  <a:srgbClr val="4D4848"/>
-                </a:solidFill>
-                <a:latin typeface="G마켓 산스 Medium" panose="02000000000000000000" pitchFamily="50" charset="-127"/>
-                <a:ea typeface="G마켓 산스 Medium" panose="02000000000000000000" pitchFamily="50" charset="-127"/>
-              </a:rPr>
-              <a:t>으로 나누어 떨어지는해는 평년이다</a:t>
-            </a:r>
-            <a:r>
-              <a:rPr lang="en-US" altLang="ko-KR" sz="3600" smtClean="0">
-                <a:solidFill>
-                  <a:srgbClr val="4D4848"/>
-                </a:solidFill>
-                <a:latin typeface="G마켓 산스 Medium" panose="02000000000000000000" pitchFamily="50" charset="-127"/>
-                <a:ea typeface="G마켓 산스 Medium" panose="02000000000000000000" pitchFamily="50" charset="-127"/>
-              </a:rPr>
-              <a:t>.</a:t>
-            </a:r>
-          </a:p>
-          <a:p>
-            <a:r>
-              <a:rPr lang="en-US" altLang="ko-KR" sz="3600" smtClean="0">
-                <a:solidFill>
-                  <a:srgbClr val="4D4848"/>
-                </a:solidFill>
-                <a:latin typeface="G마켓 산스 Medium" panose="02000000000000000000" pitchFamily="50" charset="-127"/>
-                <a:ea typeface="G마켓 산스 Medium" panose="02000000000000000000" pitchFamily="50" charset="-127"/>
-              </a:rPr>
-              <a:t>           </a:t>
-            </a:r>
-            <a:r>
-              <a:rPr lang="en-US" altLang="ko-KR" sz="3600" smtClean="0">
-                <a:solidFill>
-                  <a:srgbClr val="4D4848"/>
-                </a:solidFill>
-                <a:latin typeface="G마켓 산스 Medium" panose="02000000000000000000" pitchFamily="50" charset="-127"/>
-                <a:ea typeface="G마켓 산스 Medium" panose="02000000000000000000" pitchFamily="50" charset="-127"/>
-              </a:rPr>
-              <a:t> </a:t>
-            </a:r>
-            <a:r>
-              <a:rPr lang="ko-KR" altLang="en-US" sz="3600" smtClean="0">
-                <a:solidFill>
-                  <a:srgbClr val="4D4848"/>
-                </a:solidFill>
-                <a:latin typeface="G마켓 산스 Medium" panose="02000000000000000000" pitchFamily="50" charset="-127"/>
-                <a:ea typeface="G마켓 산스 Medium" panose="02000000000000000000" pitchFamily="50" charset="-127"/>
-              </a:rPr>
-              <a:t>이중에서 </a:t>
-            </a:r>
-            <a:r>
-              <a:rPr lang="en-US" altLang="ko-KR" sz="3600" smtClean="0">
-                <a:solidFill>
-                  <a:srgbClr val="4D4848"/>
-                </a:solidFill>
-                <a:latin typeface="G마켓 산스 Medium" panose="02000000000000000000" pitchFamily="50" charset="-127"/>
-                <a:ea typeface="G마켓 산스 Medium" panose="02000000000000000000" pitchFamily="50" charset="-127"/>
-              </a:rPr>
-              <a:t>400</a:t>
-            </a:r>
-            <a:r>
-              <a:rPr lang="ko-KR" altLang="en-US" sz="3600" smtClean="0">
-                <a:solidFill>
-                  <a:srgbClr val="4D4848"/>
-                </a:solidFill>
-                <a:latin typeface="G마켓 산스 Medium" panose="02000000000000000000" pitchFamily="50" charset="-127"/>
-                <a:ea typeface="G마켓 산스 Medium" panose="02000000000000000000" pitchFamily="50" charset="-127"/>
-              </a:rPr>
-              <a:t>으로 나누어 떨어지면 윤년이다</a:t>
-            </a:r>
-            <a:r>
-              <a:rPr lang="en-US" altLang="ko-KR" sz="3600" smtClean="0">
-                <a:solidFill>
-                  <a:srgbClr val="4D4848"/>
-                </a:solidFill>
-                <a:latin typeface="G마켓 산스 Medium" panose="02000000000000000000" pitchFamily="50" charset="-127"/>
-                <a:ea typeface="G마켓 산스 Medium" panose="02000000000000000000" pitchFamily="50" charset="-127"/>
-              </a:rPr>
-              <a:t>.</a:t>
-            </a:r>
-            <a:endParaRPr lang="en-US" altLang="ko-KR" sz="3600">
-              <a:solidFill>
-                <a:srgbClr val="4D4848"/>
-              </a:solidFill>
-              <a:latin typeface="G마켓 산스 Medium" panose="02000000000000000000" pitchFamily="50" charset="-127"/>
-              <a:ea typeface="G마켓 산스 Medium" panose="02000000000000000000" pitchFamily="50" charset="-127"/>
-            </a:endParaRPr>
-          </a:p>
-        </p:txBody>
-      </p:sp>
-      <p:pic>
-        <p:nvPicPr>
-          <p:cNvPr id="6" name="그림 5"/>
-          <p:cNvPicPr>
-            <a:picLocks noChangeAspect="1"/>
-          </p:cNvPicPr>
-          <p:nvPr/>
-        </p:nvPicPr>
-        <p:blipFill>
-          <a:blip r:embed="rId2"/>
-          <a:stretch>
-            <a:fillRect/>
-          </a:stretch>
-        </p:blipFill>
-        <p:spPr>
-          <a:xfrm>
-            <a:off x="2347393" y="4607665"/>
-            <a:ext cx="4394493" cy="1694737"/>
-          </a:xfrm>
-          <a:prstGeom prst="rect">
-            <a:avLst/>
-          </a:prstGeom>
-        </p:spPr>
-      </p:pic>
-      <p:sp>
-        <p:nvSpPr>
-          <p:cNvPr id="7" name="TextBox 6">
-            <a:extLst>
-              <a:ext uri="{FF2B5EF4-FFF2-40B4-BE49-F238E27FC236}">
-                <a16:creationId xmlns:a16="http://schemas.microsoft.com/office/drawing/2014/main" xmlns="" id="{5ADC00B6-990A-40DC-3CEA-505258F5E8DA}"/>
-              </a:ext>
-            </a:extLst>
-          </p:cNvPr>
-          <p:cNvSpPr txBox="1"/>
-          <p:nvPr/>
-        </p:nvSpPr>
-        <p:spPr>
-          <a:xfrm>
-            <a:off x="152400" y="108857"/>
-            <a:ext cx="2209800" cy="1015663"/>
-          </a:xfrm>
-          <a:prstGeom prst="rect">
-            <a:avLst/>
-          </a:prstGeom>
-          <a:noFill/>
-        </p:spPr>
-        <p:txBody>
-          <a:bodyPr wrap="square" rtlCol="0">
-            <a:spAutoFit/>
-          </a:bodyPr>
-          <a:lstStyle/>
-          <a:p>
-            <a:r>
-              <a:rPr lang="ko-KR" altLang="en-US" sz="6000" smtClean="0">
-                <a:solidFill>
-                  <a:srgbClr val="4C50BC"/>
-                </a:solidFill>
-                <a:latin typeface="G마켓 산스 Medium" panose="02000000000000000000" pitchFamily="50" charset="-127"/>
-                <a:ea typeface="G마켓 산스 Medium" panose="02000000000000000000" pitchFamily="50" charset="-127"/>
-              </a:rPr>
-              <a:t>문제</a:t>
-            </a:r>
-            <a:r>
-              <a:rPr lang="en-US" altLang="ko-KR" sz="6000" smtClean="0">
-                <a:solidFill>
-                  <a:srgbClr val="4C50BC"/>
-                </a:solidFill>
-                <a:latin typeface="G마켓 산스 Medium" panose="02000000000000000000" pitchFamily="50" charset="-127"/>
-                <a:ea typeface="G마켓 산스 Medium" panose="02000000000000000000" pitchFamily="50" charset="-127"/>
-              </a:rPr>
-              <a:t>1</a:t>
-            </a:r>
-            <a:endParaRPr lang="en-US" altLang="ko-KR" sz="6000" dirty="0">
-              <a:solidFill>
-                <a:srgbClr val="4C50BC"/>
-              </a:solidFill>
-              <a:latin typeface="G마켓 산스 Medium" panose="02000000000000000000" pitchFamily="50" charset="-127"/>
-              <a:ea typeface="G마켓 산스 Medium" panose="02000000000000000000" pitchFamily="50" charset="-127"/>
-            </a:endParaRPr>
-          </a:p>
-        </p:txBody>
-      </p:sp>
-      <p:sp>
-        <p:nvSpPr>
-          <p:cNvPr id="8" name="TextBox 7">
-            <a:extLst>
-              <a:ext uri="{FF2B5EF4-FFF2-40B4-BE49-F238E27FC236}">
-                <a16:creationId xmlns:a16="http://schemas.microsoft.com/office/drawing/2014/main" xmlns="" id="{4EDAA912-8FA0-0F11-119B-EA9F8B36A489}"/>
-              </a:ext>
-            </a:extLst>
-          </p:cNvPr>
-          <p:cNvSpPr txBox="1"/>
-          <p:nvPr/>
-        </p:nvSpPr>
-        <p:spPr>
-          <a:xfrm>
-            <a:off x="2362200" y="229969"/>
-            <a:ext cx="10963258" cy="646331"/>
-          </a:xfrm>
-          <a:prstGeom prst="rect">
-            <a:avLst/>
-          </a:prstGeom>
-          <a:noFill/>
-        </p:spPr>
-        <p:txBody>
-          <a:bodyPr wrap="none" rtlCol="0">
-            <a:spAutoFit/>
-          </a:bodyPr>
-          <a:lstStyle/>
-          <a:p>
-            <a:r>
-              <a:rPr lang="ko-KR" altLang="en-US" sz="3600" smtClean="0">
-                <a:solidFill>
-                  <a:srgbClr val="4D4848"/>
-                </a:solidFill>
-                <a:latin typeface="G마켓 산스 Medium" panose="02000000000000000000" pitchFamily="50" charset="-127"/>
-                <a:ea typeface="G마켓 산스 Medium" panose="02000000000000000000" pitchFamily="50" charset="-127"/>
-              </a:rPr>
-              <a:t>정수를 입력 받아 양수</a:t>
-            </a:r>
-            <a:r>
-              <a:rPr lang="en-US" altLang="ko-KR" sz="3600" smtClean="0">
-                <a:solidFill>
-                  <a:srgbClr val="4D4848"/>
-                </a:solidFill>
-                <a:latin typeface="G마켓 산스 Medium" panose="02000000000000000000" pitchFamily="50" charset="-127"/>
-                <a:ea typeface="G마켓 산스 Medium" panose="02000000000000000000" pitchFamily="50" charset="-127"/>
-              </a:rPr>
-              <a:t>, 0 ,</a:t>
-            </a:r>
-            <a:r>
-              <a:rPr lang="ko-KR" altLang="en-US" sz="3600" smtClean="0">
-                <a:solidFill>
-                  <a:srgbClr val="4D4848"/>
-                </a:solidFill>
-                <a:latin typeface="G마켓 산스 Medium" panose="02000000000000000000" pitchFamily="50" charset="-127"/>
-                <a:ea typeface="G마켓 산스 Medium" panose="02000000000000000000" pitchFamily="50" charset="-127"/>
-              </a:rPr>
-              <a:t>음수를 구분하여 출력하시오</a:t>
-            </a:r>
-            <a:endParaRPr lang="en-US" altLang="ko-KR" sz="3600">
-              <a:solidFill>
-                <a:srgbClr val="4D4848"/>
-              </a:solidFill>
-              <a:latin typeface="G마켓 산스 Medium" panose="02000000000000000000" pitchFamily="50" charset="-127"/>
-              <a:ea typeface="G마켓 산스 Medium" panose="02000000000000000000" pitchFamily="50" charset="-127"/>
-            </a:endParaRPr>
-          </a:p>
-        </p:txBody>
-      </p:sp>
-      <p:pic>
-        <p:nvPicPr>
-          <p:cNvPr id="9" name="그림 8"/>
-          <p:cNvPicPr>
-            <a:picLocks noChangeAspect="1"/>
-          </p:cNvPicPr>
-          <p:nvPr/>
-        </p:nvPicPr>
-        <p:blipFill>
-          <a:blip r:embed="rId3"/>
-          <a:stretch>
-            <a:fillRect/>
-          </a:stretch>
-        </p:blipFill>
-        <p:spPr>
-          <a:xfrm>
-            <a:off x="13716000" y="42190"/>
-            <a:ext cx="3266394" cy="1443710"/>
-          </a:xfrm>
-          <a:prstGeom prst="rect">
-            <a:avLst/>
-          </a:prstGeom>
-        </p:spPr>
-      </p:pic>
-      <p:sp>
-        <p:nvSpPr>
-          <p:cNvPr id="10" name="TextBox 9">
-            <a:extLst>
-              <a:ext uri="{FF2B5EF4-FFF2-40B4-BE49-F238E27FC236}">
-                <a16:creationId xmlns:a16="http://schemas.microsoft.com/office/drawing/2014/main" xmlns="" id="{5ADC00B6-990A-40DC-3CEA-505258F5E8DA}"/>
-              </a:ext>
-            </a:extLst>
-          </p:cNvPr>
-          <p:cNvSpPr txBox="1"/>
-          <p:nvPr/>
-        </p:nvSpPr>
-        <p:spPr>
-          <a:xfrm>
-            <a:off x="152400" y="6438900"/>
-            <a:ext cx="2209800" cy="1015663"/>
-          </a:xfrm>
-          <a:prstGeom prst="rect">
-            <a:avLst/>
-          </a:prstGeom>
-          <a:noFill/>
-        </p:spPr>
-        <p:txBody>
-          <a:bodyPr wrap="square" rtlCol="0">
-            <a:spAutoFit/>
-          </a:bodyPr>
-          <a:lstStyle/>
-          <a:p>
-            <a:r>
-              <a:rPr lang="ko-KR" altLang="en-US" sz="6000" smtClean="0">
-                <a:solidFill>
-                  <a:srgbClr val="4C50BC"/>
-                </a:solidFill>
-                <a:latin typeface="G마켓 산스 Medium" panose="02000000000000000000" pitchFamily="50" charset="-127"/>
-                <a:ea typeface="G마켓 산스 Medium" panose="02000000000000000000" pitchFamily="50" charset="-127"/>
-              </a:rPr>
-              <a:t>문제</a:t>
-            </a:r>
-            <a:r>
-              <a:rPr lang="en-US" altLang="ko-KR" sz="6000" smtClean="0">
-                <a:solidFill>
-                  <a:srgbClr val="4C50BC"/>
-                </a:solidFill>
-                <a:latin typeface="G마켓 산스 Medium" panose="02000000000000000000" pitchFamily="50" charset="-127"/>
-                <a:ea typeface="G마켓 산스 Medium" panose="02000000000000000000" pitchFamily="50" charset="-127"/>
-              </a:rPr>
-              <a:t>3</a:t>
-            </a:r>
-            <a:endParaRPr lang="en-US" altLang="ko-KR" sz="6000" dirty="0">
-              <a:solidFill>
-                <a:srgbClr val="4C50BC"/>
-              </a:solidFill>
-              <a:latin typeface="G마켓 산스 Medium" panose="02000000000000000000" pitchFamily="50" charset="-127"/>
-              <a:ea typeface="G마켓 산스 Medium" panose="02000000000000000000" pitchFamily="50" charset="-127"/>
-            </a:endParaRPr>
-          </a:p>
-        </p:txBody>
-      </p:sp>
-      <p:sp>
-        <p:nvSpPr>
-          <p:cNvPr id="11" name="TextBox 10">
-            <a:extLst>
-              <a:ext uri="{FF2B5EF4-FFF2-40B4-BE49-F238E27FC236}">
-                <a16:creationId xmlns:a16="http://schemas.microsoft.com/office/drawing/2014/main" xmlns="" id="{4EDAA912-8FA0-0F11-119B-EA9F8B36A489}"/>
-              </a:ext>
-            </a:extLst>
-          </p:cNvPr>
-          <p:cNvSpPr txBox="1"/>
-          <p:nvPr/>
-        </p:nvSpPr>
-        <p:spPr>
-          <a:xfrm>
-            <a:off x="2362200" y="6630769"/>
-            <a:ext cx="10722807" cy="646331"/>
-          </a:xfrm>
-          <a:prstGeom prst="rect">
-            <a:avLst/>
-          </a:prstGeom>
-          <a:noFill/>
-        </p:spPr>
-        <p:txBody>
-          <a:bodyPr wrap="none" rtlCol="0">
-            <a:spAutoFit/>
-          </a:bodyPr>
-          <a:lstStyle/>
-          <a:p>
-            <a:r>
-              <a:rPr lang="ko-KR" altLang="en-US" sz="3600" smtClean="0">
-                <a:solidFill>
-                  <a:srgbClr val="4D4848"/>
-                </a:solidFill>
-                <a:latin typeface="G마켓 산스 Medium" panose="02000000000000000000" pitchFamily="50" charset="-127"/>
-                <a:ea typeface="G마켓 산스 Medium" panose="02000000000000000000" pitchFamily="50" charset="-127"/>
-              </a:rPr>
-              <a:t>숫자 </a:t>
-            </a:r>
-            <a:r>
-              <a:rPr lang="en-US" altLang="ko-KR" sz="3600" smtClean="0">
-                <a:solidFill>
-                  <a:srgbClr val="4D4848"/>
-                </a:solidFill>
-                <a:latin typeface="G마켓 산스 Medium" panose="02000000000000000000" pitchFamily="50" charset="-127"/>
-                <a:ea typeface="G마켓 산스 Medium" panose="02000000000000000000" pitchFamily="50" charset="-127"/>
-              </a:rPr>
-              <a:t>3</a:t>
-            </a:r>
-            <a:r>
-              <a:rPr lang="ko-KR" altLang="en-US" sz="3600" smtClean="0">
-                <a:solidFill>
-                  <a:srgbClr val="4D4848"/>
-                </a:solidFill>
-                <a:latin typeface="G마켓 산스 Medium" panose="02000000000000000000" pitchFamily="50" charset="-127"/>
-                <a:ea typeface="G마켓 산스 Medium" panose="02000000000000000000" pitchFamily="50" charset="-127"/>
-              </a:rPr>
-              <a:t>개를 입력 받아 중간 크기의 숫자를 출력하시오</a:t>
-            </a:r>
-            <a:endParaRPr lang="en-US" altLang="ko-KR" sz="3600">
-              <a:solidFill>
-                <a:srgbClr val="4D4848"/>
-              </a:solidFill>
-              <a:latin typeface="G마켓 산스 Medium" panose="02000000000000000000" pitchFamily="50" charset="-127"/>
-              <a:ea typeface="G마켓 산스 Medium" panose="02000000000000000000" pitchFamily="50" charset="-127"/>
-            </a:endParaRPr>
-          </a:p>
-        </p:txBody>
-      </p:sp>
-      <p:pic>
-        <p:nvPicPr>
-          <p:cNvPr id="12" name="그림 11"/>
-          <p:cNvPicPr>
-            <a:picLocks noChangeAspect="1"/>
-          </p:cNvPicPr>
-          <p:nvPr/>
-        </p:nvPicPr>
-        <p:blipFill>
-          <a:blip r:embed="rId4"/>
-          <a:stretch>
-            <a:fillRect/>
-          </a:stretch>
-        </p:blipFill>
-        <p:spPr>
-          <a:xfrm>
-            <a:off x="2347393" y="7488312"/>
-            <a:ext cx="11400236" cy="2150988"/>
-          </a:xfrm>
-          <a:prstGeom prst="rect">
-            <a:avLst/>
-          </a:prstGeom>
-        </p:spPr>
-      </p:pic>
-    </p:spTree>
-    <p:extLst>
-      <p:ext uri="{BB962C8B-B14F-4D97-AF65-F5344CB8AC3E}">
-        <p14:creationId xmlns:p14="http://schemas.microsoft.com/office/powerpoint/2010/main" val="3369270907"/>
       </p:ext>
     </p:extLst>
   </p:cSld>
@@ -11468,7 +10976,7 @@
           <p:cNvPr id="4" name="TextBox 3">
             <a:extLst>
               <a:ext uri="{FF2B5EF4-FFF2-40B4-BE49-F238E27FC236}">
-                <a16:creationId xmlns:a16="http://schemas.microsoft.com/office/drawing/2014/main" xmlns="" id="{5ADC00B6-990A-40DC-3CEA-505258F5E8DA}"/>
+                <a16:creationId xmlns:a16="http://schemas.microsoft.com/office/drawing/2014/main" id="{5ADC00B6-990A-40DC-3CEA-505258F5E8DA}"/>
               </a:ext>
             </a:extLst>
           </p:cNvPr>
@@ -11477,7 +10985,7 @@
         </p:nvSpPr>
         <p:spPr>
           <a:xfrm>
-            <a:off x="137593" y="413657"/>
+            <a:off x="137593" y="1785257"/>
             <a:ext cx="2209800" cy="1015663"/>
           </a:xfrm>
           <a:prstGeom prst="rect">
@@ -11509,7 +11017,7 @@
                 <a:latin typeface="G마켓 산스 Medium" panose="02000000000000000000" pitchFamily="50" charset="-127"/>
                 <a:ea typeface="G마켓 산스 Medium" panose="02000000000000000000" pitchFamily="50" charset="-127"/>
               </a:rPr>
-              <a:t>1 </a:t>
+              <a:t>2</a:t>
             </a:r>
             <a:endParaRPr lang="en-US" altLang="ko-KR" sz="6000" dirty="0">
               <a:solidFill>
@@ -11526,7 +11034,7 @@
           <p:cNvPr id="5" name="TextBox 4">
             <a:extLst>
               <a:ext uri="{FF2B5EF4-FFF2-40B4-BE49-F238E27FC236}">
-                <a16:creationId xmlns:a16="http://schemas.microsoft.com/office/drawing/2014/main" xmlns="" id="{4EDAA912-8FA0-0F11-119B-EA9F8B36A489}"/>
+                <a16:creationId xmlns:a16="http://schemas.microsoft.com/office/drawing/2014/main" id="{4EDAA912-8FA0-0F11-119B-EA9F8B36A489}"/>
               </a:ext>
             </a:extLst>
           </p:cNvPr>
@@ -11535,8 +11043,8 @@
         </p:nvSpPr>
         <p:spPr>
           <a:xfrm>
-            <a:off x="2347393" y="342900"/>
-            <a:ext cx="9433993" cy="1200329"/>
+            <a:off x="2347393" y="1714500"/>
+            <a:ext cx="14376051" cy="2862322"/>
           </a:xfrm>
           <a:prstGeom prst="rect">
             <a:avLst/>
@@ -11550,6 +11058,16 @@
           <a:lstStyle/>
           <a:p>
             <a:r>
+              <a:rPr lang="ko-KR" altLang="en-US" sz="3600">
+                <a:solidFill>
+                  <a:srgbClr val="4D4848"/>
+                </a:solidFill>
+                <a:latin typeface="G마켓 산스 Medium" panose="02000000000000000000" pitchFamily="50" charset="-127"/>
+                <a:ea typeface="G마켓 산스 Medium" panose="02000000000000000000" pitchFamily="50" charset="-127"/>
+              </a:rPr>
+              <a:t>변수 </a:t>
+            </a:r>
+            <a:r>
               <a:rPr lang="en-US" altLang="ko-KR" sz="3600">
                 <a:solidFill>
                   <a:srgbClr val="4D4848"/>
@@ -11557,7 +11075,7 @@
                 <a:latin typeface="G마켓 산스 Medium" panose="02000000000000000000" pitchFamily="50" charset="-127"/>
                 <a:ea typeface="G마켓 산스 Medium" panose="02000000000000000000" pitchFamily="50" charset="-127"/>
               </a:rPr>
-              <a:t>Int</a:t>
+              <a:t>year</a:t>
             </a:r>
             <a:r>
               <a:rPr lang="ko-KR" altLang="en-US" sz="3600">
@@ -11567,47 +11085,7 @@
                 <a:latin typeface="G마켓 산스 Medium" panose="02000000000000000000" pitchFamily="50" charset="-127"/>
                 <a:ea typeface="G마켓 산스 Medium" panose="02000000000000000000" pitchFamily="50" charset="-127"/>
               </a:rPr>
-              <a:t>형 변수 </a:t>
-            </a:r>
-            <a:r>
-              <a:rPr lang="en-US" altLang="ko-KR" sz="3600">
-                <a:solidFill>
-                  <a:srgbClr val="4D4848"/>
-                </a:solidFill>
-                <a:latin typeface="G마켓 산스 Medium" panose="02000000000000000000" pitchFamily="50" charset="-127"/>
-                <a:ea typeface="G마켓 산스 Medium" panose="02000000000000000000" pitchFamily="50" charset="-127"/>
-              </a:rPr>
-              <a:t>num</a:t>
-            </a:r>
-            <a:r>
-              <a:rPr lang="ko-KR" altLang="en-US" sz="3600">
-                <a:solidFill>
-                  <a:srgbClr val="4D4848"/>
-                </a:solidFill>
-                <a:latin typeface="G마켓 산스 Medium" panose="02000000000000000000" pitchFamily="50" charset="-127"/>
-                <a:ea typeface="G마켓 산스 Medium" panose="02000000000000000000" pitchFamily="50" charset="-127"/>
-              </a:rPr>
-              <a:t>에  </a:t>
-            </a:r>
-            <a:r>
-              <a:rPr lang="en-US" altLang="ko-KR" sz="3600">
-                <a:solidFill>
-                  <a:srgbClr val="4D4848"/>
-                </a:solidFill>
-                <a:latin typeface="G마켓 산스 Medium" panose="02000000000000000000" pitchFamily="50" charset="-127"/>
-                <a:ea typeface="G마켓 산스 Medium" panose="02000000000000000000" pitchFamily="50" charset="-127"/>
-              </a:rPr>
-              <a:t>100</a:t>
-            </a:r>
-            <a:r>
-              <a:rPr lang="ko-KR" altLang="en-US" sz="3600">
-                <a:solidFill>
-                  <a:srgbClr val="4D4848"/>
-                </a:solidFill>
-                <a:latin typeface="G마켓 산스 Medium" panose="02000000000000000000" pitchFamily="50" charset="-127"/>
-                <a:ea typeface="G마켓 산스 Medium" panose="02000000000000000000" pitchFamily="50" charset="-127"/>
-              </a:rPr>
-              <a:t>이상의 숫자를 저장후 </a:t>
+              <a:t>에 년도를 입력받아 해당 년도가 윤년인지 아닌지 출력하시오</a:t>
             </a:r>
             <a:endParaRPr lang="en-US" altLang="ko-KR" sz="3600">
               <a:solidFill>
@@ -11619,6 +11097,16 @@
           </a:p>
           <a:p>
             <a:r>
+              <a:rPr lang="en-US" altLang="ko-KR" sz="3600">
+                <a:solidFill>
+                  <a:srgbClr val="4D4848"/>
+                </a:solidFill>
+                <a:latin typeface="G마켓 산스 Medium" panose="02000000000000000000" pitchFamily="50" charset="-127"/>
+                <a:ea typeface="G마켓 산스 Medium" panose="02000000000000000000" pitchFamily="50" charset="-127"/>
+              </a:rPr>
+              <a:t>*</a:t>
+            </a:r>
+            <a:r>
               <a:rPr lang="ko-KR" altLang="en-US" sz="3600">
                 <a:solidFill>
                   <a:srgbClr val="4D4848"/>
@@ -11626,7 +11114,47 @@
                 <a:latin typeface="G마켓 산스 Medium" panose="02000000000000000000" pitchFamily="50" charset="-127"/>
                 <a:ea typeface="G마켓 산스 Medium" panose="02000000000000000000" pitchFamily="50" charset="-127"/>
               </a:rPr>
-              <a:t>백의자리 이하는 버리고 출력하시오</a:t>
+              <a:t>윤년 </a:t>
+            </a:r>
+            <a:r>
+              <a:rPr lang="en-US" altLang="ko-KR" sz="3600">
+                <a:solidFill>
+                  <a:srgbClr val="4D4848"/>
+                </a:solidFill>
+                <a:latin typeface="G마켓 산스 Medium" panose="02000000000000000000" pitchFamily="50" charset="-127"/>
+                <a:ea typeface="G마켓 산스 Medium" panose="02000000000000000000" pitchFamily="50" charset="-127"/>
+              </a:rPr>
+              <a:t>: 2</a:t>
+            </a:r>
+            <a:r>
+              <a:rPr lang="ko-KR" altLang="en-US" sz="3600">
+                <a:solidFill>
+                  <a:srgbClr val="4D4848"/>
+                </a:solidFill>
+                <a:latin typeface="G마켓 산스 Medium" panose="02000000000000000000" pitchFamily="50" charset="-127"/>
+                <a:ea typeface="G마켓 산스 Medium" panose="02000000000000000000" pitchFamily="50" charset="-127"/>
+              </a:rPr>
+              <a:t>월</a:t>
+            </a:r>
+            <a:r>
+              <a:rPr lang="en-US" altLang="ko-KR" sz="3600">
+                <a:solidFill>
+                  <a:srgbClr val="4D4848"/>
+                </a:solidFill>
+                <a:latin typeface="G마켓 산스 Medium" panose="02000000000000000000" pitchFamily="50" charset="-127"/>
+                <a:ea typeface="G마켓 산스 Medium" panose="02000000000000000000" pitchFamily="50" charset="-127"/>
+              </a:rPr>
+              <a:t>29</a:t>
+            </a:r>
+            <a:r>
+              <a:rPr lang="ko-KR" altLang="en-US" sz="3600">
+                <a:solidFill>
+                  <a:srgbClr val="4D4848"/>
+                </a:solidFill>
+                <a:latin typeface="G마켓 산스 Medium" panose="02000000000000000000" pitchFamily="50" charset="-127"/>
+                <a:ea typeface="G마켓 산스 Medium" panose="02000000000000000000" pitchFamily="50" charset="-127"/>
+              </a:rPr>
+              <a:t>일이 있는 해</a:t>
             </a:r>
             <a:endParaRPr lang="en-US" altLang="ko-KR" sz="3600">
               <a:solidFill>
@@ -11636,14 +11164,194 @@
               <a:ea typeface="G마켓 산스 Medium" panose="02000000000000000000" pitchFamily="50" charset="-127"/>
             </a:endParaRPr>
           </a:p>
-        </p:txBody>
-      </p:sp>
-      <p:sp>
-        <p:nvSpPr>
-          <p:cNvPr id="9" name="TextBox 8">
+          <a:p>
+            <a:r>
+              <a:rPr lang="en-US" altLang="ko-KR" sz="3600">
+                <a:solidFill>
+                  <a:srgbClr val="4D4848"/>
+                </a:solidFill>
+                <a:latin typeface="G마켓 산스 Medium" panose="02000000000000000000" pitchFamily="50" charset="-127"/>
+                <a:ea typeface="G마켓 산스 Medium" panose="02000000000000000000" pitchFamily="50" charset="-127"/>
+              </a:rPr>
+              <a:t>  </a:t>
+            </a:r>
+            <a:r>
+              <a:rPr lang="ko-KR" altLang="en-US" sz="3600">
+                <a:solidFill>
+                  <a:srgbClr val="4D4848"/>
+                </a:solidFill>
+                <a:latin typeface="G마켓 산스 Medium" panose="02000000000000000000" pitchFamily="50" charset="-127"/>
+                <a:ea typeface="G마켓 산스 Medium" panose="02000000000000000000" pitchFamily="50" charset="-127"/>
+              </a:rPr>
+              <a:t>조건 </a:t>
+            </a:r>
+            <a:r>
+              <a:rPr lang="en-US" altLang="ko-KR" sz="3600">
+                <a:solidFill>
+                  <a:srgbClr val="4D4848"/>
+                </a:solidFill>
+                <a:latin typeface="G마켓 산스 Medium" panose="02000000000000000000" pitchFamily="50" charset="-127"/>
+                <a:ea typeface="G마켓 산스 Medium" panose="02000000000000000000" pitchFamily="50" charset="-127"/>
+              </a:rPr>
+              <a:t>: 4</a:t>
+            </a:r>
+            <a:r>
+              <a:rPr lang="ko-KR" altLang="en-US" sz="3600">
+                <a:solidFill>
+                  <a:srgbClr val="4D4848"/>
+                </a:solidFill>
+                <a:latin typeface="G마켓 산스 Medium" panose="02000000000000000000" pitchFamily="50" charset="-127"/>
+                <a:ea typeface="G마켓 산스 Medium" panose="02000000000000000000" pitchFamily="50" charset="-127"/>
+              </a:rPr>
+              <a:t>로 나누어 떨어지는 해 </a:t>
+            </a:r>
+            <a:r>
+              <a:rPr lang="en-US" altLang="ko-KR" sz="3600">
+                <a:solidFill>
+                  <a:srgbClr val="4D4848"/>
+                </a:solidFill>
+                <a:latin typeface="G마켓 산스 Medium" panose="02000000000000000000" pitchFamily="50" charset="-127"/>
+                <a:ea typeface="G마켓 산스 Medium" panose="02000000000000000000" pitchFamily="50" charset="-127"/>
+              </a:rPr>
+              <a:t>ex) 2004, 2008</a:t>
+            </a:r>
+          </a:p>
+          <a:p>
+            <a:r>
+              <a:rPr lang="en-US" altLang="ko-KR" sz="3600">
+                <a:solidFill>
+                  <a:srgbClr val="4D4848"/>
+                </a:solidFill>
+                <a:latin typeface="G마켓 산스 Medium" panose="02000000000000000000" pitchFamily="50" charset="-127"/>
+                <a:ea typeface="G마켓 산스 Medium" panose="02000000000000000000" pitchFamily="50" charset="-127"/>
+              </a:rPr>
+              <a:t>            </a:t>
+            </a:r>
+            <a:r>
+              <a:rPr lang="ko-KR" altLang="en-US" sz="3600">
+                <a:solidFill>
+                  <a:srgbClr val="4D4848"/>
+                </a:solidFill>
+                <a:latin typeface="G마켓 산스 Medium" panose="02000000000000000000" pitchFamily="50" charset="-127"/>
+                <a:ea typeface="G마켓 산스 Medium" panose="02000000000000000000" pitchFamily="50" charset="-127"/>
+              </a:rPr>
+              <a:t>이중에서 </a:t>
+            </a:r>
+            <a:r>
+              <a:rPr lang="en-US" altLang="ko-KR" sz="3600">
+                <a:solidFill>
+                  <a:srgbClr val="4D4848"/>
+                </a:solidFill>
+                <a:latin typeface="G마켓 산스 Medium" panose="02000000000000000000" pitchFamily="50" charset="-127"/>
+                <a:ea typeface="G마켓 산스 Medium" panose="02000000000000000000" pitchFamily="50" charset="-127"/>
+              </a:rPr>
+              <a:t>100</a:t>
+            </a:r>
+            <a:r>
+              <a:rPr lang="ko-KR" altLang="en-US" sz="3600">
+                <a:solidFill>
+                  <a:srgbClr val="4D4848"/>
+                </a:solidFill>
+                <a:latin typeface="G마켓 산스 Medium" panose="02000000000000000000" pitchFamily="50" charset="-127"/>
+                <a:ea typeface="G마켓 산스 Medium" panose="02000000000000000000" pitchFamily="50" charset="-127"/>
+              </a:rPr>
+              <a:t>으로 나누어 떨어지는해는 평년이다</a:t>
+            </a:r>
+            <a:r>
+              <a:rPr lang="en-US" altLang="ko-KR" sz="3600">
+                <a:solidFill>
+                  <a:srgbClr val="4D4848"/>
+                </a:solidFill>
+                <a:latin typeface="G마켓 산스 Medium" panose="02000000000000000000" pitchFamily="50" charset="-127"/>
+                <a:ea typeface="G마켓 산스 Medium" panose="02000000000000000000" pitchFamily="50" charset="-127"/>
+              </a:rPr>
+              <a:t>.</a:t>
+            </a:r>
+          </a:p>
+          <a:p>
+            <a:r>
+              <a:rPr lang="en-US" altLang="ko-KR" sz="3600">
+                <a:solidFill>
+                  <a:srgbClr val="4D4848"/>
+                </a:solidFill>
+                <a:latin typeface="G마켓 산스 Medium" panose="02000000000000000000" pitchFamily="50" charset="-127"/>
+                <a:ea typeface="G마켓 산스 Medium" panose="02000000000000000000" pitchFamily="50" charset="-127"/>
+              </a:rPr>
+              <a:t>            </a:t>
+            </a:r>
+            <a:r>
+              <a:rPr lang="ko-KR" altLang="en-US" sz="3600">
+                <a:solidFill>
+                  <a:srgbClr val="4D4848"/>
+                </a:solidFill>
+                <a:latin typeface="G마켓 산스 Medium" panose="02000000000000000000" pitchFamily="50" charset="-127"/>
+                <a:ea typeface="G마켓 산스 Medium" panose="02000000000000000000" pitchFamily="50" charset="-127"/>
+              </a:rPr>
+              <a:t>이중에서 </a:t>
+            </a:r>
+            <a:r>
+              <a:rPr lang="en-US" altLang="ko-KR" sz="3600">
+                <a:solidFill>
+                  <a:srgbClr val="4D4848"/>
+                </a:solidFill>
+                <a:latin typeface="G마켓 산스 Medium" panose="02000000000000000000" pitchFamily="50" charset="-127"/>
+                <a:ea typeface="G마켓 산스 Medium" panose="02000000000000000000" pitchFamily="50" charset="-127"/>
+              </a:rPr>
+              <a:t>400</a:t>
+            </a:r>
+            <a:r>
+              <a:rPr lang="ko-KR" altLang="en-US" sz="3600">
+                <a:solidFill>
+                  <a:srgbClr val="4D4848"/>
+                </a:solidFill>
+                <a:latin typeface="G마켓 산스 Medium" panose="02000000000000000000" pitchFamily="50" charset="-127"/>
+                <a:ea typeface="G마켓 산스 Medium" panose="02000000000000000000" pitchFamily="50" charset="-127"/>
+              </a:rPr>
+              <a:t>으로 나누어 떨어지면 윤년이다</a:t>
+            </a:r>
+            <a:r>
+              <a:rPr lang="en-US" altLang="ko-KR" sz="3600">
+                <a:solidFill>
+                  <a:srgbClr val="4D4848"/>
+                </a:solidFill>
+                <a:latin typeface="G마켓 산스 Medium" panose="02000000000000000000" pitchFamily="50" charset="-127"/>
+                <a:ea typeface="G마켓 산스 Medium" panose="02000000000000000000" pitchFamily="50" charset="-127"/>
+              </a:rPr>
+              <a:t>.</a:t>
+            </a:r>
+          </a:p>
+        </p:txBody>
+      </p:sp>
+      <p:pic>
+        <p:nvPicPr>
+          <p:cNvPr id="6" name="그림 5"/>
+          <p:cNvPicPr>
+            <a:picLocks noChangeAspect="1"/>
+          </p:cNvPicPr>
+          <p:nvPr/>
+        </p:nvPicPr>
+        <p:blipFill>
+          <a:blip r:embed="rId2"/>
+          <a:stretch>
+            <a:fillRect/>
+          </a:stretch>
+        </p:blipFill>
+        <p:spPr>
+          <a:xfrm>
+            <a:off x="2347393" y="4607665"/>
+            <a:ext cx="4394493" cy="1694737"/>
+          </a:xfrm>
+          <a:prstGeom prst="rect">
+            <a:avLst/>
+          </a:prstGeom>
+        </p:spPr>
+      </p:pic>
+      <p:sp>
+        <p:nvSpPr>
+          <p:cNvPr id="7" name="TextBox 6">
             <a:extLst>
               <a:ext uri="{FF2B5EF4-FFF2-40B4-BE49-F238E27FC236}">
-                <a16:creationId xmlns:a16="http://schemas.microsoft.com/office/drawing/2014/main" xmlns="" id="{5ADC00B6-990A-40DC-3CEA-505258F5E8DA}"/>
+                <a16:creationId xmlns:a16="http://schemas.microsoft.com/office/drawing/2014/main" id="{5ADC00B6-990A-40DC-3CEA-505258F5E8DA}"/>
               </a:ext>
             </a:extLst>
           </p:cNvPr>
@@ -11652,7 +11360,7 @@
         </p:nvSpPr>
         <p:spPr>
           <a:xfrm>
-            <a:off x="76200" y="2242457"/>
+            <a:off x="152400" y="108857"/>
             <a:ext cx="2209800" cy="1015663"/>
           </a:xfrm>
           <a:prstGeom prst="rect">
@@ -11684,7 +11392,7 @@
                 <a:latin typeface="G마켓 산스 Medium" panose="02000000000000000000" pitchFamily="50" charset="-127"/>
                 <a:ea typeface="G마켓 산스 Medium" panose="02000000000000000000" pitchFamily="50" charset="-127"/>
               </a:rPr>
-              <a:t>2 </a:t>
+              <a:t>1</a:t>
             </a:r>
             <a:endParaRPr lang="en-US" altLang="ko-KR" sz="6000" dirty="0">
               <a:solidFill>
@@ -11698,10 +11406,10 @@
       </p:sp>
       <p:sp>
         <p:nvSpPr>
-          <p:cNvPr id="10" name="TextBox 9">
+          <p:cNvPr id="8" name="TextBox 7">
             <a:extLst>
               <a:ext uri="{FF2B5EF4-FFF2-40B4-BE49-F238E27FC236}">
-                <a16:creationId xmlns:a16="http://schemas.microsoft.com/office/drawing/2014/main" xmlns="" id="{4EDAA912-8FA0-0F11-119B-EA9F8B36A489}"/>
+                <a16:creationId xmlns:a16="http://schemas.microsoft.com/office/drawing/2014/main" id="{4EDAA912-8FA0-0F11-119B-EA9F8B36A489}"/>
               </a:ext>
             </a:extLst>
           </p:cNvPr>
@@ -11710,8 +11418,8 @@
         </p:nvSpPr>
         <p:spPr>
           <a:xfrm>
-            <a:off x="2286000" y="2171700"/>
-            <a:ext cx="8956298" cy="1631216"/>
+            <a:off x="2362200" y="229969"/>
+            <a:ext cx="10963258" cy="646331"/>
           </a:xfrm>
           <a:prstGeom prst="rect">
             <a:avLst/>
@@ -11732,7 +11440,27 @@
                 <a:latin typeface="G마켓 산스 Medium" panose="02000000000000000000" pitchFamily="50" charset="-127"/>
                 <a:ea typeface="G마켓 산스 Medium" panose="02000000000000000000" pitchFamily="50" charset="-127"/>
               </a:rPr>
-              <a:t>키보드로 부터 영문자를 입력 받아 대문자를 </a:t>
+              <a:t>정수를 입력 받아 양수</a:t>
+            </a:r>
+            <a:r>
+              <a:rPr lang="en-US" altLang="ko-KR" sz="3600">
+                <a:solidFill>
+                  <a:srgbClr val="4D4848"/>
+                </a:solidFill>
+                <a:latin typeface="G마켓 산스 Medium" panose="02000000000000000000" pitchFamily="50" charset="-127"/>
+                <a:ea typeface="G마켓 산스 Medium" panose="02000000000000000000" pitchFamily="50" charset="-127"/>
+              </a:rPr>
+              <a:t>, 0 ,</a:t>
+            </a:r>
+            <a:r>
+              <a:rPr lang="ko-KR" altLang="en-US" sz="3600">
+                <a:solidFill>
+                  <a:srgbClr val="4D4848"/>
+                </a:solidFill>
+                <a:latin typeface="G마켓 산스 Medium" panose="02000000000000000000" pitchFamily="50" charset="-127"/>
+                <a:ea typeface="G마켓 산스 Medium" panose="02000000000000000000" pitchFamily="50" charset="-127"/>
+              </a:rPr>
+              <a:t>음수를 구분하여 출력하시오</a:t>
             </a:r>
             <a:endParaRPr lang="en-US" altLang="ko-KR" sz="3600">
               <a:solidFill>
@@ -11742,6 +11470,117 @@
               <a:ea typeface="G마켓 산스 Medium" panose="02000000000000000000" pitchFamily="50" charset="-127"/>
             </a:endParaRPr>
           </a:p>
+        </p:txBody>
+      </p:sp>
+      <p:pic>
+        <p:nvPicPr>
+          <p:cNvPr id="9" name="그림 8"/>
+          <p:cNvPicPr>
+            <a:picLocks noChangeAspect="1"/>
+          </p:cNvPicPr>
+          <p:nvPr/>
+        </p:nvPicPr>
+        <p:blipFill>
+          <a:blip r:embed="rId3"/>
+          <a:stretch>
+            <a:fillRect/>
+          </a:stretch>
+        </p:blipFill>
+        <p:spPr>
+          <a:xfrm>
+            <a:off x="13716000" y="42190"/>
+            <a:ext cx="3266394" cy="1443710"/>
+          </a:xfrm>
+          <a:prstGeom prst="rect">
+            <a:avLst/>
+          </a:prstGeom>
+        </p:spPr>
+      </p:pic>
+      <p:sp>
+        <p:nvSpPr>
+          <p:cNvPr id="10" name="TextBox 9">
+            <a:extLst>
+              <a:ext uri="{FF2B5EF4-FFF2-40B4-BE49-F238E27FC236}">
+                <a16:creationId xmlns:a16="http://schemas.microsoft.com/office/drawing/2014/main" id="{5ADC00B6-990A-40DC-3CEA-505258F5E8DA}"/>
+              </a:ext>
+            </a:extLst>
+          </p:cNvPr>
+          <p:cNvSpPr txBox="1"/>
+          <p:nvPr/>
+        </p:nvSpPr>
+        <p:spPr>
+          <a:xfrm>
+            <a:off x="152400" y="6438900"/>
+            <a:ext cx="2209800" cy="1015663"/>
+          </a:xfrm>
+          <a:prstGeom prst="rect">
+            <a:avLst/>
+          </a:prstGeom>
+          <a:noFill/>
+        </p:spPr>
+        <p:txBody>
+          <a:bodyPr wrap="square" rtlCol="0">
+            <a:spAutoFit/>
+          </a:bodyPr>
+          <a:lstStyle/>
+          <a:p>
+            <a:r>
+              <a:rPr lang="ko-KR" altLang="en-US" sz="6000">
+                <a:solidFill>
+                  <a:srgbClr val="4C50BC"/>
+                </a:solidFill>
+                <a:latin typeface="G마켓 산스 Medium" panose="02000000000000000000" pitchFamily="50" charset="-127"/>
+                <a:ea typeface="G마켓 산스 Medium" panose="02000000000000000000" pitchFamily="50" charset="-127"/>
+              </a:rPr>
+              <a:t>문제</a:t>
+            </a:r>
+            <a:r>
+              <a:rPr lang="en-US" altLang="ko-KR" sz="6000">
+                <a:solidFill>
+                  <a:srgbClr val="4C50BC"/>
+                </a:solidFill>
+                <a:latin typeface="G마켓 산스 Medium" panose="02000000000000000000" pitchFamily="50" charset="-127"/>
+                <a:ea typeface="G마켓 산스 Medium" panose="02000000000000000000" pitchFamily="50" charset="-127"/>
+              </a:rPr>
+              <a:t>3</a:t>
+            </a:r>
+            <a:endParaRPr lang="en-US" altLang="ko-KR" sz="6000" dirty="0">
+              <a:solidFill>
+                <a:srgbClr val="4C50BC"/>
+              </a:solidFill>
+              <a:latin typeface="G마켓 산스 Medium" panose="02000000000000000000" pitchFamily="50" charset="-127"/>
+              <a:ea typeface="G마켓 산스 Medium" panose="02000000000000000000" pitchFamily="50" charset="-127"/>
+            </a:endParaRPr>
+          </a:p>
+        </p:txBody>
+      </p:sp>
+      <p:sp>
+        <p:nvSpPr>
+          <p:cNvPr id="11" name="TextBox 10">
+            <a:extLst>
+              <a:ext uri="{FF2B5EF4-FFF2-40B4-BE49-F238E27FC236}">
+                <a16:creationId xmlns:a16="http://schemas.microsoft.com/office/drawing/2014/main" id="{4EDAA912-8FA0-0F11-119B-EA9F8B36A489}"/>
+              </a:ext>
+            </a:extLst>
+          </p:cNvPr>
+          <p:cNvSpPr txBox="1"/>
+          <p:nvPr/>
+        </p:nvSpPr>
+        <p:spPr>
+          <a:xfrm>
+            <a:off x="2362200" y="6630769"/>
+            <a:ext cx="10722807" cy="646331"/>
+          </a:xfrm>
+          <a:prstGeom prst="rect">
+            <a:avLst/>
+          </a:prstGeom>
+          <a:noFill/>
+        </p:spPr>
+        <p:txBody>
+          <a:bodyPr wrap="none" rtlCol="0">
+            <a:spAutoFit/>
+          </a:bodyPr>
+          <a:lstStyle/>
           <a:p>
             <a:r>
               <a:rPr lang="ko-KR" altLang="en-US" sz="3600">
@@ -11751,7 +11590,27 @@
                 <a:latin typeface="G마켓 산스 Medium" panose="02000000000000000000" pitchFamily="50" charset="-127"/>
                 <a:ea typeface="G마켓 산스 Medium" panose="02000000000000000000" pitchFamily="50" charset="-127"/>
               </a:rPr>
-              <a:t>소문자로 변경하여 출력하시오</a:t>
+              <a:t>숫자 </a:t>
+            </a:r>
+            <a:r>
+              <a:rPr lang="en-US" altLang="ko-KR" sz="3600">
+                <a:solidFill>
+                  <a:srgbClr val="4D4848"/>
+                </a:solidFill>
+                <a:latin typeface="G마켓 산스 Medium" panose="02000000000000000000" pitchFamily="50" charset="-127"/>
+                <a:ea typeface="G마켓 산스 Medium" panose="02000000000000000000" pitchFamily="50" charset="-127"/>
+              </a:rPr>
+              <a:t>3</a:t>
+            </a:r>
+            <a:r>
+              <a:rPr lang="ko-KR" altLang="en-US" sz="3600">
+                <a:solidFill>
+                  <a:srgbClr val="4D4848"/>
+                </a:solidFill>
+                <a:latin typeface="G마켓 산스 Medium" panose="02000000000000000000" pitchFamily="50" charset="-127"/>
+                <a:ea typeface="G마켓 산스 Medium" panose="02000000000000000000" pitchFamily="50" charset="-127"/>
+              </a:rPr>
+              <a:t>개를 입력 받아 중간 크기의 숫자를 출력하시오</a:t>
             </a:r>
             <a:endParaRPr lang="en-US" altLang="ko-KR" sz="3600">
               <a:solidFill>
@@ -11761,88 +11620,8 @@
               <a:ea typeface="G마켓 산스 Medium" panose="02000000000000000000" pitchFamily="50" charset="-127"/>
             </a:endParaRPr>
           </a:p>
-          <a:p>
-            <a:r>
-              <a:rPr lang="en-US" altLang="ko-KR" sz="2800">
-                <a:solidFill>
-                  <a:srgbClr val="FF0000"/>
-                </a:solidFill>
-                <a:latin typeface="G마켓 산스 Medium" panose="02000000000000000000" pitchFamily="50" charset="-127"/>
-                <a:ea typeface="G마켓 산스 Medium" panose="02000000000000000000" pitchFamily="50" charset="-127"/>
-              </a:rPr>
-              <a:t>(</a:t>
-            </a:r>
-            <a:r>
-              <a:rPr lang="ko-KR" altLang="en-US" sz="2800">
-                <a:solidFill>
-                  <a:srgbClr val="FF0000"/>
-                </a:solidFill>
-                <a:latin typeface="G마켓 산스 Medium" panose="02000000000000000000" pitchFamily="50" charset="-127"/>
-                <a:ea typeface="G마켓 산스 Medium" panose="02000000000000000000" pitchFamily="50" charset="-127"/>
-              </a:rPr>
-              <a:t>유니코드표를 참조하지 않아도 되는방법도 생각해볼것</a:t>
-            </a:r>
-            <a:r>
-              <a:rPr lang="en-US" altLang="ko-KR" sz="2800">
-                <a:solidFill>
-                  <a:srgbClr val="FF0000"/>
-                </a:solidFill>
-                <a:latin typeface="G마켓 산스 Medium" panose="02000000000000000000" pitchFamily="50" charset="-127"/>
-                <a:ea typeface="G마켓 산스 Medium" panose="02000000000000000000" pitchFamily="50" charset="-127"/>
-              </a:rPr>
-              <a:t>)</a:t>
-            </a:r>
-          </a:p>
-        </p:txBody>
-      </p:sp>
-      <p:pic>
-        <p:nvPicPr>
-          <p:cNvPr id="3" name="그림 2"/>
-          <p:cNvPicPr>
-            <a:picLocks noChangeAspect="1"/>
-          </p:cNvPicPr>
-          <p:nvPr/>
-        </p:nvPicPr>
-        <p:blipFill>
-          <a:blip r:embed="rId2"/>
-          <a:stretch>
-            <a:fillRect/>
-          </a:stretch>
-        </p:blipFill>
-        <p:spPr>
-          <a:xfrm>
-            <a:off x="11906250" y="149412"/>
-            <a:ext cx="5929486" cy="1946088"/>
-          </a:xfrm>
-          <a:prstGeom prst="rect">
-            <a:avLst/>
-          </a:prstGeom>
-        </p:spPr>
-      </p:pic>
-      <p:pic>
-        <p:nvPicPr>
-          <p:cNvPr id="6" name="그림 5"/>
-          <p:cNvPicPr>
-            <a:picLocks noChangeAspect="1"/>
-          </p:cNvPicPr>
-          <p:nvPr/>
-        </p:nvPicPr>
-        <p:blipFill>
-          <a:blip r:embed="rId3"/>
-          <a:stretch>
-            <a:fillRect/>
-          </a:stretch>
-        </p:blipFill>
-        <p:spPr>
-          <a:xfrm>
-            <a:off x="15849600" y="363415"/>
-            <a:ext cx="1548384" cy="609600"/>
-          </a:xfrm>
-          <a:prstGeom prst="rect">
-            <a:avLst/>
-          </a:prstGeom>
-        </p:spPr>
-      </p:pic>
+        </p:txBody>
+      </p:sp>
       <p:pic>
         <p:nvPicPr>
           <p:cNvPr id="12" name="그림 11"/>
@@ -11859,523 +11638,8 @@
         </p:blipFill>
         <p:spPr>
           <a:xfrm>
-            <a:off x="11906250" y="2242457"/>
-            <a:ext cx="2775159" cy="1562711"/>
-          </a:xfrm>
-          <a:prstGeom prst="rect">
-            <a:avLst/>
-          </a:prstGeom>
-        </p:spPr>
-      </p:pic>
-      <p:sp>
-        <p:nvSpPr>
-          <p:cNvPr id="13" name="TextBox 12">
-            <a:extLst>
-              <a:ext uri="{FF2B5EF4-FFF2-40B4-BE49-F238E27FC236}">
-                <a16:creationId xmlns:a16="http://schemas.microsoft.com/office/drawing/2014/main" xmlns="" id="{5ADC00B6-990A-40DC-3CEA-505258F5E8DA}"/>
-              </a:ext>
-            </a:extLst>
-          </p:cNvPr>
-          <p:cNvSpPr txBox="1"/>
-          <p:nvPr/>
-        </p:nvSpPr>
-        <p:spPr>
-          <a:xfrm>
-            <a:off x="76200" y="4889837"/>
-            <a:ext cx="2209800" cy="1015663"/>
-          </a:xfrm>
-          <a:prstGeom prst="rect">
-            <a:avLst/>
-          </a:prstGeom>
-          <a:noFill/>
-        </p:spPr>
-        <p:txBody>
-          <a:bodyPr wrap="square" rtlCol="0">
-            <a:spAutoFit/>
-          </a:bodyPr>
-          <a:lstStyle/>
-          <a:p>
-            <a:r>
-              <a:rPr lang="ko-KR" altLang="en-US" sz="6000">
-                <a:solidFill>
-                  <a:srgbClr val="4C50BC"/>
-                </a:solidFill>
-                <a:latin typeface="G마켓 산스 Medium" panose="02000000000000000000" pitchFamily="50" charset="-127"/>
-                <a:ea typeface="G마켓 산스 Medium" panose="02000000000000000000" pitchFamily="50" charset="-127"/>
-              </a:rPr>
-              <a:t>문제</a:t>
-            </a:r>
-            <a:r>
-              <a:rPr lang="en-US" altLang="ko-KR" sz="6000">
-                <a:solidFill>
-                  <a:srgbClr val="4C50BC"/>
-                </a:solidFill>
-                <a:latin typeface="G마켓 산스 Medium" panose="02000000000000000000" pitchFamily="50" charset="-127"/>
-                <a:ea typeface="G마켓 산스 Medium" panose="02000000000000000000" pitchFamily="50" charset="-127"/>
-              </a:rPr>
-              <a:t>3</a:t>
-            </a:r>
-            <a:endParaRPr lang="en-US" altLang="ko-KR" sz="6000" dirty="0">
-              <a:solidFill>
-                <a:srgbClr val="4C50BC"/>
-              </a:solidFill>
-              <a:latin typeface="G마켓 산스 Medium" panose="02000000000000000000" pitchFamily="50" charset="-127"/>
-              <a:ea typeface="G마켓 산스 Medium" panose="02000000000000000000" pitchFamily="50" charset="-127"/>
-            </a:endParaRPr>
-          </a:p>
-        </p:txBody>
-      </p:sp>
-      <p:pic>
-        <p:nvPicPr>
-          <p:cNvPr id="14" name="그림 13"/>
-          <p:cNvPicPr>
-            <a:picLocks noChangeAspect="1"/>
-          </p:cNvPicPr>
-          <p:nvPr/>
-        </p:nvPicPr>
-        <p:blipFill>
-          <a:blip r:embed="rId5"/>
-          <a:stretch>
-            <a:fillRect/>
-          </a:stretch>
-        </p:blipFill>
-        <p:spPr>
-          <a:xfrm>
-            <a:off x="11781386" y="3952125"/>
-            <a:ext cx="6372225" cy="447675"/>
-          </a:xfrm>
-          <a:prstGeom prst="rect">
-            <a:avLst/>
-          </a:prstGeom>
-        </p:spPr>
-      </p:pic>
-      <p:pic>
-        <p:nvPicPr>
-          <p:cNvPr id="15" name="그림 14"/>
-          <p:cNvPicPr>
-            <a:picLocks noChangeAspect="1"/>
-          </p:cNvPicPr>
-          <p:nvPr/>
-        </p:nvPicPr>
-        <p:blipFill>
-          <a:blip r:embed="rId6"/>
-          <a:stretch>
-            <a:fillRect/>
-          </a:stretch>
-        </p:blipFill>
-        <p:spPr>
-          <a:xfrm>
-            <a:off x="11741936" y="4838700"/>
-            <a:ext cx="5784064" cy="1526993"/>
-          </a:xfrm>
-          <a:prstGeom prst="rect">
-            <a:avLst/>
-          </a:prstGeom>
-        </p:spPr>
-      </p:pic>
-      <p:sp>
-        <p:nvSpPr>
-          <p:cNvPr id="16" name="TextBox 15">
-            <a:extLst>
-              <a:ext uri="{FF2B5EF4-FFF2-40B4-BE49-F238E27FC236}">
-                <a16:creationId xmlns:a16="http://schemas.microsoft.com/office/drawing/2014/main" xmlns="" id="{4EDAA912-8FA0-0F11-119B-EA9F8B36A489}"/>
-              </a:ext>
-            </a:extLst>
-          </p:cNvPr>
-          <p:cNvSpPr txBox="1"/>
-          <p:nvPr/>
-        </p:nvSpPr>
-        <p:spPr>
-          <a:xfrm>
-            <a:off x="2347392" y="5011483"/>
-            <a:ext cx="8566769" cy="1200329"/>
-          </a:xfrm>
-          <a:prstGeom prst="rect">
-            <a:avLst/>
-          </a:prstGeom>
-          <a:noFill/>
-        </p:spPr>
-        <p:txBody>
-          <a:bodyPr wrap="none" rtlCol="0">
-            <a:spAutoFit/>
-          </a:bodyPr>
-          <a:lstStyle/>
-          <a:p>
-            <a:r>
-              <a:rPr lang="en-US" altLang="ko-KR" sz="3600">
-                <a:solidFill>
-                  <a:srgbClr val="4D4848"/>
-                </a:solidFill>
-                <a:latin typeface="G마켓 산스 Medium" panose="02000000000000000000" pitchFamily="50" charset="-127"/>
-                <a:ea typeface="G마켓 산스 Medium" panose="02000000000000000000" pitchFamily="50" charset="-127"/>
-              </a:rPr>
-              <a:t>Int</a:t>
-            </a:r>
-            <a:r>
-              <a:rPr lang="ko-KR" altLang="en-US" sz="3600">
-                <a:solidFill>
-                  <a:srgbClr val="4D4848"/>
-                </a:solidFill>
-                <a:latin typeface="G마켓 산스 Medium" panose="02000000000000000000" pitchFamily="50" charset="-127"/>
-                <a:ea typeface="G마켓 산스 Medium" panose="02000000000000000000" pitchFamily="50" charset="-127"/>
-              </a:rPr>
-              <a:t>형 변수 </a:t>
-            </a:r>
-            <a:r>
-              <a:rPr lang="en-US" altLang="ko-KR" sz="3600">
-                <a:solidFill>
-                  <a:srgbClr val="4D4848"/>
-                </a:solidFill>
-                <a:latin typeface="G마켓 산스 Medium" panose="02000000000000000000" pitchFamily="50" charset="-127"/>
-                <a:ea typeface="G마켓 산스 Medium" panose="02000000000000000000" pitchFamily="50" charset="-127"/>
-              </a:rPr>
-              <a:t>num</a:t>
-            </a:r>
-            <a:r>
-              <a:rPr lang="ko-KR" altLang="en-US" sz="3600">
-                <a:solidFill>
-                  <a:srgbClr val="4D4848"/>
-                </a:solidFill>
-                <a:latin typeface="G마켓 산스 Medium" panose="02000000000000000000" pitchFamily="50" charset="-127"/>
-                <a:ea typeface="G마켓 산스 Medium" panose="02000000000000000000" pitchFamily="50" charset="-127"/>
-              </a:rPr>
-              <a:t>의 숫자가 홀수</a:t>
-            </a:r>
-            <a:r>
-              <a:rPr lang="en-US" altLang="ko-KR" sz="3600">
-                <a:solidFill>
-                  <a:srgbClr val="4D4848"/>
-                </a:solidFill>
-                <a:latin typeface="G마켓 산스 Medium" panose="02000000000000000000" pitchFamily="50" charset="-127"/>
-                <a:ea typeface="G마켓 산스 Medium" panose="02000000000000000000" pitchFamily="50" charset="-127"/>
-              </a:rPr>
-              <a:t>, </a:t>
-            </a:r>
-            <a:r>
-              <a:rPr lang="ko-KR" altLang="en-US" sz="3600">
-                <a:solidFill>
-                  <a:srgbClr val="4D4848"/>
-                </a:solidFill>
-                <a:latin typeface="G마켓 산스 Medium" panose="02000000000000000000" pitchFamily="50" charset="-127"/>
-                <a:ea typeface="G마켓 산스 Medium" panose="02000000000000000000" pitchFamily="50" charset="-127"/>
-              </a:rPr>
-              <a:t>짝수인지 </a:t>
-            </a:r>
-            <a:endParaRPr lang="en-US" altLang="ko-KR" sz="3600">
-              <a:solidFill>
-                <a:srgbClr val="4D4848"/>
-              </a:solidFill>
-              <a:latin typeface="G마켓 산스 Medium" panose="02000000000000000000" pitchFamily="50" charset="-127"/>
-              <a:ea typeface="G마켓 산스 Medium" panose="02000000000000000000" pitchFamily="50" charset="-127"/>
-            </a:endParaRPr>
-          </a:p>
-          <a:p>
-            <a:r>
-              <a:rPr lang="ko-KR" altLang="en-US" sz="3600">
-                <a:solidFill>
-                  <a:srgbClr val="4D4848"/>
-                </a:solidFill>
-                <a:latin typeface="G마켓 산스 Medium" panose="02000000000000000000" pitchFamily="50" charset="-127"/>
-                <a:ea typeface="G마켓 산스 Medium" panose="02000000000000000000" pitchFamily="50" charset="-127"/>
-              </a:rPr>
-              <a:t>출력 하시오</a:t>
-            </a:r>
-            <a:endParaRPr lang="en-US" altLang="ko-KR" sz="3600">
-              <a:solidFill>
-                <a:srgbClr val="4D4848"/>
-              </a:solidFill>
-              <a:latin typeface="G마켓 산스 Medium" panose="02000000000000000000" pitchFamily="50" charset="-127"/>
-              <a:ea typeface="G마켓 산스 Medium" panose="02000000000000000000" pitchFamily="50" charset="-127"/>
-            </a:endParaRPr>
-          </a:p>
-        </p:txBody>
-      </p:sp>
-      <p:pic>
-        <p:nvPicPr>
-          <p:cNvPr id="17" name="그림 16"/>
-          <p:cNvPicPr>
-            <a:picLocks noChangeAspect="1"/>
-          </p:cNvPicPr>
-          <p:nvPr/>
-        </p:nvPicPr>
-        <p:blipFill>
-          <a:blip r:embed="rId3"/>
-          <a:stretch>
-            <a:fillRect/>
-          </a:stretch>
-        </p:blipFill>
-        <p:spPr>
-          <a:xfrm>
-            <a:off x="14609350" y="4889837"/>
-            <a:ext cx="2611850" cy="609600"/>
-          </a:xfrm>
-          <a:prstGeom prst="rect">
-            <a:avLst/>
-          </a:prstGeom>
-        </p:spPr>
-      </p:pic>
-      <p:sp>
-        <p:nvSpPr>
-          <p:cNvPr id="18" name="TextBox 17">
-            <a:extLst>
-              <a:ext uri="{FF2B5EF4-FFF2-40B4-BE49-F238E27FC236}">
-                <a16:creationId xmlns:a16="http://schemas.microsoft.com/office/drawing/2014/main" xmlns="" id="{5ADC00B6-990A-40DC-3CEA-505258F5E8DA}"/>
-              </a:ext>
-            </a:extLst>
-          </p:cNvPr>
-          <p:cNvSpPr txBox="1"/>
-          <p:nvPr/>
-        </p:nvSpPr>
-        <p:spPr>
-          <a:xfrm>
-            <a:off x="76200" y="6945725"/>
-            <a:ext cx="2209800" cy="1015663"/>
-          </a:xfrm>
-          <a:prstGeom prst="rect">
-            <a:avLst/>
-          </a:prstGeom>
-          <a:noFill/>
-        </p:spPr>
-        <p:txBody>
-          <a:bodyPr wrap="square" rtlCol="0">
-            <a:spAutoFit/>
-          </a:bodyPr>
-          <a:lstStyle/>
-          <a:p>
-            <a:r>
-              <a:rPr lang="ko-KR" altLang="en-US" sz="6000">
-                <a:solidFill>
-                  <a:srgbClr val="4C50BC"/>
-                </a:solidFill>
-                <a:latin typeface="G마켓 산스 Medium" panose="02000000000000000000" pitchFamily="50" charset="-127"/>
-                <a:ea typeface="G마켓 산스 Medium" panose="02000000000000000000" pitchFamily="50" charset="-127"/>
-              </a:rPr>
-              <a:t>문제</a:t>
-            </a:r>
-            <a:r>
-              <a:rPr lang="en-US" altLang="ko-KR" sz="6000">
-                <a:solidFill>
-                  <a:srgbClr val="4C50BC"/>
-                </a:solidFill>
-                <a:latin typeface="G마켓 산스 Medium" panose="02000000000000000000" pitchFamily="50" charset="-127"/>
-                <a:ea typeface="G마켓 산스 Medium" panose="02000000000000000000" pitchFamily="50" charset="-127"/>
-              </a:rPr>
-              <a:t>4</a:t>
-            </a:r>
-            <a:endParaRPr lang="en-US" altLang="ko-KR" sz="6000" dirty="0">
-              <a:solidFill>
-                <a:srgbClr val="4C50BC"/>
-              </a:solidFill>
-              <a:latin typeface="G마켓 산스 Medium" panose="02000000000000000000" pitchFamily="50" charset="-127"/>
-              <a:ea typeface="G마켓 산스 Medium" panose="02000000000000000000" pitchFamily="50" charset="-127"/>
-            </a:endParaRPr>
-          </a:p>
-        </p:txBody>
-      </p:sp>
-      <p:sp>
-        <p:nvSpPr>
-          <p:cNvPr id="19" name="TextBox 18">
-            <a:extLst>
-              <a:ext uri="{FF2B5EF4-FFF2-40B4-BE49-F238E27FC236}">
-                <a16:creationId xmlns:a16="http://schemas.microsoft.com/office/drawing/2014/main" xmlns="" id="{4EDAA912-8FA0-0F11-119B-EA9F8B36A489}"/>
-              </a:ext>
-            </a:extLst>
-          </p:cNvPr>
-          <p:cNvSpPr txBox="1"/>
-          <p:nvPr/>
-        </p:nvSpPr>
-        <p:spPr>
-          <a:xfrm>
-            <a:off x="2347392" y="7067371"/>
-            <a:ext cx="8658139" cy="1754326"/>
-          </a:xfrm>
-          <a:prstGeom prst="rect">
-            <a:avLst/>
-          </a:prstGeom>
-          <a:noFill/>
-        </p:spPr>
-        <p:txBody>
-          <a:bodyPr wrap="none" rtlCol="0">
-            <a:spAutoFit/>
-          </a:bodyPr>
-          <a:lstStyle/>
-          <a:p>
-            <a:r>
-              <a:rPr lang="ko-KR" altLang="en-US" sz="3600">
-                <a:solidFill>
-                  <a:srgbClr val="4D4848"/>
-                </a:solidFill>
-                <a:latin typeface="G마켓 산스 Medium" panose="02000000000000000000" pitchFamily="50" charset="-127"/>
-                <a:ea typeface="G마켓 산스 Medium" panose="02000000000000000000" pitchFamily="50" charset="-127"/>
-              </a:rPr>
-              <a:t>화씨 </a:t>
-            </a:r>
-            <a:r>
-              <a:rPr lang="en-US" altLang="ko-KR" sz="3600">
-                <a:solidFill>
-                  <a:srgbClr val="4D4848"/>
-                </a:solidFill>
-                <a:latin typeface="G마켓 산스 Medium" panose="02000000000000000000" pitchFamily="50" charset="-127"/>
-                <a:ea typeface="G마켓 산스 Medium" panose="02000000000000000000" pitchFamily="50" charset="-127"/>
-              </a:rPr>
-              <a:t>100</a:t>
-            </a:r>
-            <a:r>
-              <a:rPr lang="ko-KR" altLang="en-US" sz="3600">
-                <a:solidFill>
-                  <a:srgbClr val="4D4848"/>
-                </a:solidFill>
-                <a:latin typeface="G마켓 산스 Medium" panose="02000000000000000000" pitchFamily="50" charset="-127"/>
-                <a:ea typeface="G마켓 산스 Medium" panose="02000000000000000000" pitchFamily="50" charset="-127"/>
-              </a:rPr>
-              <a:t>도를 섭씨로 변환하여 출력하시오</a:t>
-            </a:r>
-            <a:endParaRPr lang="en-US" altLang="ko-KR" sz="3600">
-              <a:solidFill>
-                <a:srgbClr val="4D4848"/>
-              </a:solidFill>
-              <a:latin typeface="G마켓 산스 Medium" panose="02000000000000000000" pitchFamily="50" charset="-127"/>
-              <a:ea typeface="G마켓 산스 Medium" panose="02000000000000000000" pitchFamily="50" charset="-127"/>
-            </a:endParaRPr>
-          </a:p>
-          <a:p>
-            <a:r>
-              <a:rPr lang="en-US" altLang="ko-KR" sz="3600">
-                <a:solidFill>
-                  <a:srgbClr val="4D4848"/>
-                </a:solidFill>
-                <a:latin typeface="G마켓 산스 Medium" panose="02000000000000000000" pitchFamily="50" charset="-127"/>
-                <a:ea typeface="G마켓 산스 Medium" panose="02000000000000000000" pitchFamily="50" charset="-127"/>
-              </a:rPr>
-              <a:t>(</a:t>
-            </a:r>
-            <a:r>
-              <a:rPr lang="ko-KR" altLang="en-US" sz="3600">
-                <a:solidFill>
-                  <a:srgbClr val="4D4848"/>
-                </a:solidFill>
-                <a:latin typeface="G마켓 산스 Medium" panose="02000000000000000000" pitchFamily="50" charset="-127"/>
-                <a:ea typeface="G마켓 산스 Medium" panose="02000000000000000000" pitchFamily="50" charset="-127"/>
-              </a:rPr>
-              <a:t>소수점 둘째자리를 반올림할것</a:t>
-            </a:r>
-            <a:r>
-              <a:rPr lang="en-US" altLang="ko-KR" sz="3600">
-                <a:solidFill>
-                  <a:srgbClr val="4D4848"/>
-                </a:solidFill>
-                <a:latin typeface="G마켓 산스 Medium" panose="02000000000000000000" pitchFamily="50" charset="-127"/>
-                <a:ea typeface="G마켓 산스 Medium" panose="02000000000000000000" pitchFamily="50" charset="-127"/>
-              </a:rPr>
-              <a:t>)</a:t>
-            </a:r>
-          </a:p>
-          <a:p>
-            <a:r>
-              <a:rPr lang="ko-KR" altLang="en-US" sz="3600">
-                <a:solidFill>
-                  <a:srgbClr val="4D4848"/>
-                </a:solidFill>
-                <a:latin typeface="G마켓 산스 Medium" panose="02000000000000000000" pitchFamily="50" charset="-127"/>
-                <a:ea typeface="G마켓 산스 Medium" panose="02000000000000000000" pitchFamily="50" charset="-127"/>
-              </a:rPr>
-              <a:t>변환공식 </a:t>
-            </a:r>
-            <a:r>
-              <a:rPr lang="en-US" altLang="ko-KR" sz="3600">
-                <a:solidFill>
-                  <a:srgbClr val="4D4848"/>
-                </a:solidFill>
-                <a:latin typeface="G마켓 산스 Medium" panose="02000000000000000000" pitchFamily="50" charset="-127"/>
-                <a:ea typeface="G마켓 산스 Medium" panose="02000000000000000000" pitchFamily="50" charset="-127"/>
-              </a:rPr>
-              <a:t>-&gt; </a:t>
-            </a:r>
-            <a:r>
-              <a:rPr lang="ko-KR" altLang="en-US" sz="3600">
-                <a:solidFill>
-                  <a:srgbClr val="4D4848"/>
-                </a:solidFill>
-                <a:latin typeface="G마켓 산스 Medium" panose="02000000000000000000" pitchFamily="50" charset="-127"/>
-                <a:ea typeface="G마켓 산스 Medium" panose="02000000000000000000" pitchFamily="50" charset="-127"/>
-              </a:rPr>
-              <a:t>섭씨 </a:t>
-            </a:r>
-            <a:r>
-              <a:rPr lang="en-US" altLang="ko-KR" sz="3600">
-                <a:solidFill>
-                  <a:srgbClr val="4D4848"/>
-                </a:solidFill>
-                <a:latin typeface="G마켓 산스 Medium" panose="02000000000000000000" pitchFamily="50" charset="-127"/>
-                <a:ea typeface="G마켓 산스 Medium" panose="02000000000000000000" pitchFamily="50" charset="-127"/>
-              </a:rPr>
-              <a:t>= 5/9 x (</a:t>
-            </a:r>
-            <a:r>
-              <a:rPr lang="ko-KR" altLang="en-US" sz="3600">
-                <a:solidFill>
-                  <a:srgbClr val="4D4848"/>
-                </a:solidFill>
-                <a:latin typeface="G마켓 산스 Medium" panose="02000000000000000000" pitchFamily="50" charset="-127"/>
-                <a:ea typeface="G마켓 산스 Medium" panose="02000000000000000000" pitchFamily="50" charset="-127"/>
-              </a:rPr>
-              <a:t>섭씨 </a:t>
-            </a:r>
-            <a:r>
-              <a:rPr lang="en-US" altLang="ko-KR" sz="3600">
-                <a:solidFill>
-                  <a:srgbClr val="4D4848"/>
-                </a:solidFill>
-                <a:latin typeface="G마켓 산스 Medium" panose="02000000000000000000" pitchFamily="50" charset="-127"/>
-                <a:ea typeface="G마켓 산스 Medium" panose="02000000000000000000" pitchFamily="50" charset="-127"/>
-              </a:rPr>
-              <a:t>-32)</a:t>
-            </a:r>
-          </a:p>
-        </p:txBody>
-      </p:sp>
-      <p:pic>
-        <p:nvPicPr>
-          <p:cNvPr id="20" name="그림 19"/>
-          <p:cNvPicPr>
-            <a:picLocks noChangeAspect="1"/>
-          </p:cNvPicPr>
-          <p:nvPr/>
-        </p:nvPicPr>
-        <p:blipFill>
-          <a:blip r:embed="rId7"/>
-          <a:stretch>
-            <a:fillRect/>
-          </a:stretch>
-        </p:blipFill>
-        <p:spPr>
-          <a:xfrm>
-            <a:off x="11242298" y="7243982"/>
-            <a:ext cx="2674835" cy="1401104"/>
-          </a:xfrm>
-          <a:prstGeom prst="rect">
-            <a:avLst/>
-          </a:prstGeom>
-        </p:spPr>
-      </p:pic>
-      <p:pic>
-        <p:nvPicPr>
-          <p:cNvPr id="21" name="그림 20"/>
-          <p:cNvPicPr>
-            <a:picLocks noChangeAspect="1"/>
-          </p:cNvPicPr>
-          <p:nvPr/>
-        </p:nvPicPr>
-        <p:blipFill>
-          <a:blip r:embed="rId8"/>
-          <a:stretch>
-            <a:fillRect/>
-          </a:stretch>
-        </p:blipFill>
-        <p:spPr>
-          <a:xfrm>
-            <a:off x="11249332" y="8845704"/>
-            <a:ext cx="6507371" cy="815460"/>
+            <a:off x="2347393" y="7488312"/>
+            <a:ext cx="11400236" cy="2150988"/>
           </a:xfrm>
           <a:prstGeom prst="rect">
             <a:avLst/>
@@ -12385,223 +11649,13 @@
     </p:spTree>
     <p:extLst>
       <p:ext uri="{BB962C8B-B14F-4D97-AF65-F5344CB8AC3E}">
-        <p14:creationId xmlns:p14="http://schemas.microsoft.com/office/powerpoint/2010/main" val="3367471959"/>
+        <p14:creationId xmlns:p14="http://schemas.microsoft.com/office/powerpoint/2010/main" val="3369270907"/>
       </p:ext>
     </p:extLst>
   </p:cSld>
   <p:clrMapOvr>
     <a:masterClrMapping/>
   </p:clrMapOvr>
-  <p:timing>
-    <p:tnLst>
-      <p:par>
-        <p:cTn id="1" dur="indefinite" restart="never" nodeType="tmRoot">
-          <p:childTnLst>
-            <p:seq concurrent="1" nextAc="seek">
-              <p:cTn id="2" dur="indefinite" nodeType="mainSeq">
-                <p:childTnLst>
-                  <p:par>
-                    <p:cTn id="3" fill="hold">
-                      <p:stCondLst>
-                        <p:cond delay="indefinite"/>
-                      </p:stCondLst>
-                      <p:childTnLst>
-                        <p:par>
-                          <p:cTn id="4" fill="hold">
-                            <p:stCondLst>
-                              <p:cond delay="0"/>
-                            </p:stCondLst>
-                            <p:childTnLst>
-                              <p:par>
-                                <p:cTn id="5" presetID="1" presetClass="exit" presetSubtype="0" fill="hold" nodeType="clickEffect">
-                                  <p:stCondLst>
-                                    <p:cond delay="0"/>
-                                  </p:stCondLst>
-                                  <p:childTnLst>
-                                    <p:set>
-                                      <p:cBhvr>
-                                        <p:cTn id="6" dur="1" fill="hold">
-                                          <p:stCondLst>
-                                            <p:cond delay="0"/>
-                                          </p:stCondLst>
-                                        </p:cTn>
-                                        <p:tgtEl>
-                                          <p:spTgt spid="6"/>
-                                        </p:tgtEl>
-                                        <p:attrNameLst>
-                                          <p:attrName>style.visibility</p:attrName>
-                                        </p:attrNameLst>
-                                      </p:cBhvr>
-                                      <p:to>
-                                        <p:strVal val="hidden"/>
-                                      </p:to>
-                                    </p:set>
-                                  </p:childTnLst>
-                                </p:cTn>
-                              </p:par>
-                            </p:childTnLst>
-                          </p:cTn>
-                        </p:par>
-                      </p:childTnLst>
-                    </p:cTn>
-                  </p:par>
-                  <p:par>
-                    <p:cTn id="7" fill="hold">
-                      <p:stCondLst>
-                        <p:cond delay="indefinite"/>
-                      </p:stCondLst>
-                      <p:childTnLst>
-                        <p:par>
-                          <p:cTn id="8" fill="hold">
-                            <p:stCondLst>
-                              <p:cond delay="0"/>
-                            </p:stCondLst>
-                            <p:childTnLst>
-                              <p:par>
-                                <p:cTn id="9" presetID="1" presetClass="entr" presetSubtype="0" fill="hold" nodeType="clickEffect">
-                                  <p:stCondLst>
-                                    <p:cond delay="0"/>
-                                  </p:stCondLst>
-                                  <p:childTnLst>
-                                    <p:set>
-                                      <p:cBhvr>
-                                        <p:cTn id="10" dur="1" fill="hold">
-                                          <p:stCondLst>
-                                            <p:cond delay="0"/>
-                                          </p:stCondLst>
-                                        </p:cTn>
-                                        <p:tgtEl>
-                                          <p:spTgt spid="14"/>
-                                        </p:tgtEl>
-                                        <p:attrNameLst>
-                                          <p:attrName>style.visibility</p:attrName>
-                                        </p:attrNameLst>
-                                      </p:cBhvr>
-                                      <p:to>
-                                        <p:strVal val="visible"/>
-                                      </p:to>
-                                    </p:set>
-                                  </p:childTnLst>
-                                </p:cTn>
-                              </p:par>
-                            </p:childTnLst>
-                          </p:cTn>
-                        </p:par>
-                      </p:childTnLst>
-                    </p:cTn>
-                  </p:par>
-                  <p:par>
-                    <p:cTn id="11" fill="hold">
-                      <p:stCondLst>
-                        <p:cond delay="indefinite"/>
-                      </p:stCondLst>
-                      <p:childTnLst>
-                        <p:par>
-                          <p:cTn id="12" fill="hold">
-                            <p:stCondLst>
-                              <p:cond delay="0"/>
-                            </p:stCondLst>
-                            <p:childTnLst>
-                              <p:par>
-                                <p:cTn id="13" presetID="1" presetClass="exit" presetSubtype="0" fill="hold" nodeType="clickEffect">
-                                  <p:stCondLst>
-                                    <p:cond delay="0"/>
-                                  </p:stCondLst>
-                                  <p:childTnLst>
-                                    <p:set>
-                                      <p:cBhvr>
-                                        <p:cTn id="14" dur="1" fill="hold">
-                                          <p:stCondLst>
-                                            <p:cond delay="0"/>
-                                          </p:stCondLst>
-                                        </p:cTn>
-                                        <p:tgtEl>
-                                          <p:spTgt spid="17"/>
-                                        </p:tgtEl>
-                                        <p:attrNameLst>
-                                          <p:attrName>style.visibility</p:attrName>
-                                        </p:attrNameLst>
-                                      </p:cBhvr>
-                                      <p:to>
-                                        <p:strVal val="hidden"/>
-                                      </p:to>
-                                    </p:set>
-                                  </p:childTnLst>
-                                </p:cTn>
-                              </p:par>
-                            </p:childTnLst>
-                          </p:cTn>
-                        </p:par>
-                      </p:childTnLst>
-                    </p:cTn>
-                  </p:par>
-                  <p:par>
-                    <p:cTn id="15" fill="hold">
-                      <p:stCondLst>
-                        <p:cond delay="indefinite"/>
-                      </p:stCondLst>
-                      <p:childTnLst>
-                        <p:par>
-                          <p:cTn id="16" fill="hold">
-                            <p:stCondLst>
-                              <p:cond delay="0"/>
-                            </p:stCondLst>
-                            <p:childTnLst>
-                              <p:par>
-                                <p:cTn id="17" presetID="1" presetClass="entr" presetSubtype="0" fill="hold" nodeType="clickEffect">
-                                  <p:stCondLst>
-                                    <p:cond delay="0"/>
-                                  </p:stCondLst>
-                                  <p:childTnLst>
-                                    <p:set>
-                                      <p:cBhvr>
-                                        <p:cTn id="18" dur="1" fill="hold">
-                                          <p:stCondLst>
-                                            <p:cond delay="0"/>
-                                          </p:stCondLst>
-                                        </p:cTn>
-                                        <p:tgtEl>
-                                          <p:spTgt spid="21"/>
-                                        </p:tgtEl>
-                                        <p:attrNameLst>
-                                          <p:attrName>style.visibility</p:attrName>
-                                        </p:attrNameLst>
-                                      </p:cBhvr>
-                                      <p:to>
-                                        <p:strVal val="visible"/>
-                                      </p:to>
-                                    </p:set>
-                                  </p:childTnLst>
-                                </p:cTn>
-                              </p:par>
-                            </p:childTnLst>
-                          </p:cTn>
-                        </p:par>
-                      </p:childTnLst>
-                    </p:cTn>
-                  </p:par>
-                </p:childTnLst>
-              </p:cTn>
-              <p:prevCondLst>
-                <p:cond evt="onPrev" delay="0">
-                  <p:tgtEl>
-                    <p:sldTgt/>
-                  </p:tgtEl>
-                </p:cond>
-              </p:prevCondLst>
-              <p:nextCondLst>
-                <p:cond evt="onNext" delay="0">
-                  <p:tgtEl>
-                    <p:sldTgt/>
-                  </p:tgtEl>
-                </p:cond>
-              </p:nextCondLst>
-            </p:seq>
-          </p:childTnLst>
-        </p:cTn>
-      </p:par>
-    </p:tnLst>
-  </p:timing>
 </p:sld>
 </file>
 
@@ -12893,7 +11947,7 @@
           <p:cNvPr id="2" name="TextBox 1">
             <a:extLst>
               <a:ext uri="{FF2B5EF4-FFF2-40B4-BE49-F238E27FC236}">
-                <a16:creationId xmlns:a16="http://schemas.microsoft.com/office/drawing/2014/main" xmlns="" id="{715D88A2-BD52-978B-A00A-540446126E3D}"/>
+                <a16:creationId xmlns:a16="http://schemas.microsoft.com/office/drawing/2014/main" id="{715D88A2-BD52-978B-A00A-540446126E3D}"/>
               </a:ext>
             </a:extLst>
           </p:cNvPr>
@@ -12941,13 +11995,6 @@
   <p:clrMapOvr>
     <a:masterClrMapping/>
   </p:clrMapOvr>
-  <p:timing>
-    <p:tnLst>
-      <p:par>
-        <p:cTn id="1" dur="indefinite" restart="never" nodeType="tmRoot"/>
-      </p:par>
-    </p:tnLst>
-  </p:timing>
 </p:sld>
 </file>
 
@@ -13161,7 +12208,7 @@
           <p:cNvPr id="2" name="TextBox 1">
             <a:extLst>
               <a:ext uri="{FF2B5EF4-FFF2-40B4-BE49-F238E27FC236}">
-                <a16:creationId xmlns:a16="http://schemas.microsoft.com/office/drawing/2014/main" xmlns="" id="{8D19D88B-9541-32D7-90F1-0C45C993E21C}"/>
+                <a16:creationId xmlns:a16="http://schemas.microsoft.com/office/drawing/2014/main" id="{8D19D88B-9541-32D7-90F1-0C45C993E21C}"/>
               </a:ext>
             </a:extLst>
           </p:cNvPr>
@@ -13325,7 +12372,7 @@
           <p:cNvPr id="21" name="그룹 1021">
             <a:extLst>
               <a:ext uri="{FF2B5EF4-FFF2-40B4-BE49-F238E27FC236}">
-                <a16:creationId xmlns:a16="http://schemas.microsoft.com/office/drawing/2014/main" xmlns="" id="{DAE466EB-8914-A47B-444E-4C193B0D877A}"/>
+                <a16:creationId xmlns:a16="http://schemas.microsoft.com/office/drawing/2014/main" id="{DAE466EB-8914-A47B-444E-4C193B0D877A}"/>
               </a:ext>
             </a:extLst>
           </p:cNvPr>
@@ -13345,7 +12392,7 @@
             <p:cNvPr id="23" name="Object 71">
               <a:extLst>
                 <a:ext uri="{FF2B5EF4-FFF2-40B4-BE49-F238E27FC236}">
-                  <a16:creationId xmlns:a16="http://schemas.microsoft.com/office/drawing/2014/main" xmlns="" id="{44802802-8C0A-9B02-4940-D16EEB7C206A}"/>
+                  <a16:creationId xmlns:a16="http://schemas.microsoft.com/office/drawing/2014/main" id="{44802802-8C0A-9B02-4940-D16EEB7C206A}"/>
                 </a:ext>
               </a:extLst>
             </p:cNvPr>
@@ -13376,7 +12423,7 @@
           <p:cNvPr id="24" name="그룹 1021">
             <a:extLst>
               <a:ext uri="{FF2B5EF4-FFF2-40B4-BE49-F238E27FC236}">
-                <a16:creationId xmlns:a16="http://schemas.microsoft.com/office/drawing/2014/main" xmlns="" id="{DAE466EB-8914-A47B-444E-4C193B0D877A}"/>
+                <a16:creationId xmlns:a16="http://schemas.microsoft.com/office/drawing/2014/main" id="{DAE466EB-8914-A47B-444E-4C193B0D877A}"/>
               </a:ext>
             </a:extLst>
           </p:cNvPr>
@@ -13396,7 +12443,7 @@
             <p:cNvPr id="25" name="Object 71">
               <a:extLst>
                 <a:ext uri="{FF2B5EF4-FFF2-40B4-BE49-F238E27FC236}">
-                  <a16:creationId xmlns:a16="http://schemas.microsoft.com/office/drawing/2014/main" xmlns="" id="{44802802-8C0A-9B02-4940-D16EEB7C206A}"/>
+                  <a16:creationId xmlns:a16="http://schemas.microsoft.com/office/drawing/2014/main" id="{44802802-8C0A-9B02-4940-D16EEB7C206A}"/>
                 </a:ext>
               </a:extLst>
             </p:cNvPr>
@@ -13427,7 +12474,7 @@
           <p:cNvPr id="26" name="직선 화살표 연결선 25">
             <a:extLst>
               <a:ext uri="{FF2B5EF4-FFF2-40B4-BE49-F238E27FC236}">
-                <a16:creationId xmlns:a16="http://schemas.microsoft.com/office/drawing/2014/main" xmlns="" id="{0628D70E-4BD6-EF88-6059-DB86364B2320}"/>
+                <a16:creationId xmlns:a16="http://schemas.microsoft.com/office/drawing/2014/main" id="{0628D70E-4BD6-EF88-6059-DB86364B2320}"/>
               </a:ext>
             </a:extLst>
           </p:cNvPr>
@@ -13469,7 +12516,7 @@
           <p:cNvPr id="27" name="TextBox 26">
             <a:extLst>
               <a:ext uri="{FF2B5EF4-FFF2-40B4-BE49-F238E27FC236}">
-                <a16:creationId xmlns:a16="http://schemas.microsoft.com/office/drawing/2014/main" xmlns="" id="{72769C28-9BB6-DE9C-7B6F-264B77B8DD0E}"/>
+                <a16:creationId xmlns:a16="http://schemas.microsoft.com/office/drawing/2014/main" id="{72769C28-9BB6-DE9C-7B6F-264B77B8DD0E}"/>
               </a:ext>
             </a:extLst>
           </p:cNvPr>
@@ -13517,7 +12564,7 @@
           <p:cNvPr id="28" name="TextBox 27">
             <a:extLst>
               <a:ext uri="{FF2B5EF4-FFF2-40B4-BE49-F238E27FC236}">
-                <a16:creationId xmlns:a16="http://schemas.microsoft.com/office/drawing/2014/main" xmlns="" id="{270932A0-5477-2529-2641-C73A825AFD61}"/>
+                <a16:creationId xmlns:a16="http://schemas.microsoft.com/office/drawing/2014/main" id="{270932A0-5477-2529-2641-C73A825AFD61}"/>
               </a:ext>
             </a:extLst>
           </p:cNvPr>
@@ -13565,7 +12612,7 @@
           <p:cNvPr id="29" name="TextBox 28">
             <a:extLst>
               <a:ext uri="{FF2B5EF4-FFF2-40B4-BE49-F238E27FC236}">
-                <a16:creationId xmlns:a16="http://schemas.microsoft.com/office/drawing/2014/main" xmlns="" id="{270932A0-5477-2529-2641-C73A825AFD61}"/>
+                <a16:creationId xmlns:a16="http://schemas.microsoft.com/office/drawing/2014/main" id="{270932A0-5477-2529-2641-C73A825AFD61}"/>
               </a:ext>
             </a:extLst>
           </p:cNvPr>
@@ -13613,7 +12660,7 @@
           <p:cNvPr id="30" name="TextBox 29">
             <a:extLst>
               <a:ext uri="{FF2B5EF4-FFF2-40B4-BE49-F238E27FC236}">
-                <a16:creationId xmlns:a16="http://schemas.microsoft.com/office/drawing/2014/main" xmlns="" id="{72769C28-9BB6-DE9C-7B6F-264B77B8DD0E}"/>
+                <a16:creationId xmlns:a16="http://schemas.microsoft.com/office/drawing/2014/main" id="{72769C28-9BB6-DE9C-7B6F-264B77B8DD0E}"/>
               </a:ext>
             </a:extLst>
           </p:cNvPr>
@@ -13661,7 +12708,7 @@
           <p:cNvPr id="31" name="TextBox 30">
             <a:extLst>
               <a:ext uri="{FF2B5EF4-FFF2-40B4-BE49-F238E27FC236}">
-                <a16:creationId xmlns:a16="http://schemas.microsoft.com/office/drawing/2014/main" xmlns="" id="{72769C28-9BB6-DE9C-7B6F-264B77B8DD0E}"/>
+                <a16:creationId xmlns:a16="http://schemas.microsoft.com/office/drawing/2014/main" id="{72769C28-9BB6-DE9C-7B6F-264B77B8DD0E}"/>
               </a:ext>
             </a:extLst>
           </p:cNvPr>
@@ -13719,7 +12766,7 @@
           <p:cNvPr id="32" name="TextBox 31">
             <a:extLst>
               <a:ext uri="{FF2B5EF4-FFF2-40B4-BE49-F238E27FC236}">
-                <a16:creationId xmlns:a16="http://schemas.microsoft.com/office/drawing/2014/main" xmlns="" id="{5ADC00B6-990A-40DC-3CEA-505258F5E8DA}"/>
+                <a16:creationId xmlns:a16="http://schemas.microsoft.com/office/drawing/2014/main" id="{5ADC00B6-990A-40DC-3CEA-505258F5E8DA}"/>
               </a:ext>
             </a:extLst>
           </p:cNvPr>
@@ -13821,7 +12868,7 @@
           <p:cNvPr id="6" name="TextBox 5">
             <a:extLst>
               <a:ext uri="{FF2B5EF4-FFF2-40B4-BE49-F238E27FC236}">
-                <a16:creationId xmlns:a16="http://schemas.microsoft.com/office/drawing/2014/main" xmlns="" id="{5ADC00B6-990A-40DC-3CEA-505258F5E8DA}"/>
+                <a16:creationId xmlns:a16="http://schemas.microsoft.com/office/drawing/2014/main" id="{5ADC00B6-990A-40DC-3CEA-505258F5E8DA}"/>
               </a:ext>
             </a:extLst>
           </p:cNvPr>
@@ -13903,7 +12950,7 @@
           <p:cNvPr id="8" name="TextBox 7">
             <a:extLst>
               <a:ext uri="{FF2B5EF4-FFF2-40B4-BE49-F238E27FC236}">
-                <a16:creationId xmlns:a16="http://schemas.microsoft.com/office/drawing/2014/main" xmlns="" id="{5ADC00B6-990A-40DC-3CEA-505258F5E8DA}"/>
+                <a16:creationId xmlns:a16="http://schemas.microsoft.com/office/drawing/2014/main" id="{5ADC00B6-990A-40DC-3CEA-505258F5E8DA}"/>
               </a:ext>
             </a:extLst>
           </p:cNvPr>
@@ -14028,7 +13075,7 @@
           <p:cNvPr id="5" name="직선 화살표 연결선 4">
             <a:extLst>
               <a:ext uri="{FF2B5EF4-FFF2-40B4-BE49-F238E27FC236}">
-                <a16:creationId xmlns:a16="http://schemas.microsoft.com/office/drawing/2014/main" xmlns="" id="{299DF5EC-9DF4-5255-06AC-0A7CE4FF58C3}"/>
+                <a16:creationId xmlns:a16="http://schemas.microsoft.com/office/drawing/2014/main" id="{299DF5EC-9DF4-5255-06AC-0A7CE4FF58C3}"/>
               </a:ext>
             </a:extLst>
           </p:cNvPr>
@@ -14069,7 +13116,7 @@
           <p:cNvPr id="7" name="TextBox 6">
             <a:extLst>
               <a:ext uri="{FF2B5EF4-FFF2-40B4-BE49-F238E27FC236}">
-                <a16:creationId xmlns:a16="http://schemas.microsoft.com/office/drawing/2014/main" xmlns="" id="{C6D113C6-EA5C-788F-0C77-E7CE6EBB865F}"/>
+                <a16:creationId xmlns:a16="http://schemas.microsoft.com/office/drawing/2014/main" id="{C6D113C6-EA5C-788F-0C77-E7CE6EBB865F}"/>
               </a:ext>
             </a:extLst>
           </p:cNvPr>
@@ -14147,7 +13194,7 @@
           <p:cNvPr id="11" name="TextBox 10">
             <a:extLst>
               <a:ext uri="{FF2B5EF4-FFF2-40B4-BE49-F238E27FC236}">
-                <a16:creationId xmlns:a16="http://schemas.microsoft.com/office/drawing/2014/main" xmlns="" id="{5ADC00B6-990A-40DC-3CEA-505258F5E8DA}"/>
+                <a16:creationId xmlns:a16="http://schemas.microsoft.com/office/drawing/2014/main" id="{5ADC00B6-990A-40DC-3CEA-505258F5E8DA}"/>
               </a:ext>
             </a:extLst>
           </p:cNvPr>
@@ -14307,7 +13354,7 @@
           <p:cNvPr id="8" name="직선 화살표 연결선 7">
             <a:extLst>
               <a:ext uri="{FF2B5EF4-FFF2-40B4-BE49-F238E27FC236}">
-                <a16:creationId xmlns:a16="http://schemas.microsoft.com/office/drawing/2014/main" xmlns="" id="{299DF5EC-9DF4-5255-06AC-0A7CE4FF58C3}"/>
+                <a16:creationId xmlns:a16="http://schemas.microsoft.com/office/drawing/2014/main" id="{299DF5EC-9DF4-5255-06AC-0A7CE4FF58C3}"/>
               </a:ext>
             </a:extLst>
           </p:cNvPr>
@@ -14349,7 +13396,7 @@
           <p:cNvPr id="9" name="TextBox 8">
             <a:extLst>
               <a:ext uri="{FF2B5EF4-FFF2-40B4-BE49-F238E27FC236}">
-                <a16:creationId xmlns:a16="http://schemas.microsoft.com/office/drawing/2014/main" xmlns="" id="{C6D113C6-EA5C-788F-0C77-E7CE6EBB865F}"/>
+                <a16:creationId xmlns:a16="http://schemas.microsoft.com/office/drawing/2014/main" id="{C6D113C6-EA5C-788F-0C77-E7CE6EBB865F}"/>
               </a:ext>
             </a:extLst>
           </p:cNvPr>
@@ -14407,7 +13454,7 @@
           <p:cNvPr id="11" name="TextBox 10">
             <a:extLst>
               <a:ext uri="{FF2B5EF4-FFF2-40B4-BE49-F238E27FC236}">
-                <a16:creationId xmlns:a16="http://schemas.microsoft.com/office/drawing/2014/main" xmlns="" id="{C6D113C6-EA5C-788F-0C77-E7CE6EBB865F}"/>
+                <a16:creationId xmlns:a16="http://schemas.microsoft.com/office/drawing/2014/main" id="{C6D113C6-EA5C-788F-0C77-E7CE6EBB865F}"/>
               </a:ext>
             </a:extLst>
           </p:cNvPr>
@@ -14475,7 +13522,7 @@
           <p:cNvPr id="12" name="TextBox 11">
             <a:extLst>
               <a:ext uri="{FF2B5EF4-FFF2-40B4-BE49-F238E27FC236}">
-                <a16:creationId xmlns:a16="http://schemas.microsoft.com/office/drawing/2014/main" xmlns="" id="{C6D113C6-EA5C-788F-0C77-E7CE6EBB865F}"/>
+                <a16:creationId xmlns:a16="http://schemas.microsoft.com/office/drawing/2014/main" id="{C6D113C6-EA5C-788F-0C77-E7CE6EBB865F}"/>
               </a:ext>
             </a:extLst>
           </p:cNvPr>
@@ -14583,7 +13630,7 @@
           <p:cNvPr id="14" name="TextBox 13">
             <a:extLst>
               <a:ext uri="{FF2B5EF4-FFF2-40B4-BE49-F238E27FC236}">
-                <a16:creationId xmlns:a16="http://schemas.microsoft.com/office/drawing/2014/main" xmlns="" id="{5ADC00B6-990A-40DC-3CEA-505258F5E8DA}"/>
+                <a16:creationId xmlns:a16="http://schemas.microsoft.com/office/drawing/2014/main" id="{5ADC00B6-990A-40DC-3CEA-505258F5E8DA}"/>
               </a:ext>
             </a:extLst>
           </p:cNvPr>
@@ -14665,7 +13712,7 @@
           <p:cNvPr id="16" name="TextBox 15">
             <a:extLst>
               <a:ext uri="{FF2B5EF4-FFF2-40B4-BE49-F238E27FC236}">
-                <a16:creationId xmlns:a16="http://schemas.microsoft.com/office/drawing/2014/main" xmlns="" id="{C6D113C6-EA5C-788F-0C77-E7CE6EBB865F}"/>
+                <a16:creationId xmlns:a16="http://schemas.microsoft.com/office/drawing/2014/main" id="{C6D113C6-EA5C-788F-0C77-E7CE6EBB865F}"/>
               </a:ext>
             </a:extLst>
           </p:cNvPr>
@@ -14911,7 +13958,7 @@
           <p:cNvPr id="5" name="TextBox 4">
             <a:extLst>
               <a:ext uri="{FF2B5EF4-FFF2-40B4-BE49-F238E27FC236}">
-                <a16:creationId xmlns:a16="http://schemas.microsoft.com/office/drawing/2014/main" xmlns="" id="{C6D113C6-EA5C-788F-0C77-E7CE6EBB865F}"/>
+                <a16:creationId xmlns:a16="http://schemas.microsoft.com/office/drawing/2014/main" id="{C6D113C6-EA5C-788F-0C77-E7CE6EBB865F}"/>
               </a:ext>
             </a:extLst>
           </p:cNvPr>
@@ -14999,7 +14046,7 @@
           <p:cNvPr id="6" name="직사각형 5">
             <a:extLst>
               <a:ext uri="{FF2B5EF4-FFF2-40B4-BE49-F238E27FC236}">
-                <a16:creationId xmlns:a16="http://schemas.microsoft.com/office/drawing/2014/main" xmlns="" id="{FFF506F9-840A-0508-4CAF-3AC711D8D5CE}"/>
+                <a16:creationId xmlns:a16="http://schemas.microsoft.com/office/drawing/2014/main" id="{FFF506F9-840A-0508-4CAF-3AC711D8D5CE}"/>
               </a:ext>
             </a:extLst>
           </p:cNvPr>
@@ -15051,7 +14098,7 @@
           <p:cNvPr id="7" name="직선 화살표 연결선 6">
             <a:extLst>
               <a:ext uri="{FF2B5EF4-FFF2-40B4-BE49-F238E27FC236}">
-                <a16:creationId xmlns:a16="http://schemas.microsoft.com/office/drawing/2014/main" xmlns="" id="{299DF5EC-9DF4-5255-06AC-0A7CE4FF58C3}"/>
+                <a16:creationId xmlns:a16="http://schemas.microsoft.com/office/drawing/2014/main" id="{299DF5EC-9DF4-5255-06AC-0A7CE4FF58C3}"/>
               </a:ext>
             </a:extLst>
           </p:cNvPr>
@@ -15103,14 +14150,6 @@
 <file path=ppt/slides/slide9.xml><?xml version="1.0" encoding="utf-8"?>
 <p:sld xmlns:a="http://schemas.openxmlformats.org/drawingml/2006/main" xmlns:r="http://schemas.openxmlformats.org/officeDocument/2006/relationships" xmlns:p="http://schemas.openxmlformats.org/presentationml/2006/main">
   <p:cSld>
-    <p:bg>
-      <p:bgPr>
-        <a:solidFill>
-          <a:srgbClr val="4C50BB"/>
-        </a:solidFill>
-        <a:effectLst/>
-      </p:bgPr>
-    </p:bg>
     <p:spTree>
       <p:nvGrpSpPr>
         <p:cNvPr id="1" name=""/>
@@ -15125,180 +14164,244 @@
           <a:chExt cx="0" cy="0"/>
         </a:xfrm>
       </p:grpSpPr>
-      <p:grpSp>
-        <p:nvGrpSpPr>
-          <p:cNvPr id="1001" name="그룹 1001"/>
-          <p:cNvGrpSpPr/>
-          <p:nvPr/>
-        </p:nvGrpSpPr>
-        <p:grpSpPr>
-          <a:xfrm>
-            <a:off x="-159165" y="3685351"/>
-            <a:ext cx="1432688" cy="191978"/>
-            <a:chOff x="-159165" y="3685351"/>
-            <a:chExt cx="1432688" cy="191978"/>
-          </a:xfrm>
-        </p:grpSpPr>
-        <p:pic>
-          <p:nvPicPr>
-            <p:cNvPr id="3" name="Object 2"/>
-            <p:cNvPicPr>
-              <a:picLocks noChangeAspect="1"/>
-            </p:cNvPicPr>
-            <p:nvPr/>
-          </p:nvPicPr>
-          <p:blipFill>
-            <a:blip r:embed="rId2" cstate="print"/>
-            <a:stretch>
-              <a:fillRect/>
-            </a:stretch>
-          </p:blipFill>
-          <p:spPr>
-            <a:xfrm rot="-10800000">
-              <a:off x="-159165" y="3685351"/>
-              <a:ext cx="1432688" cy="191978"/>
-            </a:xfrm>
-            <a:prstGeom prst="rect">
-              <a:avLst/>
-            </a:prstGeom>
-          </p:spPr>
-        </p:pic>
-      </p:grpSp>
-      <p:grpSp>
-        <p:nvGrpSpPr>
-          <p:cNvPr id="1002" name="그룹 1002"/>
-          <p:cNvGrpSpPr/>
-          <p:nvPr/>
-        </p:nvGrpSpPr>
-        <p:grpSpPr>
-          <a:xfrm>
-            <a:off x="13074845" y="-1224069"/>
-            <a:ext cx="3388803" cy="3355932"/>
-            <a:chOff x="13074845" y="-1224069"/>
-            <a:chExt cx="3388803" cy="3355932"/>
-          </a:xfrm>
-        </p:grpSpPr>
-        <p:pic>
-          <p:nvPicPr>
-            <p:cNvPr id="6" name="Object 5"/>
-            <p:cNvPicPr>
-              <a:picLocks noChangeAspect="1"/>
-            </p:cNvPicPr>
-            <p:nvPr/>
-          </p:nvPicPr>
-          <p:blipFill>
-            <a:blip r:embed="rId3" cstate="print"/>
-            <a:stretch>
-              <a:fillRect/>
-            </a:stretch>
-          </p:blipFill>
-          <p:spPr>
-            <a:xfrm>
-              <a:off x="13074845" y="-1224069"/>
-              <a:ext cx="3388803" cy="3355932"/>
-            </a:xfrm>
-            <a:prstGeom prst="rect">
-              <a:avLst/>
-            </a:prstGeom>
-          </p:spPr>
-        </p:pic>
-      </p:grpSp>
-      <p:grpSp>
-        <p:nvGrpSpPr>
-          <p:cNvPr id="1003" name="그룹 1003"/>
-          <p:cNvGrpSpPr/>
-          <p:nvPr/>
-        </p:nvGrpSpPr>
-        <p:grpSpPr>
-          <a:xfrm>
-            <a:off x="15502230" y="-877556"/>
-            <a:ext cx="3902974" cy="3971928"/>
-            <a:chOff x="15502230" y="-877556"/>
-            <a:chExt cx="3902974" cy="3971928"/>
-          </a:xfrm>
-        </p:grpSpPr>
-        <p:pic>
-          <p:nvPicPr>
-            <p:cNvPr id="9" name="Object 8"/>
-            <p:cNvPicPr>
-              <a:picLocks noChangeAspect="1"/>
-            </p:cNvPicPr>
-            <p:nvPr/>
-          </p:nvPicPr>
-          <p:blipFill>
-            <a:blip r:embed="rId4" cstate="print"/>
-            <a:stretch>
-              <a:fillRect/>
-            </a:stretch>
-          </p:blipFill>
-          <p:spPr>
-            <a:xfrm rot="-2700000">
-              <a:off x="15502230" y="-877556"/>
-              <a:ext cx="3902974" cy="3971928"/>
-            </a:xfrm>
-            <a:prstGeom prst="rect">
-              <a:avLst/>
-            </a:prstGeom>
-          </p:spPr>
-        </p:pic>
-      </p:grpSp>
-      <p:grpSp>
-        <p:nvGrpSpPr>
-          <p:cNvPr id="1004" name="그룹 1004"/>
-          <p:cNvGrpSpPr/>
-          <p:nvPr/>
-        </p:nvGrpSpPr>
-        <p:grpSpPr>
-          <a:xfrm>
-            <a:off x="14137208" y="6930045"/>
-            <a:ext cx="4652881" cy="4607748"/>
-            <a:chOff x="14137208" y="6930045"/>
-            <a:chExt cx="4652881" cy="4607748"/>
-          </a:xfrm>
-        </p:grpSpPr>
-        <p:pic>
-          <p:nvPicPr>
-            <p:cNvPr id="12" name="Object 11"/>
-            <p:cNvPicPr>
-              <a:picLocks noChangeAspect="1"/>
-            </p:cNvPicPr>
-            <p:nvPr/>
-          </p:nvPicPr>
-          <p:blipFill>
-            <a:blip r:embed="rId5" cstate="print"/>
-            <a:stretch>
-              <a:fillRect/>
-            </a:stretch>
-          </p:blipFill>
-          <p:spPr>
-            <a:xfrm>
-              <a:off x="14137208" y="6930045"/>
-              <a:ext cx="4652881" cy="4607748"/>
-            </a:xfrm>
-            <a:prstGeom prst="rect">
-              <a:avLst/>
-            </a:prstGeom>
-          </p:spPr>
-        </p:pic>
-      </p:grpSp>
+      <p:sp>
+        <p:nvSpPr>
+          <p:cNvPr id="4" name="TextBox 3">
+            <a:extLst>
+              <a:ext uri="{FF2B5EF4-FFF2-40B4-BE49-F238E27FC236}">
+                <a16:creationId xmlns:a16="http://schemas.microsoft.com/office/drawing/2014/main" id="{6DFE3CFD-8AE7-B344-5821-D059E09D144B}"/>
+              </a:ext>
+            </a:extLst>
+          </p:cNvPr>
+          <p:cNvSpPr txBox="1"/>
+          <p:nvPr/>
+        </p:nvSpPr>
+        <p:spPr>
+          <a:xfrm>
+            <a:off x="990600" y="266700"/>
+            <a:ext cx="6096000" cy="830997"/>
+          </a:xfrm>
+          <a:prstGeom prst="rect">
+            <a:avLst/>
+          </a:prstGeom>
+          <a:noFill/>
+        </p:spPr>
+        <p:txBody>
+          <a:bodyPr wrap="square" rtlCol="0">
+            <a:spAutoFit/>
+          </a:bodyPr>
+          <a:lstStyle/>
+          <a:p>
+            <a:r>
+              <a:rPr lang="ko-KR" altLang="en-US" sz="4800" dirty="0">
+                <a:solidFill>
+                  <a:srgbClr val="4C50BC"/>
+                </a:solidFill>
+                <a:latin typeface="G마켓 산스 Medium" panose="02000000000000000000" pitchFamily="50" charset="-127"/>
+                <a:ea typeface="G마켓 산스 Medium" panose="02000000000000000000" pitchFamily="50" charset="-127"/>
+              </a:rPr>
+              <a:t>실습문제</a:t>
+            </a:r>
+            <a:endParaRPr lang="en-US" altLang="ko-KR" sz="4800" dirty="0">
+              <a:solidFill>
+                <a:srgbClr val="4C50BC"/>
+              </a:solidFill>
+              <a:latin typeface="G마켓 산스 Medium" panose="02000000000000000000" pitchFamily="50" charset="-127"/>
+              <a:ea typeface="G마켓 산스 Medium" panose="02000000000000000000" pitchFamily="50" charset="-127"/>
+            </a:endParaRPr>
+          </a:p>
+        </p:txBody>
+      </p:sp>
+      <p:sp>
+        <p:nvSpPr>
+          <p:cNvPr id="5" name="TextBox 4">
+            <a:extLst>
+              <a:ext uri="{FF2B5EF4-FFF2-40B4-BE49-F238E27FC236}">
+                <a16:creationId xmlns:a16="http://schemas.microsoft.com/office/drawing/2014/main" id="{B7EB6279-6EB7-CE1E-EAD0-CF0DFEBD41C3}"/>
+              </a:ext>
+            </a:extLst>
+          </p:cNvPr>
+          <p:cNvSpPr txBox="1"/>
+          <p:nvPr/>
+        </p:nvSpPr>
+        <p:spPr>
+          <a:xfrm>
+            <a:off x="381000" y="1362599"/>
+            <a:ext cx="11734800" cy="707886"/>
+          </a:xfrm>
+          <a:prstGeom prst="rect">
+            <a:avLst/>
+          </a:prstGeom>
+          <a:noFill/>
+        </p:spPr>
+        <p:txBody>
+          <a:bodyPr wrap="square" rtlCol="0">
+            <a:spAutoFit/>
+          </a:bodyPr>
+          <a:lstStyle/>
+          <a:p>
+            <a:r>
+              <a:rPr lang="en-US" altLang="ko-KR" sz="4000" dirty="0">
+                <a:solidFill>
+                  <a:schemeClr val="tx1">
+                    <a:lumMod val="50000"/>
+                    <a:lumOff val="50000"/>
+                  </a:schemeClr>
+                </a:solidFill>
+                <a:latin typeface="G마켓 산스 Medium" panose="02000000000000000000" pitchFamily="50" charset="-127"/>
+                <a:ea typeface="G마켓 산스 Medium" panose="02000000000000000000" pitchFamily="50" charset="-127"/>
+              </a:rPr>
+              <a:t>1. </a:t>
+            </a:r>
+            <a:r>
+              <a:rPr lang="ko-KR" altLang="en-US" sz="4000" dirty="0">
+                <a:solidFill>
+                  <a:schemeClr val="tx1">
+                    <a:lumMod val="50000"/>
+                    <a:lumOff val="50000"/>
+                  </a:schemeClr>
+                </a:solidFill>
+                <a:latin typeface="G마켓 산스 Medium" panose="02000000000000000000" pitchFamily="50" charset="-127"/>
+                <a:ea typeface="G마켓 산스 Medium" panose="02000000000000000000" pitchFamily="50" charset="-127"/>
+              </a:rPr>
+              <a:t>정수 한 개를 입력 받아 </a:t>
+            </a:r>
+            <a:r>
+              <a:rPr lang="en-US" altLang="ko-KR" sz="4000" dirty="0">
+                <a:solidFill>
+                  <a:schemeClr val="tx1">
+                    <a:lumMod val="50000"/>
+                    <a:lumOff val="50000"/>
+                  </a:schemeClr>
+                </a:solidFill>
+                <a:latin typeface="G마켓 산스 Medium" panose="02000000000000000000" pitchFamily="50" charset="-127"/>
+                <a:ea typeface="G마켓 산스 Medium" panose="02000000000000000000" pitchFamily="50" charset="-127"/>
+              </a:rPr>
+              <a:t>50</a:t>
+            </a:r>
+            <a:r>
+              <a:rPr lang="ko-KR" altLang="en-US" sz="4000" dirty="0">
+                <a:solidFill>
+                  <a:schemeClr val="tx1">
+                    <a:lumMod val="50000"/>
+                    <a:lumOff val="50000"/>
+                  </a:schemeClr>
+                </a:solidFill>
+                <a:latin typeface="G마켓 산스 Medium" panose="02000000000000000000" pitchFamily="50" charset="-127"/>
+                <a:ea typeface="G마켓 산스 Medium" panose="02000000000000000000" pitchFamily="50" charset="-127"/>
+              </a:rPr>
+              <a:t>이상인지 </a:t>
+            </a:r>
+            <a:r>
+              <a:rPr lang="ko-KR" altLang="en-US" sz="4000" dirty="0" err="1">
+                <a:solidFill>
+                  <a:schemeClr val="tx1">
+                    <a:lumMod val="50000"/>
+                    <a:lumOff val="50000"/>
+                  </a:schemeClr>
+                </a:solidFill>
+                <a:latin typeface="G마켓 산스 Medium" panose="02000000000000000000" pitchFamily="50" charset="-127"/>
+                <a:ea typeface="G마켓 산스 Medium" panose="02000000000000000000" pitchFamily="50" charset="-127"/>
+              </a:rPr>
+              <a:t>출력하시오</a:t>
+            </a:r>
+            <a:endParaRPr lang="en-US" altLang="ko-KR" sz="4000" dirty="0">
+              <a:solidFill>
+                <a:schemeClr val="tx1">
+                  <a:lumMod val="50000"/>
+                  <a:lumOff val="50000"/>
+                </a:schemeClr>
+              </a:solidFill>
+              <a:latin typeface="G마켓 산스 Medium" panose="02000000000000000000" pitchFamily="50" charset="-127"/>
+              <a:ea typeface="G마켓 산스 Medium" panose="02000000000000000000" pitchFamily="50" charset="-127"/>
+            </a:endParaRPr>
+          </a:p>
+        </p:txBody>
+      </p:sp>
       <p:pic>
         <p:nvPicPr>
-          <p:cNvPr id="15" name="Object 14"/>
+          <p:cNvPr id="7" name="그림 6">
+            <a:extLst>
+              <a:ext uri="{FF2B5EF4-FFF2-40B4-BE49-F238E27FC236}">
+                <a16:creationId xmlns:a16="http://schemas.microsoft.com/office/drawing/2014/main" id="{73215715-FBC0-D58E-F951-C109B809511E}"/>
+              </a:ext>
+            </a:extLst>
+          </p:cNvPr>
           <p:cNvPicPr>
             <a:picLocks noChangeAspect="1"/>
           </p:cNvPicPr>
           <p:nvPr/>
         </p:nvPicPr>
         <p:blipFill>
-          <a:blip r:embed="rId6" cstate="print"/>
+          <a:blip r:embed="rId2"/>
           <a:stretch>
             <a:fillRect/>
           </a:stretch>
         </p:blipFill>
         <p:spPr>
           <a:xfrm>
-            <a:off x="1468058" y="2416536"/>
-            <a:ext cx="3149371" cy="3284880"/>
+            <a:off x="1143000" y="2324101"/>
+            <a:ext cx="2819400" cy="1510394"/>
+          </a:xfrm>
+          <a:prstGeom prst="rect">
+            <a:avLst/>
+          </a:prstGeom>
+        </p:spPr>
+      </p:pic>
+      <p:pic>
+        <p:nvPicPr>
+          <p:cNvPr id="9" name="그림 8">
+            <a:extLst>
+              <a:ext uri="{FF2B5EF4-FFF2-40B4-BE49-F238E27FC236}">
+                <a16:creationId xmlns:a16="http://schemas.microsoft.com/office/drawing/2014/main" id="{3A609EEB-FE3B-A0C4-FB5C-307EB00F55D9}"/>
+              </a:ext>
+            </a:extLst>
+          </p:cNvPr>
+          <p:cNvPicPr>
+            <a:picLocks noChangeAspect="1"/>
+          </p:cNvPicPr>
+          <p:nvPr/>
+        </p:nvPicPr>
+        <p:blipFill>
+          <a:blip r:embed="rId3"/>
+          <a:stretch>
+            <a:fillRect/>
+          </a:stretch>
+        </p:blipFill>
+        <p:spPr>
+          <a:xfrm>
+            <a:off x="4648200" y="2324101"/>
+            <a:ext cx="2669888" cy="1510394"/>
+          </a:xfrm>
+          <a:prstGeom prst="rect">
+            <a:avLst/>
+          </a:prstGeom>
+        </p:spPr>
+      </p:pic>
+      <p:pic>
+        <p:nvPicPr>
+          <p:cNvPr id="11" name="그림 10">
+            <a:extLst>
+              <a:ext uri="{FF2B5EF4-FFF2-40B4-BE49-F238E27FC236}">
+                <a16:creationId xmlns:a16="http://schemas.microsoft.com/office/drawing/2014/main" id="{1A895C80-F732-6D8C-2A18-E97A06A04FF4}"/>
+              </a:ext>
+            </a:extLst>
+          </p:cNvPr>
+          <p:cNvPicPr>
+            <a:picLocks noChangeAspect="1"/>
+          </p:cNvPicPr>
+          <p:nvPr/>
+        </p:nvPicPr>
+        <p:blipFill>
+          <a:blip r:embed="rId4"/>
+          <a:stretch>
+            <a:fillRect/>
+          </a:stretch>
+        </p:blipFill>
+        <p:spPr>
+          <a:xfrm>
+            <a:off x="11887200" y="419100"/>
+            <a:ext cx="6096000" cy="3695502"/>
           </a:xfrm>
           <a:prstGeom prst="rect">
             <a:avLst/>
@@ -15310,7 +14413,7 @@
           <p:cNvPr id="2" name="TextBox 1">
             <a:extLst>
               <a:ext uri="{FF2B5EF4-FFF2-40B4-BE49-F238E27FC236}">
-                <a16:creationId xmlns:a16="http://schemas.microsoft.com/office/drawing/2014/main" xmlns="" id="{76F36AE5-79B5-0B9F-E510-1C27AAC4B649}"/>
+                <a16:creationId xmlns:a16="http://schemas.microsoft.com/office/drawing/2014/main" id="{544B4A8C-50DE-F53E-3772-6A38DC3A6433}"/>
               </a:ext>
             </a:extLst>
           </p:cNvPr>
@@ -15319,8 +14422,8 @@
         </p:nvSpPr>
         <p:spPr>
           <a:xfrm>
-            <a:off x="2172958" y="5295900"/>
-            <a:ext cx="3687228" cy="1107996"/>
+            <a:off x="381000" y="4533900"/>
+            <a:ext cx="14097000" cy="707886"/>
           </a:xfrm>
           <a:prstGeom prst="rect">
             <a:avLst/>
@@ -15328,34 +14431,56 @@
           <a:noFill/>
         </p:spPr>
         <p:txBody>
-          <a:bodyPr wrap="none" rtlCol="0">
+          <a:bodyPr wrap="square" rtlCol="0">
             <a:spAutoFit/>
           </a:bodyPr>
           <a:lstStyle/>
           <a:p>
             <a:r>
-              <a:rPr lang="en-US" altLang="ko-KR" sz="6600" smtClean="0">
-                <a:solidFill>
-                  <a:schemeClr val="bg1"/>
-                </a:solidFill>
-                <a:latin typeface="G마켓 산스 Medium" panose="02000000000000000000" pitchFamily="50" charset="-127"/>
-                <a:ea typeface="G마켓 산스 Medium" panose="02000000000000000000" pitchFamily="50" charset="-127"/>
-              </a:rPr>
-              <a:t>If else</a:t>
-            </a:r>
-            <a:r>
-              <a:rPr lang="ko-KR" altLang="en-US" sz="6600" smtClean="0">
-                <a:solidFill>
-                  <a:schemeClr val="bg1"/>
-                </a:solidFill>
-                <a:latin typeface="G마켓 산스 Medium" panose="02000000000000000000" pitchFamily="50" charset="-127"/>
-                <a:ea typeface="G마켓 산스 Medium" panose="02000000000000000000" pitchFamily="50" charset="-127"/>
-              </a:rPr>
-              <a:t>문</a:t>
-            </a:r>
-            <a:endParaRPr lang="ko-KR" altLang="en-US" sz="2800" dirty="0">
+              <a:rPr lang="en-US" altLang="ko-KR" sz="4000" dirty="0">
+                <a:solidFill>
+                  <a:schemeClr val="tx1">
+                    <a:lumMod val="50000"/>
+                    <a:lumOff val="50000"/>
+                  </a:schemeClr>
+                </a:solidFill>
+                <a:latin typeface="G마켓 산스 Medium" panose="02000000000000000000" pitchFamily="50" charset="-127"/>
+                <a:ea typeface="G마켓 산스 Medium" panose="02000000000000000000" pitchFamily="50" charset="-127"/>
+              </a:rPr>
+              <a:t>2. 3</a:t>
+            </a:r>
+            <a:r>
+              <a:rPr lang="ko-KR" altLang="en-US" sz="4000" dirty="0">
+                <a:solidFill>
+                  <a:schemeClr val="tx1">
+                    <a:lumMod val="50000"/>
+                    <a:lumOff val="50000"/>
+                  </a:schemeClr>
+                </a:solidFill>
+                <a:latin typeface="G마켓 산스 Medium" panose="02000000000000000000" pitchFamily="50" charset="-127"/>
+                <a:ea typeface="G마켓 산스 Medium" panose="02000000000000000000" pitchFamily="50" charset="-127"/>
+              </a:rPr>
+              <a:t>개의 서로 다른 정수를 입력 받아 최대값을 </a:t>
+            </a:r>
+            <a:r>
+              <a:rPr lang="ko-KR" altLang="en-US" sz="4000" dirty="0" err="1">
+                <a:solidFill>
+                  <a:schemeClr val="tx1">
+                    <a:lumMod val="50000"/>
+                    <a:lumOff val="50000"/>
+                  </a:schemeClr>
+                </a:solidFill>
+                <a:latin typeface="G마켓 산스 Medium" panose="02000000000000000000" pitchFamily="50" charset="-127"/>
+                <a:ea typeface="G마켓 산스 Medium" panose="02000000000000000000" pitchFamily="50" charset="-127"/>
+              </a:rPr>
+              <a:t>출력하시오</a:t>
+            </a:r>
+            <a:endParaRPr lang="en-US" altLang="ko-KR" sz="4000" dirty="0">
               <a:solidFill>
-                <a:schemeClr val="bg1"/>
+                <a:schemeClr val="tx1">
+                  <a:lumMod val="50000"/>
+                  <a:lumOff val="50000"/>
+                </a:schemeClr>
               </a:solidFill>
               <a:latin typeface="G마켓 산스 Medium" panose="02000000000000000000" pitchFamily="50" charset="-127"/>
               <a:ea typeface="G마켓 산스 Medium" panose="02000000000000000000" pitchFamily="50" charset="-127"/>
@@ -15363,16 +14488,226 @@
           </a:p>
         </p:txBody>
       </p:sp>
+      <p:pic>
+        <p:nvPicPr>
+          <p:cNvPr id="10" name="그림 9">
+            <a:extLst>
+              <a:ext uri="{FF2B5EF4-FFF2-40B4-BE49-F238E27FC236}">
+                <a16:creationId xmlns:a16="http://schemas.microsoft.com/office/drawing/2014/main" id="{AA24DD58-EB34-2CF3-679C-A44BAE4CBF17}"/>
+              </a:ext>
+            </a:extLst>
+          </p:cNvPr>
+          <p:cNvPicPr>
+            <a:picLocks noChangeAspect="1"/>
+          </p:cNvPicPr>
+          <p:nvPr/>
+        </p:nvPicPr>
+        <p:blipFill>
+          <a:blip r:embed="rId5"/>
+          <a:stretch>
+            <a:fillRect/>
+          </a:stretch>
+        </p:blipFill>
+        <p:spPr>
+          <a:xfrm>
+            <a:off x="609600" y="7891616"/>
+            <a:ext cx="3733800" cy="2357284"/>
+          </a:xfrm>
+          <a:prstGeom prst="rect">
+            <a:avLst/>
+          </a:prstGeom>
+        </p:spPr>
+      </p:pic>
+      <p:pic>
+        <p:nvPicPr>
+          <p:cNvPr id="13" name="그림 12">
+            <a:extLst>
+              <a:ext uri="{FF2B5EF4-FFF2-40B4-BE49-F238E27FC236}">
+                <a16:creationId xmlns:a16="http://schemas.microsoft.com/office/drawing/2014/main" id="{AC71D4B4-486B-D8B5-866B-E2CD93FAF6CB}"/>
+              </a:ext>
+            </a:extLst>
+          </p:cNvPr>
+          <p:cNvPicPr>
+            <a:picLocks noChangeAspect="1"/>
+          </p:cNvPicPr>
+          <p:nvPr/>
+        </p:nvPicPr>
+        <p:blipFill>
+          <a:blip r:embed="rId6"/>
+          <a:stretch>
+            <a:fillRect/>
+          </a:stretch>
+        </p:blipFill>
+        <p:spPr>
+          <a:xfrm>
+            <a:off x="609600" y="5676900"/>
+            <a:ext cx="8342871" cy="2253658"/>
+          </a:xfrm>
+          <a:prstGeom prst="rect">
+            <a:avLst/>
+          </a:prstGeom>
+        </p:spPr>
+      </p:pic>
+      <p:pic>
+        <p:nvPicPr>
+          <p:cNvPr id="15" name="그림 14">
+            <a:extLst>
+              <a:ext uri="{FF2B5EF4-FFF2-40B4-BE49-F238E27FC236}">
+                <a16:creationId xmlns:a16="http://schemas.microsoft.com/office/drawing/2014/main" id="{07338165-3415-4373-D05D-C7930059FE3B}"/>
+              </a:ext>
+            </a:extLst>
+          </p:cNvPr>
+          <p:cNvPicPr>
+            <a:picLocks noChangeAspect="1"/>
+          </p:cNvPicPr>
+          <p:nvPr/>
+        </p:nvPicPr>
+        <p:blipFill>
+          <a:blip r:embed="rId7"/>
+          <a:stretch>
+            <a:fillRect/>
+          </a:stretch>
+        </p:blipFill>
+        <p:spPr>
+          <a:xfrm>
+            <a:off x="9982200" y="5295900"/>
+            <a:ext cx="7692075" cy="4724400"/>
+          </a:xfrm>
+          <a:prstGeom prst="rect">
+            <a:avLst/>
+          </a:prstGeom>
+        </p:spPr>
+      </p:pic>
     </p:spTree>
     <p:extLst>
       <p:ext uri="{BB962C8B-B14F-4D97-AF65-F5344CB8AC3E}">
-        <p14:creationId xmlns:p14="http://schemas.microsoft.com/office/powerpoint/2010/main" val="52312865"/>
+        <p14:creationId xmlns:p14="http://schemas.microsoft.com/office/powerpoint/2010/main" val="3288539428"/>
       </p:ext>
     </p:extLst>
   </p:cSld>
   <p:clrMapOvr>
     <a:masterClrMapping/>
   </p:clrMapOvr>
+  <p:timing>
+    <p:tnLst>
+      <p:par>
+        <p:cTn id="1" dur="indefinite" restart="never" nodeType="tmRoot">
+          <p:childTnLst>
+            <p:seq concurrent="1" nextAc="seek">
+              <p:cTn id="2" dur="indefinite" nodeType="mainSeq">
+                <p:childTnLst>
+                  <p:par>
+                    <p:cTn id="3" fill="hold">
+                      <p:stCondLst>
+                        <p:cond delay="indefinite"/>
+                      </p:stCondLst>
+                      <p:childTnLst>
+                        <p:par>
+                          <p:cTn id="4" fill="hold">
+                            <p:stCondLst>
+                              <p:cond delay="0"/>
+                            </p:stCondLst>
+                            <p:childTnLst>
+                              <p:par>
+                                <p:cTn id="5" presetID="1" presetClass="entr" presetSubtype="0" fill="hold" nodeType="clickEffect">
+                                  <p:stCondLst>
+                                    <p:cond delay="0"/>
+                                  </p:stCondLst>
+                                  <p:childTnLst>
+                                    <p:set>
+                                      <p:cBhvr>
+                                        <p:cTn id="6" dur="1" fill="hold">
+                                          <p:stCondLst>
+                                            <p:cond delay="0"/>
+                                          </p:stCondLst>
+                                        </p:cTn>
+                                        <p:tgtEl>
+                                          <p:spTgt spid="11"/>
+                                        </p:tgtEl>
+                                        <p:attrNameLst>
+                                          <p:attrName>style.visibility</p:attrName>
+                                        </p:attrNameLst>
+                                      </p:cBhvr>
+                                      <p:to>
+                                        <p:strVal val="visible"/>
+                                      </p:to>
+                                    </p:set>
+                                  </p:childTnLst>
+                                </p:cTn>
+                              </p:par>
+                            </p:childTnLst>
+                          </p:cTn>
+                        </p:par>
+                      </p:childTnLst>
+                    </p:cTn>
+                  </p:par>
+                  <p:par>
+                    <p:cTn id="7" fill="hold">
+                      <p:stCondLst>
+                        <p:cond delay="indefinite"/>
+                      </p:stCondLst>
+                      <p:childTnLst>
+                        <p:par>
+                          <p:cTn id="8" fill="hold">
+                            <p:stCondLst>
+                              <p:cond delay="0"/>
+                            </p:stCondLst>
+                            <p:childTnLst>
+                              <p:par>
+                                <p:cTn id="9" presetID="1" presetClass="entr" presetSubtype="0" fill="hold" nodeType="clickEffect">
+                                  <p:stCondLst>
+                                    <p:cond delay="0"/>
+                                  </p:stCondLst>
+                                  <p:childTnLst>
+                                    <p:set>
+                                      <p:cBhvr>
+                                        <p:cTn id="10" dur="1" fill="hold">
+                                          <p:stCondLst>
+                                            <p:cond delay="0"/>
+                                          </p:stCondLst>
+                                        </p:cTn>
+                                        <p:tgtEl>
+                                          <p:spTgt spid="15"/>
+                                        </p:tgtEl>
+                                        <p:attrNameLst>
+                                          <p:attrName>style.visibility</p:attrName>
+                                        </p:attrNameLst>
+                                      </p:cBhvr>
+                                      <p:to>
+                                        <p:strVal val="visible"/>
+                                      </p:to>
+                                    </p:set>
+                                  </p:childTnLst>
+                                </p:cTn>
+                              </p:par>
+                            </p:childTnLst>
+                          </p:cTn>
+                        </p:par>
+                      </p:childTnLst>
+                    </p:cTn>
+                  </p:par>
+                </p:childTnLst>
+              </p:cTn>
+              <p:prevCondLst>
+                <p:cond evt="onPrev" delay="0">
+                  <p:tgtEl>
+                    <p:sldTgt/>
+                  </p:tgtEl>
+                </p:cond>
+              </p:prevCondLst>
+              <p:nextCondLst>
+                <p:cond evt="onNext" delay="0">
+                  <p:tgtEl>
+                    <p:sldTgt/>
+                  </p:tgtEl>
+                </p:cond>
+              </p:nextCondLst>
+            </p:seq>
+          </p:childTnLst>
+        </p:cTn>
+      </p:par>
+    </p:tnLst>
+  </p:timing>
 </p:sld>
 </file>
 

--- a/JavaLecture/LectureFile/java 3강.pptx
+++ b/JavaLecture/LectureFile/java 3강.pptx
@@ -5,7 +5,7 @@
     <p:sldMasterId id="2147483648" r:id="rId1"/>
   </p:sldMasterIdLst>
   <p:notesMasterIdLst>
-    <p:notesMasterId r:id="rId29"/>
+    <p:notesMasterId r:id="rId30"/>
   </p:notesMasterIdLst>
   <p:sldIdLst>
     <p:sldId id="257" r:id="rId2"/>
@@ -17,24 +17,25 @@
     <p:sldId id="467" r:id="rId8"/>
     <p:sldId id="468" r:id="rId9"/>
     <p:sldId id="483" r:id="rId10"/>
-    <p:sldId id="281" r:id="rId11"/>
-    <p:sldId id="470" r:id="rId12"/>
-    <p:sldId id="471" r:id="rId13"/>
-    <p:sldId id="472" r:id="rId14"/>
-    <p:sldId id="469" r:id="rId15"/>
-    <p:sldId id="473" r:id="rId16"/>
-    <p:sldId id="474" r:id="rId17"/>
-    <p:sldId id="374" r:id="rId18"/>
-    <p:sldId id="475" r:id="rId19"/>
-    <p:sldId id="477" r:id="rId20"/>
-    <p:sldId id="479" r:id="rId21"/>
-    <p:sldId id="476" r:id="rId22"/>
-    <p:sldId id="478" r:id="rId23"/>
-    <p:sldId id="481" r:id="rId24"/>
-    <p:sldId id="480" r:id="rId25"/>
-    <p:sldId id="385" r:id="rId26"/>
-    <p:sldId id="482" r:id="rId27"/>
-    <p:sldId id="275" r:id="rId28"/>
+    <p:sldId id="484" r:id="rId11"/>
+    <p:sldId id="281" r:id="rId12"/>
+    <p:sldId id="470" r:id="rId13"/>
+    <p:sldId id="471" r:id="rId14"/>
+    <p:sldId id="472" r:id="rId15"/>
+    <p:sldId id="469" r:id="rId16"/>
+    <p:sldId id="473" r:id="rId17"/>
+    <p:sldId id="474" r:id="rId18"/>
+    <p:sldId id="374" r:id="rId19"/>
+    <p:sldId id="475" r:id="rId20"/>
+    <p:sldId id="477" r:id="rId21"/>
+    <p:sldId id="479" r:id="rId22"/>
+    <p:sldId id="476" r:id="rId23"/>
+    <p:sldId id="478" r:id="rId24"/>
+    <p:sldId id="481" r:id="rId25"/>
+    <p:sldId id="480" r:id="rId26"/>
+    <p:sldId id="385" r:id="rId27"/>
+    <p:sldId id="482" r:id="rId28"/>
+    <p:sldId id="275" r:id="rId29"/>
   </p:sldIdLst>
   <p:sldSz cx="18288000" cy="10287000"/>
   <p:notesSz cx="10287000" cy="18288000"/>
@@ -234,7 +235,7 @@
           <a:p>
             <a:fld id="{D79F2C30-10E1-4C46-91DC-BBDB9629E720}" type="datetimeFigureOut">
               <a:rPr lang="ko-KR" altLang="en-US" smtClean="0"/>
-              <a:t>2023-01-14 Saturday</a:t>
+              <a:t>2023-03-25</a:t>
             </a:fld>
             <a:endParaRPr lang="ko-KR" altLang="en-US"/>
           </a:p>
@@ -533,6 +534,9 @@
             <a:off x="685800" y="2130425"/>
             <a:ext cx="7772400" cy="1470025"/>
           </a:xfrm>
+          <a:prstGeom prst="rect">
+            <a:avLst/>
+          </a:prstGeom>
         </p:spPr>
         <p:txBody>
           <a:bodyPr/>
@@ -560,6 +564,9 @@
             <a:off x="1371600" y="3886200"/>
             <a:ext cx="6400800" cy="1752600"/>
           </a:xfrm>
+          <a:prstGeom prst="rect">
+            <a:avLst/>
+          </a:prstGeom>
         </p:spPr>
         <p:txBody>
           <a:bodyPr/>
@@ -673,14 +680,22 @@
             <p:ph type="dt" sz="half" idx="10"/>
           </p:nvPr>
         </p:nvSpPr>
-        <p:spPr/>
+        <p:spPr>
+          <a:xfrm>
+            <a:off x="457200" y="6356350"/>
+            <a:ext cx="2133600" cy="365125"/>
+          </a:xfrm>
+          <a:prstGeom prst="rect">
+            <a:avLst/>
+          </a:prstGeom>
+        </p:spPr>
         <p:txBody>
           <a:bodyPr/>
           <a:lstStyle/>
           <a:p>
             <a:fld id="{F8166F1F-CE9B-4651-A6AA-CD717754106B}" type="datetimeFigureOut">
               <a:rPr lang="en-US" smtClean="0"/>
-              <a:t>1/14/2023</a:t>
+              <a:t>3/25/2023</a:t>
             </a:fld>
             <a:endParaRPr lang="en-US"/>
           </a:p>
@@ -696,7 +711,15 @@
             <p:ph type="ftr" sz="quarter" idx="11"/>
           </p:nvPr>
         </p:nvSpPr>
-        <p:spPr/>
+        <p:spPr>
+          <a:xfrm>
+            <a:off x="3124200" y="6356350"/>
+            <a:ext cx="2895600" cy="365125"/>
+          </a:xfrm>
+          <a:prstGeom prst="rect">
+            <a:avLst/>
+          </a:prstGeom>
+        </p:spPr>
         <p:txBody>
           <a:bodyPr/>
           <a:lstStyle/>
@@ -715,7 +738,15 @@
             <p:ph type="sldNum" sz="quarter" idx="12"/>
           </p:nvPr>
         </p:nvSpPr>
-        <p:spPr/>
+        <p:spPr>
+          <a:xfrm>
+            <a:off x="6553200" y="6356350"/>
+            <a:ext cx="2133600" cy="365125"/>
+          </a:xfrm>
+          <a:prstGeom prst="rect">
+            <a:avLst/>
+          </a:prstGeom>
+        </p:spPr>
         <p:txBody>
           <a:bodyPr/>
           <a:lstStyle/>
@@ -763,7 +794,15 @@
             <p:ph type="title"/>
           </p:nvPr>
         </p:nvSpPr>
-        <p:spPr/>
+        <p:spPr>
+          <a:xfrm>
+            <a:off x="457200" y="274638"/>
+            <a:ext cx="8229600" cy="1143000"/>
+          </a:xfrm>
+          <a:prstGeom prst="rect">
+            <a:avLst/>
+          </a:prstGeom>
+        </p:spPr>
         <p:txBody>
           <a:bodyPr/>
           <a:lstStyle/>
@@ -785,7 +824,15 @@
             <p:ph type="body" orient="vert" idx="1"/>
           </p:nvPr>
         </p:nvSpPr>
-        <p:spPr/>
+        <p:spPr>
+          <a:xfrm>
+            <a:off x="457200" y="1600200"/>
+            <a:ext cx="8229600" cy="4525963"/>
+          </a:xfrm>
+          <a:prstGeom prst="rect">
+            <a:avLst/>
+          </a:prstGeom>
+        </p:spPr>
         <p:txBody>
           <a:bodyPr vert="eaVert"/>
           <a:lstStyle/>
@@ -836,14 +883,22 @@
             <p:ph type="dt" sz="half" idx="10"/>
           </p:nvPr>
         </p:nvSpPr>
-        <p:spPr/>
+        <p:spPr>
+          <a:xfrm>
+            <a:off x="457200" y="6356350"/>
+            <a:ext cx="2133600" cy="365125"/>
+          </a:xfrm>
+          <a:prstGeom prst="rect">
+            <a:avLst/>
+          </a:prstGeom>
+        </p:spPr>
         <p:txBody>
           <a:bodyPr/>
           <a:lstStyle/>
           <a:p>
             <a:fld id="{A76116CE-C4A3-4A05-B2D7-7C2E9A889C0F}" type="datetimeFigureOut">
               <a:rPr lang="en-US" smtClean="0"/>
-              <a:t>1/14/2023</a:t>
+              <a:t>3/25/2023</a:t>
             </a:fld>
             <a:endParaRPr lang="en-US"/>
           </a:p>
@@ -859,7 +914,15 @@
             <p:ph type="ftr" sz="quarter" idx="11"/>
           </p:nvPr>
         </p:nvSpPr>
-        <p:spPr/>
+        <p:spPr>
+          <a:xfrm>
+            <a:off x="3124200" y="6356350"/>
+            <a:ext cx="2895600" cy="365125"/>
+          </a:xfrm>
+          <a:prstGeom prst="rect">
+            <a:avLst/>
+          </a:prstGeom>
+        </p:spPr>
         <p:txBody>
           <a:bodyPr/>
           <a:lstStyle/>
@@ -878,7 +941,15 @@
             <p:ph type="sldNum" sz="quarter" idx="12"/>
           </p:nvPr>
         </p:nvSpPr>
-        <p:spPr/>
+        <p:spPr>
+          <a:xfrm>
+            <a:off x="6553200" y="6356350"/>
+            <a:ext cx="2133600" cy="365125"/>
+          </a:xfrm>
+          <a:prstGeom prst="rect">
+            <a:avLst/>
+          </a:prstGeom>
+        </p:spPr>
         <p:txBody>
           <a:bodyPr/>
           <a:lstStyle/>
@@ -931,6 +1002,9 @@
             <a:off x="6629400" y="274638"/>
             <a:ext cx="2057400" cy="5851525"/>
           </a:xfrm>
+          <a:prstGeom prst="rect">
+            <a:avLst/>
+          </a:prstGeom>
         </p:spPr>
         <p:txBody>
           <a:bodyPr vert="eaVert"/>
@@ -958,6 +1032,9 @@
             <a:off x="457200" y="274638"/>
             <a:ext cx="6019800" cy="5851525"/>
           </a:xfrm>
+          <a:prstGeom prst="rect">
+            <a:avLst/>
+          </a:prstGeom>
         </p:spPr>
         <p:txBody>
           <a:bodyPr vert="eaVert"/>
@@ -1009,14 +1086,22 @@
             <p:ph type="dt" sz="half" idx="10"/>
           </p:nvPr>
         </p:nvSpPr>
-        <p:spPr/>
+        <p:spPr>
+          <a:xfrm>
+            <a:off x="457200" y="6356350"/>
+            <a:ext cx="2133600" cy="365125"/>
+          </a:xfrm>
+          <a:prstGeom prst="rect">
+            <a:avLst/>
+          </a:prstGeom>
+        </p:spPr>
         <p:txBody>
           <a:bodyPr/>
           <a:lstStyle/>
           <a:p>
             <a:fld id="{A76116CE-C4A3-4A05-B2D7-7C2E9A889C0F}" type="datetimeFigureOut">
               <a:rPr lang="en-US" smtClean="0"/>
-              <a:t>1/14/2023</a:t>
+              <a:t>3/25/2023</a:t>
             </a:fld>
             <a:endParaRPr lang="en-US"/>
           </a:p>
@@ -1032,7 +1117,15 @@
             <p:ph type="ftr" sz="quarter" idx="11"/>
           </p:nvPr>
         </p:nvSpPr>
-        <p:spPr/>
+        <p:spPr>
+          <a:xfrm>
+            <a:off x="3124200" y="6356350"/>
+            <a:ext cx="2895600" cy="365125"/>
+          </a:xfrm>
+          <a:prstGeom prst="rect">
+            <a:avLst/>
+          </a:prstGeom>
+        </p:spPr>
         <p:txBody>
           <a:bodyPr/>
           <a:lstStyle/>
@@ -1051,7 +1144,15 @@
             <p:ph type="sldNum" sz="quarter" idx="12"/>
           </p:nvPr>
         </p:nvSpPr>
-        <p:spPr/>
+        <p:spPr>
+          <a:xfrm>
+            <a:off x="6553200" y="6356350"/>
+            <a:ext cx="2133600" cy="365125"/>
+          </a:xfrm>
+          <a:prstGeom prst="rect">
+            <a:avLst/>
+          </a:prstGeom>
+        </p:spPr>
         <p:txBody>
           <a:bodyPr/>
           <a:lstStyle/>
@@ -1099,7 +1200,15 @@
             <p:ph type="title"/>
           </p:nvPr>
         </p:nvSpPr>
-        <p:spPr/>
+        <p:spPr>
+          <a:xfrm>
+            <a:off x="457200" y="274638"/>
+            <a:ext cx="8229600" cy="1143000"/>
+          </a:xfrm>
+          <a:prstGeom prst="rect">
+            <a:avLst/>
+          </a:prstGeom>
+        </p:spPr>
         <p:txBody>
           <a:bodyPr/>
           <a:lstStyle/>
@@ -1121,7 +1230,15 @@
             <p:ph idx="1"/>
           </p:nvPr>
         </p:nvSpPr>
-        <p:spPr/>
+        <p:spPr>
+          <a:xfrm>
+            <a:off x="457200" y="1600200"/>
+            <a:ext cx="8229600" cy="4525963"/>
+          </a:xfrm>
+          <a:prstGeom prst="rect">
+            <a:avLst/>
+          </a:prstGeom>
+        </p:spPr>
         <p:txBody>
           <a:bodyPr/>
           <a:lstStyle/>
@@ -1174,14 +1291,22 @@
             <p:ph type="dt" sz="half" idx="10"/>
           </p:nvPr>
         </p:nvSpPr>
-        <p:spPr/>
+        <p:spPr>
+          <a:xfrm>
+            <a:off x="457200" y="6356350"/>
+            <a:ext cx="2133600" cy="365125"/>
+          </a:xfrm>
+          <a:prstGeom prst="rect">
+            <a:avLst/>
+          </a:prstGeom>
+        </p:spPr>
         <p:txBody>
           <a:bodyPr/>
           <a:lstStyle/>
           <a:p>
             <a:fld id="{A76116CE-C4A3-4A05-B2D7-7C2E9A889C0F}" type="datetimeFigureOut">
               <a:rPr lang="en-US" smtClean="0"/>
-              <a:t>1/14/2023</a:t>
+              <a:t>3/25/2023</a:t>
             </a:fld>
             <a:endParaRPr lang="en-US"/>
           </a:p>
@@ -1197,7 +1322,15 @@
             <p:ph type="ftr" sz="quarter" idx="11"/>
           </p:nvPr>
         </p:nvSpPr>
-        <p:spPr/>
+        <p:spPr>
+          <a:xfrm>
+            <a:off x="3124200" y="6356350"/>
+            <a:ext cx="2895600" cy="365125"/>
+          </a:xfrm>
+          <a:prstGeom prst="rect">
+            <a:avLst/>
+          </a:prstGeom>
+        </p:spPr>
         <p:txBody>
           <a:bodyPr/>
           <a:lstStyle/>
@@ -1216,7 +1349,15 @@
             <p:ph type="sldNum" sz="quarter" idx="12"/>
           </p:nvPr>
         </p:nvSpPr>
-        <p:spPr/>
+        <p:spPr>
+          <a:xfrm>
+            <a:off x="6553200" y="6356350"/>
+            <a:ext cx="2133600" cy="365125"/>
+          </a:xfrm>
+          <a:prstGeom prst="rect">
+            <a:avLst/>
+          </a:prstGeom>
+        </p:spPr>
         <p:txBody>
           <a:bodyPr/>
           <a:lstStyle/>
@@ -1269,6 +1410,9 @@
             <a:off x="722313" y="4406900"/>
             <a:ext cx="7772400" cy="1362075"/>
           </a:xfrm>
+          <a:prstGeom prst="rect">
+            <a:avLst/>
+          </a:prstGeom>
         </p:spPr>
         <p:txBody>
           <a:bodyPr anchor="t"/>
@@ -1300,6 +1444,9 @@
             <a:off x="722313" y="2906713"/>
             <a:ext cx="7772400" cy="1500187"/>
           </a:xfrm>
+          <a:prstGeom prst="rect">
+            <a:avLst/>
+          </a:prstGeom>
         </p:spPr>
         <p:txBody>
           <a:bodyPr anchor="b"/>
@@ -1414,14 +1561,22 @@
             <p:ph type="dt" sz="half" idx="10"/>
           </p:nvPr>
         </p:nvSpPr>
-        <p:spPr/>
+        <p:spPr>
+          <a:xfrm>
+            <a:off x="457200" y="6356350"/>
+            <a:ext cx="2133600" cy="365125"/>
+          </a:xfrm>
+          <a:prstGeom prst="rect">
+            <a:avLst/>
+          </a:prstGeom>
+        </p:spPr>
         <p:txBody>
           <a:bodyPr/>
           <a:lstStyle/>
           <a:p>
             <a:fld id="{A76116CE-C4A3-4A05-B2D7-7C2E9A889C0F}" type="datetimeFigureOut">
               <a:rPr lang="en-US" smtClean="0"/>
-              <a:t>1/14/2023</a:t>
+              <a:t>3/25/2023</a:t>
             </a:fld>
             <a:endParaRPr lang="en-US"/>
           </a:p>
@@ -1437,7 +1592,15 @@
             <p:ph type="ftr" sz="quarter" idx="11"/>
           </p:nvPr>
         </p:nvSpPr>
-        <p:spPr/>
+        <p:spPr>
+          <a:xfrm>
+            <a:off x="3124200" y="6356350"/>
+            <a:ext cx="2895600" cy="365125"/>
+          </a:xfrm>
+          <a:prstGeom prst="rect">
+            <a:avLst/>
+          </a:prstGeom>
+        </p:spPr>
         <p:txBody>
           <a:bodyPr/>
           <a:lstStyle/>
@@ -1456,7 +1619,15 @@
             <p:ph type="sldNum" sz="quarter" idx="12"/>
           </p:nvPr>
         </p:nvSpPr>
-        <p:spPr/>
+        <p:spPr>
+          <a:xfrm>
+            <a:off x="6553200" y="6356350"/>
+            <a:ext cx="2133600" cy="365125"/>
+          </a:xfrm>
+          <a:prstGeom prst="rect">
+            <a:avLst/>
+          </a:prstGeom>
+        </p:spPr>
         <p:txBody>
           <a:bodyPr/>
           <a:lstStyle/>
@@ -1504,7 +1675,15 @@
             <p:ph type="title"/>
           </p:nvPr>
         </p:nvSpPr>
-        <p:spPr/>
+        <p:spPr>
+          <a:xfrm>
+            <a:off x="457200" y="274638"/>
+            <a:ext cx="8229600" cy="1143000"/>
+          </a:xfrm>
+          <a:prstGeom prst="rect">
+            <a:avLst/>
+          </a:prstGeom>
+        </p:spPr>
         <p:txBody>
           <a:bodyPr/>
           <a:lstStyle/>
@@ -1531,6 +1710,9 @@
             <a:off x="457200" y="1600200"/>
             <a:ext cx="4038600" cy="4525963"/>
           </a:xfrm>
+          <a:prstGeom prst="rect">
+            <a:avLst/>
+          </a:prstGeom>
         </p:spPr>
         <p:txBody>
           <a:bodyPr/>
@@ -1615,6 +1797,9 @@
             <a:off x="4648200" y="1600200"/>
             <a:ext cx="4038600" cy="4525963"/>
           </a:xfrm>
+          <a:prstGeom prst="rect">
+            <a:avLst/>
+          </a:prstGeom>
         </p:spPr>
         <p:txBody>
           <a:bodyPr/>
@@ -1694,14 +1879,22 @@
             <p:ph type="dt" sz="half" idx="10"/>
           </p:nvPr>
         </p:nvSpPr>
-        <p:spPr/>
+        <p:spPr>
+          <a:xfrm>
+            <a:off x="457200" y="6356350"/>
+            <a:ext cx="2133600" cy="365125"/>
+          </a:xfrm>
+          <a:prstGeom prst="rect">
+            <a:avLst/>
+          </a:prstGeom>
+        </p:spPr>
         <p:txBody>
           <a:bodyPr/>
           <a:lstStyle/>
           <a:p>
             <a:fld id="{A76116CE-C4A3-4A05-B2D7-7C2E9A889C0F}" type="datetimeFigureOut">
               <a:rPr lang="en-US" smtClean="0"/>
-              <a:t>1/14/2023</a:t>
+              <a:t>3/25/2023</a:t>
             </a:fld>
             <a:endParaRPr lang="en-US"/>
           </a:p>
@@ -1717,7 +1910,15 @@
             <p:ph type="ftr" sz="quarter" idx="11"/>
           </p:nvPr>
         </p:nvSpPr>
-        <p:spPr/>
+        <p:spPr>
+          <a:xfrm>
+            <a:off x="3124200" y="6356350"/>
+            <a:ext cx="2895600" cy="365125"/>
+          </a:xfrm>
+          <a:prstGeom prst="rect">
+            <a:avLst/>
+          </a:prstGeom>
+        </p:spPr>
         <p:txBody>
           <a:bodyPr/>
           <a:lstStyle/>
@@ -1736,7 +1937,15 @@
             <p:ph type="sldNum" sz="quarter" idx="12"/>
           </p:nvPr>
         </p:nvSpPr>
-        <p:spPr/>
+        <p:spPr>
+          <a:xfrm>
+            <a:off x="6553200" y="6356350"/>
+            <a:ext cx="2133600" cy="365125"/>
+          </a:xfrm>
+          <a:prstGeom prst="rect">
+            <a:avLst/>
+          </a:prstGeom>
+        </p:spPr>
         <p:txBody>
           <a:bodyPr/>
           <a:lstStyle/>
@@ -1784,7 +1993,15 @@
             <p:ph type="title"/>
           </p:nvPr>
         </p:nvSpPr>
-        <p:spPr/>
+        <p:spPr>
+          <a:xfrm>
+            <a:off x="457200" y="274638"/>
+            <a:ext cx="8229600" cy="1143000"/>
+          </a:xfrm>
+          <a:prstGeom prst="rect">
+            <a:avLst/>
+          </a:prstGeom>
+        </p:spPr>
         <p:txBody>
           <a:bodyPr/>
           <a:lstStyle>
@@ -1815,6 +2032,9 @@
             <a:off x="457200" y="1535113"/>
             <a:ext cx="4040188" cy="639762"/>
           </a:xfrm>
+          <a:prstGeom prst="rect">
+            <a:avLst/>
+          </a:prstGeom>
         </p:spPr>
         <p:txBody>
           <a:bodyPr anchor="b"/>
@@ -1880,6 +2100,9 @@
             <a:off x="457200" y="2174875"/>
             <a:ext cx="4040188" cy="3951288"/>
           </a:xfrm>
+          <a:prstGeom prst="rect">
+            <a:avLst/>
+          </a:prstGeom>
         </p:spPr>
         <p:txBody>
           <a:bodyPr/>
@@ -1964,6 +2187,9 @@
             <a:off x="4645025" y="1535113"/>
             <a:ext cx="4041775" cy="639762"/>
           </a:xfrm>
+          <a:prstGeom prst="rect">
+            <a:avLst/>
+          </a:prstGeom>
         </p:spPr>
         <p:txBody>
           <a:bodyPr anchor="b"/>
@@ -2029,6 +2255,9 @@
             <a:off x="4645025" y="2174875"/>
             <a:ext cx="4041775" cy="3951288"/>
           </a:xfrm>
+          <a:prstGeom prst="rect">
+            <a:avLst/>
+          </a:prstGeom>
         </p:spPr>
         <p:txBody>
           <a:bodyPr/>
@@ -2108,14 +2337,22 @@
             <p:ph type="dt" sz="half" idx="10"/>
           </p:nvPr>
         </p:nvSpPr>
-        <p:spPr/>
+        <p:spPr>
+          <a:xfrm>
+            <a:off x="457200" y="6356350"/>
+            <a:ext cx="2133600" cy="365125"/>
+          </a:xfrm>
+          <a:prstGeom prst="rect">
+            <a:avLst/>
+          </a:prstGeom>
+        </p:spPr>
         <p:txBody>
           <a:bodyPr/>
           <a:lstStyle/>
           <a:p>
             <a:fld id="{A76116CE-C4A3-4A05-B2D7-7C2E9A889C0F}" type="datetimeFigureOut">
               <a:rPr lang="en-US" smtClean="0"/>
-              <a:t>1/14/2023</a:t>
+              <a:t>3/25/2023</a:t>
             </a:fld>
             <a:endParaRPr lang="en-US"/>
           </a:p>
@@ -2131,7 +2368,15 @@
             <p:ph type="ftr" sz="quarter" idx="11"/>
           </p:nvPr>
         </p:nvSpPr>
-        <p:spPr/>
+        <p:spPr>
+          <a:xfrm>
+            <a:off x="3124200" y="6356350"/>
+            <a:ext cx="2895600" cy="365125"/>
+          </a:xfrm>
+          <a:prstGeom prst="rect">
+            <a:avLst/>
+          </a:prstGeom>
+        </p:spPr>
         <p:txBody>
           <a:bodyPr/>
           <a:lstStyle/>
@@ -2150,7 +2395,15 @@
             <p:ph type="sldNum" sz="quarter" idx="12"/>
           </p:nvPr>
         </p:nvSpPr>
-        <p:spPr/>
+        <p:spPr>
+          <a:xfrm>
+            <a:off x="6553200" y="6356350"/>
+            <a:ext cx="2133600" cy="365125"/>
+          </a:xfrm>
+          <a:prstGeom prst="rect">
+            <a:avLst/>
+          </a:prstGeom>
+        </p:spPr>
         <p:txBody>
           <a:bodyPr/>
           <a:lstStyle/>
@@ -2198,7 +2451,15 @@
             <p:ph type="title"/>
           </p:nvPr>
         </p:nvSpPr>
-        <p:spPr/>
+        <p:spPr>
+          <a:xfrm>
+            <a:off x="457200" y="274638"/>
+            <a:ext cx="8229600" cy="1143000"/>
+          </a:xfrm>
+          <a:prstGeom prst="rect">
+            <a:avLst/>
+          </a:prstGeom>
+        </p:spPr>
         <p:txBody>
           <a:bodyPr/>
           <a:lstStyle/>
@@ -2220,14 +2481,22 @@
             <p:ph type="dt" sz="half" idx="10"/>
           </p:nvPr>
         </p:nvSpPr>
-        <p:spPr/>
+        <p:spPr>
+          <a:xfrm>
+            <a:off x="457200" y="6356350"/>
+            <a:ext cx="2133600" cy="365125"/>
+          </a:xfrm>
+          <a:prstGeom prst="rect">
+            <a:avLst/>
+          </a:prstGeom>
+        </p:spPr>
         <p:txBody>
           <a:bodyPr/>
           <a:lstStyle/>
           <a:p>
             <a:fld id="{A76116CE-C4A3-4A05-B2D7-7C2E9A889C0F}" type="datetimeFigureOut">
               <a:rPr lang="en-US" smtClean="0"/>
-              <a:t>1/14/2023</a:t>
+              <a:t>3/25/2023</a:t>
             </a:fld>
             <a:endParaRPr lang="en-US"/>
           </a:p>
@@ -2243,7 +2512,15 @@
             <p:ph type="ftr" sz="quarter" idx="11"/>
           </p:nvPr>
         </p:nvSpPr>
-        <p:spPr/>
+        <p:spPr>
+          <a:xfrm>
+            <a:off x="3124200" y="6356350"/>
+            <a:ext cx="2895600" cy="365125"/>
+          </a:xfrm>
+          <a:prstGeom prst="rect">
+            <a:avLst/>
+          </a:prstGeom>
+        </p:spPr>
         <p:txBody>
           <a:bodyPr/>
           <a:lstStyle/>
@@ -2262,7 +2539,15 @@
             <p:ph type="sldNum" sz="quarter" idx="12"/>
           </p:nvPr>
         </p:nvSpPr>
-        <p:spPr/>
+        <p:spPr>
+          <a:xfrm>
+            <a:off x="6553200" y="6356350"/>
+            <a:ext cx="2133600" cy="365125"/>
+          </a:xfrm>
+          <a:prstGeom prst="rect">
+            <a:avLst/>
+          </a:prstGeom>
+        </p:spPr>
         <p:txBody>
           <a:bodyPr/>
           <a:lstStyle/>
@@ -2310,14 +2595,22 @@
             <p:ph type="dt" sz="half" idx="10"/>
           </p:nvPr>
         </p:nvSpPr>
-        <p:spPr/>
+        <p:spPr>
+          <a:xfrm>
+            <a:off x="457200" y="6356350"/>
+            <a:ext cx="2133600" cy="365125"/>
+          </a:xfrm>
+          <a:prstGeom prst="rect">
+            <a:avLst/>
+          </a:prstGeom>
+        </p:spPr>
         <p:txBody>
           <a:bodyPr/>
           <a:lstStyle/>
           <a:p>
             <a:fld id="{A76116CE-C4A3-4A05-B2D7-7C2E9A889C0F}" type="datetimeFigureOut">
               <a:rPr lang="en-US" smtClean="0"/>
-              <a:t>1/14/2023</a:t>
+              <a:t>3/25/2023</a:t>
             </a:fld>
             <a:endParaRPr lang="en-US"/>
           </a:p>
@@ -2333,7 +2626,15 @@
             <p:ph type="ftr" sz="quarter" idx="11"/>
           </p:nvPr>
         </p:nvSpPr>
-        <p:spPr/>
+        <p:spPr>
+          <a:xfrm>
+            <a:off x="3124200" y="6356350"/>
+            <a:ext cx="2895600" cy="365125"/>
+          </a:xfrm>
+          <a:prstGeom prst="rect">
+            <a:avLst/>
+          </a:prstGeom>
+        </p:spPr>
         <p:txBody>
           <a:bodyPr/>
           <a:lstStyle/>
@@ -2352,7 +2653,15 @@
             <p:ph type="sldNum" sz="quarter" idx="12"/>
           </p:nvPr>
         </p:nvSpPr>
-        <p:spPr/>
+        <p:spPr>
+          <a:xfrm>
+            <a:off x="6553200" y="6356350"/>
+            <a:ext cx="2133600" cy="365125"/>
+          </a:xfrm>
+          <a:prstGeom prst="rect">
+            <a:avLst/>
+          </a:prstGeom>
+        </p:spPr>
         <p:txBody>
           <a:bodyPr/>
           <a:lstStyle/>
@@ -2405,6 +2714,9 @@
             <a:off x="457200" y="273050"/>
             <a:ext cx="3008313" cy="1162050"/>
           </a:xfrm>
+          <a:prstGeom prst="rect">
+            <a:avLst/>
+          </a:prstGeom>
         </p:spPr>
         <p:txBody>
           <a:bodyPr anchor="b"/>
@@ -2436,6 +2748,9 @@
             <a:off x="3575050" y="273050"/>
             <a:ext cx="5111750" cy="5853113"/>
           </a:xfrm>
+          <a:prstGeom prst="rect">
+            <a:avLst/>
+          </a:prstGeom>
         </p:spPr>
         <p:txBody>
           <a:bodyPr/>
@@ -2520,6 +2835,9 @@
             <a:off x="457200" y="1435100"/>
             <a:ext cx="3008313" cy="4691063"/>
           </a:xfrm>
+          <a:prstGeom prst="rect">
+            <a:avLst/>
+          </a:prstGeom>
         </p:spPr>
         <p:txBody>
           <a:bodyPr/>
@@ -2580,14 +2898,22 @@
             <p:ph type="dt" sz="half" idx="10"/>
           </p:nvPr>
         </p:nvSpPr>
-        <p:spPr/>
+        <p:spPr>
+          <a:xfrm>
+            <a:off x="457200" y="6356350"/>
+            <a:ext cx="2133600" cy="365125"/>
+          </a:xfrm>
+          <a:prstGeom prst="rect">
+            <a:avLst/>
+          </a:prstGeom>
+        </p:spPr>
         <p:txBody>
           <a:bodyPr/>
           <a:lstStyle/>
           <a:p>
             <a:fld id="{A76116CE-C4A3-4A05-B2D7-7C2E9A889C0F}" type="datetimeFigureOut">
               <a:rPr lang="en-US" smtClean="0"/>
-              <a:t>1/14/2023</a:t>
+              <a:t>3/25/2023</a:t>
             </a:fld>
             <a:endParaRPr lang="en-US"/>
           </a:p>
@@ -2603,7 +2929,15 @@
             <p:ph type="ftr" sz="quarter" idx="11"/>
           </p:nvPr>
         </p:nvSpPr>
-        <p:spPr/>
+        <p:spPr>
+          <a:xfrm>
+            <a:off x="3124200" y="6356350"/>
+            <a:ext cx="2895600" cy="365125"/>
+          </a:xfrm>
+          <a:prstGeom prst="rect">
+            <a:avLst/>
+          </a:prstGeom>
+        </p:spPr>
         <p:txBody>
           <a:bodyPr/>
           <a:lstStyle/>
@@ -2622,7 +2956,15 @@
             <p:ph type="sldNum" sz="quarter" idx="12"/>
           </p:nvPr>
         </p:nvSpPr>
-        <p:spPr/>
+        <p:spPr>
+          <a:xfrm>
+            <a:off x="6553200" y="6356350"/>
+            <a:ext cx="2133600" cy="365125"/>
+          </a:xfrm>
+          <a:prstGeom prst="rect">
+            <a:avLst/>
+          </a:prstGeom>
+        </p:spPr>
         <p:txBody>
           <a:bodyPr/>
           <a:lstStyle/>
@@ -2675,6 +3017,9 @@
             <a:off x="1792288" y="4800600"/>
             <a:ext cx="5486400" cy="566738"/>
           </a:xfrm>
+          <a:prstGeom prst="rect">
+            <a:avLst/>
+          </a:prstGeom>
         </p:spPr>
         <p:txBody>
           <a:bodyPr anchor="b"/>
@@ -2706,6 +3051,9 @@
             <a:off x="1792288" y="612775"/>
             <a:ext cx="5486400" cy="4114800"/>
           </a:xfrm>
+          <a:prstGeom prst="rect">
+            <a:avLst/>
+          </a:prstGeom>
         </p:spPr>
         <p:txBody>
           <a:bodyPr/>
@@ -2767,6 +3115,9 @@
             <a:off x="1792288" y="5367338"/>
             <a:ext cx="5486400" cy="804862"/>
           </a:xfrm>
+          <a:prstGeom prst="rect">
+            <a:avLst/>
+          </a:prstGeom>
         </p:spPr>
         <p:txBody>
           <a:bodyPr/>
@@ -2827,14 +3178,22 @@
             <p:ph type="dt" sz="half" idx="10"/>
           </p:nvPr>
         </p:nvSpPr>
-        <p:spPr/>
+        <p:spPr>
+          <a:xfrm>
+            <a:off x="457200" y="6356350"/>
+            <a:ext cx="2133600" cy="365125"/>
+          </a:xfrm>
+          <a:prstGeom prst="rect">
+            <a:avLst/>
+          </a:prstGeom>
+        </p:spPr>
         <p:txBody>
           <a:bodyPr/>
           <a:lstStyle/>
           <a:p>
             <a:fld id="{A76116CE-C4A3-4A05-B2D7-7C2E9A889C0F}" type="datetimeFigureOut">
               <a:rPr lang="en-US" smtClean="0"/>
-              <a:t>1/14/2023</a:t>
+              <a:t>3/25/2023</a:t>
             </a:fld>
             <a:endParaRPr lang="en-US"/>
           </a:p>
@@ -2850,7 +3209,15 @@
             <p:ph type="ftr" sz="quarter" idx="11"/>
           </p:nvPr>
         </p:nvSpPr>
-        <p:spPr/>
+        <p:spPr>
+          <a:xfrm>
+            <a:off x="3124200" y="6356350"/>
+            <a:ext cx="2895600" cy="365125"/>
+          </a:xfrm>
+          <a:prstGeom prst="rect">
+            <a:avLst/>
+          </a:prstGeom>
+        </p:spPr>
         <p:txBody>
           <a:bodyPr/>
           <a:lstStyle/>
@@ -2869,7 +3236,15 @@
             <p:ph type="sldNum" sz="quarter" idx="12"/>
           </p:nvPr>
         </p:nvSpPr>
-        <p:spPr/>
+        <p:spPr>
+          <a:xfrm>
+            <a:off x="6553200" y="6356350"/>
+            <a:ext cx="2133600" cy="365125"/>
+          </a:xfrm>
+          <a:prstGeom prst="rect">
+            <a:avLst/>
+          </a:prstGeom>
+        </p:spPr>
         <p:txBody>
           <a:bodyPr/>
           <a:lstStyle/>
@@ -2914,213 +3289,93 @@
       </p:grpSpPr>
       <p:sp>
         <p:nvSpPr>
-          <p:cNvPr id="2" name="Title Placeholder 1"/>
-          <p:cNvSpPr>
-            <a:spLocks noGrp="1"/>
-          </p:cNvSpPr>
-          <p:nvPr>
-            <p:ph type="title"/>
-          </p:nvPr>
+          <p:cNvPr id="9" name="TextBox 8"/>
+          <p:cNvSpPr txBox="1"/>
+          <p:nvPr userDrawn="1"/>
         </p:nvSpPr>
         <p:spPr>
-          <a:xfrm>
-            <a:off x="457200" y="274638"/>
-            <a:ext cx="8229600" cy="1143000"/>
-          </a:xfrm>
-          <a:prstGeom prst="rect">
-            <a:avLst/>
-          </a:prstGeom>
+          <a:xfrm rot="2407424">
+            <a:off x="-235263" y="8916399"/>
+            <a:ext cx="3302507" cy="523220"/>
+          </a:xfrm>
+          <a:prstGeom prst="rect">
+            <a:avLst/>
+          </a:prstGeom>
+          <a:noFill/>
         </p:spPr>
         <p:txBody>
-          <a:bodyPr vert="horz" lIns="91440" tIns="45720" rIns="91440" bIns="45720" rtlCol="0" anchor="ctr">
-            <a:normAutofit/>
+          <a:bodyPr wrap="none" rtlCol="0">
+            <a:spAutoFit/>
           </a:bodyPr>
           <a:lstStyle/>
           <a:p>
             <a:r>
-              <a:rPr lang="en-US"/>
-              <a:t>Click to edit Master title style</a:t>
-            </a:r>
+              <a:rPr lang="en-US" altLang="ko-KR" sz="2800" smtClean="0">
+                <a:solidFill>
+                  <a:srgbClr val="4C50BC">
+                    <a:alpha val="20000"/>
+                  </a:srgbClr>
+                </a:solidFill>
+                <a:latin typeface="G마켓 산스 Medium" panose="02000000000000000000" pitchFamily="50" charset="-127"/>
+                <a:ea typeface="G마켓 산스 Medium" panose="02000000000000000000" pitchFamily="50" charset="-127"/>
+              </a:rPr>
+              <a:t>Park Ju Byeong</a:t>
+            </a:r>
+            <a:endParaRPr lang="ko-KR" altLang="en-US" sz="2800">
+              <a:solidFill>
+                <a:srgbClr val="4C50BC">
+                  <a:alpha val="20000"/>
+                </a:srgbClr>
+              </a:solidFill>
+              <a:latin typeface="G마켓 산스 Medium" panose="02000000000000000000" pitchFamily="50" charset="-127"/>
+              <a:ea typeface="G마켓 산스 Medium" panose="02000000000000000000" pitchFamily="50" charset="-127"/>
+            </a:endParaRPr>
           </a:p>
         </p:txBody>
       </p:sp>
       <p:sp>
         <p:nvSpPr>
-          <p:cNvPr id="3" name="Text Placeholder 2"/>
-          <p:cNvSpPr>
-            <a:spLocks noGrp="1"/>
-          </p:cNvSpPr>
-          <p:nvPr>
-            <p:ph type="body" idx="1"/>
-          </p:nvPr>
+          <p:cNvPr id="10" name="TextBox 9"/>
+          <p:cNvSpPr txBox="1"/>
+          <p:nvPr userDrawn="1"/>
         </p:nvSpPr>
         <p:spPr>
-          <a:xfrm>
-            <a:off x="457200" y="1600200"/>
-            <a:ext cx="8229600" cy="4525963"/>
-          </a:xfrm>
-          <a:prstGeom prst="rect">
-            <a:avLst/>
-          </a:prstGeom>
+          <a:xfrm rot="19438419">
+            <a:off x="15147432" y="8842616"/>
+            <a:ext cx="3302507" cy="523220"/>
+          </a:xfrm>
+          <a:prstGeom prst="rect">
+            <a:avLst/>
+          </a:prstGeom>
+          <a:noFill/>
         </p:spPr>
         <p:txBody>
-          <a:bodyPr vert="horz" lIns="91440" tIns="45720" rIns="91440" bIns="45720" rtlCol="0">
-            <a:normAutofit/>
+          <a:bodyPr wrap="none" rtlCol="0">
+            <a:spAutoFit/>
           </a:bodyPr>
           <a:lstStyle/>
           <a:p>
-            <a:pPr lvl="0"/>
-            <a:r>
-              <a:rPr lang="en-US"/>
-              <a:t>Click to edit Master text styles</a:t>
-            </a:r>
-          </a:p>
-          <a:p>
-            <a:pPr lvl="1"/>
-            <a:r>
-              <a:rPr lang="en-US"/>
-              <a:t>Second level</a:t>
-            </a:r>
-          </a:p>
-          <a:p>
-            <a:pPr lvl="2"/>
-            <a:r>
-              <a:rPr lang="en-US"/>
-              <a:t>Third level</a:t>
-            </a:r>
-          </a:p>
-          <a:p>
-            <a:pPr lvl="3"/>
-            <a:r>
-              <a:rPr lang="en-US"/>
-              <a:t>Fourth level</a:t>
-            </a:r>
-          </a:p>
-          <a:p>
-            <a:pPr lvl="4"/>
-            <a:r>
-              <a:rPr lang="en-US"/>
-              <a:t>Fifth level</a:t>
-            </a:r>
-          </a:p>
-        </p:txBody>
-      </p:sp>
-      <p:sp>
-        <p:nvSpPr>
-          <p:cNvPr id="4" name="Date Placeholder 3"/>
-          <p:cNvSpPr>
-            <a:spLocks noGrp="1"/>
-          </p:cNvSpPr>
-          <p:nvPr>
-            <p:ph type="dt" sz="half" idx="2"/>
-          </p:nvPr>
-        </p:nvSpPr>
-        <p:spPr>
-          <a:xfrm>
-            <a:off x="457200" y="6356350"/>
-            <a:ext cx="2133600" cy="365125"/>
-          </a:xfrm>
-          <a:prstGeom prst="rect">
-            <a:avLst/>
-          </a:prstGeom>
-        </p:spPr>
-        <p:txBody>
-          <a:bodyPr vert="horz" lIns="91440" tIns="45720" rIns="91440" bIns="45720" rtlCol="0" anchor="ctr"/>
-          <a:lstStyle>
-            <a:lvl1pPr algn="l">
-              <a:defRPr sz="1200">
-                <a:solidFill>
-                  <a:schemeClr val="tx1">
-                    <a:tint val="75000"/>
-                  </a:schemeClr>
-                </a:solidFill>
-              </a:defRPr>
-            </a:lvl1pPr>
-          </a:lstStyle>
-          <a:p>
-            <a:fld id="{F8166F1F-CE9B-4651-A6AA-CD717754106B}" type="datetimeFigureOut">
-              <a:rPr lang="en-US" smtClean="0"/>
-              <a:t>1/14/2023</a:t>
-            </a:fld>
-            <a:endParaRPr lang="en-US"/>
-          </a:p>
-        </p:txBody>
-      </p:sp>
-      <p:sp>
-        <p:nvSpPr>
-          <p:cNvPr id="5" name="Footer Placeholder 4"/>
-          <p:cNvSpPr>
-            <a:spLocks noGrp="1"/>
-          </p:cNvSpPr>
-          <p:nvPr>
-            <p:ph type="ftr" sz="quarter" idx="3"/>
-          </p:nvPr>
-        </p:nvSpPr>
-        <p:spPr>
-          <a:xfrm>
-            <a:off x="3124200" y="6356350"/>
-            <a:ext cx="2895600" cy="365125"/>
-          </a:xfrm>
-          <a:prstGeom prst="rect">
-            <a:avLst/>
-          </a:prstGeom>
-        </p:spPr>
-        <p:txBody>
-          <a:bodyPr vert="horz" lIns="91440" tIns="45720" rIns="91440" bIns="45720" rtlCol="0" anchor="ctr"/>
-          <a:lstStyle>
-            <a:lvl1pPr algn="ctr">
-              <a:defRPr sz="1200">
-                <a:solidFill>
-                  <a:schemeClr val="tx1">
-                    <a:tint val="75000"/>
-                  </a:schemeClr>
-                </a:solidFill>
-              </a:defRPr>
-            </a:lvl1pPr>
-          </a:lstStyle>
-          <a:p>
-            <a:endParaRPr lang="en-US"/>
-          </a:p>
-        </p:txBody>
-      </p:sp>
-      <p:sp>
-        <p:nvSpPr>
-          <p:cNvPr id="6" name="Slide Number Placeholder 5"/>
-          <p:cNvSpPr>
-            <a:spLocks noGrp="1"/>
-          </p:cNvSpPr>
-          <p:nvPr>
-            <p:ph type="sldNum" sz="quarter" idx="4"/>
-          </p:nvPr>
-        </p:nvSpPr>
-        <p:spPr>
-          <a:xfrm>
-            <a:off x="6553200" y="6356350"/>
-            <a:ext cx="2133600" cy="365125"/>
-          </a:xfrm>
-          <a:prstGeom prst="rect">
-            <a:avLst/>
-          </a:prstGeom>
-        </p:spPr>
-        <p:txBody>
-          <a:bodyPr vert="horz" lIns="91440" tIns="45720" rIns="91440" bIns="45720" rtlCol="0" anchor="ctr"/>
-          <a:lstStyle>
-            <a:lvl1pPr algn="r">
-              <a:defRPr sz="1200">
-                <a:solidFill>
-                  <a:schemeClr val="tx1">
-                    <a:tint val="75000"/>
-                  </a:schemeClr>
-                </a:solidFill>
-              </a:defRPr>
-            </a:lvl1pPr>
-          </a:lstStyle>
-          <a:p>
-            <a:fld id="{F7021451-1387-4CA6-816F-3879F97B5CBC}" type="slidenum">
-              <a:rPr lang="en-US" smtClean="0"/>
-              <a:t>‹#›</a:t>
-            </a:fld>
-            <a:endParaRPr lang="en-US"/>
+            <a:r>
+              <a:rPr lang="en-US" altLang="ko-KR" sz="2800" smtClean="0">
+                <a:solidFill>
+                  <a:srgbClr val="4C50BC">
+                    <a:alpha val="20000"/>
+                  </a:srgbClr>
+                </a:solidFill>
+                <a:latin typeface="G마켓 산스 Medium" panose="02000000000000000000" pitchFamily="50" charset="-127"/>
+                <a:ea typeface="G마켓 산스 Medium" panose="02000000000000000000" pitchFamily="50" charset="-127"/>
+              </a:rPr>
+              <a:t>Park Ju Byeong</a:t>
+            </a:r>
+            <a:endParaRPr lang="ko-KR" altLang="en-US" sz="2800">
+              <a:solidFill>
+                <a:srgbClr val="4C50BC">
+                  <a:alpha val="20000"/>
+                </a:srgbClr>
+              </a:solidFill>
+              <a:latin typeface="G마켓 산스 Medium" panose="02000000000000000000" pitchFamily="50" charset="-127"/>
+              <a:ea typeface="G마켓 산스 Medium" panose="02000000000000000000" pitchFamily="50" charset="-127"/>
+            </a:endParaRPr>
           </a:p>
         </p:txBody>
       </p:sp>
@@ -3696,7 +3951,7 @@
           <p:cNvPr id="2" name="TextBox 1">
             <a:extLst>
               <a:ext uri="{FF2B5EF4-FFF2-40B4-BE49-F238E27FC236}">
-                <a16:creationId xmlns:a16="http://schemas.microsoft.com/office/drawing/2014/main" id="{E9A453A8-9968-67AB-7B4A-83EEB4662AA6}"/>
+                <a16:creationId xmlns:a16="http://schemas.microsoft.com/office/drawing/2014/main" xmlns="" id="{E9A453A8-9968-67AB-7B4A-83EEB4662AA6}"/>
               </a:ext>
             </a:extLst>
           </p:cNvPr>
@@ -3744,7 +3999,7 @@
           <p:cNvPr id="4" name="TextBox 3">
             <a:extLst>
               <a:ext uri="{FF2B5EF4-FFF2-40B4-BE49-F238E27FC236}">
-                <a16:creationId xmlns:a16="http://schemas.microsoft.com/office/drawing/2014/main" id="{F4B7A35A-8AAC-4622-64BC-CAD1472D4115}"/>
+                <a16:creationId xmlns:a16="http://schemas.microsoft.com/office/drawing/2014/main" xmlns="" id="{F4B7A35A-8AAC-4622-64BC-CAD1472D4115}"/>
               </a:ext>
             </a:extLst>
           </p:cNvPr>
@@ -3816,7 +4071,7 @@
           <p:cNvPr id="7" name="TextBox 6">
             <a:extLst>
               <a:ext uri="{FF2B5EF4-FFF2-40B4-BE49-F238E27FC236}">
-                <a16:creationId xmlns:a16="http://schemas.microsoft.com/office/drawing/2014/main" id="{3ACE900A-D779-4343-6623-8588B376F0A1}"/>
+                <a16:creationId xmlns:a16="http://schemas.microsoft.com/office/drawing/2014/main" xmlns="" id="{3ACE900A-D779-4343-6623-8588B376F0A1}"/>
               </a:ext>
             </a:extLst>
           </p:cNvPr>
@@ -3855,10 +4110,279 @@
   <p:clrMapOvr>
     <a:masterClrMapping/>
   </p:clrMapOvr>
+  <p:timing>
+    <p:tnLst>
+      <p:par>
+        <p:cTn id="1" dur="indefinite" restart="never" nodeType="tmRoot"/>
+      </p:par>
+    </p:tnLst>
+  </p:timing>
 </p:sld>
 </file>
 
 <file path=ppt/slides/slide10.xml><?xml version="1.0" encoding="utf-8"?>
+<p:sld xmlns:a="http://schemas.openxmlformats.org/drawingml/2006/main" xmlns:r="http://schemas.openxmlformats.org/officeDocument/2006/relationships" xmlns:p="http://schemas.openxmlformats.org/presentationml/2006/main">
+  <p:cSld>
+    <p:spTree>
+      <p:nvGrpSpPr>
+        <p:cNvPr id="1" name=""/>
+        <p:cNvGrpSpPr/>
+        <p:nvPr/>
+      </p:nvGrpSpPr>
+      <p:grpSpPr>
+        <a:xfrm>
+          <a:off x="0" y="0"/>
+          <a:ext cx="0" cy="0"/>
+          <a:chOff x="0" y="0"/>
+          <a:chExt cx="0" cy="0"/>
+        </a:xfrm>
+      </p:grpSpPr>
+      <p:sp>
+        <p:nvSpPr>
+          <p:cNvPr id="4" name="TextBox 3">
+            <a:extLst>
+              <a:ext uri="{FF2B5EF4-FFF2-40B4-BE49-F238E27FC236}">
+                <a16:creationId xmlns:a16="http://schemas.microsoft.com/office/drawing/2014/main" xmlns="" id="{544B4A8C-50DE-F53E-3772-6A38DC3A6433}"/>
+              </a:ext>
+            </a:extLst>
+          </p:cNvPr>
+          <p:cNvSpPr txBox="1"/>
+          <p:nvPr/>
+        </p:nvSpPr>
+        <p:spPr>
+          <a:xfrm>
+            <a:off x="838200" y="419100"/>
+            <a:ext cx="14097000" cy="646331"/>
+          </a:xfrm>
+          <a:prstGeom prst="rect">
+            <a:avLst/>
+          </a:prstGeom>
+          <a:noFill/>
+        </p:spPr>
+        <p:txBody>
+          <a:bodyPr wrap="square" rtlCol="0">
+            <a:spAutoFit/>
+          </a:bodyPr>
+          <a:lstStyle/>
+          <a:p>
+            <a:r>
+              <a:rPr lang="en-US" altLang="ko-KR" sz="3600" dirty="0">
+                <a:solidFill>
+                  <a:srgbClr val="4C50BC"/>
+                </a:solidFill>
+                <a:latin typeface="G마켓 산스 Medium" panose="02000000000000000000" pitchFamily="50" charset="-127"/>
+                <a:ea typeface="G마켓 산스 Medium" panose="02000000000000000000" pitchFamily="50" charset="-127"/>
+              </a:rPr>
+              <a:t>2. 3</a:t>
+            </a:r>
+            <a:r>
+              <a:rPr lang="ko-KR" altLang="en-US" sz="3600" dirty="0">
+                <a:solidFill>
+                  <a:srgbClr val="4C50BC"/>
+                </a:solidFill>
+                <a:latin typeface="G마켓 산스 Medium" panose="02000000000000000000" pitchFamily="50" charset="-127"/>
+                <a:ea typeface="G마켓 산스 Medium" panose="02000000000000000000" pitchFamily="50" charset="-127"/>
+              </a:rPr>
+              <a:t>개의 서로 다른 정수를 입력 받아 최대값을 </a:t>
+            </a:r>
+            <a:r>
+              <a:rPr lang="ko-KR" altLang="en-US" sz="3600" dirty="0" err="1">
+                <a:solidFill>
+                  <a:srgbClr val="4C50BC"/>
+                </a:solidFill>
+                <a:latin typeface="G마켓 산스 Medium" panose="02000000000000000000" pitchFamily="50" charset="-127"/>
+                <a:ea typeface="G마켓 산스 Medium" panose="02000000000000000000" pitchFamily="50" charset="-127"/>
+              </a:rPr>
+              <a:t>출력하시오</a:t>
+            </a:r>
+            <a:endParaRPr lang="en-US" altLang="ko-KR" sz="3600" dirty="0">
+              <a:solidFill>
+                <a:srgbClr val="4C50BC"/>
+              </a:solidFill>
+              <a:latin typeface="G마켓 산스 Medium" panose="02000000000000000000" pitchFamily="50" charset="-127"/>
+              <a:ea typeface="G마켓 산스 Medium" panose="02000000000000000000" pitchFamily="50" charset="-127"/>
+            </a:endParaRPr>
+          </a:p>
+        </p:txBody>
+      </p:sp>
+      <p:pic>
+        <p:nvPicPr>
+          <p:cNvPr id="5" name="그림 4">
+            <a:extLst>
+              <a:ext uri="{FF2B5EF4-FFF2-40B4-BE49-F238E27FC236}">
+                <a16:creationId xmlns:a16="http://schemas.microsoft.com/office/drawing/2014/main" xmlns="" id="{AA24DD58-EB34-2CF3-679C-A44BAE4CBF17}"/>
+              </a:ext>
+            </a:extLst>
+          </p:cNvPr>
+          <p:cNvPicPr>
+            <a:picLocks noChangeAspect="1"/>
+          </p:cNvPicPr>
+          <p:nvPr/>
+        </p:nvPicPr>
+        <p:blipFill>
+          <a:blip r:embed="rId2"/>
+          <a:stretch>
+            <a:fillRect/>
+          </a:stretch>
+        </p:blipFill>
+        <p:spPr>
+          <a:xfrm>
+            <a:off x="990600" y="1485900"/>
+            <a:ext cx="3733800" cy="2357284"/>
+          </a:xfrm>
+          <a:prstGeom prst="rect">
+            <a:avLst/>
+          </a:prstGeom>
+        </p:spPr>
+      </p:pic>
+      <p:pic>
+        <p:nvPicPr>
+          <p:cNvPr id="7" name="그림 6">
+            <a:extLst>
+              <a:ext uri="{FF2B5EF4-FFF2-40B4-BE49-F238E27FC236}">
+                <a16:creationId xmlns:a16="http://schemas.microsoft.com/office/drawing/2014/main" xmlns="" id="{07338165-3415-4373-D05D-C7930059FE3B}"/>
+              </a:ext>
+            </a:extLst>
+          </p:cNvPr>
+          <p:cNvPicPr>
+            <a:picLocks noChangeAspect="1"/>
+          </p:cNvPicPr>
+          <p:nvPr/>
+        </p:nvPicPr>
+        <p:blipFill>
+          <a:blip r:embed="rId3"/>
+          <a:stretch>
+            <a:fillRect/>
+          </a:stretch>
+        </p:blipFill>
+        <p:spPr>
+          <a:xfrm>
+            <a:off x="5334000" y="1485900"/>
+            <a:ext cx="7692075" cy="4724400"/>
+          </a:xfrm>
+          <a:prstGeom prst="rect">
+            <a:avLst/>
+          </a:prstGeom>
+        </p:spPr>
+      </p:pic>
+      <p:pic>
+        <p:nvPicPr>
+          <p:cNvPr id="8" name="그림 7">
+            <a:extLst>
+              <a:ext uri="{FF2B5EF4-FFF2-40B4-BE49-F238E27FC236}">
+                <a16:creationId xmlns:a16="http://schemas.microsoft.com/office/drawing/2014/main" xmlns="" id="{07338165-3415-4373-D05D-C7930059FE3B}"/>
+              </a:ext>
+            </a:extLst>
+          </p:cNvPr>
+          <p:cNvPicPr>
+            <a:picLocks noChangeAspect="1"/>
+          </p:cNvPicPr>
+          <p:nvPr/>
+        </p:nvPicPr>
+        <p:blipFill rotWithShape="1">
+          <a:blip r:embed="rId4"/>
+          <a:srcRect t="46774"/>
+          <a:stretch/>
+        </p:blipFill>
+        <p:spPr>
+          <a:xfrm>
+            <a:off x="5333999" y="3665806"/>
+            <a:ext cx="7692075" cy="2514600"/>
+          </a:xfrm>
+          <a:prstGeom prst="rect">
+            <a:avLst/>
+          </a:prstGeom>
+        </p:spPr>
+      </p:pic>
+    </p:spTree>
+    <p:extLst>
+      <p:ext uri="{BB962C8B-B14F-4D97-AF65-F5344CB8AC3E}">
+        <p14:creationId xmlns:p14="http://schemas.microsoft.com/office/powerpoint/2010/main" val="231246780"/>
+      </p:ext>
+    </p:extLst>
+  </p:cSld>
+  <p:clrMapOvr>
+    <a:masterClrMapping/>
+  </p:clrMapOvr>
+  <p:timing>
+    <p:tnLst>
+      <p:par>
+        <p:cTn id="1" dur="indefinite" restart="never" nodeType="tmRoot">
+          <p:childTnLst>
+            <p:seq concurrent="1" nextAc="seek">
+              <p:cTn id="2" dur="indefinite" nodeType="mainSeq">
+                <p:childTnLst>
+                  <p:par>
+                    <p:cTn id="3" fill="hold">
+                      <p:stCondLst>
+                        <p:cond delay="indefinite"/>
+                      </p:stCondLst>
+                      <p:childTnLst>
+                        <p:par>
+                          <p:cTn id="4" fill="hold">
+                            <p:stCondLst>
+                              <p:cond delay="0"/>
+                            </p:stCondLst>
+                            <p:childTnLst>
+                              <p:par>
+                                <p:cTn id="5" presetID="1" presetClass="exit" presetSubtype="0" fill="hold" nodeType="clickEffect">
+                                  <p:stCondLst>
+                                    <p:cond delay="0"/>
+                                  </p:stCondLst>
+                                  <p:childTnLst>
+                                    <p:set>
+                                      <p:cBhvr>
+                                        <p:cTn id="6" dur="1" fill="hold">
+                                          <p:stCondLst>
+                                            <p:cond delay="0"/>
+                                          </p:stCondLst>
+                                        </p:cTn>
+                                        <p:tgtEl>
+                                          <p:spTgt spid="8"/>
+                                        </p:tgtEl>
+                                        <p:attrNameLst>
+                                          <p:attrName>style.visibility</p:attrName>
+                                        </p:attrNameLst>
+                                      </p:cBhvr>
+                                      <p:to>
+                                        <p:strVal val="hidden"/>
+                                      </p:to>
+                                    </p:set>
+                                  </p:childTnLst>
+                                </p:cTn>
+                              </p:par>
+                            </p:childTnLst>
+                          </p:cTn>
+                        </p:par>
+                      </p:childTnLst>
+                    </p:cTn>
+                  </p:par>
+                </p:childTnLst>
+              </p:cTn>
+              <p:prevCondLst>
+                <p:cond evt="onPrev" delay="0">
+                  <p:tgtEl>
+                    <p:sldTgt/>
+                  </p:tgtEl>
+                </p:cond>
+              </p:prevCondLst>
+              <p:nextCondLst>
+                <p:cond evt="onNext" delay="0">
+                  <p:tgtEl>
+                    <p:sldTgt/>
+                  </p:tgtEl>
+                </p:cond>
+              </p:nextCondLst>
+            </p:seq>
+          </p:childTnLst>
+        </p:cTn>
+      </p:par>
+    </p:tnLst>
+  </p:timing>
+</p:sld>
+</file>
+
+<file path=ppt/slides/slide11.xml><?xml version="1.0" encoding="utf-8"?>
 <p:sld xmlns:a="http://schemas.openxmlformats.org/drawingml/2006/main" xmlns:r="http://schemas.openxmlformats.org/officeDocument/2006/relationships" xmlns:p="http://schemas.openxmlformats.org/presentationml/2006/main">
   <p:cSld>
     <p:bg>
@@ -4068,7 +4592,7 @@
           <p:cNvPr id="2" name="TextBox 1">
             <a:extLst>
               <a:ext uri="{FF2B5EF4-FFF2-40B4-BE49-F238E27FC236}">
-                <a16:creationId xmlns:a16="http://schemas.microsoft.com/office/drawing/2014/main" id="{76F36AE5-79B5-0B9F-E510-1C27AAC4B649}"/>
+                <a16:creationId xmlns:a16="http://schemas.microsoft.com/office/drawing/2014/main" xmlns="" id="{76F36AE5-79B5-0B9F-E510-1C27AAC4B649}"/>
               </a:ext>
             </a:extLst>
           </p:cNvPr>
@@ -4131,10 +4655,17 @@
   <p:clrMapOvr>
     <a:masterClrMapping/>
   </p:clrMapOvr>
+  <p:timing>
+    <p:tnLst>
+      <p:par>
+        <p:cTn id="1" dur="indefinite" restart="never" nodeType="tmRoot"/>
+      </p:par>
+    </p:tnLst>
+  </p:timing>
 </p:sld>
 </file>
 
-<file path=ppt/slides/slide11.xml><?xml version="1.0" encoding="utf-8"?>
+<file path=ppt/slides/slide12.xml><?xml version="1.0" encoding="utf-8"?>
 <p:sld xmlns:a="http://schemas.openxmlformats.org/drawingml/2006/main" xmlns:r="http://schemas.openxmlformats.org/officeDocument/2006/relationships" xmlns:p="http://schemas.openxmlformats.org/presentationml/2006/main">
   <p:cSld>
     <p:spTree>
@@ -4156,7 +4687,7 @@
           <p:cNvPr id="4" name="TextBox 3">
             <a:extLst>
               <a:ext uri="{FF2B5EF4-FFF2-40B4-BE49-F238E27FC236}">
-                <a16:creationId xmlns:a16="http://schemas.microsoft.com/office/drawing/2014/main" id="{9F7DCD18-D21C-6601-530F-F0F4F9937612}"/>
+                <a16:creationId xmlns:a16="http://schemas.microsoft.com/office/drawing/2014/main" xmlns="" id="{9F7DCD18-D21C-6601-530F-F0F4F9937612}"/>
               </a:ext>
             </a:extLst>
           </p:cNvPr>
@@ -4234,7 +4765,7 @@
           <p:cNvPr id="6" name="그림 5">
             <a:extLst>
               <a:ext uri="{FF2B5EF4-FFF2-40B4-BE49-F238E27FC236}">
-                <a16:creationId xmlns:a16="http://schemas.microsoft.com/office/drawing/2014/main" id="{1BAE0638-DBC8-5C47-FD9C-CE0D30CCF5E4}"/>
+                <a16:creationId xmlns:a16="http://schemas.microsoft.com/office/drawing/2014/main" xmlns="" id="{1BAE0638-DBC8-5C47-FD9C-CE0D30CCF5E4}"/>
               </a:ext>
             </a:extLst>
           </p:cNvPr>
@@ -4264,7 +4795,7 @@
           <p:cNvPr id="8" name="그림 7">
             <a:extLst>
               <a:ext uri="{FF2B5EF4-FFF2-40B4-BE49-F238E27FC236}">
-                <a16:creationId xmlns:a16="http://schemas.microsoft.com/office/drawing/2014/main" id="{EB487B60-E45A-24AE-7CA2-5C56677DE4C2}"/>
+                <a16:creationId xmlns:a16="http://schemas.microsoft.com/office/drawing/2014/main" xmlns="" id="{EB487B60-E45A-24AE-7CA2-5C56677DE4C2}"/>
               </a:ext>
             </a:extLst>
           </p:cNvPr>
@@ -4294,7 +4825,7 @@
           <p:cNvPr id="10" name="TextBox 9">
             <a:extLst>
               <a:ext uri="{FF2B5EF4-FFF2-40B4-BE49-F238E27FC236}">
-                <a16:creationId xmlns:a16="http://schemas.microsoft.com/office/drawing/2014/main" id="{9E0E451F-64C2-B448-16B3-68087D879252}"/>
+                <a16:creationId xmlns:a16="http://schemas.microsoft.com/office/drawing/2014/main" xmlns="" id="{9E0E451F-64C2-B448-16B3-68087D879252}"/>
               </a:ext>
             </a:extLst>
           </p:cNvPr>
@@ -4392,10 +4923,17 @@
   <p:clrMapOvr>
     <a:masterClrMapping/>
   </p:clrMapOvr>
+  <p:timing>
+    <p:tnLst>
+      <p:par>
+        <p:cTn id="1" dur="indefinite" restart="never" nodeType="tmRoot"/>
+      </p:par>
+    </p:tnLst>
+  </p:timing>
 </p:sld>
 </file>
 
-<file path=ppt/slides/slide12.xml><?xml version="1.0" encoding="utf-8"?>
+<file path=ppt/slides/slide13.xml><?xml version="1.0" encoding="utf-8"?>
 <p:sld xmlns:a="http://schemas.openxmlformats.org/drawingml/2006/main" xmlns:r="http://schemas.openxmlformats.org/officeDocument/2006/relationships" xmlns:p="http://schemas.openxmlformats.org/presentationml/2006/main">
   <p:cSld>
     <p:spTree>
@@ -4417,7 +4955,7 @@
           <p:cNvPr id="5" name="그림 4">
             <a:extLst>
               <a:ext uri="{FF2B5EF4-FFF2-40B4-BE49-F238E27FC236}">
-                <a16:creationId xmlns:a16="http://schemas.microsoft.com/office/drawing/2014/main" id="{7BEE3E39-A24D-F33E-4CA5-82D38D31593B}"/>
+                <a16:creationId xmlns:a16="http://schemas.microsoft.com/office/drawing/2014/main" xmlns="" id="{7BEE3E39-A24D-F33E-4CA5-82D38D31593B}"/>
               </a:ext>
             </a:extLst>
           </p:cNvPr>
@@ -4447,7 +4985,7 @@
           <p:cNvPr id="6" name="TextBox 5">
             <a:extLst>
               <a:ext uri="{FF2B5EF4-FFF2-40B4-BE49-F238E27FC236}">
-                <a16:creationId xmlns:a16="http://schemas.microsoft.com/office/drawing/2014/main" id="{4F43F10C-CC06-7760-CF3C-67D67D7B696F}"/>
+                <a16:creationId xmlns:a16="http://schemas.microsoft.com/office/drawing/2014/main" xmlns="" id="{4F43F10C-CC06-7760-CF3C-67D67D7B696F}"/>
               </a:ext>
             </a:extLst>
           </p:cNvPr>
@@ -4498,7 +5036,7 @@
           <p:cNvPr id="7" name="직사각형 6">
             <a:extLst>
               <a:ext uri="{FF2B5EF4-FFF2-40B4-BE49-F238E27FC236}">
-                <a16:creationId xmlns:a16="http://schemas.microsoft.com/office/drawing/2014/main" id="{53EF01DA-1BCB-8BA3-E428-193F296D34A4}"/>
+                <a16:creationId xmlns:a16="http://schemas.microsoft.com/office/drawing/2014/main" xmlns="" id="{53EF01DA-1BCB-8BA3-E428-193F296D34A4}"/>
               </a:ext>
             </a:extLst>
           </p:cNvPr>
@@ -4550,7 +5088,7 @@
           <p:cNvPr id="8" name="직선 화살표 연결선 7">
             <a:extLst>
               <a:ext uri="{FF2B5EF4-FFF2-40B4-BE49-F238E27FC236}">
-                <a16:creationId xmlns:a16="http://schemas.microsoft.com/office/drawing/2014/main" id="{90995D50-2843-08FC-0C33-515398921122}"/>
+                <a16:creationId xmlns:a16="http://schemas.microsoft.com/office/drawing/2014/main" xmlns="" id="{90995D50-2843-08FC-0C33-515398921122}"/>
               </a:ext>
             </a:extLst>
           </p:cNvPr>
@@ -4591,7 +5129,7 @@
           <p:cNvPr id="9" name="TextBox 8">
             <a:extLst>
               <a:ext uri="{FF2B5EF4-FFF2-40B4-BE49-F238E27FC236}">
-                <a16:creationId xmlns:a16="http://schemas.microsoft.com/office/drawing/2014/main" id="{B3F3ACE7-DA91-9F3A-7E2D-A96A5940A8E4}"/>
+                <a16:creationId xmlns:a16="http://schemas.microsoft.com/office/drawing/2014/main" xmlns="" id="{B3F3ACE7-DA91-9F3A-7E2D-A96A5940A8E4}"/>
               </a:ext>
             </a:extLst>
           </p:cNvPr>
@@ -4810,7 +5348,7 @@
 </p:sld>
 </file>
 
-<file path=ppt/slides/slide13.xml><?xml version="1.0" encoding="utf-8"?>
+<file path=ppt/slides/slide14.xml><?xml version="1.0" encoding="utf-8"?>
 <p:sld xmlns:a="http://schemas.openxmlformats.org/drawingml/2006/main" xmlns:r="http://schemas.openxmlformats.org/officeDocument/2006/relationships" xmlns:p="http://schemas.openxmlformats.org/presentationml/2006/main">
   <p:cSld>
     <p:spTree>
@@ -4832,7 +5370,7 @@
           <p:cNvPr id="5" name="TextBox 4">
             <a:extLst>
               <a:ext uri="{FF2B5EF4-FFF2-40B4-BE49-F238E27FC236}">
-                <a16:creationId xmlns:a16="http://schemas.microsoft.com/office/drawing/2014/main" id="{E8999D63-5E6C-352A-7C9F-755BB5230669}"/>
+                <a16:creationId xmlns:a16="http://schemas.microsoft.com/office/drawing/2014/main" xmlns="" id="{E8999D63-5E6C-352A-7C9F-755BB5230669}"/>
               </a:ext>
             </a:extLst>
           </p:cNvPr>
@@ -4883,7 +5421,7 @@
           <p:cNvPr id="6" name="TextBox 5">
             <a:extLst>
               <a:ext uri="{FF2B5EF4-FFF2-40B4-BE49-F238E27FC236}">
-                <a16:creationId xmlns:a16="http://schemas.microsoft.com/office/drawing/2014/main" id="{3D942B6A-100D-7C4F-8A6D-16BF9AFCDB26}"/>
+                <a16:creationId xmlns:a16="http://schemas.microsoft.com/office/drawing/2014/main" xmlns="" id="{3D942B6A-100D-7C4F-8A6D-16BF9AFCDB26}"/>
               </a:ext>
             </a:extLst>
           </p:cNvPr>
@@ -4924,7 +5462,7 @@
           <p:cNvPr id="8" name="그림 7">
             <a:extLst>
               <a:ext uri="{FF2B5EF4-FFF2-40B4-BE49-F238E27FC236}">
-                <a16:creationId xmlns:a16="http://schemas.microsoft.com/office/drawing/2014/main" id="{9B64380C-2998-E601-FA96-882BE9CC965D}"/>
+                <a16:creationId xmlns:a16="http://schemas.microsoft.com/office/drawing/2014/main" xmlns="" id="{9B64380C-2998-E601-FA96-882BE9CC965D}"/>
               </a:ext>
             </a:extLst>
           </p:cNvPr>
@@ -4954,7 +5492,7 @@
           <p:cNvPr id="10" name="그림 9">
             <a:extLst>
               <a:ext uri="{FF2B5EF4-FFF2-40B4-BE49-F238E27FC236}">
-                <a16:creationId xmlns:a16="http://schemas.microsoft.com/office/drawing/2014/main" id="{0A483ABE-F810-B686-DFCE-E76E8EE700A3}"/>
+                <a16:creationId xmlns:a16="http://schemas.microsoft.com/office/drawing/2014/main" xmlns="" id="{0A483ABE-F810-B686-DFCE-E76E8EE700A3}"/>
               </a:ext>
             </a:extLst>
           </p:cNvPr>
@@ -4992,7 +5530,7 @@
 </p:sld>
 </file>
 
-<file path=ppt/slides/slide14.xml><?xml version="1.0" encoding="utf-8"?>
+<file path=ppt/slides/slide15.xml><?xml version="1.0" encoding="utf-8"?>
 <p:sld xmlns:a="http://schemas.openxmlformats.org/drawingml/2006/main" xmlns:r="http://schemas.openxmlformats.org/officeDocument/2006/relationships" xmlns:p="http://schemas.openxmlformats.org/presentationml/2006/main">
   <p:cSld>
     <p:spTree>
@@ -5014,7 +5552,7 @@
           <p:cNvPr id="4" name="TextBox 3">
             <a:extLst>
               <a:ext uri="{FF2B5EF4-FFF2-40B4-BE49-F238E27FC236}">
-                <a16:creationId xmlns:a16="http://schemas.microsoft.com/office/drawing/2014/main" id="{5ADC00B6-990A-40DC-3CEA-505258F5E8DA}"/>
+                <a16:creationId xmlns:a16="http://schemas.microsoft.com/office/drawing/2014/main" xmlns="" id="{5ADC00B6-990A-40DC-3CEA-505258F5E8DA}"/>
               </a:ext>
             </a:extLst>
           </p:cNvPr>
@@ -5072,7 +5610,7 @@
           <p:cNvPr id="5" name="TextBox 4">
             <a:extLst>
               <a:ext uri="{FF2B5EF4-FFF2-40B4-BE49-F238E27FC236}">
-                <a16:creationId xmlns:a16="http://schemas.microsoft.com/office/drawing/2014/main" id="{4EDAA912-8FA0-0F11-119B-EA9F8B36A489}"/>
+                <a16:creationId xmlns:a16="http://schemas.microsoft.com/office/drawing/2014/main" xmlns="" id="{4EDAA912-8FA0-0F11-119B-EA9F8B36A489}"/>
               </a:ext>
             </a:extLst>
           </p:cNvPr>
@@ -5271,7 +5809,7 @@
           <p:cNvPr id="3" name="TextBox 2">
             <a:extLst>
               <a:ext uri="{FF2B5EF4-FFF2-40B4-BE49-F238E27FC236}">
-                <a16:creationId xmlns:a16="http://schemas.microsoft.com/office/drawing/2014/main" id="{37E7CF9D-7E92-6FF8-C88F-AC65D75D85F8}"/>
+                <a16:creationId xmlns:a16="http://schemas.microsoft.com/office/drawing/2014/main" xmlns="" id="{37E7CF9D-7E92-6FF8-C88F-AC65D75D85F8}"/>
               </a:ext>
             </a:extLst>
           </p:cNvPr>
@@ -5736,7 +6274,7 @@
           <p:cNvPr id="11" name="그림 10">
             <a:extLst>
               <a:ext uri="{FF2B5EF4-FFF2-40B4-BE49-F238E27FC236}">
-                <a16:creationId xmlns:a16="http://schemas.microsoft.com/office/drawing/2014/main" id="{64FE6E6B-92BC-1BEB-DD68-5A03B62EEDA1}"/>
+                <a16:creationId xmlns:a16="http://schemas.microsoft.com/office/drawing/2014/main" xmlns="" id="{64FE6E6B-92BC-1BEB-DD68-5A03B62EEDA1}"/>
               </a:ext>
             </a:extLst>
           </p:cNvPr>
@@ -5766,7 +6304,7 @@
           <p:cNvPr id="13" name="그림 12">
             <a:extLst>
               <a:ext uri="{FF2B5EF4-FFF2-40B4-BE49-F238E27FC236}">
-                <a16:creationId xmlns:a16="http://schemas.microsoft.com/office/drawing/2014/main" id="{3CF34DAD-48D2-F0CB-86F9-A2E7445936F0}"/>
+                <a16:creationId xmlns:a16="http://schemas.microsoft.com/office/drawing/2014/main" xmlns="" id="{3CF34DAD-48D2-F0CB-86F9-A2E7445936F0}"/>
               </a:ext>
             </a:extLst>
           </p:cNvPr>
@@ -5796,7 +6334,7 @@
           <p:cNvPr id="15" name="그림 14">
             <a:extLst>
               <a:ext uri="{FF2B5EF4-FFF2-40B4-BE49-F238E27FC236}">
-                <a16:creationId xmlns:a16="http://schemas.microsoft.com/office/drawing/2014/main" id="{00BA284B-8A8E-714B-841D-54FBC7A47159}"/>
+                <a16:creationId xmlns:a16="http://schemas.microsoft.com/office/drawing/2014/main" xmlns="" id="{00BA284B-8A8E-714B-841D-54FBC7A47159}"/>
               </a:ext>
             </a:extLst>
           </p:cNvPr>
@@ -5826,7 +6364,7 @@
           <p:cNvPr id="17" name="그림 16">
             <a:extLst>
               <a:ext uri="{FF2B5EF4-FFF2-40B4-BE49-F238E27FC236}">
-                <a16:creationId xmlns:a16="http://schemas.microsoft.com/office/drawing/2014/main" id="{4E6EBF70-C1D2-8978-A62E-DF7FE2B76E0D}"/>
+                <a16:creationId xmlns:a16="http://schemas.microsoft.com/office/drawing/2014/main" xmlns="" id="{4E6EBF70-C1D2-8978-A62E-DF7FE2B76E0D}"/>
               </a:ext>
             </a:extLst>
           </p:cNvPr>
@@ -5856,7 +6394,7 @@
           <p:cNvPr id="19" name="그림 18">
             <a:extLst>
               <a:ext uri="{FF2B5EF4-FFF2-40B4-BE49-F238E27FC236}">
-                <a16:creationId xmlns:a16="http://schemas.microsoft.com/office/drawing/2014/main" id="{966D2FC5-402B-3935-686F-5F57DB4E358F}"/>
+                <a16:creationId xmlns:a16="http://schemas.microsoft.com/office/drawing/2014/main" xmlns="" id="{966D2FC5-402B-3935-686F-5F57DB4E358F}"/>
               </a:ext>
             </a:extLst>
           </p:cNvPr>
@@ -6014,124 +6552,6 @@
 </p:sld>
 </file>
 
-<file path=ppt/slides/slide15.xml><?xml version="1.0" encoding="utf-8"?>
-<p:sld xmlns:a="http://schemas.openxmlformats.org/drawingml/2006/main" xmlns:r="http://schemas.openxmlformats.org/officeDocument/2006/relationships" xmlns:p="http://schemas.openxmlformats.org/presentationml/2006/main">
-  <p:cSld>
-    <p:spTree>
-      <p:nvGrpSpPr>
-        <p:cNvPr id="1" name=""/>
-        <p:cNvGrpSpPr/>
-        <p:nvPr/>
-      </p:nvGrpSpPr>
-      <p:grpSpPr>
-        <a:xfrm>
-          <a:off x="0" y="0"/>
-          <a:ext cx="0" cy="0"/>
-          <a:chOff x="0" y="0"/>
-          <a:chExt cx="0" cy="0"/>
-        </a:xfrm>
-      </p:grpSpPr>
-      <p:sp>
-        <p:nvSpPr>
-          <p:cNvPr id="4" name="TextBox 3">
-            <a:extLst>
-              <a:ext uri="{FF2B5EF4-FFF2-40B4-BE49-F238E27FC236}">
-                <a16:creationId xmlns:a16="http://schemas.microsoft.com/office/drawing/2014/main" id="{42DA360B-FCE9-ADF1-10BF-66DDB117C22D}"/>
-              </a:ext>
-            </a:extLst>
-          </p:cNvPr>
-          <p:cNvSpPr txBox="1"/>
-          <p:nvPr/>
-        </p:nvSpPr>
-        <p:spPr>
-          <a:xfrm>
-            <a:off x="1371600" y="497131"/>
-            <a:ext cx="6096000" cy="830997"/>
-          </a:xfrm>
-          <a:prstGeom prst="rect">
-            <a:avLst/>
-          </a:prstGeom>
-          <a:noFill/>
-        </p:spPr>
-        <p:txBody>
-          <a:bodyPr wrap="square" rtlCol="0">
-            <a:spAutoFit/>
-          </a:bodyPr>
-          <a:lstStyle/>
-          <a:p>
-            <a:r>
-              <a:rPr lang="en-US" altLang="ko-KR" sz="4800" dirty="0">
-                <a:solidFill>
-                  <a:srgbClr val="4C50BC"/>
-                </a:solidFill>
-                <a:latin typeface="G마켓 산스 Medium" panose="02000000000000000000" pitchFamily="50" charset="-127"/>
-                <a:ea typeface="G마켓 산스 Medium" panose="02000000000000000000" pitchFamily="50" charset="-127"/>
-              </a:rPr>
-              <a:t>If</a:t>
-            </a:r>
-            <a:r>
-              <a:rPr lang="ko-KR" altLang="en-US" sz="4800" dirty="0">
-                <a:solidFill>
-                  <a:srgbClr val="4C50BC"/>
-                </a:solidFill>
-                <a:latin typeface="G마켓 산스 Medium" panose="02000000000000000000" pitchFamily="50" charset="-127"/>
-                <a:ea typeface="G마켓 산스 Medium" panose="02000000000000000000" pitchFamily="50" charset="-127"/>
-              </a:rPr>
-              <a:t>문 중첩</a:t>
-            </a:r>
-            <a:endParaRPr lang="en-US" altLang="ko-KR" sz="4800" dirty="0">
-              <a:solidFill>
-                <a:srgbClr val="4C50BC"/>
-              </a:solidFill>
-              <a:latin typeface="G마켓 산스 Medium" panose="02000000000000000000" pitchFamily="50" charset="-127"/>
-              <a:ea typeface="G마켓 산스 Medium" panose="02000000000000000000" pitchFamily="50" charset="-127"/>
-            </a:endParaRPr>
-          </a:p>
-        </p:txBody>
-      </p:sp>
-      <p:pic>
-        <p:nvPicPr>
-          <p:cNvPr id="6" name="그림 5">
-            <a:extLst>
-              <a:ext uri="{FF2B5EF4-FFF2-40B4-BE49-F238E27FC236}">
-                <a16:creationId xmlns:a16="http://schemas.microsoft.com/office/drawing/2014/main" id="{9FDCB96E-3A6A-E20E-6B3E-74A3ACF74BDA}"/>
-              </a:ext>
-            </a:extLst>
-          </p:cNvPr>
-          <p:cNvPicPr>
-            <a:picLocks noChangeAspect="1"/>
-          </p:cNvPicPr>
-          <p:nvPr/>
-        </p:nvPicPr>
-        <p:blipFill>
-          <a:blip r:embed="rId2"/>
-          <a:stretch>
-            <a:fillRect/>
-          </a:stretch>
-        </p:blipFill>
-        <p:spPr>
-          <a:xfrm>
-            <a:off x="2438400" y="1638300"/>
-            <a:ext cx="11746051" cy="5486400"/>
-          </a:xfrm>
-          <a:prstGeom prst="rect">
-            <a:avLst/>
-          </a:prstGeom>
-        </p:spPr>
-      </p:pic>
-    </p:spTree>
-    <p:extLst>
-      <p:ext uri="{BB962C8B-B14F-4D97-AF65-F5344CB8AC3E}">
-        <p14:creationId xmlns:p14="http://schemas.microsoft.com/office/powerpoint/2010/main" val="2446098907"/>
-      </p:ext>
-    </p:extLst>
-  </p:cSld>
-  <p:clrMapOvr>
-    <a:masterClrMapping/>
-  </p:clrMapOvr>
-</p:sld>
-</file>
-
 <file path=ppt/slides/slide16.xml><?xml version="1.0" encoding="utf-8"?>
 <p:sld xmlns:a="http://schemas.openxmlformats.org/drawingml/2006/main" xmlns:r="http://schemas.openxmlformats.org/officeDocument/2006/relationships" xmlns:p="http://schemas.openxmlformats.org/presentationml/2006/main">
   <p:cSld>
@@ -6154,7 +6574,7 @@
           <p:cNvPr id="4" name="TextBox 3">
             <a:extLst>
               <a:ext uri="{FF2B5EF4-FFF2-40B4-BE49-F238E27FC236}">
-                <a16:creationId xmlns:a16="http://schemas.microsoft.com/office/drawing/2014/main" id="{75630B4D-DF4E-BC3D-757C-A3B2A315F4F2}"/>
+                <a16:creationId xmlns:a16="http://schemas.microsoft.com/office/drawing/2014/main" xmlns="" id="{42DA360B-FCE9-ADF1-10BF-66DDB117C22D}"/>
               </a:ext>
             </a:extLst>
           </p:cNvPr>
@@ -6163,7 +6583,7 @@
         </p:nvSpPr>
         <p:spPr>
           <a:xfrm>
-            <a:off x="5105400" y="1943100"/>
+            <a:off x="1371600" y="497131"/>
             <a:ext cx="6096000" cy="830997"/>
           </a:xfrm>
           <a:prstGeom prst="rect">
@@ -6178,6 +6598,16 @@
           <a:lstStyle/>
           <a:p>
             <a:r>
+              <a:rPr lang="en-US" altLang="ko-KR" sz="4800" dirty="0">
+                <a:solidFill>
+                  <a:srgbClr val="4C50BC"/>
+                </a:solidFill>
+                <a:latin typeface="G마켓 산스 Medium" panose="02000000000000000000" pitchFamily="50" charset="-127"/>
+                <a:ea typeface="G마켓 산스 Medium" panose="02000000000000000000" pitchFamily="50" charset="-127"/>
+              </a:rPr>
+              <a:t>If</a:t>
+            </a:r>
+            <a:r>
               <a:rPr lang="ko-KR" altLang="en-US" sz="4800" dirty="0">
                 <a:solidFill>
                   <a:srgbClr val="4C50BC"/>
@@ -6185,48 +6615,15 @@
                 <a:latin typeface="G마켓 산스 Medium" panose="02000000000000000000" pitchFamily="50" charset="-127"/>
                 <a:ea typeface="G마켓 산스 Medium" panose="02000000000000000000" pitchFamily="50" charset="-127"/>
               </a:rPr>
-              <a:t>어디의 </a:t>
-            </a:r>
-            <a:r>
-              <a:rPr lang="en-US" altLang="ko-KR" sz="4800" dirty="0">
-                <a:solidFill>
-                  <a:srgbClr val="4C50BC"/>
-                </a:solidFill>
-                <a:latin typeface="G마켓 산스 Medium" panose="02000000000000000000" pitchFamily="50" charset="-127"/>
-                <a:ea typeface="G마켓 산스 Medium" panose="02000000000000000000" pitchFamily="50" charset="-127"/>
-              </a:rPr>
-              <a:t>else</a:t>
-            </a:r>
-            <a:r>
-              <a:rPr lang="ko-KR" altLang="en-US" sz="4800" dirty="0">
-                <a:solidFill>
-                  <a:srgbClr val="4C50BC"/>
-                </a:solidFill>
-                <a:latin typeface="G마켓 산스 Medium" panose="02000000000000000000" pitchFamily="50" charset="-127"/>
-                <a:ea typeface="G마켓 산스 Medium" panose="02000000000000000000" pitchFamily="50" charset="-127"/>
-              </a:rPr>
-              <a:t>문 </a:t>
-            </a:r>
-            <a:r>
-              <a:rPr lang="ko-KR" altLang="en-US" sz="4800" dirty="0" err="1">
-                <a:solidFill>
-                  <a:srgbClr val="4C50BC"/>
-                </a:solidFill>
-                <a:latin typeface="G마켓 산스 Medium" panose="02000000000000000000" pitchFamily="50" charset="-127"/>
-                <a:ea typeface="G마켓 산스 Medium" panose="02000000000000000000" pitchFamily="50" charset="-127"/>
-              </a:rPr>
-              <a:t>인걸까</a:t>
-            </a:r>
-            <a:r>
-              <a:rPr lang="en-US" altLang="ko-KR" sz="4800" dirty="0">
-                <a:solidFill>
-                  <a:srgbClr val="4C50BC"/>
-                </a:solidFill>
-                <a:latin typeface="G마켓 산스 Medium" panose="02000000000000000000" pitchFamily="50" charset="-127"/>
-                <a:ea typeface="G마켓 산스 Medium" panose="02000000000000000000" pitchFamily="50" charset="-127"/>
-              </a:rPr>
-              <a:t>?</a:t>
-            </a:r>
+              <a:t>문 중첩</a:t>
+            </a:r>
+            <a:endParaRPr lang="en-US" altLang="ko-KR" sz="4800" dirty="0">
+              <a:solidFill>
+                <a:srgbClr val="4C50BC"/>
+              </a:solidFill>
+              <a:latin typeface="G마켓 산스 Medium" panose="02000000000000000000" pitchFamily="50" charset="-127"/>
+              <a:ea typeface="G마켓 산스 Medium" panose="02000000000000000000" pitchFamily="50" charset="-127"/>
+            </a:endParaRPr>
           </a:p>
         </p:txBody>
       </p:sp>
@@ -6235,7 +6632,7 @@
           <p:cNvPr id="6" name="그림 5">
             <a:extLst>
               <a:ext uri="{FF2B5EF4-FFF2-40B4-BE49-F238E27FC236}">
-                <a16:creationId xmlns:a16="http://schemas.microsoft.com/office/drawing/2014/main" id="{5DE5418B-082F-E705-4D28-CBA7C8AC9BB1}"/>
+                <a16:creationId xmlns:a16="http://schemas.microsoft.com/office/drawing/2014/main" xmlns="" id="{9FDCB96E-3A6A-E20E-6B3E-74A3ACF74BDA}"/>
               </a:ext>
             </a:extLst>
           </p:cNvPr>
@@ -6252,6 +6649,154 @@
         </p:blipFill>
         <p:spPr>
           <a:xfrm>
+            <a:off x="2438400" y="1638300"/>
+            <a:ext cx="11746051" cy="5486400"/>
+          </a:xfrm>
+          <a:prstGeom prst="rect">
+            <a:avLst/>
+          </a:prstGeom>
+        </p:spPr>
+      </p:pic>
+    </p:spTree>
+    <p:extLst>
+      <p:ext uri="{BB962C8B-B14F-4D97-AF65-F5344CB8AC3E}">
+        <p14:creationId xmlns:p14="http://schemas.microsoft.com/office/powerpoint/2010/main" val="2446098907"/>
+      </p:ext>
+    </p:extLst>
+  </p:cSld>
+  <p:clrMapOvr>
+    <a:masterClrMapping/>
+  </p:clrMapOvr>
+  <p:timing>
+    <p:tnLst>
+      <p:par>
+        <p:cTn id="1" dur="indefinite" restart="never" nodeType="tmRoot"/>
+      </p:par>
+    </p:tnLst>
+  </p:timing>
+</p:sld>
+</file>
+
+<file path=ppt/slides/slide17.xml><?xml version="1.0" encoding="utf-8"?>
+<p:sld xmlns:a="http://schemas.openxmlformats.org/drawingml/2006/main" xmlns:r="http://schemas.openxmlformats.org/officeDocument/2006/relationships" xmlns:p="http://schemas.openxmlformats.org/presentationml/2006/main">
+  <p:cSld>
+    <p:spTree>
+      <p:nvGrpSpPr>
+        <p:cNvPr id="1" name=""/>
+        <p:cNvGrpSpPr/>
+        <p:nvPr/>
+      </p:nvGrpSpPr>
+      <p:grpSpPr>
+        <a:xfrm>
+          <a:off x="0" y="0"/>
+          <a:ext cx="0" cy="0"/>
+          <a:chOff x="0" y="0"/>
+          <a:chExt cx="0" cy="0"/>
+        </a:xfrm>
+      </p:grpSpPr>
+      <p:sp>
+        <p:nvSpPr>
+          <p:cNvPr id="4" name="TextBox 3">
+            <a:extLst>
+              <a:ext uri="{FF2B5EF4-FFF2-40B4-BE49-F238E27FC236}">
+                <a16:creationId xmlns:a16="http://schemas.microsoft.com/office/drawing/2014/main" xmlns="" id="{75630B4D-DF4E-BC3D-757C-A3B2A315F4F2}"/>
+              </a:ext>
+            </a:extLst>
+          </p:cNvPr>
+          <p:cNvSpPr txBox="1"/>
+          <p:nvPr/>
+        </p:nvSpPr>
+        <p:spPr>
+          <a:xfrm>
+            <a:off x="5105400" y="1943100"/>
+            <a:ext cx="6096000" cy="830997"/>
+          </a:xfrm>
+          <a:prstGeom prst="rect">
+            <a:avLst/>
+          </a:prstGeom>
+          <a:noFill/>
+        </p:spPr>
+        <p:txBody>
+          <a:bodyPr wrap="square" rtlCol="0">
+            <a:spAutoFit/>
+          </a:bodyPr>
+          <a:lstStyle/>
+          <a:p>
+            <a:r>
+              <a:rPr lang="ko-KR" altLang="en-US" sz="4800" dirty="0">
+                <a:solidFill>
+                  <a:srgbClr val="4C50BC"/>
+                </a:solidFill>
+                <a:latin typeface="G마켓 산스 Medium" panose="02000000000000000000" pitchFamily="50" charset="-127"/>
+                <a:ea typeface="G마켓 산스 Medium" panose="02000000000000000000" pitchFamily="50" charset="-127"/>
+              </a:rPr>
+              <a:t>어디의 </a:t>
+            </a:r>
+            <a:r>
+              <a:rPr lang="en-US" altLang="ko-KR" sz="4800" dirty="0">
+                <a:solidFill>
+                  <a:srgbClr val="4C50BC"/>
+                </a:solidFill>
+                <a:latin typeface="G마켓 산스 Medium" panose="02000000000000000000" pitchFamily="50" charset="-127"/>
+                <a:ea typeface="G마켓 산스 Medium" panose="02000000000000000000" pitchFamily="50" charset="-127"/>
+              </a:rPr>
+              <a:t>else</a:t>
+            </a:r>
+            <a:r>
+              <a:rPr lang="ko-KR" altLang="en-US" sz="4800" dirty="0">
+                <a:solidFill>
+                  <a:srgbClr val="4C50BC"/>
+                </a:solidFill>
+                <a:latin typeface="G마켓 산스 Medium" panose="02000000000000000000" pitchFamily="50" charset="-127"/>
+                <a:ea typeface="G마켓 산스 Medium" panose="02000000000000000000" pitchFamily="50" charset="-127"/>
+              </a:rPr>
+              <a:t>문 </a:t>
+            </a:r>
+            <a:r>
+              <a:rPr lang="ko-KR" altLang="en-US" sz="4800" dirty="0" err="1">
+                <a:solidFill>
+                  <a:srgbClr val="4C50BC"/>
+                </a:solidFill>
+                <a:latin typeface="G마켓 산스 Medium" panose="02000000000000000000" pitchFamily="50" charset="-127"/>
+                <a:ea typeface="G마켓 산스 Medium" panose="02000000000000000000" pitchFamily="50" charset="-127"/>
+              </a:rPr>
+              <a:t>인걸까</a:t>
+            </a:r>
+            <a:r>
+              <a:rPr lang="en-US" altLang="ko-KR" sz="4800" dirty="0">
+                <a:solidFill>
+                  <a:srgbClr val="4C50BC"/>
+                </a:solidFill>
+                <a:latin typeface="G마켓 산스 Medium" panose="02000000000000000000" pitchFamily="50" charset="-127"/>
+                <a:ea typeface="G마켓 산스 Medium" panose="02000000000000000000" pitchFamily="50" charset="-127"/>
+              </a:rPr>
+              <a:t>?</a:t>
+            </a:r>
+          </a:p>
+        </p:txBody>
+      </p:sp>
+      <p:pic>
+        <p:nvPicPr>
+          <p:cNvPr id="6" name="그림 5">
+            <a:extLst>
+              <a:ext uri="{FF2B5EF4-FFF2-40B4-BE49-F238E27FC236}">
+                <a16:creationId xmlns:a16="http://schemas.microsoft.com/office/drawing/2014/main" xmlns="" id="{5DE5418B-082F-E705-4D28-CBA7C8AC9BB1}"/>
+              </a:ext>
+            </a:extLst>
+          </p:cNvPr>
+          <p:cNvPicPr>
+            <a:picLocks noChangeAspect="1"/>
+          </p:cNvPicPr>
+          <p:nvPr/>
+        </p:nvPicPr>
+        <p:blipFill>
+          <a:blip r:embed="rId2"/>
+          <a:stretch>
+            <a:fillRect/>
+          </a:stretch>
+        </p:blipFill>
+        <p:spPr>
+          <a:xfrm>
             <a:off x="1060116" y="3219477"/>
             <a:ext cx="16167767" cy="3848046"/>
           </a:xfrm>
@@ -6265,7 +6810,7 @@
           <p:cNvPr id="7" name="TextBox 6">
             <a:extLst>
               <a:ext uri="{FF2B5EF4-FFF2-40B4-BE49-F238E27FC236}">
-                <a16:creationId xmlns:a16="http://schemas.microsoft.com/office/drawing/2014/main" id="{793BDE34-33C5-FDA9-E751-35DF54EBB531}"/>
+                <a16:creationId xmlns:a16="http://schemas.microsoft.com/office/drawing/2014/main" xmlns="" id="{793BDE34-33C5-FDA9-E751-35DF54EBB531}"/>
               </a:ext>
             </a:extLst>
           </p:cNvPr>
@@ -6356,7 +6901,7 @@
           <p:cNvPr id="8" name="직사각형 7">
             <a:extLst>
               <a:ext uri="{FF2B5EF4-FFF2-40B4-BE49-F238E27FC236}">
-                <a16:creationId xmlns:a16="http://schemas.microsoft.com/office/drawing/2014/main" id="{4318435F-3F26-893B-C776-AEF9745E9F14}"/>
+                <a16:creationId xmlns:a16="http://schemas.microsoft.com/office/drawing/2014/main" xmlns="" id="{4318435F-3F26-893B-C776-AEF9745E9F14}"/>
               </a:ext>
             </a:extLst>
           </p:cNvPr>
@@ -6408,7 +6953,7 @@
           <p:cNvPr id="9" name="직선 화살표 연결선 8">
             <a:extLst>
               <a:ext uri="{FF2B5EF4-FFF2-40B4-BE49-F238E27FC236}">
-                <a16:creationId xmlns:a16="http://schemas.microsoft.com/office/drawing/2014/main" id="{1127EAB3-6DAD-9C7A-14B8-F0BC20C76B84}"/>
+                <a16:creationId xmlns:a16="http://schemas.microsoft.com/office/drawing/2014/main" xmlns="" id="{1127EAB3-6DAD-9C7A-14B8-F0BC20C76B84}"/>
               </a:ext>
             </a:extLst>
           </p:cNvPr>
@@ -6590,7 +7135,7 @@
 </p:sld>
 </file>
 
-<file path=ppt/slides/slide17.xml><?xml version="1.0" encoding="utf-8"?>
+<file path=ppt/slides/slide18.xml><?xml version="1.0" encoding="utf-8"?>
 <p:sld xmlns:a="http://schemas.openxmlformats.org/drawingml/2006/main" xmlns:r="http://schemas.openxmlformats.org/officeDocument/2006/relationships" xmlns:p="http://schemas.openxmlformats.org/presentationml/2006/main">
   <p:cSld>
     <p:bg>
@@ -6620,7 +7165,7 @@
           <p:cNvPr id="4" name="Object 1">
             <a:extLst>
               <a:ext uri="{FF2B5EF4-FFF2-40B4-BE49-F238E27FC236}">
-                <a16:creationId xmlns:a16="http://schemas.microsoft.com/office/drawing/2014/main" id="{B0329035-BE76-33A8-0F2E-44624FCC1DED}"/>
+                <a16:creationId xmlns:a16="http://schemas.microsoft.com/office/drawing/2014/main" xmlns="" id="{B0329035-BE76-33A8-0F2E-44624FCC1DED}"/>
               </a:ext>
             </a:extLst>
           </p:cNvPr>
@@ -6650,7 +7195,7 @@
           <p:cNvPr id="7" name="그룹 1001">
             <a:extLst>
               <a:ext uri="{FF2B5EF4-FFF2-40B4-BE49-F238E27FC236}">
-                <a16:creationId xmlns:a16="http://schemas.microsoft.com/office/drawing/2014/main" id="{CD24CE9D-AC18-B6CD-F397-7E8E03D6FE26}"/>
+                <a16:creationId xmlns:a16="http://schemas.microsoft.com/office/drawing/2014/main" xmlns="" id="{CD24CE9D-AC18-B6CD-F397-7E8E03D6FE26}"/>
               </a:ext>
             </a:extLst>
           </p:cNvPr>
@@ -6670,7 +7215,7 @@
             <p:cNvPr id="8" name="Object 5">
               <a:extLst>
                 <a:ext uri="{FF2B5EF4-FFF2-40B4-BE49-F238E27FC236}">
-                  <a16:creationId xmlns:a16="http://schemas.microsoft.com/office/drawing/2014/main" id="{0EEF25E8-3BA8-EBAA-6DC2-66D70C3F9F4D}"/>
+                  <a16:creationId xmlns:a16="http://schemas.microsoft.com/office/drawing/2014/main" xmlns="" id="{0EEF25E8-3BA8-EBAA-6DC2-66D70C3F9F4D}"/>
                 </a:ext>
               </a:extLst>
             </p:cNvPr>
@@ -6701,7 +7246,7 @@
           <p:cNvPr id="9" name="그룹 1002">
             <a:extLst>
               <a:ext uri="{FF2B5EF4-FFF2-40B4-BE49-F238E27FC236}">
-                <a16:creationId xmlns:a16="http://schemas.microsoft.com/office/drawing/2014/main" id="{0F281BC9-DE1F-D1FE-E64C-C4640398F00C}"/>
+                <a16:creationId xmlns:a16="http://schemas.microsoft.com/office/drawing/2014/main" xmlns="" id="{0F281BC9-DE1F-D1FE-E64C-C4640398F00C}"/>
               </a:ext>
             </a:extLst>
           </p:cNvPr>
@@ -6721,7 +7266,7 @@
             <p:cNvPr id="10" name="Object 8">
               <a:extLst>
                 <a:ext uri="{FF2B5EF4-FFF2-40B4-BE49-F238E27FC236}">
-                  <a16:creationId xmlns:a16="http://schemas.microsoft.com/office/drawing/2014/main" id="{F669DCEF-04BB-7046-3F7F-5B513213556E}"/>
+                  <a16:creationId xmlns:a16="http://schemas.microsoft.com/office/drawing/2014/main" xmlns="" id="{F669DCEF-04BB-7046-3F7F-5B513213556E}"/>
                 </a:ext>
               </a:extLst>
             </p:cNvPr>
@@ -6752,7 +7297,7 @@
           <p:cNvPr id="11" name="그룹 1003">
             <a:extLst>
               <a:ext uri="{FF2B5EF4-FFF2-40B4-BE49-F238E27FC236}">
-                <a16:creationId xmlns:a16="http://schemas.microsoft.com/office/drawing/2014/main" id="{1F91EEF9-13EA-BB7F-B056-D35E7DB989AC}"/>
+                <a16:creationId xmlns:a16="http://schemas.microsoft.com/office/drawing/2014/main" xmlns="" id="{1F91EEF9-13EA-BB7F-B056-D35E7DB989AC}"/>
               </a:ext>
             </a:extLst>
           </p:cNvPr>
@@ -6772,7 +7317,7 @@
             <p:cNvPr id="12" name="Object 11">
               <a:extLst>
                 <a:ext uri="{FF2B5EF4-FFF2-40B4-BE49-F238E27FC236}">
-                  <a16:creationId xmlns:a16="http://schemas.microsoft.com/office/drawing/2014/main" id="{2CFFB217-AEFB-2C9E-5F86-6EE19510FFC6}"/>
+                  <a16:creationId xmlns:a16="http://schemas.microsoft.com/office/drawing/2014/main" xmlns="" id="{2CFFB217-AEFB-2C9E-5F86-6EE19510FFC6}"/>
                 </a:ext>
               </a:extLst>
             </p:cNvPr>
@@ -6803,7 +7348,7 @@
           <p:cNvPr id="13" name="그룹 1004">
             <a:extLst>
               <a:ext uri="{FF2B5EF4-FFF2-40B4-BE49-F238E27FC236}">
-                <a16:creationId xmlns:a16="http://schemas.microsoft.com/office/drawing/2014/main" id="{123B9C7E-94E8-E7E1-81BE-D59EA0299187}"/>
+                <a16:creationId xmlns:a16="http://schemas.microsoft.com/office/drawing/2014/main" xmlns="" id="{123B9C7E-94E8-E7E1-81BE-D59EA0299187}"/>
               </a:ext>
             </a:extLst>
           </p:cNvPr>
@@ -6823,7 +7368,7 @@
             <p:cNvPr id="14" name="Object 14">
               <a:extLst>
                 <a:ext uri="{FF2B5EF4-FFF2-40B4-BE49-F238E27FC236}">
-                  <a16:creationId xmlns:a16="http://schemas.microsoft.com/office/drawing/2014/main" id="{B6291552-2D89-A79F-7ACD-EA0EF9A4C389}"/>
+                  <a16:creationId xmlns:a16="http://schemas.microsoft.com/office/drawing/2014/main" xmlns="" id="{B6291552-2D89-A79F-7ACD-EA0EF9A4C389}"/>
                 </a:ext>
               </a:extLst>
             </p:cNvPr>
@@ -6854,7 +7399,7 @@
           <p:cNvPr id="15" name="TextBox 14">
             <a:extLst>
               <a:ext uri="{FF2B5EF4-FFF2-40B4-BE49-F238E27FC236}">
-                <a16:creationId xmlns:a16="http://schemas.microsoft.com/office/drawing/2014/main" id="{7D99763A-FC24-23F5-5BA9-D7B042E0F323}"/>
+                <a16:creationId xmlns:a16="http://schemas.microsoft.com/office/drawing/2014/main" xmlns="" id="{7D99763A-FC24-23F5-5BA9-D7B042E0F323}"/>
               </a:ext>
             </a:extLst>
           </p:cNvPr>
@@ -6901,665 +7446,6 @@
     <p:extLst>
       <p:ext uri="{BB962C8B-B14F-4D97-AF65-F5344CB8AC3E}">
         <p14:creationId xmlns:p14="http://schemas.microsoft.com/office/powerpoint/2010/main" val="4010059195"/>
-      </p:ext>
-    </p:extLst>
-  </p:cSld>
-  <p:clrMapOvr>
-    <a:masterClrMapping/>
-  </p:clrMapOvr>
-</p:sld>
-</file>
-
-<file path=ppt/slides/slide18.xml><?xml version="1.0" encoding="utf-8"?>
-<p:sld xmlns:a="http://schemas.openxmlformats.org/drawingml/2006/main" xmlns:r="http://schemas.openxmlformats.org/officeDocument/2006/relationships" xmlns:p="http://schemas.openxmlformats.org/presentationml/2006/main">
-  <p:cSld>
-    <p:spTree>
-      <p:nvGrpSpPr>
-        <p:cNvPr id="1" name=""/>
-        <p:cNvGrpSpPr/>
-        <p:nvPr/>
-      </p:nvGrpSpPr>
-      <p:grpSpPr>
-        <a:xfrm>
-          <a:off x="0" y="0"/>
-          <a:ext cx="0" cy="0"/>
-          <a:chOff x="0" y="0"/>
-          <a:chExt cx="0" cy="0"/>
-        </a:xfrm>
-      </p:grpSpPr>
-      <p:pic>
-        <p:nvPicPr>
-          <p:cNvPr id="15" name="그림 14">
-            <a:extLst>
-              <a:ext uri="{FF2B5EF4-FFF2-40B4-BE49-F238E27FC236}">
-                <a16:creationId xmlns:a16="http://schemas.microsoft.com/office/drawing/2014/main" id="{C6D1BEA1-FCB7-ADA2-78D2-FCA636D86816}"/>
-              </a:ext>
-            </a:extLst>
-          </p:cNvPr>
-          <p:cNvPicPr>
-            <a:picLocks noChangeAspect="1"/>
-          </p:cNvPicPr>
-          <p:nvPr/>
-        </p:nvPicPr>
-        <p:blipFill>
-          <a:blip r:embed="rId2"/>
-          <a:stretch>
-            <a:fillRect/>
-          </a:stretch>
-        </p:blipFill>
-        <p:spPr>
-          <a:xfrm>
-            <a:off x="381000" y="1328128"/>
-            <a:ext cx="9601200" cy="7387225"/>
-          </a:xfrm>
-          <a:prstGeom prst="rect">
-            <a:avLst/>
-          </a:prstGeom>
-        </p:spPr>
-      </p:pic>
-      <p:cxnSp>
-        <p:nvCxnSpPr>
-          <p:cNvPr id="7" name="직선 화살표 연결선 6">
-            <a:extLst>
-              <a:ext uri="{FF2B5EF4-FFF2-40B4-BE49-F238E27FC236}">
-                <a16:creationId xmlns:a16="http://schemas.microsoft.com/office/drawing/2014/main" id="{CFF5B8DD-5AE4-FAD3-A6B6-087AE8C7C5CC}"/>
-              </a:ext>
-            </a:extLst>
-          </p:cNvPr>
-          <p:cNvCxnSpPr>
-            <a:cxnSpLocks/>
-          </p:cNvCxnSpPr>
-          <p:nvPr/>
-        </p:nvCxnSpPr>
-        <p:spPr>
-          <a:xfrm flipV="1">
-            <a:off x="3338286" y="2697869"/>
-            <a:ext cx="1333500" cy="644099"/>
-          </a:xfrm>
-          <a:prstGeom prst="straightConnector1">
-            <a:avLst/>
-          </a:prstGeom>
-          <a:ln w="38100">
-            <a:tailEnd type="triangle"/>
-          </a:ln>
-        </p:spPr>
-        <p:style>
-          <a:lnRef idx="1">
-            <a:schemeClr val="accent2"/>
-          </a:lnRef>
-          <a:fillRef idx="0">
-            <a:schemeClr val="accent2"/>
-          </a:fillRef>
-          <a:effectRef idx="0">
-            <a:schemeClr val="accent2"/>
-          </a:effectRef>
-          <a:fontRef idx="minor">
-            <a:schemeClr val="tx1"/>
-          </a:fontRef>
-        </p:style>
-      </p:cxnSp>
-      <p:sp>
-        <p:nvSpPr>
-          <p:cNvPr id="8" name="직사각형 7">
-            <a:extLst>
-              <a:ext uri="{FF2B5EF4-FFF2-40B4-BE49-F238E27FC236}">
-                <a16:creationId xmlns:a16="http://schemas.microsoft.com/office/drawing/2014/main" id="{E796A059-B810-0D98-E1E7-CFDC3D7E4445}"/>
-              </a:ext>
-            </a:extLst>
-          </p:cNvPr>
-          <p:cNvSpPr/>
-          <p:nvPr/>
-        </p:nvSpPr>
-        <p:spPr>
-          <a:xfrm>
-            <a:off x="2728686" y="3113368"/>
-            <a:ext cx="533400" cy="457200"/>
-          </a:xfrm>
-          <a:prstGeom prst="rect">
-            <a:avLst/>
-          </a:prstGeom>
-          <a:noFill/>
-          <a:ln>
-            <a:solidFill>
-              <a:srgbClr val="FF0000"/>
-            </a:solidFill>
-          </a:ln>
-        </p:spPr>
-        <p:style>
-          <a:lnRef idx="2">
-            <a:schemeClr val="accent2">
-              <a:shade val="50000"/>
-            </a:schemeClr>
-          </a:lnRef>
-          <a:fillRef idx="1">
-            <a:schemeClr val="accent2"/>
-          </a:fillRef>
-          <a:effectRef idx="0">
-            <a:schemeClr val="accent2"/>
-          </a:effectRef>
-          <a:fontRef idx="minor">
-            <a:schemeClr val="lt1"/>
-          </a:fontRef>
-        </p:style>
-        <p:txBody>
-          <a:bodyPr rtlCol="0" anchor="ctr"/>
-          <a:lstStyle/>
-          <a:p>
-            <a:pPr algn="ctr"/>
-            <a:endParaRPr lang="ko-KR" altLang="en-US"/>
-          </a:p>
-        </p:txBody>
-      </p:sp>
-      <p:sp>
-        <p:nvSpPr>
-          <p:cNvPr id="11" name="TextBox 10">
-            <a:extLst>
-              <a:ext uri="{FF2B5EF4-FFF2-40B4-BE49-F238E27FC236}">
-                <a16:creationId xmlns:a16="http://schemas.microsoft.com/office/drawing/2014/main" id="{B294F0AF-B11E-C3D3-7E36-E421B71D61F4}"/>
-              </a:ext>
-            </a:extLst>
-          </p:cNvPr>
-          <p:cNvSpPr txBox="1"/>
-          <p:nvPr/>
-        </p:nvSpPr>
-        <p:spPr>
-          <a:xfrm>
-            <a:off x="4786086" y="2019300"/>
-            <a:ext cx="5334000" cy="1077218"/>
-          </a:xfrm>
-          <a:prstGeom prst="rect">
-            <a:avLst/>
-          </a:prstGeom>
-          <a:noFill/>
-        </p:spPr>
-        <p:txBody>
-          <a:bodyPr wrap="square" rtlCol="0">
-            <a:spAutoFit/>
-          </a:bodyPr>
-          <a:lstStyle/>
-          <a:p>
-            <a:r>
-              <a:rPr lang="ko-KR" altLang="en-US" sz="3200" dirty="0">
-                <a:solidFill>
-                  <a:srgbClr val="FF0000"/>
-                </a:solidFill>
-                <a:latin typeface="G마켓 산스 Medium" panose="02000000000000000000" pitchFamily="50" charset="-127"/>
-                <a:ea typeface="G마켓 산스 Medium" panose="02000000000000000000" pitchFamily="50" charset="-127"/>
-              </a:rPr>
-              <a:t>조건식과 값이 </a:t>
-            </a:r>
-            <a:r>
-              <a:rPr lang="ko-KR" altLang="en-US" sz="3200" dirty="0" err="1">
-                <a:solidFill>
-                  <a:srgbClr val="FF0000"/>
-                </a:solidFill>
-                <a:latin typeface="G마켓 산스 Medium" panose="02000000000000000000" pitchFamily="50" charset="-127"/>
-                <a:ea typeface="G마켓 산스 Medium" panose="02000000000000000000" pitchFamily="50" charset="-127"/>
-              </a:rPr>
-              <a:t>일치해야지</a:t>
-            </a:r>
-            <a:r>
-              <a:rPr lang="ko-KR" altLang="en-US" sz="3200" dirty="0">
-                <a:solidFill>
-                  <a:srgbClr val="FF0000"/>
-                </a:solidFill>
-                <a:latin typeface="G마켓 산스 Medium" panose="02000000000000000000" pitchFamily="50" charset="-127"/>
-                <a:ea typeface="G마켓 산스 Medium" panose="02000000000000000000" pitchFamily="50" charset="-127"/>
-              </a:rPr>
-              <a:t> 실행된다</a:t>
-            </a:r>
-            <a:r>
-              <a:rPr lang="en-US" altLang="ko-KR" sz="3200" dirty="0">
-                <a:solidFill>
-                  <a:srgbClr val="FF0000"/>
-                </a:solidFill>
-                <a:latin typeface="G마켓 산스 Medium" panose="02000000000000000000" pitchFamily="50" charset="-127"/>
-                <a:ea typeface="G마켓 산스 Medium" panose="02000000000000000000" pitchFamily="50" charset="-127"/>
-              </a:rPr>
-              <a:t>.</a:t>
-            </a:r>
-          </a:p>
-        </p:txBody>
-      </p:sp>
-      <p:cxnSp>
-        <p:nvCxnSpPr>
-          <p:cNvPr id="20" name="직선 화살표 연결선 19">
-            <a:extLst>
-              <a:ext uri="{FF2B5EF4-FFF2-40B4-BE49-F238E27FC236}">
-                <a16:creationId xmlns:a16="http://schemas.microsoft.com/office/drawing/2014/main" id="{F7C1572C-BCA3-8087-AA95-7CC53490A1B0}"/>
-              </a:ext>
-            </a:extLst>
-          </p:cNvPr>
-          <p:cNvCxnSpPr>
-            <a:cxnSpLocks/>
-          </p:cNvCxnSpPr>
-          <p:nvPr/>
-        </p:nvCxnSpPr>
-        <p:spPr>
-          <a:xfrm>
-            <a:off x="3185886" y="7048500"/>
-            <a:ext cx="1433286" cy="0"/>
-          </a:xfrm>
-          <a:prstGeom prst="straightConnector1">
-            <a:avLst/>
-          </a:prstGeom>
-          <a:ln w="38100">
-            <a:tailEnd type="triangle"/>
-          </a:ln>
-        </p:spPr>
-        <p:style>
-          <a:lnRef idx="1">
-            <a:schemeClr val="accent2"/>
-          </a:lnRef>
-          <a:fillRef idx="0">
-            <a:schemeClr val="accent2"/>
-          </a:fillRef>
-          <a:effectRef idx="0">
-            <a:schemeClr val="accent2"/>
-          </a:effectRef>
-          <a:fontRef idx="minor">
-            <a:schemeClr val="tx1"/>
-          </a:fontRef>
-        </p:style>
-      </p:cxnSp>
-      <p:sp>
-        <p:nvSpPr>
-          <p:cNvPr id="21" name="직사각형 20">
-            <a:extLst>
-              <a:ext uri="{FF2B5EF4-FFF2-40B4-BE49-F238E27FC236}">
-                <a16:creationId xmlns:a16="http://schemas.microsoft.com/office/drawing/2014/main" id="{09A98BD4-AB00-6A86-0B92-B0599743A4C4}"/>
-              </a:ext>
-            </a:extLst>
-          </p:cNvPr>
-          <p:cNvSpPr/>
-          <p:nvPr/>
-        </p:nvSpPr>
-        <p:spPr>
-          <a:xfrm>
-            <a:off x="1433286" y="6819900"/>
-            <a:ext cx="1676400" cy="457200"/>
-          </a:xfrm>
-          <a:prstGeom prst="rect">
-            <a:avLst/>
-          </a:prstGeom>
-          <a:noFill/>
-          <a:ln>
-            <a:solidFill>
-              <a:srgbClr val="FF0000"/>
-            </a:solidFill>
-          </a:ln>
-        </p:spPr>
-        <p:style>
-          <a:lnRef idx="2">
-            <a:schemeClr val="accent2">
-              <a:shade val="50000"/>
-            </a:schemeClr>
-          </a:lnRef>
-          <a:fillRef idx="1">
-            <a:schemeClr val="accent2"/>
-          </a:fillRef>
-          <a:effectRef idx="0">
-            <a:schemeClr val="accent2"/>
-          </a:effectRef>
-          <a:fontRef idx="minor">
-            <a:schemeClr val="lt1"/>
-          </a:fontRef>
-        </p:style>
-        <p:txBody>
-          <a:bodyPr rtlCol="0" anchor="ctr"/>
-          <a:lstStyle/>
-          <a:p>
-            <a:pPr algn="ctr"/>
-            <a:endParaRPr lang="ko-KR" altLang="en-US"/>
-          </a:p>
-        </p:txBody>
-      </p:sp>
-      <p:sp>
-        <p:nvSpPr>
-          <p:cNvPr id="22" name="TextBox 21">
-            <a:extLst>
-              <a:ext uri="{FF2B5EF4-FFF2-40B4-BE49-F238E27FC236}">
-                <a16:creationId xmlns:a16="http://schemas.microsoft.com/office/drawing/2014/main" id="{C8A0704C-FEE1-6E77-EBF1-1AE8FC4BD2CC}"/>
-              </a:ext>
-            </a:extLst>
-          </p:cNvPr>
-          <p:cNvSpPr txBox="1"/>
-          <p:nvPr/>
-        </p:nvSpPr>
-        <p:spPr>
-          <a:xfrm>
-            <a:off x="4724400" y="6405653"/>
-            <a:ext cx="10606314" cy="1077218"/>
-          </a:xfrm>
-          <a:prstGeom prst="rect">
-            <a:avLst/>
-          </a:prstGeom>
-          <a:noFill/>
-        </p:spPr>
-        <p:txBody>
-          <a:bodyPr wrap="square" rtlCol="0">
-            <a:spAutoFit/>
-          </a:bodyPr>
-          <a:lstStyle/>
-          <a:p>
-            <a:r>
-              <a:rPr lang="ko-KR" altLang="en-US" sz="3200" dirty="0">
-                <a:solidFill>
-                  <a:srgbClr val="FF0000"/>
-                </a:solidFill>
-                <a:latin typeface="G마켓 산스 Medium" panose="02000000000000000000" pitchFamily="50" charset="-127"/>
-                <a:ea typeface="G마켓 산스 Medium" panose="02000000000000000000" pitchFamily="50" charset="-127"/>
-              </a:rPr>
-              <a:t>모든 케이스에 걸리지 </a:t>
-            </a:r>
-            <a:r>
-              <a:rPr lang="ko-KR" altLang="en-US" sz="3200" dirty="0" err="1">
-                <a:solidFill>
-                  <a:srgbClr val="FF0000"/>
-                </a:solidFill>
-                <a:latin typeface="G마켓 산스 Medium" panose="02000000000000000000" pitchFamily="50" charset="-127"/>
-                <a:ea typeface="G마켓 산스 Medium" panose="02000000000000000000" pitchFamily="50" charset="-127"/>
-              </a:rPr>
-              <a:t>않을경우</a:t>
-            </a:r>
-            <a:r>
-              <a:rPr lang="ko-KR" altLang="en-US" sz="3200" dirty="0">
-                <a:solidFill>
-                  <a:srgbClr val="FF0000"/>
-                </a:solidFill>
-                <a:latin typeface="G마켓 산스 Medium" panose="02000000000000000000" pitchFamily="50" charset="-127"/>
-                <a:ea typeface="G마켓 산스 Medium" panose="02000000000000000000" pitchFamily="50" charset="-127"/>
-              </a:rPr>
-              <a:t> 실행된다</a:t>
-            </a:r>
-            <a:r>
-              <a:rPr lang="en-US" altLang="ko-KR" sz="3200" dirty="0">
-                <a:solidFill>
-                  <a:srgbClr val="FF0000"/>
-                </a:solidFill>
-                <a:latin typeface="G마켓 산스 Medium" panose="02000000000000000000" pitchFamily="50" charset="-127"/>
-                <a:ea typeface="G마켓 산스 Medium" panose="02000000000000000000" pitchFamily="50" charset="-127"/>
-              </a:rPr>
-              <a:t>. </a:t>
-            </a:r>
-            <a:r>
-              <a:rPr lang="ko-KR" altLang="en-US" sz="3200" dirty="0">
-                <a:solidFill>
-                  <a:srgbClr val="FF0000"/>
-                </a:solidFill>
-                <a:latin typeface="G마켓 산스 Medium" panose="02000000000000000000" pitchFamily="50" charset="-127"/>
-                <a:ea typeface="G마켓 산스 Medium" panose="02000000000000000000" pitchFamily="50" charset="-127"/>
-              </a:rPr>
-              <a:t>필수요소는 아니다</a:t>
-            </a:r>
-            <a:r>
-              <a:rPr lang="en-US" altLang="ko-KR" sz="3200" dirty="0">
-                <a:solidFill>
-                  <a:srgbClr val="FF0000"/>
-                </a:solidFill>
-                <a:latin typeface="G마켓 산스 Medium" panose="02000000000000000000" pitchFamily="50" charset="-127"/>
-                <a:ea typeface="G마켓 산스 Medium" panose="02000000000000000000" pitchFamily="50" charset="-127"/>
-              </a:rPr>
-              <a:t>.</a:t>
-            </a:r>
-          </a:p>
-        </p:txBody>
-      </p:sp>
-      <p:sp>
-        <p:nvSpPr>
-          <p:cNvPr id="10" name="TextBox 9">
-            <a:extLst>
-              <a:ext uri="{FF2B5EF4-FFF2-40B4-BE49-F238E27FC236}">
-                <a16:creationId xmlns:a16="http://schemas.microsoft.com/office/drawing/2014/main" id="{4EDAA912-8FA0-0F11-119B-EA9F8B36A489}"/>
-              </a:ext>
-            </a:extLst>
-          </p:cNvPr>
-          <p:cNvSpPr txBox="1"/>
-          <p:nvPr/>
-        </p:nvSpPr>
-        <p:spPr>
-          <a:xfrm>
-            <a:off x="10695169" y="1409700"/>
-            <a:ext cx="6678431" cy="2062103"/>
-          </a:xfrm>
-          <a:prstGeom prst="rect">
-            <a:avLst/>
-          </a:prstGeom>
-          <a:noFill/>
-        </p:spPr>
-        <p:txBody>
-          <a:bodyPr wrap="none" rtlCol="0">
-            <a:spAutoFit/>
-          </a:bodyPr>
-          <a:lstStyle/>
-          <a:p>
-            <a:r>
-              <a:rPr lang="en-US" altLang="ko-KR" sz="3200">
-                <a:solidFill>
-                  <a:schemeClr val="tx1">
-                    <a:lumMod val="50000"/>
-                    <a:lumOff val="50000"/>
-                  </a:schemeClr>
-                </a:solidFill>
-                <a:latin typeface="G마켓 산스 Medium" panose="02000000000000000000" pitchFamily="50" charset="-127"/>
-                <a:ea typeface="G마켓 산스 Medium" panose="02000000000000000000" pitchFamily="50" charset="-127"/>
-              </a:rPr>
-              <a:t>1. </a:t>
-            </a:r>
-            <a:r>
-              <a:rPr lang="ko-KR" altLang="en-US" sz="3200">
-                <a:solidFill>
-                  <a:schemeClr val="tx1">
-                    <a:lumMod val="50000"/>
-                    <a:lumOff val="50000"/>
-                  </a:schemeClr>
-                </a:solidFill>
-                <a:latin typeface="G마켓 산스 Medium" panose="02000000000000000000" pitchFamily="50" charset="-127"/>
-                <a:ea typeface="G마켓 산스 Medium" panose="02000000000000000000" pitchFamily="50" charset="-127"/>
-              </a:rPr>
-              <a:t>조건식의 결과는 반드시 정수</a:t>
-            </a:r>
-            <a:r>
-              <a:rPr lang="en-US" altLang="ko-KR" sz="3200">
-                <a:solidFill>
-                  <a:schemeClr val="tx1">
-                    <a:lumMod val="50000"/>
-                    <a:lumOff val="50000"/>
-                  </a:schemeClr>
-                </a:solidFill>
-                <a:latin typeface="G마켓 산스 Medium" panose="02000000000000000000" pitchFamily="50" charset="-127"/>
-                <a:ea typeface="G마켓 산스 Medium" panose="02000000000000000000" pitchFamily="50" charset="-127"/>
-              </a:rPr>
-              <a:t>, </a:t>
-            </a:r>
-          </a:p>
-          <a:p>
-            <a:r>
-              <a:rPr lang="en-US" altLang="ko-KR" sz="3200">
-                <a:solidFill>
-                  <a:schemeClr val="tx1">
-                    <a:lumMod val="50000"/>
-                    <a:lumOff val="50000"/>
-                  </a:schemeClr>
-                </a:solidFill>
-                <a:latin typeface="G마켓 산스 Medium" panose="02000000000000000000" pitchFamily="50" charset="-127"/>
-                <a:ea typeface="G마켓 산스 Medium" panose="02000000000000000000" pitchFamily="50" charset="-127"/>
-              </a:rPr>
-              <a:t>       </a:t>
-            </a:r>
-            <a:r>
-              <a:rPr lang="ko-KR" altLang="en-US" sz="3200">
-                <a:solidFill>
-                  <a:schemeClr val="tx1">
-                    <a:lumMod val="50000"/>
-                    <a:lumOff val="50000"/>
-                  </a:schemeClr>
-                </a:solidFill>
-                <a:latin typeface="G마켓 산스 Medium" panose="02000000000000000000" pitchFamily="50" charset="-127"/>
-                <a:ea typeface="G마켓 산스 Medium" panose="02000000000000000000" pitchFamily="50" charset="-127"/>
-              </a:rPr>
-              <a:t>문자열이어야 한다</a:t>
-            </a:r>
-            <a:r>
-              <a:rPr lang="en-US" altLang="ko-KR" sz="3200">
-                <a:solidFill>
-                  <a:schemeClr val="tx1">
-                    <a:lumMod val="50000"/>
-                    <a:lumOff val="50000"/>
-                  </a:schemeClr>
-                </a:solidFill>
-                <a:latin typeface="G마켓 산스 Medium" panose="02000000000000000000" pitchFamily="50" charset="-127"/>
-                <a:ea typeface="G마켓 산스 Medium" panose="02000000000000000000" pitchFamily="50" charset="-127"/>
-              </a:rPr>
-              <a:t>.</a:t>
-            </a:r>
-          </a:p>
-          <a:p>
-            <a:r>
-              <a:rPr lang="en-US" altLang="ko-KR" sz="3200">
-                <a:solidFill>
-                  <a:schemeClr val="tx1">
-                    <a:lumMod val="50000"/>
-                    <a:lumOff val="50000"/>
-                  </a:schemeClr>
-                </a:solidFill>
-                <a:latin typeface="G마켓 산스 Medium" panose="02000000000000000000" pitchFamily="50" charset="-127"/>
-                <a:ea typeface="G마켓 산스 Medium" panose="02000000000000000000" pitchFamily="50" charset="-127"/>
-              </a:rPr>
-              <a:t>2. case </a:t>
-            </a:r>
-            <a:r>
-              <a:rPr lang="ko-KR" altLang="en-US" sz="3200">
-                <a:solidFill>
-                  <a:schemeClr val="tx1">
-                    <a:lumMod val="50000"/>
-                    <a:lumOff val="50000"/>
-                  </a:schemeClr>
-                </a:solidFill>
-                <a:latin typeface="G마켓 산스 Medium" panose="02000000000000000000" pitchFamily="50" charset="-127"/>
-                <a:ea typeface="G마켓 산스 Medium" panose="02000000000000000000" pitchFamily="50" charset="-127"/>
-              </a:rPr>
-              <a:t>문의 값은 중복될수 없다</a:t>
-            </a:r>
-            <a:r>
-              <a:rPr lang="en-US" altLang="ko-KR" sz="3200">
-                <a:solidFill>
-                  <a:schemeClr val="tx1">
-                    <a:lumMod val="50000"/>
-                    <a:lumOff val="50000"/>
-                  </a:schemeClr>
-                </a:solidFill>
-                <a:latin typeface="G마켓 산스 Medium" panose="02000000000000000000" pitchFamily="50" charset="-127"/>
-                <a:ea typeface="G마켓 산스 Medium" panose="02000000000000000000" pitchFamily="50" charset="-127"/>
-              </a:rPr>
-              <a:t>.</a:t>
-            </a:r>
-          </a:p>
-          <a:p>
-            <a:r>
-              <a:rPr lang="en-US" altLang="ko-KR" sz="3200">
-                <a:solidFill>
-                  <a:schemeClr val="tx1">
-                    <a:lumMod val="50000"/>
-                    <a:lumOff val="50000"/>
-                  </a:schemeClr>
-                </a:solidFill>
-                <a:latin typeface="G마켓 산스 Medium" panose="02000000000000000000" pitchFamily="50" charset="-127"/>
-                <a:ea typeface="G마켓 산스 Medium" panose="02000000000000000000" pitchFamily="50" charset="-127"/>
-              </a:rPr>
-              <a:t>3. case </a:t>
-            </a:r>
-            <a:r>
-              <a:rPr lang="ko-KR" altLang="en-US" sz="3200">
-                <a:solidFill>
-                  <a:schemeClr val="tx1">
-                    <a:lumMod val="50000"/>
-                    <a:lumOff val="50000"/>
-                  </a:schemeClr>
-                </a:solidFill>
-                <a:latin typeface="G마켓 산스 Medium" panose="02000000000000000000" pitchFamily="50" charset="-127"/>
-                <a:ea typeface="G마켓 산스 Medium" panose="02000000000000000000" pitchFamily="50" charset="-127"/>
-              </a:rPr>
-              <a:t>문의 값은 상수이어야 한다</a:t>
-            </a:r>
-            <a:r>
-              <a:rPr lang="en-US" altLang="ko-KR" sz="3200">
-                <a:solidFill>
-                  <a:schemeClr val="tx1">
-                    <a:lumMod val="50000"/>
-                    <a:lumOff val="50000"/>
-                  </a:schemeClr>
-                </a:solidFill>
-                <a:latin typeface="G마켓 산스 Medium" panose="02000000000000000000" pitchFamily="50" charset="-127"/>
-                <a:ea typeface="G마켓 산스 Medium" panose="02000000000000000000" pitchFamily="50" charset="-127"/>
-              </a:rPr>
-              <a:t>.</a:t>
-            </a:r>
-          </a:p>
-        </p:txBody>
-      </p:sp>
-      <p:sp>
-        <p:nvSpPr>
-          <p:cNvPr id="12" name="TextBox 11">
-            <a:extLst>
-              <a:ext uri="{FF2B5EF4-FFF2-40B4-BE49-F238E27FC236}">
-                <a16:creationId xmlns:a16="http://schemas.microsoft.com/office/drawing/2014/main" id="{CB8A15C9-2EDD-D4B9-010E-8DA55A06F005}"/>
-              </a:ext>
-            </a:extLst>
-          </p:cNvPr>
-          <p:cNvSpPr txBox="1"/>
-          <p:nvPr/>
-        </p:nvSpPr>
-        <p:spPr>
-          <a:xfrm>
-            <a:off x="10279966" y="486876"/>
-            <a:ext cx="6941234" cy="830997"/>
-          </a:xfrm>
-          <a:prstGeom prst="rect">
-            <a:avLst/>
-          </a:prstGeom>
-          <a:noFill/>
-        </p:spPr>
-        <p:txBody>
-          <a:bodyPr wrap="square" rtlCol="0">
-            <a:spAutoFit/>
-          </a:bodyPr>
-          <a:lstStyle/>
-          <a:p>
-            <a:r>
-              <a:rPr lang="en-US" altLang="ko-KR" sz="4800">
-                <a:solidFill>
-                  <a:srgbClr val="4C50BC"/>
-                </a:solidFill>
-                <a:latin typeface="G마켓 산스 Medium" panose="02000000000000000000" pitchFamily="50" charset="-127"/>
-                <a:ea typeface="G마켓 산스 Medium" panose="02000000000000000000" pitchFamily="50" charset="-127"/>
-              </a:rPr>
-              <a:t>Switch</a:t>
-            </a:r>
-            <a:r>
-              <a:rPr lang="ko-KR" altLang="en-US" sz="4800">
-                <a:solidFill>
-                  <a:srgbClr val="4C50BC"/>
-                </a:solidFill>
-                <a:latin typeface="G마켓 산스 Medium" panose="02000000000000000000" pitchFamily="50" charset="-127"/>
-                <a:ea typeface="G마켓 산스 Medium" panose="02000000000000000000" pitchFamily="50" charset="-127"/>
-              </a:rPr>
-              <a:t>문의 제약조건</a:t>
-            </a:r>
-            <a:endParaRPr lang="en-US" altLang="ko-KR" sz="4800" dirty="0">
-              <a:solidFill>
-                <a:srgbClr val="4C50BC"/>
-              </a:solidFill>
-              <a:latin typeface="G마켓 산스 Medium" panose="02000000000000000000" pitchFamily="50" charset="-127"/>
-              <a:ea typeface="G마켓 산스 Medium" panose="02000000000000000000" pitchFamily="50" charset="-127"/>
-            </a:endParaRPr>
-          </a:p>
-        </p:txBody>
-      </p:sp>
-    </p:spTree>
-    <p:extLst>
-      <p:ext uri="{BB962C8B-B14F-4D97-AF65-F5344CB8AC3E}">
-        <p14:creationId xmlns:p14="http://schemas.microsoft.com/office/powerpoint/2010/main" val="3173075709"/>
       </p:ext>
     </p:extLst>
   </p:cSld>
@@ -7588,10 +7474,10 @@
       </p:grpSpPr>
       <p:pic>
         <p:nvPicPr>
-          <p:cNvPr id="5" name="그림 4">
+          <p:cNvPr id="15" name="그림 14">
             <a:extLst>
               <a:ext uri="{FF2B5EF4-FFF2-40B4-BE49-F238E27FC236}">
-                <a16:creationId xmlns:a16="http://schemas.microsoft.com/office/drawing/2014/main" id="{CF4E70EB-AA80-91DA-57D2-19FC56B8DADD}"/>
+                <a16:creationId xmlns:a16="http://schemas.microsoft.com/office/drawing/2014/main" xmlns="" id="{C6D1BEA1-FCB7-ADA2-78D2-FCA636D86816}"/>
               </a:ext>
             </a:extLst>
           </p:cNvPr>
@@ -7608,8 +7494,8 @@
         </p:blipFill>
         <p:spPr>
           <a:xfrm>
-            <a:off x="1905000" y="1562100"/>
-            <a:ext cx="4724400" cy="1652091"/>
+            <a:off x="381000" y="1328128"/>
+            <a:ext cx="9601200" cy="7387225"/>
           </a:xfrm>
           <a:prstGeom prst="rect">
             <a:avLst/>
@@ -7618,10 +7504,10 @@
       </p:pic>
       <p:cxnSp>
         <p:nvCxnSpPr>
-          <p:cNvPr id="6" name="직선 화살표 연결선 5">
+          <p:cNvPr id="7" name="직선 화살표 연결선 6">
             <a:extLst>
               <a:ext uri="{FF2B5EF4-FFF2-40B4-BE49-F238E27FC236}">
-                <a16:creationId xmlns:a16="http://schemas.microsoft.com/office/drawing/2014/main" id="{8728C6A8-4D7D-268E-5281-DC10D54F5FAB}"/>
+                <a16:creationId xmlns:a16="http://schemas.microsoft.com/office/drawing/2014/main" xmlns="" id="{CFF5B8DD-5AE4-FAD3-A6B6-087AE8C7C5CC}"/>
               </a:ext>
             </a:extLst>
           </p:cNvPr>
@@ -7631,9 +7517,9 @@
           <p:nvPr/>
         </p:nvCxnSpPr>
         <p:spPr>
-          <a:xfrm>
-            <a:off x="6019800" y="2171700"/>
-            <a:ext cx="1524000" cy="0"/>
+          <a:xfrm flipV="1">
+            <a:off x="3338286" y="2697869"/>
+            <a:ext cx="1333500" cy="644099"/>
           </a:xfrm>
           <a:prstGeom prst="straightConnector1">
             <a:avLst/>
@@ -7659,10 +7545,10 @@
       </p:cxnSp>
       <p:sp>
         <p:nvSpPr>
-          <p:cNvPr id="7" name="직사각형 6">
+          <p:cNvPr id="8" name="직사각형 7">
             <a:extLst>
               <a:ext uri="{FF2B5EF4-FFF2-40B4-BE49-F238E27FC236}">
-                <a16:creationId xmlns:a16="http://schemas.microsoft.com/office/drawing/2014/main" id="{302FBC73-6D32-BE4A-99AE-931EFFD21AAA}"/>
+                <a16:creationId xmlns:a16="http://schemas.microsoft.com/office/drawing/2014/main" xmlns="" id="{E796A059-B810-0D98-E1E7-CFDC3D7E4445}"/>
               </a:ext>
             </a:extLst>
           </p:cNvPr>
@@ -7671,8 +7557,8 @@
         </p:nvSpPr>
         <p:spPr>
           <a:xfrm>
-            <a:off x="4267200" y="1943100"/>
-            <a:ext cx="1524000" cy="457200"/>
+            <a:off x="2728686" y="3113368"/>
+            <a:ext cx="533400" cy="457200"/>
           </a:xfrm>
           <a:prstGeom prst="rect">
             <a:avLst/>
@@ -7711,10 +7597,10 @@
       </p:sp>
       <p:sp>
         <p:nvSpPr>
-          <p:cNvPr id="8" name="TextBox 7">
+          <p:cNvPr id="11" name="TextBox 10">
             <a:extLst>
               <a:ext uri="{FF2B5EF4-FFF2-40B4-BE49-F238E27FC236}">
-                <a16:creationId xmlns:a16="http://schemas.microsoft.com/office/drawing/2014/main" id="{8DB3966A-604A-C7AF-0667-0ED47D22CC92}"/>
+                <a16:creationId xmlns:a16="http://schemas.microsoft.com/office/drawing/2014/main" xmlns="" id="{B294F0AF-B11E-C3D3-7E36-E421B71D61F4}"/>
               </a:ext>
             </a:extLst>
           </p:cNvPr>
@@ -7723,8 +7609,8 @@
         </p:nvSpPr>
         <p:spPr>
           <a:xfrm>
-            <a:off x="7734300" y="1906235"/>
-            <a:ext cx="6781800" cy="584775"/>
+            <a:off x="4786086" y="2019300"/>
+            <a:ext cx="5334000" cy="1077218"/>
           </a:xfrm>
           <a:prstGeom prst="rect">
             <a:avLst/>
@@ -7738,14 +7624,24 @@
           <a:lstStyle/>
           <a:p>
             <a:r>
-              <a:rPr lang="en-US" altLang="ko-KR" sz="3200" dirty="0">
+              <a:rPr lang="ko-KR" altLang="en-US" sz="3200" dirty="0">
                 <a:solidFill>
                   <a:srgbClr val="FF0000"/>
                 </a:solidFill>
                 <a:latin typeface="G마켓 산스 Medium" panose="02000000000000000000" pitchFamily="50" charset="-127"/>
                 <a:ea typeface="G마켓 산스 Medium" panose="02000000000000000000" pitchFamily="50" charset="-127"/>
               </a:rPr>
-              <a:t>Boolean</a:t>
+              <a:t>조건식과 값이 </a:t>
+            </a:r>
+            <a:r>
+              <a:rPr lang="ko-KR" altLang="en-US" sz="3200" dirty="0" err="1">
+                <a:solidFill>
+                  <a:srgbClr val="FF0000"/>
+                </a:solidFill>
+                <a:latin typeface="G마켓 산스 Medium" panose="02000000000000000000" pitchFamily="50" charset="-127"/>
+                <a:ea typeface="G마켓 산스 Medium" panose="02000000000000000000" pitchFamily="50" charset="-127"/>
+              </a:rPr>
+              <a:t>일치해야지</a:t>
             </a:r>
             <a:r>
               <a:rPr lang="ko-KR" altLang="en-US" sz="3200" dirty="0">
@@ -7755,27 +7651,7 @@
                 <a:latin typeface="G마켓 산스 Medium" panose="02000000000000000000" pitchFamily="50" charset="-127"/>
                 <a:ea typeface="G마켓 산스 Medium" panose="02000000000000000000" pitchFamily="50" charset="-127"/>
               </a:rPr>
-              <a:t>타입은 </a:t>
-            </a:r>
-            <a:r>
-              <a:rPr lang="ko-KR" altLang="en-US" sz="3200" dirty="0" err="1">
-                <a:solidFill>
-                  <a:srgbClr val="FF0000"/>
-                </a:solidFill>
-                <a:latin typeface="G마켓 산스 Medium" panose="02000000000000000000" pitchFamily="50" charset="-127"/>
-                <a:ea typeface="G마켓 산스 Medium" panose="02000000000000000000" pitchFamily="50" charset="-127"/>
-              </a:rPr>
-              <a:t>쓸수</a:t>
-            </a:r>
-            <a:r>
-              <a:rPr lang="ko-KR" altLang="en-US" sz="3200" dirty="0">
-                <a:solidFill>
-                  <a:srgbClr val="FF0000"/>
-                </a:solidFill>
-                <a:latin typeface="G마켓 산스 Medium" panose="02000000000000000000" pitchFamily="50" charset="-127"/>
-                <a:ea typeface="G마켓 산스 Medium" panose="02000000000000000000" pitchFamily="50" charset="-127"/>
-              </a:rPr>
-              <a:t> 없다</a:t>
+              <a:t> 실행된다</a:t>
             </a:r>
             <a:r>
               <a:rPr lang="en-US" altLang="ko-KR" sz="3200" dirty="0">
@@ -7790,42 +7666,12 @@
           </a:p>
         </p:txBody>
       </p:sp>
-      <p:pic>
-        <p:nvPicPr>
-          <p:cNvPr id="10" name="그림 9">
+      <p:cxnSp>
+        <p:nvCxnSpPr>
+          <p:cNvPr id="20" name="직선 화살표 연결선 19">
             <a:extLst>
               <a:ext uri="{FF2B5EF4-FFF2-40B4-BE49-F238E27FC236}">
-                <a16:creationId xmlns:a16="http://schemas.microsoft.com/office/drawing/2014/main" id="{AA78E6EB-2B01-79CC-9057-3759C5D56CD9}"/>
-              </a:ext>
-            </a:extLst>
-          </p:cNvPr>
-          <p:cNvPicPr>
-            <a:picLocks noChangeAspect="1"/>
-          </p:cNvPicPr>
-          <p:nvPr/>
-        </p:nvPicPr>
-        <p:blipFill>
-          <a:blip r:embed="rId3"/>
-          <a:stretch>
-            <a:fillRect/>
-          </a:stretch>
-        </p:blipFill>
-        <p:spPr>
-          <a:xfrm>
-            <a:off x="1905000" y="3626034"/>
-            <a:ext cx="7409848" cy="2431866"/>
-          </a:xfrm>
-          <a:prstGeom prst="rect">
-            <a:avLst/>
-          </a:prstGeom>
-        </p:spPr>
-      </p:pic>
-      <p:cxnSp>
-        <p:nvCxnSpPr>
-          <p:cNvPr id="11" name="직선 화살표 연결선 10">
-            <a:extLst>
-              <a:ext uri="{FF2B5EF4-FFF2-40B4-BE49-F238E27FC236}">
-                <a16:creationId xmlns:a16="http://schemas.microsoft.com/office/drawing/2014/main" id="{93549FE3-F7E7-5442-6CD8-8AD51821A1D6}"/>
+                <a16:creationId xmlns:a16="http://schemas.microsoft.com/office/drawing/2014/main" xmlns="" id="{F7C1572C-BCA3-8087-AA95-7CC53490A1B0}"/>
               </a:ext>
             </a:extLst>
           </p:cNvPr>
@@ -7836,8 +7682,8 @@
         </p:nvCxnSpPr>
         <p:spPr>
           <a:xfrm>
-            <a:off x="5715000" y="5205190"/>
-            <a:ext cx="1524000" cy="0"/>
+            <a:off x="3185886" y="7048500"/>
+            <a:ext cx="1433286" cy="0"/>
           </a:xfrm>
           <a:prstGeom prst="straightConnector1">
             <a:avLst/>
@@ -7863,10 +7709,10 @@
       </p:cxnSp>
       <p:sp>
         <p:nvSpPr>
-          <p:cNvPr id="12" name="직사각형 11">
+          <p:cNvPr id="21" name="직사각형 20">
             <a:extLst>
               <a:ext uri="{FF2B5EF4-FFF2-40B4-BE49-F238E27FC236}">
-                <a16:creationId xmlns:a16="http://schemas.microsoft.com/office/drawing/2014/main" id="{94227EF0-3965-DF6B-ED6C-E7B6D0756247}"/>
+                <a16:creationId xmlns:a16="http://schemas.microsoft.com/office/drawing/2014/main" xmlns="" id="{09A98BD4-AB00-6A86-0B92-B0599743A4C4}"/>
               </a:ext>
             </a:extLst>
           </p:cNvPr>
@@ -7875,8 +7721,8 @@
         </p:nvSpPr>
         <p:spPr>
           <a:xfrm>
-            <a:off x="3962400" y="4976590"/>
-            <a:ext cx="1524000" cy="457200"/>
+            <a:off x="1433286" y="6819900"/>
+            <a:ext cx="1676400" cy="457200"/>
           </a:xfrm>
           <a:prstGeom prst="rect">
             <a:avLst/>
@@ -7915,10 +7761,10 @@
       </p:sp>
       <p:sp>
         <p:nvSpPr>
-          <p:cNvPr id="13" name="TextBox 12">
+          <p:cNvPr id="22" name="TextBox 21">
             <a:extLst>
               <a:ext uri="{FF2B5EF4-FFF2-40B4-BE49-F238E27FC236}">
-                <a16:creationId xmlns:a16="http://schemas.microsoft.com/office/drawing/2014/main" id="{3EABB99B-43C1-73B3-BBA9-53357E140C3A}"/>
+                <a16:creationId xmlns:a16="http://schemas.microsoft.com/office/drawing/2014/main" xmlns="" id="{C8A0704C-FEE1-6E77-EBF1-1AE8FC4BD2CC}"/>
               </a:ext>
             </a:extLst>
           </p:cNvPr>
@@ -7927,8 +7773,8 @@
         </p:nvSpPr>
         <p:spPr>
           <a:xfrm>
-            <a:off x="7429500" y="4939725"/>
-            <a:ext cx="6781800" cy="584775"/>
+            <a:off x="4724400" y="6405653"/>
+            <a:ext cx="10606314" cy="1077218"/>
           </a:xfrm>
           <a:prstGeom prst="rect">
             <a:avLst/>
@@ -7942,6 +7788,36 @@
           <a:lstStyle/>
           <a:p>
             <a:r>
+              <a:rPr lang="ko-KR" altLang="en-US" sz="3200" dirty="0">
+                <a:solidFill>
+                  <a:srgbClr val="FF0000"/>
+                </a:solidFill>
+                <a:latin typeface="G마켓 산스 Medium" panose="02000000000000000000" pitchFamily="50" charset="-127"/>
+                <a:ea typeface="G마켓 산스 Medium" panose="02000000000000000000" pitchFamily="50" charset="-127"/>
+              </a:rPr>
+              <a:t>모든 케이스에 걸리지 </a:t>
+            </a:r>
+            <a:r>
+              <a:rPr lang="ko-KR" altLang="en-US" sz="3200" dirty="0" err="1">
+                <a:solidFill>
+                  <a:srgbClr val="FF0000"/>
+                </a:solidFill>
+                <a:latin typeface="G마켓 산스 Medium" panose="02000000000000000000" pitchFamily="50" charset="-127"/>
+                <a:ea typeface="G마켓 산스 Medium" panose="02000000000000000000" pitchFamily="50" charset="-127"/>
+              </a:rPr>
+              <a:t>않을경우</a:t>
+            </a:r>
+            <a:r>
+              <a:rPr lang="ko-KR" altLang="en-US" sz="3200" dirty="0">
+                <a:solidFill>
+                  <a:srgbClr val="FF0000"/>
+                </a:solidFill>
+                <a:latin typeface="G마켓 산스 Medium" panose="02000000000000000000" pitchFamily="50" charset="-127"/>
+                <a:ea typeface="G마켓 산스 Medium" panose="02000000000000000000" pitchFamily="50" charset="-127"/>
+              </a:rPr>
+              <a:t> 실행된다</a:t>
+            </a:r>
+            <a:r>
               <a:rPr lang="en-US" altLang="ko-KR" sz="3200" dirty="0">
                 <a:solidFill>
                   <a:srgbClr val="FF0000"/>
@@ -7949,7 +7825,7 @@
                 <a:latin typeface="G마켓 산스 Medium" panose="02000000000000000000" pitchFamily="50" charset="-127"/>
                 <a:ea typeface="G마켓 산스 Medium" panose="02000000000000000000" pitchFamily="50" charset="-127"/>
               </a:rPr>
-              <a:t>Case</a:t>
+              <a:t>. </a:t>
             </a:r>
             <a:r>
               <a:rPr lang="ko-KR" altLang="en-US" sz="3200" dirty="0">
@@ -7959,45 +7835,276 @@
                 <a:latin typeface="G마켓 산스 Medium" panose="02000000000000000000" pitchFamily="50" charset="-127"/>
                 <a:ea typeface="G마켓 산스 Medium" panose="02000000000000000000" pitchFamily="50" charset="-127"/>
               </a:rPr>
-              <a:t> 에서도 </a:t>
-            </a:r>
-            <a:r>
-              <a:rPr lang="en-US" altLang="ko-KR" sz="3200" dirty="0" err="1">
+              <a:t>필수요소는 아니다</a:t>
+            </a:r>
+            <a:r>
+              <a:rPr lang="en-US" altLang="ko-KR" sz="3200" dirty="0">
                 <a:solidFill>
                   <a:srgbClr val="FF0000"/>
                 </a:solidFill>
                 <a:latin typeface="G마켓 산스 Medium" panose="02000000000000000000" pitchFamily="50" charset="-127"/>
                 <a:ea typeface="G마켓 산스 Medium" panose="02000000000000000000" pitchFamily="50" charset="-127"/>
               </a:rPr>
-              <a:t>boolean</a:t>
-            </a:r>
-            <a:r>
-              <a:rPr lang="ko-KR" altLang="en-US" sz="3200" dirty="0">
-                <a:solidFill>
-                  <a:srgbClr val="FF0000"/>
-                </a:solidFill>
-                <a:latin typeface="G마켓 산스 Medium" panose="02000000000000000000" pitchFamily="50" charset="-127"/>
-                <a:ea typeface="G마켓 산스 Medium" panose="02000000000000000000" pitchFamily="50" charset="-127"/>
-              </a:rPr>
-              <a:t>을 쓸 수 없다</a:t>
-            </a:r>
-            <a:r>
-              <a:rPr lang="en-US" altLang="ko-KR" sz="3200" dirty="0">
-                <a:solidFill>
-                  <a:srgbClr val="FF0000"/>
-                </a:solidFill>
-                <a:latin typeface="G마켓 산스 Medium" panose="02000000000000000000" pitchFamily="50" charset="-127"/>
-                <a:ea typeface="G마켓 산스 Medium" panose="02000000000000000000" pitchFamily="50" charset="-127"/>
-              </a:rPr>
               <a:t>.</a:t>
             </a:r>
+          </a:p>
+        </p:txBody>
+      </p:sp>
+      <p:sp>
+        <p:nvSpPr>
+          <p:cNvPr id="10" name="TextBox 9">
+            <a:extLst>
+              <a:ext uri="{FF2B5EF4-FFF2-40B4-BE49-F238E27FC236}">
+                <a16:creationId xmlns:a16="http://schemas.microsoft.com/office/drawing/2014/main" xmlns="" id="{4EDAA912-8FA0-0F11-119B-EA9F8B36A489}"/>
+              </a:ext>
+            </a:extLst>
+          </p:cNvPr>
+          <p:cNvSpPr txBox="1"/>
+          <p:nvPr/>
+        </p:nvSpPr>
+        <p:spPr>
+          <a:xfrm>
+            <a:off x="10695169" y="1409700"/>
+            <a:ext cx="6678431" cy="2062103"/>
+          </a:xfrm>
+          <a:prstGeom prst="rect">
+            <a:avLst/>
+          </a:prstGeom>
+          <a:noFill/>
+        </p:spPr>
+        <p:txBody>
+          <a:bodyPr wrap="none" rtlCol="0">
+            <a:spAutoFit/>
+          </a:bodyPr>
+          <a:lstStyle/>
+          <a:p>
+            <a:r>
+              <a:rPr lang="en-US" altLang="ko-KR" sz="3200">
+                <a:solidFill>
+                  <a:schemeClr val="tx1">
+                    <a:lumMod val="50000"/>
+                    <a:lumOff val="50000"/>
+                  </a:schemeClr>
+                </a:solidFill>
+                <a:latin typeface="G마켓 산스 Medium" panose="02000000000000000000" pitchFamily="50" charset="-127"/>
+                <a:ea typeface="G마켓 산스 Medium" panose="02000000000000000000" pitchFamily="50" charset="-127"/>
+              </a:rPr>
+              <a:t>1. </a:t>
+            </a:r>
+            <a:r>
+              <a:rPr lang="ko-KR" altLang="en-US" sz="3200">
+                <a:solidFill>
+                  <a:schemeClr val="tx1">
+                    <a:lumMod val="50000"/>
+                    <a:lumOff val="50000"/>
+                  </a:schemeClr>
+                </a:solidFill>
+                <a:latin typeface="G마켓 산스 Medium" panose="02000000000000000000" pitchFamily="50" charset="-127"/>
+                <a:ea typeface="G마켓 산스 Medium" panose="02000000000000000000" pitchFamily="50" charset="-127"/>
+              </a:rPr>
+              <a:t>조건식의 결과는 반드시 정수</a:t>
+            </a:r>
+            <a:r>
+              <a:rPr lang="en-US" altLang="ko-KR" sz="3200">
+                <a:solidFill>
+                  <a:schemeClr val="tx1">
+                    <a:lumMod val="50000"/>
+                    <a:lumOff val="50000"/>
+                  </a:schemeClr>
+                </a:solidFill>
+                <a:latin typeface="G마켓 산스 Medium" panose="02000000000000000000" pitchFamily="50" charset="-127"/>
+                <a:ea typeface="G마켓 산스 Medium" panose="02000000000000000000" pitchFamily="50" charset="-127"/>
+              </a:rPr>
+              <a:t>, </a:t>
+            </a:r>
+          </a:p>
+          <a:p>
+            <a:r>
+              <a:rPr lang="en-US" altLang="ko-KR" sz="3200">
+                <a:solidFill>
+                  <a:schemeClr val="tx1">
+                    <a:lumMod val="50000"/>
+                    <a:lumOff val="50000"/>
+                  </a:schemeClr>
+                </a:solidFill>
+                <a:latin typeface="G마켓 산스 Medium" panose="02000000000000000000" pitchFamily="50" charset="-127"/>
+                <a:ea typeface="G마켓 산스 Medium" panose="02000000000000000000" pitchFamily="50" charset="-127"/>
+              </a:rPr>
+              <a:t>       </a:t>
+            </a:r>
+            <a:r>
+              <a:rPr lang="ko-KR" altLang="en-US" sz="3200">
+                <a:solidFill>
+                  <a:schemeClr val="tx1">
+                    <a:lumMod val="50000"/>
+                    <a:lumOff val="50000"/>
+                  </a:schemeClr>
+                </a:solidFill>
+                <a:latin typeface="G마켓 산스 Medium" panose="02000000000000000000" pitchFamily="50" charset="-127"/>
+                <a:ea typeface="G마켓 산스 Medium" panose="02000000000000000000" pitchFamily="50" charset="-127"/>
+              </a:rPr>
+              <a:t>문자열이어야 한다</a:t>
+            </a:r>
+            <a:r>
+              <a:rPr lang="en-US" altLang="ko-KR" sz="3200">
+                <a:solidFill>
+                  <a:schemeClr val="tx1">
+                    <a:lumMod val="50000"/>
+                    <a:lumOff val="50000"/>
+                  </a:schemeClr>
+                </a:solidFill>
+                <a:latin typeface="G마켓 산스 Medium" panose="02000000000000000000" pitchFamily="50" charset="-127"/>
+                <a:ea typeface="G마켓 산스 Medium" panose="02000000000000000000" pitchFamily="50" charset="-127"/>
+              </a:rPr>
+              <a:t>.</a:t>
+            </a:r>
+          </a:p>
+          <a:p>
+            <a:r>
+              <a:rPr lang="en-US" altLang="ko-KR" sz="3200">
+                <a:solidFill>
+                  <a:schemeClr val="tx1">
+                    <a:lumMod val="50000"/>
+                    <a:lumOff val="50000"/>
+                  </a:schemeClr>
+                </a:solidFill>
+                <a:latin typeface="G마켓 산스 Medium" panose="02000000000000000000" pitchFamily="50" charset="-127"/>
+                <a:ea typeface="G마켓 산스 Medium" panose="02000000000000000000" pitchFamily="50" charset="-127"/>
+              </a:rPr>
+              <a:t>2. case </a:t>
+            </a:r>
+            <a:r>
+              <a:rPr lang="ko-KR" altLang="en-US" sz="3200">
+                <a:solidFill>
+                  <a:schemeClr val="tx1">
+                    <a:lumMod val="50000"/>
+                    <a:lumOff val="50000"/>
+                  </a:schemeClr>
+                </a:solidFill>
+                <a:latin typeface="G마켓 산스 Medium" panose="02000000000000000000" pitchFamily="50" charset="-127"/>
+                <a:ea typeface="G마켓 산스 Medium" panose="02000000000000000000" pitchFamily="50" charset="-127"/>
+              </a:rPr>
+              <a:t>문의 값은 중복될수 없다</a:t>
+            </a:r>
+            <a:r>
+              <a:rPr lang="en-US" altLang="ko-KR" sz="3200">
+                <a:solidFill>
+                  <a:schemeClr val="tx1">
+                    <a:lumMod val="50000"/>
+                    <a:lumOff val="50000"/>
+                  </a:schemeClr>
+                </a:solidFill>
+                <a:latin typeface="G마켓 산스 Medium" panose="02000000000000000000" pitchFamily="50" charset="-127"/>
+                <a:ea typeface="G마켓 산스 Medium" panose="02000000000000000000" pitchFamily="50" charset="-127"/>
+              </a:rPr>
+              <a:t>.</a:t>
+            </a:r>
+          </a:p>
+          <a:p>
+            <a:r>
+              <a:rPr lang="en-US" altLang="ko-KR" sz="3200">
+                <a:solidFill>
+                  <a:schemeClr val="tx1">
+                    <a:lumMod val="50000"/>
+                    <a:lumOff val="50000"/>
+                  </a:schemeClr>
+                </a:solidFill>
+                <a:latin typeface="G마켓 산스 Medium" panose="02000000000000000000" pitchFamily="50" charset="-127"/>
+                <a:ea typeface="G마켓 산스 Medium" panose="02000000000000000000" pitchFamily="50" charset="-127"/>
+              </a:rPr>
+              <a:t>3. case </a:t>
+            </a:r>
+            <a:r>
+              <a:rPr lang="ko-KR" altLang="en-US" sz="3200">
+                <a:solidFill>
+                  <a:schemeClr val="tx1">
+                    <a:lumMod val="50000"/>
+                    <a:lumOff val="50000"/>
+                  </a:schemeClr>
+                </a:solidFill>
+                <a:latin typeface="G마켓 산스 Medium" panose="02000000000000000000" pitchFamily="50" charset="-127"/>
+                <a:ea typeface="G마켓 산스 Medium" panose="02000000000000000000" pitchFamily="50" charset="-127"/>
+              </a:rPr>
+              <a:t>문의 값은 상수이어야 한다</a:t>
+            </a:r>
+            <a:r>
+              <a:rPr lang="en-US" altLang="ko-KR" sz="3200">
+                <a:solidFill>
+                  <a:schemeClr val="tx1">
+                    <a:lumMod val="50000"/>
+                    <a:lumOff val="50000"/>
+                  </a:schemeClr>
+                </a:solidFill>
+                <a:latin typeface="G마켓 산스 Medium" panose="02000000000000000000" pitchFamily="50" charset="-127"/>
+                <a:ea typeface="G마켓 산스 Medium" panose="02000000000000000000" pitchFamily="50" charset="-127"/>
+              </a:rPr>
+              <a:t>.</a:t>
+            </a:r>
+          </a:p>
+        </p:txBody>
+      </p:sp>
+      <p:sp>
+        <p:nvSpPr>
+          <p:cNvPr id="12" name="TextBox 11">
+            <a:extLst>
+              <a:ext uri="{FF2B5EF4-FFF2-40B4-BE49-F238E27FC236}">
+                <a16:creationId xmlns:a16="http://schemas.microsoft.com/office/drawing/2014/main" xmlns="" id="{CB8A15C9-2EDD-D4B9-010E-8DA55A06F005}"/>
+              </a:ext>
+            </a:extLst>
+          </p:cNvPr>
+          <p:cNvSpPr txBox="1"/>
+          <p:nvPr/>
+        </p:nvSpPr>
+        <p:spPr>
+          <a:xfrm>
+            <a:off x="10279966" y="486876"/>
+            <a:ext cx="6941234" cy="830997"/>
+          </a:xfrm>
+          <a:prstGeom prst="rect">
+            <a:avLst/>
+          </a:prstGeom>
+          <a:noFill/>
+        </p:spPr>
+        <p:txBody>
+          <a:bodyPr wrap="square" rtlCol="0">
+            <a:spAutoFit/>
+          </a:bodyPr>
+          <a:lstStyle/>
+          <a:p>
+            <a:r>
+              <a:rPr lang="en-US" altLang="ko-KR" sz="4800">
+                <a:solidFill>
+                  <a:srgbClr val="4C50BC"/>
+                </a:solidFill>
+                <a:latin typeface="G마켓 산스 Medium" panose="02000000000000000000" pitchFamily="50" charset="-127"/>
+                <a:ea typeface="G마켓 산스 Medium" panose="02000000000000000000" pitchFamily="50" charset="-127"/>
+              </a:rPr>
+              <a:t>Switch</a:t>
+            </a:r>
+            <a:r>
+              <a:rPr lang="ko-KR" altLang="en-US" sz="4800">
+                <a:solidFill>
+                  <a:srgbClr val="4C50BC"/>
+                </a:solidFill>
+                <a:latin typeface="G마켓 산스 Medium" panose="02000000000000000000" pitchFamily="50" charset="-127"/>
+                <a:ea typeface="G마켓 산스 Medium" panose="02000000000000000000" pitchFamily="50" charset="-127"/>
+              </a:rPr>
+              <a:t>문의 제약조건</a:t>
+            </a:r>
+            <a:endParaRPr lang="en-US" altLang="ko-KR" sz="4800" dirty="0">
+              <a:solidFill>
+                <a:srgbClr val="4C50BC"/>
+              </a:solidFill>
+              <a:latin typeface="G마켓 산스 Medium" panose="02000000000000000000" pitchFamily="50" charset="-127"/>
+              <a:ea typeface="G마켓 산스 Medium" panose="02000000000000000000" pitchFamily="50" charset="-127"/>
+            </a:endParaRPr>
           </a:p>
         </p:txBody>
       </p:sp>
     </p:spTree>
     <p:extLst>
       <p:ext uri="{BB962C8B-B14F-4D97-AF65-F5344CB8AC3E}">
-        <p14:creationId xmlns:p14="http://schemas.microsoft.com/office/powerpoint/2010/main" val="3774936087"/>
+        <p14:creationId xmlns:p14="http://schemas.microsoft.com/office/powerpoint/2010/main" val="3173075709"/>
       </p:ext>
     </p:extLst>
   </p:cSld>
@@ -8202,7 +8309,7 @@
           <p:cNvPr id="11" name="TextBox 10">
             <a:extLst>
               <a:ext uri="{FF2B5EF4-FFF2-40B4-BE49-F238E27FC236}">
-                <a16:creationId xmlns:a16="http://schemas.microsoft.com/office/drawing/2014/main" id="{9F88F580-08BE-88C2-D640-13F0026591CB}"/>
+                <a16:creationId xmlns:a16="http://schemas.microsoft.com/office/drawing/2014/main" xmlns="" id="{9F88F580-08BE-88C2-D640-13F0026591CB}"/>
               </a:ext>
             </a:extLst>
           </p:cNvPr>
@@ -8260,7 +8367,7 @@
           <p:cNvPr id="13" name="TextBox 12">
             <a:extLst>
               <a:ext uri="{FF2B5EF4-FFF2-40B4-BE49-F238E27FC236}">
-                <a16:creationId xmlns:a16="http://schemas.microsoft.com/office/drawing/2014/main" id="{72769C28-9BB6-DE9C-7B6F-264B77B8DD0E}"/>
+                <a16:creationId xmlns:a16="http://schemas.microsoft.com/office/drawing/2014/main" xmlns="" id="{72769C28-9BB6-DE9C-7B6F-264B77B8DD0E}"/>
               </a:ext>
             </a:extLst>
           </p:cNvPr>
@@ -8318,7 +8425,7 @@
           <p:cNvPr id="14" name="TextBox 13">
             <a:extLst>
               <a:ext uri="{FF2B5EF4-FFF2-40B4-BE49-F238E27FC236}">
-                <a16:creationId xmlns:a16="http://schemas.microsoft.com/office/drawing/2014/main" id="{270FBB6A-01CE-5637-78DA-58F0C974145C}"/>
+                <a16:creationId xmlns:a16="http://schemas.microsoft.com/office/drawing/2014/main" xmlns="" id="{270FBB6A-01CE-5637-78DA-58F0C974145C}"/>
               </a:ext>
             </a:extLst>
           </p:cNvPr>
@@ -8386,7 +8493,7 @@
           <p:cNvPr id="2" name="Object 17">
             <a:extLst>
               <a:ext uri="{FF2B5EF4-FFF2-40B4-BE49-F238E27FC236}">
-                <a16:creationId xmlns:a16="http://schemas.microsoft.com/office/drawing/2014/main" id="{140B283D-FE58-FA6F-6F7C-E0F1DBB62A65}"/>
+                <a16:creationId xmlns:a16="http://schemas.microsoft.com/office/drawing/2014/main" xmlns="" id="{140B283D-FE58-FA6F-6F7C-E0F1DBB62A65}"/>
               </a:ext>
             </a:extLst>
           </p:cNvPr>
@@ -8416,7 +8523,7 @@
           <p:cNvPr id="4" name="TextBox 3">
             <a:extLst>
               <a:ext uri="{FF2B5EF4-FFF2-40B4-BE49-F238E27FC236}">
-                <a16:creationId xmlns:a16="http://schemas.microsoft.com/office/drawing/2014/main" id="{2C8D0998-79BC-6FD2-59D9-8052B4A25F65}"/>
+                <a16:creationId xmlns:a16="http://schemas.microsoft.com/office/drawing/2014/main" xmlns="" id="{2C8D0998-79BC-6FD2-59D9-8052B4A25F65}"/>
               </a:ext>
             </a:extLst>
           </p:cNvPr>
@@ -8464,7 +8571,7 @@
           <p:cNvPr id="5" name="Object 18">
             <a:extLst>
               <a:ext uri="{FF2B5EF4-FFF2-40B4-BE49-F238E27FC236}">
-                <a16:creationId xmlns:a16="http://schemas.microsoft.com/office/drawing/2014/main" id="{3F58EA3E-1018-64D3-FAB2-4F6B9618FA56}"/>
+                <a16:creationId xmlns:a16="http://schemas.microsoft.com/office/drawing/2014/main" xmlns="" id="{3F58EA3E-1018-64D3-FAB2-4F6B9618FA56}"/>
               </a:ext>
             </a:extLst>
           </p:cNvPr>
@@ -8494,7 +8601,7 @@
           <p:cNvPr id="8" name="TextBox 7">
             <a:extLst>
               <a:ext uri="{FF2B5EF4-FFF2-40B4-BE49-F238E27FC236}">
-                <a16:creationId xmlns:a16="http://schemas.microsoft.com/office/drawing/2014/main" id="{681D3F16-7DCF-41AD-F5F1-0558C78C0E4D}"/>
+                <a16:creationId xmlns:a16="http://schemas.microsoft.com/office/drawing/2014/main" xmlns="" id="{681D3F16-7DCF-41AD-F5F1-0558C78C0E4D}"/>
               </a:ext>
             </a:extLst>
           </p:cNvPr>
@@ -8542,6 +8649,13 @@
   <p:clrMapOvr>
     <a:masterClrMapping/>
   </p:clrMapOvr>
+  <p:timing>
+    <p:tnLst>
+      <p:par>
+        <p:cTn id="1" dur="indefinite" restart="never" nodeType="tmRoot"/>
+      </p:par>
+    </p:tnLst>
+  </p:timing>
 </p:sld>
 </file>
 
@@ -8564,7 +8678,13 @@
       </p:grpSpPr>
       <p:pic>
         <p:nvPicPr>
-          <p:cNvPr id="5" name="그림 4"/>
+          <p:cNvPr id="5" name="그림 4">
+            <a:extLst>
+              <a:ext uri="{FF2B5EF4-FFF2-40B4-BE49-F238E27FC236}">
+                <a16:creationId xmlns:a16="http://schemas.microsoft.com/office/drawing/2014/main" xmlns="" id="{CF4E70EB-AA80-91DA-57D2-19FC56B8DADD}"/>
+              </a:ext>
+            </a:extLst>
+          </p:cNvPr>
           <p:cNvPicPr>
             <a:picLocks noChangeAspect="1"/>
           </p:cNvPicPr>
@@ -8578,8 +8698,8 @@
         </p:blipFill>
         <p:spPr>
           <a:xfrm>
-            <a:off x="3505200" y="495300"/>
-            <a:ext cx="4876800" cy="7784563"/>
+            <a:off x="1905000" y="1562100"/>
+            <a:ext cx="4724400" cy="1652091"/>
           </a:xfrm>
           <a:prstGeom prst="rect">
             <a:avLst/>
@@ -8591,7 +8711,7 @@
           <p:cNvPr id="6" name="직선 화살표 연결선 5">
             <a:extLst>
               <a:ext uri="{FF2B5EF4-FFF2-40B4-BE49-F238E27FC236}">
-                <a16:creationId xmlns:a16="http://schemas.microsoft.com/office/drawing/2014/main" id="{93549FE3-F7E7-5442-6CD8-8AD51821A1D6}"/>
+                <a16:creationId xmlns:a16="http://schemas.microsoft.com/office/drawing/2014/main" xmlns="" id="{8728C6A8-4D7D-268E-5281-DC10D54F5FAB}"/>
               </a:ext>
             </a:extLst>
           </p:cNvPr>
@@ -8602,7 +8722,7 @@
         </p:nvCxnSpPr>
         <p:spPr>
           <a:xfrm>
-            <a:off x="7658100" y="4113565"/>
+            <a:off x="6019800" y="2171700"/>
             <a:ext cx="1524000" cy="0"/>
           </a:xfrm>
           <a:prstGeom prst="straightConnector1">
@@ -8632,7 +8752,7 @@
           <p:cNvPr id="7" name="직사각형 6">
             <a:extLst>
               <a:ext uri="{FF2B5EF4-FFF2-40B4-BE49-F238E27FC236}">
-                <a16:creationId xmlns:a16="http://schemas.microsoft.com/office/drawing/2014/main" id="{94227EF0-3965-DF6B-ED6C-E7B6D0756247}"/>
+                <a16:creationId xmlns:a16="http://schemas.microsoft.com/office/drawing/2014/main" xmlns="" id="{302FBC73-6D32-BE4A-99AE-931EFFD21AAA}"/>
               </a:ext>
             </a:extLst>
           </p:cNvPr>
@@ -8641,7 +8761,7 @@
         </p:nvSpPr>
         <p:spPr>
           <a:xfrm>
-            <a:off x="5905500" y="3884965"/>
+            <a:off x="4267200" y="1943100"/>
             <a:ext cx="1524000" cy="457200"/>
           </a:xfrm>
           <a:prstGeom prst="rect">
@@ -8684,7 +8804,7 @@
           <p:cNvPr id="8" name="TextBox 7">
             <a:extLst>
               <a:ext uri="{FF2B5EF4-FFF2-40B4-BE49-F238E27FC236}">
-                <a16:creationId xmlns:a16="http://schemas.microsoft.com/office/drawing/2014/main" id="{3EABB99B-43C1-73B3-BBA9-53357E140C3A}"/>
+                <a16:creationId xmlns:a16="http://schemas.microsoft.com/office/drawing/2014/main" xmlns="" id="{8DB3966A-604A-C7AF-0667-0ED47D22CC92}"/>
               </a:ext>
             </a:extLst>
           </p:cNvPr>
@@ -8693,8 +8813,8 @@
         </p:nvSpPr>
         <p:spPr>
           <a:xfrm>
-            <a:off x="9372600" y="3848100"/>
-            <a:ext cx="6096000" cy="584775"/>
+            <a:off x="7734300" y="1906235"/>
+            <a:ext cx="6781800" cy="584775"/>
           </a:xfrm>
           <a:prstGeom prst="rect">
             <a:avLst/>
@@ -8708,41 +8828,94 @@
           <a:lstStyle/>
           <a:p>
             <a:r>
-              <a:rPr lang="ko-KR" altLang="en-US" sz="3200">
+              <a:rPr lang="en-US" altLang="ko-KR" sz="3200" dirty="0">
                 <a:solidFill>
                   <a:srgbClr val="FF0000"/>
                 </a:solidFill>
                 <a:latin typeface="G마켓 산스 Medium" panose="02000000000000000000" pitchFamily="50" charset="-127"/>
                 <a:ea typeface="G마켓 산스 Medium" panose="02000000000000000000" pitchFamily="50" charset="-127"/>
               </a:rPr>
-              <a:t>유니코드로 변환되어 정수  </a:t>
-            </a:r>
-            <a:r>
-              <a:rPr lang="en-US" altLang="ko-KR" sz="3200">
+              <a:t>Boolean</a:t>
+            </a:r>
+            <a:r>
+              <a:rPr lang="ko-KR" altLang="en-US" sz="3200" dirty="0">
                 <a:solidFill>
                   <a:srgbClr val="FF0000"/>
                 </a:solidFill>
                 <a:latin typeface="G마켓 산스 Medium" panose="02000000000000000000" pitchFamily="50" charset="-127"/>
                 <a:ea typeface="G마켓 산스 Medium" panose="02000000000000000000" pitchFamily="50" charset="-127"/>
               </a:rPr>
-              <a:t>OK!</a:t>
-            </a:r>
-            <a:endParaRPr lang="en-US" altLang="ko-KR" sz="3200" dirty="0">
-              <a:solidFill>
-                <a:srgbClr val="FF0000"/>
-              </a:solidFill>
-              <a:latin typeface="G마켓 산스 Medium" panose="02000000000000000000" pitchFamily="50" charset="-127"/>
-              <a:ea typeface="G마켓 산스 Medium" panose="02000000000000000000" pitchFamily="50" charset="-127"/>
-            </a:endParaRPr>
+              <a:t>타입은 </a:t>
+            </a:r>
+            <a:r>
+              <a:rPr lang="ko-KR" altLang="en-US" sz="3200" dirty="0" err="1">
+                <a:solidFill>
+                  <a:srgbClr val="FF0000"/>
+                </a:solidFill>
+                <a:latin typeface="G마켓 산스 Medium" panose="02000000000000000000" pitchFamily="50" charset="-127"/>
+                <a:ea typeface="G마켓 산스 Medium" panose="02000000000000000000" pitchFamily="50" charset="-127"/>
+              </a:rPr>
+              <a:t>쓸수</a:t>
+            </a:r>
+            <a:r>
+              <a:rPr lang="ko-KR" altLang="en-US" sz="3200" dirty="0">
+                <a:solidFill>
+                  <a:srgbClr val="FF0000"/>
+                </a:solidFill>
+                <a:latin typeface="G마켓 산스 Medium" panose="02000000000000000000" pitchFamily="50" charset="-127"/>
+                <a:ea typeface="G마켓 산스 Medium" panose="02000000000000000000" pitchFamily="50" charset="-127"/>
+              </a:rPr>
+              <a:t> 없다</a:t>
+            </a:r>
+            <a:r>
+              <a:rPr lang="en-US" altLang="ko-KR" sz="3200" dirty="0">
+                <a:solidFill>
+                  <a:srgbClr val="FF0000"/>
+                </a:solidFill>
+                <a:latin typeface="G마켓 산스 Medium" panose="02000000000000000000" pitchFamily="50" charset="-127"/>
+                <a:ea typeface="G마켓 산스 Medium" panose="02000000000000000000" pitchFamily="50" charset="-127"/>
+              </a:rPr>
+              <a:t>.</a:t>
+            </a:r>
           </a:p>
         </p:txBody>
       </p:sp>
+      <p:pic>
+        <p:nvPicPr>
+          <p:cNvPr id="10" name="그림 9">
+            <a:extLst>
+              <a:ext uri="{FF2B5EF4-FFF2-40B4-BE49-F238E27FC236}">
+                <a16:creationId xmlns:a16="http://schemas.microsoft.com/office/drawing/2014/main" xmlns="" id="{AA78E6EB-2B01-79CC-9057-3759C5D56CD9}"/>
+              </a:ext>
+            </a:extLst>
+          </p:cNvPr>
+          <p:cNvPicPr>
+            <a:picLocks noChangeAspect="1"/>
+          </p:cNvPicPr>
+          <p:nvPr/>
+        </p:nvPicPr>
+        <p:blipFill>
+          <a:blip r:embed="rId3"/>
+          <a:stretch>
+            <a:fillRect/>
+          </a:stretch>
+        </p:blipFill>
+        <p:spPr>
+          <a:xfrm>
+            <a:off x="1905000" y="3626034"/>
+            <a:ext cx="7409848" cy="2431866"/>
+          </a:xfrm>
+          <a:prstGeom prst="rect">
+            <a:avLst/>
+          </a:prstGeom>
+        </p:spPr>
+      </p:pic>
       <p:cxnSp>
         <p:nvCxnSpPr>
-          <p:cNvPr id="9" name="직선 화살표 연결선 8">
+          <p:cNvPr id="11" name="직선 화살표 연결선 10">
             <a:extLst>
               <a:ext uri="{FF2B5EF4-FFF2-40B4-BE49-F238E27FC236}">
-                <a16:creationId xmlns:a16="http://schemas.microsoft.com/office/drawing/2014/main" id="{93549FE3-F7E7-5442-6CD8-8AD51821A1D6}"/>
+                <a16:creationId xmlns:a16="http://schemas.microsoft.com/office/drawing/2014/main" xmlns="" id="{93549FE3-F7E7-5442-6CD8-8AD51821A1D6}"/>
               </a:ext>
             </a:extLst>
           </p:cNvPr>
@@ -8753,7 +8926,7 @@
         </p:nvCxnSpPr>
         <p:spPr>
           <a:xfrm>
-            <a:off x="7658100" y="4951765"/>
+            <a:off x="5715000" y="5205190"/>
             <a:ext cx="1524000" cy="0"/>
           </a:xfrm>
           <a:prstGeom prst="straightConnector1">
@@ -8780,10 +8953,10 @@
       </p:cxnSp>
       <p:sp>
         <p:nvSpPr>
-          <p:cNvPr id="10" name="직사각형 9">
+          <p:cNvPr id="12" name="직사각형 11">
             <a:extLst>
               <a:ext uri="{FF2B5EF4-FFF2-40B4-BE49-F238E27FC236}">
-                <a16:creationId xmlns:a16="http://schemas.microsoft.com/office/drawing/2014/main" id="{94227EF0-3965-DF6B-ED6C-E7B6D0756247}"/>
+                <a16:creationId xmlns:a16="http://schemas.microsoft.com/office/drawing/2014/main" xmlns="" id="{94227EF0-3965-DF6B-ED6C-E7B6D0756247}"/>
               </a:ext>
             </a:extLst>
           </p:cNvPr>
@@ -8792,7 +8965,7 @@
         </p:nvSpPr>
         <p:spPr>
           <a:xfrm>
-            <a:off x="5905500" y="4723165"/>
+            <a:off x="3962400" y="4976590"/>
             <a:ext cx="1524000" cy="457200"/>
           </a:xfrm>
           <a:prstGeom prst="rect">
@@ -8832,10 +9005,10 @@
       </p:sp>
       <p:sp>
         <p:nvSpPr>
-          <p:cNvPr id="11" name="TextBox 10">
+          <p:cNvPr id="13" name="TextBox 12">
             <a:extLst>
               <a:ext uri="{FF2B5EF4-FFF2-40B4-BE49-F238E27FC236}">
-                <a16:creationId xmlns:a16="http://schemas.microsoft.com/office/drawing/2014/main" id="{3EABB99B-43C1-73B3-BBA9-53357E140C3A}"/>
+                <a16:creationId xmlns:a16="http://schemas.microsoft.com/office/drawing/2014/main" xmlns="" id="{3EABB99B-43C1-73B3-BBA9-53357E140C3A}"/>
               </a:ext>
             </a:extLst>
           </p:cNvPr>
@@ -8844,7 +9017,7 @@
         </p:nvSpPr>
         <p:spPr>
           <a:xfrm>
-            <a:off x="9372600" y="4686300"/>
+            <a:off x="7429500" y="4939725"/>
             <a:ext cx="6781800" cy="584775"/>
           </a:xfrm>
           <a:prstGeom prst="rect">
@@ -8859,522 +9032,62 @@
           <a:lstStyle/>
           <a:p>
             <a:r>
-              <a:rPr lang="ko-KR" altLang="en-US" sz="3200">
+              <a:rPr lang="en-US" altLang="ko-KR" sz="3200" dirty="0">
                 <a:solidFill>
                   <a:srgbClr val="FF0000"/>
                 </a:solidFill>
                 <a:latin typeface="G마켓 산스 Medium" panose="02000000000000000000" pitchFamily="50" charset="-127"/>
                 <a:ea typeface="G마켓 산스 Medium" panose="02000000000000000000" pitchFamily="50" charset="-127"/>
               </a:rPr>
-              <a:t>변수는 사용할수 없다 </a:t>
-            </a:r>
-            <a:r>
-              <a:rPr lang="en-US" altLang="ko-KR" sz="3200">
+              <a:t>Case</a:t>
+            </a:r>
+            <a:r>
+              <a:rPr lang="ko-KR" altLang="en-US" sz="3200" dirty="0">
                 <a:solidFill>
                   <a:srgbClr val="FF0000"/>
                 </a:solidFill>
                 <a:latin typeface="G마켓 산스 Medium" panose="02000000000000000000" pitchFamily="50" charset="-127"/>
                 <a:ea typeface="G마켓 산스 Medium" panose="02000000000000000000" pitchFamily="50" charset="-127"/>
               </a:rPr>
-              <a:t>ERROR!</a:t>
-            </a:r>
-            <a:endParaRPr lang="en-US" altLang="ko-KR" sz="3200" dirty="0">
-              <a:solidFill>
-                <a:srgbClr val="FF0000"/>
-              </a:solidFill>
-              <a:latin typeface="G마켓 산스 Medium" panose="02000000000000000000" pitchFamily="50" charset="-127"/>
-              <a:ea typeface="G마켓 산스 Medium" panose="02000000000000000000" pitchFamily="50" charset="-127"/>
-            </a:endParaRPr>
-          </a:p>
-        </p:txBody>
-      </p:sp>
-      <p:cxnSp>
-        <p:nvCxnSpPr>
-          <p:cNvPr id="12" name="직선 화살표 연결선 11">
-            <a:extLst>
-              <a:ext uri="{FF2B5EF4-FFF2-40B4-BE49-F238E27FC236}">
-                <a16:creationId xmlns:a16="http://schemas.microsoft.com/office/drawing/2014/main" id="{93549FE3-F7E7-5442-6CD8-8AD51821A1D6}"/>
-              </a:ext>
-            </a:extLst>
-          </p:cNvPr>
-          <p:cNvCxnSpPr>
-            <a:cxnSpLocks/>
-          </p:cNvCxnSpPr>
-          <p:nvPr/>
-        </p:nvCxnSpPr>
-        <p:spPr>
-          <a:xfrm>
-            <a:off x="7658100" y="5866165"/>
-            <a:ext cx="1524000" cy="0"/>
-          </a:xfrm>
-          <a:prstGeom prst="straightConnector1">
-            <a:avLst/>
-          </a:prstGeom>
-          <a:ln w="38100">
-            <a:tailEnd type="triangle"/>
-          </a:ln>
-        </p:spPr>
-        <p:style>
-          <a:lnRef idx="1">
-            <a:schemeClr val="accent2"/>
-          </a:lnRef>
-          <a:fillRef idx="0">
-            <a:schemeClr val="accent2"/>
-          </a:fillRef>
-          <a:effectRef idx="0">
-            <a:schemeClr val="accent2"/>
-          </a:effectRef>
-          <a:fontRef idx="minor">
-            <a:schemeClr val="tx1"/>
-          </a:fontRef>
-        </p:style>
-      </p:cxnSp>
-      <p:sp>
-        <p:nvSpPr>
-          <p:cNvPr id="13" name="직사각형 12">
-            <a:extLst>
-              <a:ext uri="{FF2B5EF4-FFF2-40B4-BE49-F238E27FC236}">
-                <a16:creationId xmlns:a16="http://schemas.microsoft.com/office/drawing/2014/main" id="{94227EF0-3965-DF6B-ED6C-E7B6D0756247}"/>
-              </a:ext>
-            </a:extLst>
-          </p:cNvPr>
-          <p:cNvSpPr/>
-          <p:nvPr/>
-        </p:nvSpPr>
-        <p:spPr>
-          <a:xfrm>
-            <a:off x="5905500" y="5637565"/>
-            <a:ext cx="1524000" cy="457200"/>
-          </a:xfrm>
-          <a:prstGeom prst="rect">
-            <a:avLst/>
-          </a:prstGeom>
-          <a:noFill/>
-          <a:ln>
-            <a:solidFill>
-              <a:srgbClr val="FF0000"/>
-            </a:solidFill>
-          </a:ln>
-        </p:spPr>
-        <p:style>
-          <a:lnRef idx="2">
-            <a:schemeClr val="accent2">
-              <a:shade val="50000"/>
-            </a:schemeClr>
-          </a:lnRef>
-          <a:fillRef idx="1">
-            <a:schemeClr val="accent2"/>
-          </a:fillRef>
-          <a:effectRef idx="0">
-            <a:schemeClr val="accent2"/>
-          </a:effectRef>
-          <a:fontRef idx="minor">
-            <a:schemeClr val="lt1"/>
-          </a:fontRef>
-        </p:style>
-        <p:txBody>
-          <a:bodyPr rtlCol="0" anchor="ctr"/>
-          <a:lstStyle/>
-          <a:p>
-            <a:pPr algn="ctr"/>
-            <a:endParaRPr lang="ko-KR" altLang="en-US"/>
-          </a:p>
-        </p:txBody>
-      </p:sp>
-      <p:sp>
-        <p:nvSpPr>
-          <p:cNvPr id="14" name="TextBox 13">
-            <a:extLst>
-              <a:ext uri="{FF2B5EF4-FFF2-40B4-BE49-F238E27FC236}">
-                <a16:creationId xmlns:a16="http://schemas.microsoft.com/office/drawing/2014/main" id="{3EABB99B-43C1-73B3-BBA9-53357E140C3A}"/>
-              </a:ext>
-            </a:extLst>
-          </p:cNvPr>
-          <p:cNvSpPr txBox="1"/>
-          <p:nvPr/>
-        </p:nvSpPr>
-        <p:spPr>
-          <a:xfrm>
-            <a:off x="9372600" y="5600700"/>
-            <a:ext cx="6781800" cy="584775"/>
-          </a:xfrm>
-          <a:prstGeom prst="rect">
-            <a:avLst/>
-          </a:prstGeom>
-          <a:noFill/>
-        </p:spPr>
-        <p:txBody>
-          <a:bodyPr wrap="square" rtlCol="0">
-            <a:spAutoFit/>
-          </a:bodyPr>
-          <a:lstStyle/>
-          <a:p>
-            <a:r>
-              <a:rPr lang="ko-KR" altLang="en-US" sz="3200">
+              <a:t> 에서도 </a:t>
+            </a:r>
+            <a:r>
+              <a:rPr lang="en-US" altLang="ko-KR" sz="3200" dirty="0" err="1">
                 <a:solidFill>
                   <a:srgbClr val="FF0000"/>
                 </a:solidFill>
                 <a:latin typeface="G마켓 산스 Medium" panose="02000000000000000000" pitchFamily="50" charset="-127"/>
                 <a:ea typeface="G마켓 산스 Medium" panose="02000000000000000000" pitchFamily="50" charset="-127"/>
               </a:rPr>
-              <a:t>상수라서 사용 가능 </a:t>
-            </a:r>
-            <a:r>
-              <a:rPr lang="en-US" altLang="ko-KR" sz="3200">
+              <a:t>boolean</a:t>
+            </a:r>
+            <a:r>
+              <a:rPr lang="ko-KR" altLang="en-US" sz="3200" dirty="0">
                 <a:solidFill>
                   <a:srgbClr val="FF0000"/>
                 </a:solidFill>
                 <a:latin typeface="G마켓 산스 Medium" panose="02000000000000000000" pitchFamily="50" charset="-127"/>
                 <a:ea typeface="G마켓 산스 Medium" panose="02000000000000000000" pitchFamily="50" charset="-127"/>
               </a:rPr>
-              <a:t>OK!</a:t>
-            </a:r>
-            <a:endParaRPr lang="en-US" altLang="ko-KR" sz="3200" dirty="0">
-              <a:solidFill>
-                <a:srgbClr val="FF0000"/>
-              </a:solidFill>
-              <a:latin typeface="G마켓 산스 Medium" panose="02000000000000000000" pitchFamily="50" charset="-127"/>
-              <a:ea typeface="G마켓 산스 Medium" panose="02000000000000000000" pitchFamily="50" charset="-127"/>
-            </a:endParaRPr>
-          </a:p>
-        </p:txBody>
-      </p:sp>
-      <p:cxnSp>
-        <p:nvCxnSpPr>
-          <p:cNvPr id="15" name="직선 화살표 연결선 14">
-            <a:extLst>
-              <a:ext uri="{FF2B5EF4-FFF2-40B4-BE49-F238E27FC236}">
-                <a16:creationId xmlns:a16="http://schemas.microsoft.com/office/drawing/2014/main" id="{93549FE3-F7E7-5442-6CD8-8AD51821A1D6}"/>
-              </a:ext>
-            </a:extLst>
-          </p:cNvPr>
-          <p:cNvCxnSpPr>
-            <a:cxnSpLocks/>
-          </p:cNvCxnSpPr>
-          <p:nvPr/>
-        </p:nvCxnSpPr>
-        <p:spPr>
-          <a:xfrm>
-            <a:off x="7620000" y="6729190"/>
-            <a:ext cx="1524000" cy="0"/>
-          </a:xfrm>
-          <a:prstGeom prst="straightConnector1">
-            <a:avLst/>
-          </a:prstGeom>
-          <a:ln w="38100">
-            <a:tailEnd type="triangle"/>
-          </a:ln>
-        </p:spPr>
-        <p:style>
-          <a:lnRef idx="1">
-            <a:schemeClr val="accent2"/>
-          </a:lnRef>
-          <a:fillRef idx="0">
-            <a:schemeClr val="accent2"/>
-          </a:fillRef>
-          <a:effectRef idx="0">
-            <a:schemeClr val="accent2"/>
-          </a:effectRef>
-          <a:fontRef idx="minor">
-            <a:schemeClr val="tx1"/>
-          </a:fontRef>
-        </p:style>
-      </p:cxnSp>
-      <p:sp>
-        <p:nvSpPr>
-          <p:cNvPr id="16" name="직사각형 15">
-            <a:extLst>
-              <a:ext uri="{FF2B5EF4-FFF2-40B4-BE49-F238E27FC236}">
-                <a16:creationId xmlns:a16="http://schemas.microsoft.com/office/drawing/2014/main" id="{94227EF0-3965-DF6B-ED6C-E7B6D0756247}"/>
-              </a:ext>
-            </a:extLst>
-          </p:cNvPr>
-          <p:cNvSpPr/>
-          <p:nvPr/>
-        </p:nvSpPr>
-        <p:spPr>
-          <a:xfrm>
-            <a:off x="5867400" y="6500590"/>
-            <a:ext cx="1524000" cy="457200"/>
-          </a:xfrm>
-          <a:prstGeom prst="rect">
-            <a:avLst/>
-          </a:prstGeom>
-          <a:noFill/>
-          <a:ln>
-            <a:solidFill>
-              <a:srgbClr val="FF0000"/>
-            </a:solidFill>
-          </a:ln>
-        </p:spPr>
-        <p:style>
-          <a:lnRef idx="2">
-            <a:schemeClr val="accent2">
-              <a:shade val="50000"/>
-            </a:schemeClr>
-          </a:lnRef>
-          <a:fillRef idx="1">
-            <a:schemeClr val="accent2"/>
-          </a:fillRef>
-          <a:effectRef idx="0">
-            <a:schemeClr val="accent2"/>
-          </a:effectRef>
-          <a:fontRef idx="minor">
-            <a:schemeClr val="lt1"/>
-          </a:fontRef>
-        </p:style>
-        <p:txBody>
-          <a:bodyPr rtlCol="0" anchor="ctr"/>
-          <a:lstStyle/>
-          <a:p>
-            <a:pPr algn="ctr"/>
-            <a:endParaRPr lang="ko-KR" altLang="en-US"/>
-          </a:p>
-        </p:txBody>
-      </p:sp>
-      <p:sp>
-        <p:nvSpPr>
-          <p:cNvPr id="17" name="TextBox 16">
-            <a:extLst>
-              <a:ext uri="{FF2B5EF4-FFF2-40B4-BE49-F238E27FC236}">
-                <a16:creationId xmlns:a16="http://schemas.microsoft.com/office/drawing/2014/main" id="{3EABB99B-43C1-73B3-BBA9-53357E140C3A}"/>
-              </a:ext>
-            </a:extLst>
-          </p:cNvPr>
-          <p:cNvSpPr txBox="1"/>
-          <p:nvPr/>
-        </p:nvSpPr>
-        <p:spPr>
-          <a:xfrm>
-            <a:off x="9334500" y="6352282"/>
-            <a:ext cx="8953500" cy="1077218"/>
-          </a:xfrm>
-          <a:prstGeom prst="rect">
-            <a:avLst/>
-          </a:prstGeom>
-          <a:noFill/>
-        </p:spPr>
-        <p:txBody>
-          <a:bodyPr wrap="square" rtlCol="0">
-            <a:spAutoFit/>
-          </a:bodyPr>
-          <a:lstStyle/>
-          <a:p>
-            <a:r>
-              <a:rPr lang="en-US" altLang="ko-KR" sz="3200">
+              <a:t>을 쓸 수 없다</a:t>
+            </a:r>
+            <a:r>
+              <a:rPr lang="en-US" altLang="ko-KR" sz="3200" dirty="0">
                 <a:solidFill>
                   <a:srgbClr val="FF0000"/>
                 </a:solidFill>
                 <a:latin typeface="G마켓 산스 Medium" panose="02000000000000000000" pitchFamily="50" charset="-127"/>
                 <a:ea typeface="G마켓 산스 Medium" panose="02000000000000000000" pitchFamily="50" charset="-127"/>
               </a:rPr>
-              <a:t>JDK 1.7</a:t>
-            </a:r>
-            <a:r>
-              <a:rPr lang="ko-KR" altLang="en-US" sz="3200">
-                <a:solidFill>
-                  <a:srgbClr val="FF0000"/>
-                </a:solidFill>
-                <a:latin typeface="G마켓 산스 Medium" panose="02000000000000000000" pitchFamily="50" charset="-127"/>
-                <a:ea typeface="G마켓 산스 Medium" panose="02000000000000000000" pitchFamily="50" charset="-127"/>
-              </a:rPr>
-              <a:t>이상부터 문자열 사용가능</a:t>
-            </a:r>
-            <a:r>
-              <a:rPr lang="en-US" altLang="ko-KR" sz="3200">
-                <a:solidFill>
-                  <a:srgbClr val="FF0000"/>
-                </a:solidFill>
-                <a:latin typeface="G마켓 산스 Medium" panose="02000000000000000000" pitchFamily="50" charset="-127"/>
-                <a:ea typeface="G마켓 산스 Medium" panose="02000000000000000000" pitchFamily="50" charset="-127"/>
-              </a:rPr>
-              <a:t>. </a:t>
-            </a:r>
-            <a:r>
-              <a:rPr lang="ko-KR" altLang="en-US" sz="3200">
-                <a:solidFill>
-                  <a:srgbClr val="FF0000"/>
-                </a:solidFill>
-                <a:latin typeface="G마켓 산스 Medium" panose="02000000000000000000" pitchFamily="50" charset="-127"/>
-                <a:ea typeface="G마켓 산스 Medium" panose="02000000000000000000" pitchFamily="50" charset="-127"/>
-              </a:rPr>
-              <a:t>단 조건문 역시 문자열이여야 한다</a:t>
-            </a:r>
-            <a:r>
-              <a:rPr lang="en-US" altLang="ko-KR" sz="3200">
-                <a:solidFill>
-                  <a:srgbClr val="FF0000"/>
-                </a:solidFill>
-                <a:latin typeface="G마켓 산스 Medium" panose="02000000000000000000" pitchFamily="50" charset="-127"/>
-                <a:ea typeface="G마켓 산스 Medium" panose="02000000000000000000" pitchFamily="50" charset="-127"/>
-              </a:rPr>
-              <a:t>. OK!</a:t>
-            </a:r>
-            <a:endParaRPr lang="en-US" altLang="ko-KR" sz="3200" dirty="0">
-              <a:solidFill>
-                <a:srgbClr val="FF0000"/>
-              </a:solidFill>
-              <a:latin typeface="G마켓 산스 Medium" panose="02000000000000000000" pitchFamily="50" charset="-127"/>
-              <a:ea typeface="G마켓 산스 Medium" panose="02000000000000000000" pitchFamily="50" charset="-127"/>
-            </a:endParaRPr>
-          </a:p>
-        </p:txBody>
-      </p:sp>
-      <p:cxnSp>
-        <p:nvCxnSpPr>
-          <p:cNvPr id="18" name="직선 화살표 연결선 17">
-            <a:extLst>
-              <a:ext uri="{FF2B5EF4-FFF2-40B4-BE49-F238E27FC236}">
-                <a16:creationId xmlns:a16="http://schemas.microsoft.com/office/drawing/2014/main" id="{93549FE3-F7E7-5442-6CD8-8AD51821A1D6}"/>
-              </a:ext>
-            </a:extLst>
-          </p:cNvPr>
-          <p:cNvCxnSpPr>
-            <a:cxnSpLocks/>
-          </p:cNvCxnSpPr>
-          <p:nvPr/>
-        </p:nvCxnSpPr>
-        <p:spPr>
-          <a:xfrm>
-            <a:off x="7581900" y="7618765"/>
-            <a:ext cx="1524000" cy="0"/>
-          </a:xfrm>
-          <a:prstGeom prst="straightConnector1">
-            <a:avLst/>
-          </a:prstGeom>
-          <a:ln w="38100">
-            <a:tailEnd type="triangle"/>
-          </a:ln>
-        </p:spPr>
-        <p:style>
-          <a:lnRef idx="1">
-            <a:schemeClr val="accent2"/>
-          </a:lnRef>
-          <a:fillRef idx="0">
-            <a:schemeClr val="accent2"/>
-          </a:fillRef>
-          <a:effectRef idx="0">
-            <a:schemeClr val="accent2"/>
-          </a:effectRef>
-          <a:fontRef idx="minor">
-            <a:schemeClr val="tx1"/>
-          </a:fontRef>
-        </p:style>
-      </p:cxnSp>
-      <p:sp>
-        <p:nvSpPr>
-          <p:cNvPr id="19" name="직사각형 18">
-            <a:extLst>
-              <a:ext uri="{FF2B5EF4-FFF2-40B4-BE49-F238E27FC236}">
-                <a16:creationId xmlns:a16="http://schemas.microsoft.com/office/drawing/2014/main" id="{94227EF0-3965-DF6B-ED6C-E7B6D0756247}"/>
-              </a:ext>
-            </a:extLst>
-          </p:cNvPr>
-          <p:cNvSpPr/>
-          <p:nvPr/>
-        </p:nvSpPr>
-        <p:spPr>
-          <a:xfrm>
-            <a:off x="5829300" y="7390165"/>
-            <a:ext cx="1524000" cy="457200"/>
-          </a:xfrm>
-          <a:prstGeom prst="rect">
-            <a:avLst/>
-          </a:prstGeom>
-          <a:noFill/>
-          <a:ln>
-            <a:solidFill>
-              <a:srgbClr val="FF0000"/>
-            </a:solidFill>
-          </a:ln>
-        </p:spPr>
-        <p:style>
-          <a:lnRef idx="2">
-            <a:schemeClr val="accent2">
-              <a:shade val="50000"/>
-            </a:schemeClr>
-          </a:lnRef>
-          <a:fillRef idx="1">
-            <a:schemeClr val="accent2"/>
-          </a:fillRef>
-          <a:effectRef idx="0">
-            <a:schemeClr val="accent2"/>
-          </a:effectRef>
-          <a:fontRef idx="minor">
-            <a:schemeClr val="lt1"/>
-          </a:fontRef>
-        </p:style>
-        <p:txBody>
-          <a:bodyPr rtlCol="0" anchor="ctr"/>
-          <a:lstStyle/>
-          <a:p>
-            <a:pPr algn="ctr"/>
-            <a:endParaRPr lang="ko-KR" altLang="en-US"/>
-          </a:p>
-        </p:txBody>
-      </p:sp>
-      <p:sp>
-        <p:nvSpPr>
-          <p:cNvPr id="20" name="TextBox 19">
-            <a:extLst>
-              <a:ext uri="{FF2B5EF4-FFF2-40B4-BE49-F238E27FC236}">
-                <a16:creationId xmlns:a16="http://schemas.microsoft.com/office/drawing/2014/main" id="{3EABB99B-43C1-73B3-BBA9-53357E140C3A}"/>
-              </a:ext>
-            </a:extLst>
-          </p:cNvPr>
-          <p:cNvSpPr txBox="1"/>
-          <p:nvPr/>
-        </p:nvSpPr>
-        <p:spPr>
-          <a:xfrm>
-            <a:off x="9296400" y="7454325"/>
-            <a:ext cx="7772400" cy="584775"/>
-          </a:xfrm>
-          <a:prstGeom prst="rect">
-            <a:avLst/>
-          </a:prstGeom>
-          <a:noFill/>
-        </p:spPr>
-        <p:txBody>
-          <a:bodyPr wrap="square" rtlCol="0">
-            <a:spAutoFit/>
-          </a:bodyPr>
-          <a:lstStyle/>
-          <a:p>
-            <a:r>
-              <a:rPr lang="ko-KR" altLang="en-US" sz="3200">
-                <a:solidFill>
-                  <a:srgbClr val="FF0000"/>
-                </a:solidFill>
-                <a:latin typeface="G마켓 산스 Medium" panose="02000000000000000000" pitchFamily="50" charset="-127"/>
-                <a:ea typeface="G마켓 산스 Medium" panose="02000000000000000000" pitchFamily="50" charset="-127"/>
-              </a:rPr>
-              <a:t>실수는 사용 불가능 </a:t>
-            </a:r>
-            <a:r>
-              <a:rPr lang="en-US" altLang="ko-KR" sz="3200">
-                <a:solidFill>
-                  <a:srgbClr val="FF0000"/>
-                </a:solidFill>
-                <a:latin typeface="G마켓 산스 Medium" panose="02000000000000000000" pitchFamily="50" charset="-127"/>
-                <a:ea typeface="G마켓 산스 Medium" panose="02000000000000000000" pitchFamily="50" charset="-127"/>
-              </a:rPr>
-              <a:t>ERROR!</a:t>
-            </a:r>
-            <a:endParaRPr lang="en-US" altLang="ko-KR" sz="3200" dirty="0">
-              <a:solidFill>
-                <a:srgbClr val="FF0000"/>
-              </a:solidFill>
-              <a:latin typeface="G마켓 산스 Medium" panose="02000000000000000000" pitchFamily="50" charset="-127"/>
-              <a:ea typeface="G마켓 산스 Medium" panose="02000000000000000000" pitchFamily="50" charset="-127"/>
-            </a:endParaRPr>
+              <a:t>.</a:t>
+            </a:r>
           </a:p>
         </p:txBody>
       </p:sp>
     </p:spTree>
     <p:extLst>
       <p:ext uri="{BB962C8B-B14F-4D97-AF65-F5344CB8AC3E}">
-        <p14:creationId xmlns:p14="http://schemas.microsoft.com/office/powerpoint/2010/main" val="1299067387"/>
+        <p14:creationId xmlns:p14="http://schemas.microsoft.com/office/powerpoint/2010/main" val="3774936087"/>
       </p:ext>
     </p:extLst>
   </p:cSld>
@@ -9403,13 +9116,7 @@
       </p:grpSpPr>
       <p:pic>
         <p:nvPicPr>
-          <p:cNvPr id="4" name="그림 3">
-            <a:extLst>
-              <a:ext uri="{FF2B5EF4-FFF2-40B4-BE49-F238E27FC236}">
-                <a16:creationId xmlns:a16="http://schemas.microsoft.com/office/drawing/2014/main" id="{97C83C48-30DF-B7DB-0742-60E502BCD85E}"/>
-              </a:ext>
-            </a:extLst>
-          </p:cNvPr>
+          <p:cNvPr id="5" name="그림 4"/>
           <p:cNvPicPr>
             <a:picLocks noChangeAspect="1"/>
           </p:cNvPicPr>
@@ -9423,8 +9130,8 @@
         </p:blipFill>
         <p:spPr>
           <a:xfrm>
-            <a:off x="1386114" y="1328128"/>
-            <a:ext cx="9601200" cy="7387225"/>
+            <a:off x="3505200" y="495300"/>
+            <a:ext cx="4876800" cy="7784563"/>
           </a:xfrm>
           <a:prstGeom prst="rect">
             <a:avLst/>
@@ -9433,10 +9140,10 @@
       </p:pic>
       <p:cxnSp>
         <p:nvCxnSpPr>
-          <p:cNvPr id="9" name="직선 화살표 연결선 8">
+          <p:cNvPr id="6" name="직선 화살표 연결선 5">
             <a:extLst>
               <a:ext uri="{FF2B5EF4-FFF2-40B4-BE49-F238E27FC236}">
-                <a16:creationId xmlns:a16="http://schemas.microsoft.com/office/drawing/2014/main" id="{192B3151-4915-2B1F-8714-223155661583}"/>
+                <a16:creationId xmlns:a16="http://schemas.microsoft.com/office/drawing/2014/main" xmlns="" id="{93549FE3-F7E7-5442-6CD8-8AD51821A1D6}"/>
               </a:ext>
             </a:extLst>
           </p:cNvPr>
@@ -9447,7 +9154,158 @@
         </p:nvCxnSpPr>
         <p:spPr>
           <a:xfrm>
-            <a:off x="5029200" y="5372100"/>
+            <a:off x="7658100" y="4113565"/>
+            <a:ext cx="1524000" cy="0"/>
+          </a:xfrm>
+          <a:prstGeom prst="straightConnector1">
+            <a:avLst/>
+          </a:prstGeom>
+          <a:ln w="38100">
+            <a:tailEnd type="triangle"/>
+          </a:ln>
+        </p:spPr>
+        <p:style>
+          <a:lnRef idx="1">
+            <a:schemeClr val="accent2"/>
+          </a:lnRef>
+          <a:fillRef idx="0">
+            <a:schemeClr val="accent2"/>
+          </a:fillRef>
+          <a:effectRef idx="0">
+            <a:schemeClr val="accent2"/>
+          </a:effectRef>
+          <a:fontRef idx="minor">
+            <a:schemeClr val="tx1"/>
+          </a:fontRef>
+        </p:style>
+      </p:cxnSp>
+      <p:sp>
+        <p:nvSpPr>
+          <p:cNvPr id="7" name="직사각형 6">
+            <a:extLst>
+              <a:ext uri="{FF2B5EF4-FFF2-40B4-BE49-F238E27FC236}">
+                <a16:creationId xmlns:a16="http://schemas.microsoft.com/office/drawing/2014/main" xmlns="" id="{94227EF0-3965-DF6B-ED6C-E7B6D0756247}"/>
+              </a:ext>
+            </a:extLst>
+          </p:cNvPr>
+          <p:cNvSpPr/>
+          <p:nvPr/>
+        </p:nvSpPr>
+        <p:spPr>
+          <a:xfrm>
+            <a:off x="5905500" y="3884965"/>
+            <a:ext cx="1524000" cy="457200"/>
+          </a:xfrm>
+          <a:prstGeom prst="rect">
+            <a:avLst/>
+          </a:prstGeom>
+          <a:noFill/>
+          <a:ln>
+            <a:solidFill>
+              <a:srgbClr val="FF0000"/>
+            </a:solidFill>
+          </a:ln>
+        </p:spPr>
+        <p:style>
+          <a:lnRef idx="2">
+            <a:schemeClr val="accent2">
+              <a:shade val="50000"/>
+            </a:schemeClr>
+          </a:lnRef>
+          <a:fillRef idx="1">
+            <a:schemeClr val="accent2"/>
+          </a:fillRef>
+          <a:effectRef idx="0">
+            <a:schemeClr val="accent2"/>
+          </a:effectRef>
+          <a:fontRef idx="minor">
+            <a:schemeClr val="lt1"/>
+          </a:fontRef>
+        </p:style>
+        <p:txBody>
+          <a:bodyPr rtlCol="0" anchor="ctr"/>
+          <a:lstStyle/>
+          <a:p>
+            <a:pPr algn="ctr"/>
+            <a:endParaRPr lang="ko-KR" altLang="en-US"/>
+          </a:p>
+        </p:txBody>
+      </p:sp>
+      <p:sp>
+        <p:nvSpPr>
+          <p:cNvPr id="8" name="TextBox 7">
+            <a:extLst>
+              <a:ext uri="{FF2B5EF4-FFF2-40B4-BE49-F238E27FC236}">
+                <a16:creationId xmlns:a16="http://schemas.microsoft.com/office/drawing/2014/main" xmlns="" id="{3EABB99B-43C1-73B3-BBA9-53357E140C3A}"/>
+              </a:ext>
+            </a:extLst>
+          </p:cNvPr>
+          <p:cNvSpPr txBox="1"/>
+          <p:nvPr/>
+        </p:nvSpPr>
+        <p:spPr>
+          <a:xfrm>
+            <a:off x="9372600" y="3848100"/>
+            <a:ext cx="6096000" cy="584775"/>
+          </a:xfrm>
+          <a:prstGeom prst="rect">
+            <a:avLst/>
+          </a:prstGeom>
+          <a:noFill/>
+        </p:spPr>
+        <p:txBody>
+          <a:bodyPr wrap="square" rtlCol="0">
+            <a:spAutoFit/>
+          </a:bodyPr>
+          <a:lstStyle/>
+          <a:p>
+            <a:r>
+              <a:rPr lang="ko-KR" altLang="en-US" sz="3200">
+                <a:solidFill>
+                  <a:srgbClr val="FF0000"/>
+                </a:solidFill>
+                <a:latin typeface="G마켓 산스 Medium" panose="02000000000000000000" pitchFamily="50" charset="-127"/>
+                <a:ea typeface="G마켓 산스 Medium" panose="02000000000000000000" pitchFamily="50" charset="-127"/>
+              </a:rPr>
+              <a:t>유니코드로 변환되어 정수  </a:t>
+            </a:r>
+            <a:r>
+              <a:rPr lang="en-US" altLang="ko-KR" sz="3200">
+                <a:solidFill>
+                  <a:srgbClr val="FF0000"/>
+                </a:solidFill>
+                <a:latin typeface="G마켓 산스 Medium" panose="02000000000000000000" pitchFamily="50" charset="-127"/>
+                <a:ea typeface="G마켓 산스 Medium" panose="02000000000000000000" pitchFamily="50" charset="-127"/>
+              </a:rPr>
+              <a:t>OK!</a:t>
+            </a:r>
+            <a:endParaRPr lang="en-US" altLang="ko-KR" sz="3200" dirty="0">
+              <a:solidFill>
+                <a:srgbClr val="FF0000"/>
+              </a:solidFill>
+              <a:latin typeface="G마켓 산스 Medium" panose="02000000000000000000" pitchFamily="50" charset="-127"/>
+              <a:ea typeface="G마켓 산스 Medium" panose="02000000000000000000" pitchFamily="50" charset="-127"/>
+            </a:endParaRPr>
+          </a:p>
+        </p:txBody>
+      </p:sp>
+      <p:cxnSp>
+        <p:nvCxnSpPr>
+          <p:cNvPr id="9" name="직선 화살표 연결선 8">
+            <a:extLst>
+              <a:ext uri="{FF2B5EF4-FFF2-40B4-BE49-F238E27FC236}">
+                <a16:creationId xmlns:a16="http://schemas.microsoft.com/office/drawing/2014/main" xmlns="" id="{93549FE3-F7E7-5442-6CD8-8AD51821A1D6}"/>
+              </a:ext>
+            </a:extLst>
+          </p:cNvPr>
+          <p:cNvCxnSpPr>
+            <a:cxnSpLocks/>
+          </p:cNvCxnSpPr>
+          <p:nvPr/>
+        </p:nvCxnSpPr>
+        <p:spPr>
+          <a:xfrm>
+            <a:off x="7658100" y="4951765"/>
             <a:ext cx="1524000" cy="0"/>
           </a:xfrm>
           <a:prstGeom prst="straightConnector1">
@@ -9477,7 +9335,7 @@
           <p:cNvPr id="10" name="직사각형 9">
             <a:extLst>
               <a:ext uri="{FF2B5EF4-FFF2-40B4-BE49-F238E27FC236}">
-                <a16:creationId xmlns:a16="http://schemas.microsoft.com/office/drawing/2014/main" id="{AF3E039D-11F1-65FF-C1CD-AC61ECFD442F}"/>
+                <a16:creationId xmlns:a16="http://schemas.microsoft.com/office/drawing/2014/main" xmlns="" id="{94227EF0-3965-DF6B-ED6C-E7B6D0756247}"/>
               </a:ext>
             </a:extLst>
           </p:cNvPr>
@@ -9486,7 +9344,7 @@
         </p:nvSpPr>
         <p:spPr>
           <a:xfrm>
-            <a:off x="3276600" y="5143500"/>
+            <a:off x="5905500" y="4723165"/>
             <a:ext cx="1524000" cy="457200"/>
           </a:xfrm>
           <a:prstGeom prst="rect">
@@ -9529,7 +9387,7 @@
           <p:cNvPr id="11" name="TextBox 10">
             <a:extLst>
               <a:ext uri="{FF2B5EF4-FFF2-40B4-BE49-F238E27FC236}">
-                <a16:creationId xmlns:a16="http://schemas.microsoft.com/office/drawing/2014/main" id="{DF3264D7-FC01-A60A-1582-524467C672CA}"/>
+                <a16:creationId xmlns:a16="http://schemas.microsoft.com/office/drawing/2014/main" xmlns="" id="{3EABB99B-43C1-73B3-BBA9-53357E140C3A}"/>
               </a:ext>
             </a:extLst>
           </p:cNvPr>
@@ -9538,7 +9396,7 @@
         </p:nvSpPr>
         <p:spPr>
           <a:xfrm>
-            <a:off x="6743700" y="5106635"/>
+            <a:off x="9372600" y="4686300"/>
             <a:ext cx="6781800" cy="584775"/>
           </a:xfrm>
           <a:prstGeom prst="rect">
@@ -9553,24 +9411,24 @@
           <a:lstStyle/>
           <a:p>
             <a:r>
-              <a:rPr lang="en-US" altLang="ko-KR" sz="3200" dirty="0">
+              <a:rPr lang="ko-KR" altLang="en-US" sz="3200">
                 <a:solidFill>
                   <a:srgbClr val="FF0000"/>
                 </a:solidFill>
                 <a:latin typeface="G마켓 산스 Medium" panose="02000000000000000000" pitchFamily="50" charset="-127"/>
                 <a:ea typeface="G마켓 산스 Medium" panose="02000000000000000000" pitchFamily="50" charset="-127"/>
               </a:rPr>
-              <a:t>break;  </a:t>
-            </a:r>
-            <a:r>
-              <a:rPr lang="ko-KR" altLang="en-US" sz="3200" dirty="0">
+              <a:t>변수는 사용할수 없다 </a:t>
+            </a:r>
+            <a:r>
+              <a:rPr lang="en-US" altLang="ko-KR" sz="3200">
                 <a:solidFill>
                   <a:srgbClr val="FF0000"/>
                 </a:solidFill>
                 <a:latin typeface="G마켓 산스 Medium" panose="02000000000000000000" pitchFamily="50" charset="-127"/>
                 <a:ea typeface="G마켓 산스 Medium" panose="02000000000000000000" pitchFamily="50" charset="-127"/>
               </a:rPr>
-              <a:t>문을 제거하고 실행해보자</a:t>
+              <a:t>ERROR!</a:t>
             </a:r>
             <a:endParaRPr lang="en-US" altLang="ko-KR" sz="3200" dirty="0">
               <a:solidFill>
@@ -9582,10 +9440,493 @@
           </a:p>
         </p:txBody>
       </p:sp>
+      <p:cxnSp>
+        <p:nvCxnSpPr>
+          <p:cNvPr id="12" name="직선 화살표 연결선 11">
+            <a:extLst>
+              <a:ext uri="{FF2B5EF4-FFF2-40B4-BE49-F238E27FC236}">
+                <a16:creationId xmlns:a16="http://schemas.microsoft.com/office/drawing/2014/main" xmlns="" id="{93549FE3-F7E7-5442-6CD8-8AD51821A1D6}"/>
+              </a:ext>
+            </a:extLst>
+          </p:cNvPr>
+          <p:cNvCxnSpPr>
+            <a:cxnSpLocks/>
+          </p:cNvCxnSpPr>
+          <p:nvPr/>
+        </p:nvCxnSpPr>
+        <p:spPr>
+          <a:xfrm>
+            <a:off x="7658100" y="5866165"/>
+            <a:ext cx="1524000" cy="0"/>
+          </a:xfrm>
+          <a:prstGeom prst="straightConnector1">
+            <a:avLst/>
+          </a:prstGeom>
+          <a:ln w="38100">
+            <a:tailEnd type="triangle"/>
+          </a:ln>
+        </p:spPr>
+        <p:style>
+          <a:lnRef idx="1">
+            <a:schemeClr val="accent2"/>
+          </a:lnRef>
+          <a:fillRef idx="0">
+            <a:schemeClr val="accent2"/>
+          </a:fillRef>
+          <a:effectRef idx="0">
+            <a:schemeClr val="accent2"/>
+          </a:effectRef>
+          <a:fontRef idx="minor">
+            <a:schemeClr val="tx1"/>
+          </a:fontRef>
+        </p:style>
+      </p:cxnSp>
+      <p:sp>
+        <p:nvSpPr>
+          <p:cNvPr id="13" name="직사각형 12">
+            <a:extLst>
+              <a:ext uri="{FF2B5EF4-FFF2-40B4-BE49-F238E27FC236}">
+                <a16:creationId xmlns:a16="http://schemas.microsoft.com/office/drawing/2014/main" xmlns="" id="{94227EF0-3965-DF6B-ED6C-E7B6D0756247}"/>
+              </a:ext>
+            </a:extLst>
+          </p:cNvPr>
+          <p:cNvSpPr/>
+          <p:nvPr/>
+        </p:nvSpPr>
+        <p:spPr>
+          <a:xfrm>
+            <a:off x="5905500" y="5637565"/>
+            <a:ext cx="1524000" cy="457200"/>
+          </a:xfrm>
+          <a:prstGeom prst="rect">
+            <a:avLst/>
+          </a:prstGeom>
+          <a:noFill/>
+          <a:ln>
+            <a:solidFill>
+              <a:srgbClr val="FF0000"/>
+            </a:solidFill>
+          </a:ln>
+        </p:spPr>
+        <p:style>
+          <a:lnRef idx="2">
+            <a:schemeClr val="accent2">
+              <a:shade val="50000"/>
+            </a:schemeClr>
+          </a:lnRef>
+          <a:fillRef idx="1">
+            <a:schemeClr val="accent2"/>
+          </a:fillRef>
+          <a:effectRef idx="0">
+            <a:schemeClr val="accent2"/>
+          </a:effectRef>
+          <a:fontRef idx="minor">
+            <a:schemeClr val="lt1"/>
+          </a:fontRef>
+        </p:style>
+        <p:txBody>
+          <a:bodyPr rtlCol="0" anchor="ctr"/>
+          <a:lstStyle/>
+          <a:p>
+            <a:pPr algn="ctr"/>
+            <a:endParaRPr lang="ko-KR" altLang="en-US"/>
+          </a:p>
+        </p:txBody>
+      </p:sp>
+      <p:sp>
+        <p:nvSpPr>
+          <p:cNvPr id="14" name="TextBox 13">
+            <a:extLst>
+              <a:ext uri="{FF2B5EF4-FFF2-40B4-BE49-F238E27FC236}">
+                <a16:creationId xmlns:a16="http://schemas.microsoft.com/office/drawing/2014/main" xmlns="" id="{3EABB99B-43C1-73B3-BBA9-53357E140C3A}"/>
+              </a:ext>
+            </a:extLst>
+          </p:cNvPr>
+          <p:cNvSpPr txBox="1"/>
+          <p:nvPr/>
+        </p:nvSpPr>
+        <p:spPr>
+          <a:xfrm>
+            <a:off x="9372600" y="5600700"/>
+            <a:ext cx="6781800" cy="584775"/>
+          </a:xfrm>
+          <a:prstGeom prst="rect">
+            <a:avLst/>
+          </a:prstGeom>
+          <a:noFill/>
+        </p:spPr>
+        <p:txBody>
+          <a:bodyPr wrap="square" rtlCol="0">
+            <a:spAutoFit/>
+          </a:bodyPr>
+          <a:lstStyle/>
+          <a:p>
+            <a:r>
+              <a:rPr lang="ko-KR" altLang="en-US" sz="3200">
+                <a:solidFill>
+                  <a:srgbClr val="FF0000"/>
+                </a:solidFill>
+                <a:latin typeface="G마켓 산스 Medium" panose="02000000000000000000" pitchFamily="50" charset="-127"/>
+                <a:ea typeface="G마켓 산스 Medium" panose="02000000000000000000" pitchFamily="50" charset="-127"/>
+              </a:rPr>
+              <a:t>상수라서 사용 가능 </a:t>
+            </a:r>
+            <a:r>
+              <a:rPr lang="en-US" altLang="ko-KR" sz="3200">
+                <a:solidFill>
+                  <a:srgbClr val="FF0000"/>
+                </a:solidFill>
+                <a:latin typeface="G마켓 산스 Medium" panose="02000000000000000000" pitchFamily="50" charset="-127"/>
+                <a:ea typeface="G마켓 산스 Medium" panose="02000000000000000000" pitchFamily="50" charset="-127"/>
+              </a:rPr>
+              <a:t>OK!</a:t>
+            </a:r>
+            <a:endParaRPr lang="en-US" altLang="ko-KR" sz="3200" dirty="0">
+              <a:solidFill>
+                <a:srgbClr val="FF0000"/>
+              </a:solidFill>
+              <a:latin typeface="G마켓 산스 Medium" panose="02000000000000000000" pitchFamily="50" charset="-127"/>
+              <a:ea typeface="G마켓 산스 Medium" panose="02000000000000000000" pitchFamily="50" charset="-127"/>
+            </a:endParaRPr>
+          </a:p>
+        </p:txBody>
+      </p:sp>
+      <p:cxnSp>
+        <p:nvCxnSpPr>
+          <p:cNvPr id="15" name="직선 화살표 연결선 14">
+            <a:extLst>
+              <a:ext uri="{FF2B5EF4-FFF2-40B4-BE49-F238E27FC236}">
+                <a16:creationId xmlns:a16="http://schemas.microsoft.com/office/drawing/2014/main" xmlns="" id="{93549FE3-F7E7-5442-6CD8-8AD51821A1D6}"/>
+              </a:ext>
+            </a:extLst>
+          </p:cNvPr>
+          <p:cNvCxnSpPr>
+            <a:cxnSpLocks/>
+          </p:cNvCxnSpPr>
+          <p:nvPr/>
+        </p:nvCxnSpPr>
+        <p:spPr>
+          <a:xfrm>
+            <a:off x="7620000" y="6729190"/>
+            <a:ext cx="1524000" cy="0"/>
+          </a:xfrm>
+          <a:prstGeom prst="straightConnector1">
+            <a:avLst/>
+          </a:prstGeom>
+          <a:ln w="38100">
+            <a:tailEnd type="triangle"/>
+          </a:ln>
+        </p:spPr>
+        <p:style>
+          <a:lnRef idx="1">
+            <a:schemeClr val="accent2"/>
+          </a:lnRef>
+          <a:fillRef idx="0">
+            <a:schemeClr val="accent2"/>
+          </a:fillRef>
+          <a:effectRef idx="0">
+            <a:schemeClr val="accent2"/>
+          </a:effectRef>
+          <a:fontRef idx="minor">
+            <a:schemeClr val="tx1"/>
+          </a:fontRef>
+        </p:style>
+      </p:cxnSp>
+      <p:sp>
+        <p:nvSpPr>
+          <p:cNvPr id="16" name="직사각형 15">
+            <a:extLst>
+              <a:ext uri="{FF2B5EF4-FFF2-40B4-BE49-F238E27FC236}">
+                <a16:creationId xmlns:a16="http://schemas.microsoft.com/office/drawing/2014/main" xmlns="" id="{94227EF0-3965-DF6B-ED6C-E7B6D0756247}"/>
+              </a:ext>
+            </a:extLst>
+          </p:cNvPr>
+          <p:cNvSpPr/>
+          <p:nvPr/>
+        </p:nvSpPr>
+        <p:spPr>
+          <a:xfrm>
+            <a:off x="5867400" y="6500590"/>
+            <a:ext cx="1524000" cy="457200"/>
+          </a:xfrm>
+          <a:prstGeom prst="rect">
+            <a:avLst/>
+          </a:prstGeom>
+          <a:noFill/>
+          <a:ln>
+            <a:solidFill>
+              <a:srgbClr val="FF0000"/>
+            </a:solidFill>
+          </a:ln>
+        </p:spPr>
+        <p:style>
+          <a:lnRef idx="2">
+            <a:schemeClr val="accent2">
+              <a:shade val="50000"/>
+            </a:schemeClr>
+          </a:lnRef>
+          <a:fillRef idx="1">
+            <a:schemeClr val="accent2"/>
+          </a:fillRef>
+          <a:effectRef idx="0">
+            <a:schemeClr val="accent2"/>
+          </a:effectRef>
+          <a:fontRef idx="minor">
+            <a:schemeClr val="lt1"/>
+          </a:fontRef>
+        </p:style>
+        <p:txBody>
+          <a:bodyPr rtlCol="0" anchor="ctr"/>
+          <a:lstStyle/>
+          <a:p>
+            <a:pPr algn="ctr"/>
+            <a:endParaRPr lang="ko-KR" altLang="en-US"/>
+          </a:p>
+        </p:txBody>
+      </p:sp>
+      <p:sp>
+        <p:nvSpPr>
+          <p:cNvPr id="17" name="TextBox 16">
+            <a:extLst>
+              <a:ext uri="{FF2B5EF4-FFF2-40B4-BE49-F238E27FC236}">
+                <a16:creationId xmlns:a16="http://schemas.microsoft.com/office/drawing/2014/main" xmlns="" id="{3EABB99B-43C1-73B3-BBA9-53357E140C3A}"/>
+              </a:ext>
+            </a:extLst>
+          </p:cNvPr>
+          <p:cNvSpPr txBox="1"/>
+          <p:nvPr/>
+        </p:nvSpPr>
+        <p:spPr>
+          <a:xfrm>
+            <a:off x="9334500" y="6352282"/>
+            <a:ext cx="8953500" cy="1077218"/>
+          </a:xfrm>
+          <a:prstGeom prst="rect">
+            <a:avLst/>
+          </a:prstGeom>
+          <a:noFill/>
+        </p:spPr>
+        <p:txBody>
+          <a:bodyPr wrap="square" rtlCol="0">
+            <a:spAutoFit/>
+          </a:bodyPr>
+          <a:lstStyle/>
+          <a:p>
+            <a:r>
+              <a:rPr lang="en-US" altLang="ko-KR" sz="3200">
+                <a:solidFill>
+                  <a:srgbClr val="FF0000"/>
+                </a:solidFill>
+                <a:latin typeface="G마켓 산스 Medium" panose="02000000000000000000" pitchFamily="50" charset="-127"/>
+                <a:ea typeface="G마켓 산스 Medium" panose="02000000000000000000" pitchFamily="50" charset="-127"/>
+              </a:rPr>
+              <a:t>JDK 1.7</a:t>
+            </a:r>
+            <a:r>
+              <a:rPr lang="ko-KR" altLang="en-US" sz="3200">
+                <a:solidFill>
+                  <a:srgbClr val="FF0000"/>
+                </a:solidFill>
+                <a:latin typeface="G마켓 산스 Medium" panose="02000000000000000000" pitchFamily="50" charset="-127"/>
+                <a:ea typeface="G마켓 산스 Medium" panose="02000000000000000000" pitchFamily="50" charset="-127"/>
+              </a:rPr>
+              <a:t>이상부터 문자열 사용가능</a:t>
+            </a:r>
+            <a:r>
+              <a:rPr lang="en-US" altLang="ko-KR" sz="3200">
+                <a:solidFill>
+                  <a:srgbClr val="FF0000"/>
+                </a:solidFill>
+                <a:latin typeface="G마켓 산스 Medium" panose="02000000000000000000" pitchFamily="50" charset="-127"/>
+                <a:ea typeface="G마켓 산스 Medium" panose="02000000000000000000" pitchFamily="50" charset="-127"/>
+              </a:rPr>
+              <a:t>. </a:t>
+            </a:r>
+            <a:r>
+              <a:rPr lang="ko-KR" altLang="en-US" sz="3200">
+                <a:solidFill>
+                  <a:srgbClr val="FF0000"/>
+                </a:solidFill>
+                <a:latin typeface="G마켓 산스 Medium" panose="02000000000000000000" pitchFamily="50" charset="-127"/>
+                <a:ea typeface="G마켓 산스 Medium" panose="02000000000000000000" pitchFamily="50" charset="-127"/>
+              </a:rPr>
+              <a:t>단 조건문 역시 문자열이여야 한다</a:t>
+            </a:r>
+            <a:r>
+              <a:rPr lang="en-US" altLang="ko-KR" sz="3200">
+                <a:solidFill>
+                  <a:srgbClr val="FF0000"/>
+                </a:solidFill>
+                <a:latin typeface="G마켓 산스 Medium" panose="02000000000000000000" pitchFamily="50" charset="-127"/>
+                <a:ea typeface="G마켓 산스 Medium" panose="02000000000000000000" pitchFamily="50" charset="-127"/>
+              </a:rPr>
+              <a:t>. OK!</a:t>
+            </a:r>
+            <a:endParaRPr lang="en-US" altLang="ko-KR" sz="3200" dirty="0">
+              <a:solidFill>
+                <a:srgbClr val="FF0000"/>
+              </a:solidFill>
+              <a:latin typeface="G마켓 산스 Medium" panose="02000000000000000000" pitchFamily="50" charset="-127"/>
+              <a:ea typeface="G마켓 산스 Medium" panose="02000000000000000000" pitchFamily="50" charset="-127"/>
+            </a:endParaRPr>
+          </a:p>
+        </p:txBody>
+      </p:sp>
+      <p:cxnSp>
+        <p:nvCxnSpPr>
+          <p:cNvPr id="18" name="직선 화살표 연결선 17">
+            <a:extLst>
+              <a:ext uri="{FF2B5EF4-FFF2-40B4-BE49-F238E27FC236}">
+                <a16:creationId xmlns:a16="http://schemas.microsoft.com/office/drawing/2014/main" xmlns="" id="{93549FE3-F7E7-5442-6CD8-8AD51821A1D6}"/>
+              </a:ext>
+            </a:extLst>
+          </p:cNvPr>
+          <p:cNvCxnSpPr>
+            <a:cxnSpLocks/>
+          </p:cNvCxnSpPr>
+          <p:nvPr/>
+        </p:nvCxnSpPr>
+        <p:spPr>
+          <a:xfrm>
+            <a:off x="7581900" y="7618765"/>
+            <a:ext cx="1524000" cy="0"/>
+          </a:xfrm>
+          <a:prstGeom prst="straightConnector1">
+            <a:avLst/>
+          </a:prstGeom>
+          <a:ln w="38100">
+            <a:tailEnd type="triangle"/>
+          </a:ln>
+        </p:spPr>
+        <p:style>
+          <a:lnRef idx="1">
+            <a:schemeClr val="accent2"/>
+          </a:lnRef>
+          <a:fillRef idx="0">
+            <a:schemeClr val="accent2"/>
+          </a:fillRef>
+          <a:effectRef idx="0">
+            <a:schemeClr val="accent2"/>
+          </a:effectRef>
+          <a:fontRef idx="minor">
+            <a:schemeClr val="tx1"/>
+          </a:fontRef>
+        </p:style>
+      </p:cxnSp>
+      <p:sp>
+        <p:nvSpPr>
+          <p:cNvPr id="19" name="직사각형 18">
+            <a:extLst>
+              <a:ext uri="{FF2B5EF4-FFF2-40B4-BE49-F238E27FC236}">
+                <a16:creationId xmlns:a16="http://schemas.microsoft.com/office/drawing/2014/main" xmlns="" id="{94227EF0-3965-DF6B-ED6C-E7B6D0756247}"/>
+              </a:ext>
+            </a:extLst>
+          </p:cNvPr>
+          <p:cNvSpPr/>
+          <p:nvPr/>
+        </p:nvSpPr>
+        <p:spPr>
+          <a:xfrm>
+            <a:off x="5829300" y="7390165"/>
+            <a:ext cx="1524000" cy="457200"/>
+          </a:xfrm>
+          <a:prstGeom prst="rect">
+            <a:avLst/>
+          </a:prstGeom>
+          <a:noFill/>
+          <a:ln>
+            <a:solidFill>
+              <a:srgbClr val="FF0000"/>
+            </a:solidFill>
+          </a:ln>
+        </p:spPr>
+        <p:style>
+          <a:lnRef idx="2">
+            <a:schemeClr val="accent2">
+              <a:shade val="50000"/>
+            </a:schemeClr>
+          </a:lnRef>
+          <a:fillRef idx="1">
+            <a:schemeClr val="accent2"/>
+          </a:fillRef>
+          <a:effectRef idx="0">
+            <a:schemeClr val="accent2"/>
+          </a:effectRef>
+          <a:fontRef idx="minor">
+            <a:schemeClr val="lt1"/>
+          </a:fontRef>
+        </p:style>
+        <p:txBody>
+          <a:bodyPr rtlCol="0" anchor="ctr"/>
+          <a:lstStyle/>
+          <a:p>
+            <a:pPr algn="ctr"/>
+            <a:endParaRPr lang="ko-KR" altLang="en-US"/>
+          </a:p>
+        </p:txBody>
+      </p:sp>
+      <p:sp>
+        <p:nvSpPr>
+          <p:cNvPr id="20" name="TextBox 19">
+            <a:extLst>
+              <a:ext uri="{FF2B5EF4-FFF2-40B4-BE49-F238E27FC236}">
+                <a16:creationId xmlns:a16="http://schemas.microsoft.com/office/drawing/2014/main" xmlns="" id="{3EABB99B-43C1-73B3-BBA9-53357E140C3A}"/>
+              </a:ext>
+            </a:extLst>
+          </p:cNvPr>
+          <p:cNvSpPr txBox="1"/>
+          <p:nvPr/>
+        </p:nvSpPr>
+        <p:spPr>
+          <a:xfrm>
+            <a:off x="9296400" y="7454325"/>
+            <a:ext cx="7772400" cy="584775"/>
+          </a:xfrm>
+          <a:prstGeom prst="rect">
+            <a:avLst/>
+          </a:prstGeom>
+          <a:noFill/>
+        </p:spPr>
+        <p:txBody>
+          <a:bodyPr wrap="square" rtlCol="0">
+            <a:spAutoFit/>
+          </a:bodyPr>
+          <a:lstStyle/>
+          <a:p>
+            <a:r>
+              <a:rPr lang="ko-KR" altLang="en-US" sz="3200">
+                <a:solidFill>
+                  <a:srgbClr val="FF0000"/>
+                </a:solidFill>
+                <a:latin typeface="G마켓 산스 Medium" panose="02000000000000000000" pitchFamily="50" charset="-127"/>
+                <a:ea typeface="G마켓 산스 Medium" panose="02000000000000000000" pitchFamily="50" charset="-127"/>
+              </a:rPr>
+              <a:t>실수는 사용 불가능 </a:t>
+            </a:r>
+            <a:r>
+              <a:rPr lang="en-US" altLang="ko-KR" sz="3200">
+                <a:solidFill>
+                  <a:srgbClr val="FF0000"/>
+                </a:solidFill>
+                <a:latin typeface="G마켓 산스 Medium" panose="02000000000000000000" pitchFamily="50" charset="-127"/>
+                <a:ea typeface="G마켓 산스 Medium" panose="02000000000000000000" pitchFamily="50" charset="-127"/>
+              </a:rPr>
+              <a:t>ERROR!</a:t>
+            </a:r>
+            <a:endParaRPr lang="en-US" altLang="ko-KR" sz="3200" dirty="0">
+              <a:solidFill>
+                <a:srgbClr val="FF0000"/>
+              </a:solidFill>
+              <a:latin typeface="G마켓 산스 Medium" panose="02000000000000000000" pitchFamily="50" charset="-127"/>
+              <a:ea typeface="G마켓 산스 Medium" panose="02000000000000000000" pitchFamily="50" charset="-127"/>
+            </a:endParaRPr>
+          </a:p>
+        </p:txBody>
+      </p:sp>
     </p:spTree>
     <p:extLst>
       <p:ext uri="{BB962C8B-B14F-4D97-AF65-F5344CB8AC3E}">
-        <p14:creationId xmlns:p14="http://schemas.microsoft.com/office/powerpoint/2010/main" val="3518008263"/>
+        <p14:creationId xmlns:p14="http://schemas.microsoft.com/office/powerpoint/2010/main" val="1299067387"/>
       </p:ext>
     </p:extLst>
   </p:cSld>
@@ -9612,87 +9953,15 @@
           <a:chExt cx="0" cy="0"/>
         </a:xfrm>
       </p:grpSpPr>
-      <p:sp>
-        <p:nvSpPr>
-          <p:cNvPr id="4" name="TextBox 3">
+      <p:pic>
+        <p:nvPicPr>
+          <p:cNvPr id="4" name="그림 3">
             <a:extLst>
               <a:ext uri="{FF2B5EF4-FFF2-40B4-BE49-F238E27FC236}">
-                <a16:creationId xmlns:a16="http://schemas.microsoft.com/office/drawing/2014/main" id="{8B775B69-867E-6D09-FBAC-9DCE56EE27DC}"/>
+                <a16:creationId xmlns:a16="http://schemas.microsoft.com/office/drawing/2014/main" xmlns="" id="{97C83C48-30DF-B7DB-0742-60E502BCD85E}"/>
               </a:ext>
             </a:extLst>
           </p:cNvPr>
-          <p:cNvSpPr txBox="1"/>
-          <p:nvPr/>
-        </p:nvSpPr>
-        <p:spPr>
-          <a:xfrm>
-            <a:off x="3429000" y="7734300"/>
-            <a:ext cx="12268200" cy="1569660"/>
-          </a:xfrm>
-          <a:prstGeom prst="rect">
-            <a:avLst/>
-          </a:prstGeom>
-          <a:noFill/>
-        </p:spPr>
-        <p:txBody>
-          <a:bodyPr wrap="square" rtlCol="0">
-            <a:spAutoFit/>
-          </a:bodyPr>
-          <a:lstStyle/>
-          <a:p>
-            <a:r>
-              <a:rPr lang="ko-KR" altLang="en-US" sz="4800">
-                <a:solidFill>
-                  <a:srgbClr val="4C50BC"/>
-                </a:solidFill>
-                <a:latin typeface="G마켓 산스 Medium" panose="02000000000000000000" pitchFamily="50" charset="-127"/>
-                <a:ea typeface="G마켓 산스 Medium" panose="02000000000000000000" pitchFamily="50" charset="-127"/>
-              </a:rPr>
-              <a:t>단계적으로 코드를 실행해야 할때 일부러 </a:t>
-            </a:r>
-            <a:r>
-              <a:rPr lang="en-US" altLang="ko-KR" sz="4800" dirty="0">
-                <a:solidFill>
-                  <a:srgbClr val="4C50BC"/>
-                </a:solidFill>
-                <a:latin typeface="G마켓 산스 Medium" panose="02000000000000000000" pitchFamily="50" charset="-127"/>
-                <a:ea typeface="G마켓 산스 Medium" panose="02000000000000000000" pitchFamily="50" charset="-127"/>
-              </a:rPr>
-              <a:t>break</a:t>
-            </a:r>
-            <a:r>
-              <a:rPr lang="ko-KR" altLang="en-US" sz="4800">
-                <a:solidFill>
-                  <a:srgbClr val="4C50BC"/>
-                </a:solidFill>
-                <a:latin typeface="G마켓 산스 Medium" panose="02000000000000000000" pitchFamily="50" charset="-127"/>
-                <a:ea typeface="G마켓 산스 Medium" panose="02000000000000000000" pitchFamily="50" charset="-127"/>
-              </a:rPr>
-              <a:t>를 빼서 활용하기도 한다</a:t>
-            </a:r>
-            <a:r>
-              <a:rPr lang="en-US" altLang="ko-KR" sz="4800">
-                <a:solidFill>
-                  <a:srgbClr val="4C50BC"/>
-                </a:solidFill>
-                <a:latin typeface="G마켓 산스 Medium" panose="02000000000000000000" pitchFamily="50" charset="-127"/>
-                <a:ea typeface="G마켓 산스 Medium" panose="02000000000000000000" pitchFamily="50" charset="-127"/>
-              </a:rPr>
-              <a:t>.</a:t>
-            </a:r>
-            <a:endParaRPr lang="en-US" altLang="ko-KR" sz="4800" dirty="0">
-              <a:solidFill>
-                <a:srgbClr val="4C50BC"/>
-              </a:solidFill>
-              <a:latin typeface="G마켓 산스 Medium" panose="02000000000000000000" pitchFamily="50" charset="-127"/>
-              <a:ea typeface="G마켓 산스 Medium" panose="02000000000000000000" pitchFamily="50" charset="-127"/>
-            </a:endParaRPr>
-          </a:p>
-        </p:txBody>
-      </p:sp>
-      <p:pic>
-        <p:nvPicPr>
-          <p:cNvPr id="2" name="그림 1"/>
           <p:cNvPicPr>
             <a:picLocks noChangeAspect="1"/>
           </p:cNvPicPr>
@@ -9706,24 +9975,182 @@
         </p:blipFill>
         <p:spPr>
           <a:xfrm>
-            <a:off x="5638800" y="820373"/>
-            <a:ext cx="5334000" cy="6532927"/>
+            <a:off x="1386114" y="1328128"/>
+            <a:ext cx="9601200" cy="7387225"/>
           </a:xfrm>
           <a:prstGeom prst="rect">
             <a:avLst/>
           </a:prstGeom>
         </p:spPr>
       </p:pic>
+      <p:cxnSp>
+        <p:nvCxnSpPr>
+          <p:cNvPr id="9" name="직선 화살표 연결선 8">
+            <a:extLst>
+              <a:ext uri="{FF2B5EF4-FFF2-40B4-BE49-F238E27FC236}">
+                <a16:creationId xmlns:a16="http://schemas.microsoft.com/office/drawing/2014/main" xmlns="" id="{192B3151-4915-2B1F-8714-223155661583}"/>
+              </a:ext>
+            </a:extLst>
+          </p:cNvPr>
+          <p:cNvCxnSpPr>
+            <a:cxnSpLocks/>
+          </p:cNvCxnSpPr>
+          <p:nvPr/>
+        </p:nvCxnSpPr>
+        <p:spPr>
+          <a:xfrm>
+            <a:off x="5029200" y="5372100"/>
+            <a:ext cx="1524000" cy="0"/>
+          </a:xfrm>
+          <a:prstGeom prst="straightConnector1">
+            <a:avLst/>
+          </a:prstGeom>
+          <a:ln w="38100">
+            <a:tailEnd type="triangle"/>
+          </a:ln>
+        </p:spPr>
+        <p:style>
+          <a:lnRef idx="1">
+            <a:schemeClr val="accent2"/>
+          </a:lnRef>
+          <a:fillRef idx="0">
+            <a:schemeClr val="accent2"/>
+          </a:fillRef>
+          <a:effectRef idx="0">
+            <a:schemeClr val="accent2"/>
+          </a:effectRef>
+          <a:fontRef idx="minor">
+            <a:schemeClr val="tx1"/>
+          </a:fontRef>
+        </p:style>
+      </p:cxnSp>
+      <p:sp>
+        <p:nvSpPr>
+          <p:cNvPr id="10" name="직사각형 9">
+            <a:extLst>
+              <a:ext uri="{FF2B5EF4-FFF2-40B4-BE49-F238E27FC236}">
+                <a16:creationId xmlns:a16="http://schemas.microsoft.com/office/drawing/2014/main" xmlns="" id="{AF3E039D-11F1-65FF-C1CD-AC61ECFD442F}"/>
+              </a:ext>
+            </a:extLst>
+          </p:cNvPr>
+          <p:cNvSpPr/>
+          <p:nvPr/>
+        </p:nvSpPr>
+        <p:spPr>
+          <a:xfrm>
+            <a:off x="3276600" y="5143500"/>
+            <a:ext cx="1524000" cy="457200"/>
+          </a:xfrm>
+          <a:prstGeom prst="rect">
+            <a:avLst/>
+          </a:prstGeom>
+          <a:noFill/>
+          <a:ln>
+            <a:solidFill>
+              <a:srgbClr val="FF0000"/>
+            </a:solidFill>
+          </a:ln>
+        </p:spPr>
+        <p:style>
+          <a:lnRef idx="2">
+            <a:schemeClr val="accent2">
+              <a:shade val="50000"/>
+            </a:schemeClr>
+          </a:lnRef>
+          <a:fillRef idx="1">
+            <a:schemeClr val="accent2"/>
+          </a:fillRef>
+          <a:effectRef idx="0">
+            <a:schemeClr val="accent2"/>
+          </a:effectRef>
+          <a:fontRef idx="minor">
+            <a:schemeClr val="lt1"/>
+          </a:fontRef>
+        </p:style>
+        <p:txBody>
+          <a:bodyPr rtlCol="0" anchor="ctr"/>
+          <a:lstStyle/>
+          <a:p>
+            <a:pPr algn="ctr"/>
+            <a:endParaRPr lang="ko-KR" altLang="en-US"/>
+          </a:p>
+        </p:txBody>
+      </p:sp>
+      <p:sp>
+        <p:nvSpPr>
+          <p:cNvPr id="11" name="TextBox 10">
+            <a:extLst>
+              <a:ext uri="{FF2B5EF4-FFF2-40B4-BE49-F238E27FC236}">
+                <a16:creationId xmlns:a16="http://schemas.microsoft.com/office/drawing/2014/main" xmlns="" id="{DF3264D7-FC01-A60A-1582-524467C672CA}"/>
+              </a:ext>
+            </a:extLst>
+          </p:cNvPr>
+          <p:cNvSpPr txBox="1"/>
+          <p:nvPr/>
+        </p:nvSpPr>
+        <p:spPr>
+          <a:xfrm>
+            <a:off x="6743700" y="5106635"/>
+            <a:ext cx="6781800" cy="584775"/>
+          </a:xfrm>
+          <a:prstGeom prst="rect">
+            <a:avLst/>
+          </a:prstGeom>
+          <a:noFill/>
+        </p:spPr>
+        <p:txBody>
+          <a:bodyPr wrap="square" rtlCol="0">
+            <a:spAutoFit/>
+          </a:bodyPr>
+          <a:lstStyle/>
+          <a:p>
+            <a:r>
+              <a:rPr lang="en-US" altLang="ko-KR" sz="3200" dirty="0">
+                <a:solidFill>
+                  <a:srgbClr val="FF0000"/>
+                </a:solidFill>
+                <a:latin typeface="G마켓 산스 Medium" panose="02000000000000000000" pitchFamily="50" charset="-127"/>
+                <a:ea typeface="G마켓 산스 Medium" panose="02000000000000000000" pitchFamily="50" charset="-127"/>
+              </a:rPr>
+              <a:t>break;  </a:t>
+            </a:r>
+            <a:r>
+              <a:rPr lang="ko-KR" altLang="en-US" sz="3200" dirty="0">
+                <a:solidFill>
+                  <a:srgbClr val="FF0000"/>
+                </a:solidFill>
+                <a:latin typeface="G마켓 산스 Medium" panose="02000000000000000000" pitchFamily="50" charset="-127"/>
+                <a:ea typeface="G마켓 산스 Medium" panose="02000000000000000000" pitchFamily="50" charset="-127"/>
+              </a:rPr>
+              <a:t>문을 제거하고 실행해보자</a:t>
+            </a:r>
+            <a:endParaRPr lang="en-US" altLang="ko-KR" sz="3200" dirty="0">
+              <a:solidFill>
+                <a:srgbClr val="FF0000"/>
+              </a:solidFill>
+              <a:latin typeface="G마켓 산스 Medium" panose="02000000000000000000" pitchFamily="50" charset="-127"/>
+              <a:ea typeface="G마켓 산스 Medium" panose="02000000000000000000" pitchFamily="50" charset="-127"/>
+            </a:endParaRPr>
+          </a:p>
+        </p:txBody>
+      </p:sp>
     </p:spTree>
     <p:extLst>
       <p:ext uri="{BB962C8B-B14F-4D97-AF65-F5344CB8AC3E}">
-        <p14:creationId xmlns:p14="http://schemas.microsoft.com/office/powerpoint/2010/main" val="2505777111"/>
+        <p14:creationId xmlns:p14="http://schemas.microsoft.com/office/powerpoint/2010/main" val="3518008263"/>
       </p:ext>
     </p:extLst>
   </p:cSld>
   <p:clrMapOvr>
     <a:masterClrMapping/>
   </p:clrMapOvr>
+  <p:timing>
+    <p:tnLst>
+      <p:par>
+        <p:cTn id="1" dur="indefinite" restart="never" nodeType="tmRoot"/>
+      </p:par>
+    </p:tnLst>
+  </p:timing>
 </p:sld>
 </file>
 
@@ -9749,7 +10176,7 @@
           <p:cNvPr id="4" name="TextBox 3">
             <a:extLst>
               <a:ext uri="{FF2B5EF4-FFF2-40B4-BE49-F238E27FC236}">
-                <a16:creationId xmlns:a16="http://schemas.microsoft.com/office/drawing/2014/main" id="{42DA360B-FCE9-ADF1-10BF-66DDB117C22D}"/>
+                <a16:creationId xmlns:a16="http://schemas.microsoft.com/office/drawing/2014/main" xmlns="" id="{8B775B69-867E-6D09-FBAC-9DCE56EE27DC}"/>
               </a:ext>
             </a:extLst>
           </p:cNvPr>
@@ -9758,8 +10185,8 @@
         </p:nvSpPr>
         <p:spPr>
           <a:xfrm>
-            <a:off x="1371600" y="497131"/>
-            <a:ext cx="6096000" cy="830997"/>
+            <a:off x="3429000" y="7734300"/>
+            <a:ext cx="12268200" cy="1569660"/>
           </a:xfrm>
           <a:prstGeom prst="rect">
             <a:avLst/>
@@ -9780,7 +10207,37 @@
                 <a:latin typeface="G마켓 산스 Medium" panose="02000000000000000000" pitchFamily="50" charset="-127"/>
                 <a:ea typeface="G마켓 산스 Medium" panose="02000000000000000000" pitchFamily="50" charset="-127"/>
               </a:rPr>
-              <a:t>랜덤숫자 만들기</a:t>
+              <a:t>단계적으로 코드를 실행해야 할때 일부러 </a:t>
+            </a:r>
+            <a:r>
+              <a:rPr lang="en-US" altLang="ko-KR" sz="4800" dirty="0">
+                <a:solidFill>
+                  <a:srgbClr val="4C50BC"/>
+                </a:solidFill>
+                <a:latin typeface="G마켓 산스 Medium" panose="02000000000000000000" pitchFamily="50" charset="-127"/>
+                <a:ea typeface="G마켓 산스 Medium" panose="02000000000000000000" pitchFamily="50" charset="-127"/>
+              </a:rPr>
+              <a:t>break</a:t>
+            </a:r>
+            <a:r>
+              <a:rPr lang="ko-KR" altLang="en-US" sz="4800">
+                <a:solidFill>
+                  <a:srgbClr val="4C50BC"/>
+                </a:solidFill>
+                <a:latin typeface="G마켓 산스 Medium" panose="02000000000000000000" pitchFamily="50" charset="-127"/>
+                <a:ea typeface="G마켓 산스 Medium" panose="02000000000000000000" pitchFamily="50" charset="-127"/>
+              </a:rPr>
+              <a:t>를 빼서 활용하기도 한다</a:t>
+            </a:r>
+            <a:r>
+              <a:rPr lang="en-US" altLang="ko-KR" sz="4800">
+                <a:solidFill>
+                  <a:srgbClr val="4C50BC"/>
+                </a:solidFill>
+                <a:latin typeface="G마켓 산스 Medium" panose="02000000000000000000" pitchFamily="50" charset="-127"/>
+                <a:ea typeface="G마켓 산스 Medium" panose="02000000000000000000" pitchFamily="50" charset="-127"/>
+              </a:rPr>
+              <a:t>.</a:t>
             </a:r>
             <a:endParaRPr lang="en-US" altLang="ko-KR" sz="4800" dirty="0">
               <a:solidFill>
@@ -9792,12 +10249,121 @@
           </a:p>
         </p:txBody>
       </p:sp>
+      <p:pic>
+        <p:nvPicPr>
+          <p:cNvPr id="2" name="그림 1"/>
+          <p:cNvPicPr>
+            <a:picLocks noChangeAspect="1"/>
+          </p:cNvPicPr>
+          <p:nvPr/>
+        </p:nvPicPr>
+        <p:blipFill>
+          <a:blip r:embed="rId2"/>
+          <a:stretch>
+            <a:fillRect/>
+          </a:stretch>
+        </p:blipFill>
+        <p:spPr>
+          <a:xfrm>
+            <a:off x="5638800" y="820373"/>
+            <a:ext cx="5334000" cy="6532927"/>
+          </a:xfrm>
+          <a:prstGeom prst="rect">
+            <a:avLst/>
+          </a:prstGeom>
+        </p:spPr>
+      </p:pic>
+    </p:spTree>
+    <p:extLst>
+      <p:ext uri="{BB962C8B-B14F-4D97-AF65-F5344CB8AC3E}">
+        <p14:creationId xmlns:p14="http://schemas.microsoft.com/office/powerpoint/2010/main" val="2505777111"/>
+      </p:ext>
+    </p:extLst>
+  </p:cSld>
+  <p:clrMapOvr>
+    <a:masterClrMapping/>
+  </p:clrMapOvr>
+  <p:timing>
+    <p:tnLst>
+      <p:par>
+        <p:cTn id="1" dur="indefinite" restart="never" nodeType="tmRoot"/>
+      </p:par>
+    </p:tnLst>
+  </p:timing>
+</p:sld>
+</file>
+
+<file path=ppt/slides/slide24.xml><?xml version="1.0" encoding="utf-8"?>
+<p:sld xmlns:a="http://schemas.openxmlformats.org/drawingml/2006/main" xmlns:r="http://schemas.openxmlformats.org/officeDocument/2006/relationships" xmlns:p="http://schemas.openxmlformats.org/presentationml/2006/main">
+  <p:cSld>
+    <p:spTree>
+      <p:nvGrpSpPr>
+        <p:cNvPr id="1" name=""/>
+        <p:cNvGrpSpPr/>
+        <p:nvPr/>
+      </p:nvGrpSpPr>
+      <p:grpSpPr>
+        <a:xfrm>
+          <a:off x="0" y="0"/>
+          <a:ext cx="0" cy="0"/>
+          <a:chOff x="0" y="0"/>
+          <a:chExt cx="0" cy="0"/>
+        </a:xfrm>
+      </p:grpSpPr>
+      <p:sp>
+        <p:nvSpPr>
+          <p:cNvPr id="4" name="TextBox 3">
+            <a:extLst>
+              <a:ext uri="{FF2B5EF4-FFF2-40B4-BE49-F238E27FC236}">
+                <a16:creationId xmlns:a16="http://schemas.microsoft.com/office/drawing/2014/main" xmlns="" id="{42DA360B-FCE9-ADF1-10BF-66DDB117C22D}"/>
+              </a:ext>
+            </a:extLst>
+          </p:cNvPr>
+          <p:cNvSpPr txBox="1"/>
+          <p:nvPr/>
+        </p:nvSpPr>
+        <p:spPr>
+          <a:xfrm>
+            <a:off x="1371600" y="497131"/>
+            <a:ext cx="6096000" cy="830997"/>
+          </a:xfrm>
+          <a:prstGeom prst="rect">
+            <a:avLst/>
+          </a:prstGeom>
+          <a:noFill/>
+        </p:spPr>
+        <p:txBody>
+          <a:bodyPr wrap="square" rtlCol="0">
+            <a:spAutoFit/>
+          </a:bodyPr>
+          <a:lstStyle/>
+          <a:p>
+            <a:r>
+              <a:rPr lang="ko-KR" altLang="en-US" sz="4800">
+                <a:solidFill>
+                  <a:srgbClr val="4C50BC"/>
+                </a:solidFill>
+                <a:latin typeface="G마켓 산스 Medium" panose="02000000000000000000" pitchFamily="50" charset="-127"/>
+                <a:ea typeface="G마켓 산스 Medium" panose="02000000000000000000" pitchFamily="50" charset="-127"/>
+              </a:rPr>
+              <a:t>랜덤숫자 만들기</a:t>
+            </a:r>
+            <a:endParaRPr lang="en-US" altLang="ko-KR" sz="4800" dirty="0">
+              <a:solidFill>
+                <a:srgbClr val="4C50BC"/>
+              </a:solidFill>
+              <a:latin typeface="G마켓 산스 Medium" panose="02000000000000000000" pitchFamily="50" charset="-127"/>
+              <a:ea typeface="G마켓 산스 Medium" panose="02000000000000000000" pitchFamily="50" charset="-127"/>
+            </a:endParaRPr>
+          </a:p>
+        </p:txBody>
+      </p:sp>
       <p:sp>
         <p:nvSpPr>
           <p:cNvPr id="5" name="TextBox 4">
             <a:extLst>
               <a:ext uri="{FF2B5EF4-FFF2-40B4-BE49-F238E27FC236}">
-                <a16:creationId xmlns:a16="http://schemas.microsoft.com/office/drawing/2014/main" id="{EDC0CEAC-03B0-6CA0-B904-A9724C34AA11}"/>
+                <a16:creationId xmlns:a16="http://schemas.microsoft.com/office/drawing/2014/main" xmlns="" id="{EDC0CEAC-03B0-6CA0-B904-A9724C34AA11}"/>
               </a:ext>
             </a:extLst>
           </p:cNvPr>
@@ -9926,7 +10492,7 @@
           <p:cNvPr id="7" name="직선 화살표 연결선 6">
             <a:extLst>
               <a:ext uri="{FF2B5EF4-FFF2-40B4-BE49-F238E27FC236}">
-                <a16:creationId xmlns:a16="http://schemas.microsoft.com/office/drawing/2014/main" id="{299DF5EC-9DF4-5255-06AC-0A7CE4FF58C3}"/>
+                <a16:creationId xmlns:a16="http://schemas.microsoft.com/office/drawing/2014/main" xmlns="" id="{299DF5EC-9DF4-5255-06AC-0A7CE4FF58C3}"/>
               </a:ext>
             </a:extLst>
           </p:cNvPr>
@@ -9967,7 +10533,7 @@
           <p:cNvPr id="8" name="직사각형 7">
             <a:extLst>
               <a:ext uri="{FF2B5EF4-FFF2-40B4-BE49-F238E27FC236}">
-                <a16:creationId xmlns:a16="http://schemas.microsoft.com/office/drawing/2014/main" id="{FFF506F9-840A-0508-4CAF-3AC711D8D5CE}"/>
+                <a16:creationId xmlns:a16="http://schemas.microsoft.com/office/drawing/2014/main" xmlns="" id="{FFF506F9-840A-0508-4CAF-3AC711D8D5CE}"/>
               </a:ext>
             </a:extLst>
           </p:cNvPr>
@@ -10019,7 +10585,7 @@
           <p:cNvPr id="9" name="TextBox 8">
             <a:extLst>
               <a:ext uri="{FF2B5EF4-FFF2-40B4-BE49-F238E27FC236}">
-                <a16:creationId xmlns:a16="http://schemas.microsoft.com/office/drawing/2014/main" id="{C6D113C6-EA5C-788F-0C77-E7CE6EBB865F}"/>
+                <a16:creationId xmlns:a16="http://schemas.microsoft.com/office/drawing/2014/main" xmlns="" id="{C6D113C6-EA5C-788F-0C77-E7CE6EBB865F}"/>
               </a:ext>
             </a:extLst>
           </p:cNvPr>
@@ -10087,7 +10653,7 @@
           <p:cNvPr id="12" name="직사각형 11">
             <a:extLst>
               <a:ext uri="{FF2B5EF4-FFF2-40B4-BE49-F238E27FC236}">
-                <a16:creationId xmlns:a16="http://schemas.microsoft.com/office/drawing/2014/main" id="{FFF506F9-840A-0508-4CAF-3AC711D8D5CE}"/>
+                <a16:creationId xmlns:a16="http://schemas.microsoft.com/office/drawing/2014/main" xmlns="" id="{FFF506F9-840A-0508-4CAF-3AC711D8D5CE}"/>
               </a:ext>
             </a:extLst>
           </p:cNvPr>
@@ -10139,7 +10705,7 @@
           <p:cNvPr id="13" name="직선 화살표 연결선 12">
             <a:extLst>
               <a:ext uri="{FF2B5EF4-FFF2-40B4-BE49-F238E27FC236}">
-                <a16:creationId xmlns:a16="http://schemas.microsoft.com/office/drawing/2014/main" id="{299DF5EC-9DF4-5255-06AC-0A7CE4FF58C3}"/>
+                <a16:creationId xmlns:a16="http://schemas.microsoft.com/office/drawing/2014/main" xmlns="" id="{299DF5EC-9DF4-5255-06AC-0A7CE4FF58C3}"/>
               </a:ext>
             </a:extLst>
           </p:cNvPr>
@@ -10185,10 +10751,17 @@
   <p:clrMapOvr>
     <a:masterClrMapping/>
   </p:clrMapOvr>
+  <p:timing>
+    <p:tnLst>
+      <p:par>
+        <p:cTn id="1" dur="indefinite" restart="never" nodeType="tmRoot"/>
+      </p:par>
+    </p:tnLst>
+  </p:timing>
 </p:sld>
 </file>
 
-<file path=ppt/slides/slide24.xml><?xml version="1.0" encoding="utf-8"?>
+<file path=ppt/slides/slide25.xml><?xml version="1.0" encoding="utf-8"?>
 <p:sld xmlns:a="http://schemas.openxmlformats.org/drawingml/2006/main" xmlns:r="http://schemas.openxmlformats.org/officeDocument/2006/relationships" xmlns:p="http://schemas.openxmlformats.org/presentationml/2006/main">
   <p:cSld>
     <p:spTree>
@@ -10210,7 +10783,7 @@
           <p:cNvPr id="5" name="TextBox 4">
             <a:extLst>
               <a:ext uri="{FF2B5EF4-FFF2-40B4-BE49-F238E27FC236}">
-                <a16:creationId xmlns:a16="http://schemas.microsoft.com/office/drawing/2014/main" id="{42DA360B-FCE9-ADF1-10BF-66DDB117C22D}"/>
+                <a16:creationId xmlns:a16="http://schemas.microsoft.com/office/drawing/2014/main" xmlns="" id="{42DA360B-FCE9-ADF1-10BF-66DDB117C22D}"/>
               </a:ext>
             </a:extLst>
           </p:cNvPr>
@@ -10268,7 +10841,7 @@
           <p:cNvPr id="6" name="TextBox 5">
             <a:extLst>
               <a:ext uri="{FF2B5EF4-FFF2-40B4-BE49-F238E27FC236}">
-                <a16:creationId xmlns:a16="http://schemas.microsoft.com/office/drawing/2014/main" id="{EDC0CEAC-03B0-6CA0-B904-A9724C34AA11}"/>
+                <a16:creationId xmlns:a16="http://schemas.microsoft.com/office/drawing/2014/main" xmlns="" id="{EDC0CEAC-03B0-6CA0-B904-A9724C34AA11}"/>
               </a:ext>
             </a:extLst>
           </p:cNvPr>
@@ -10494,7 +11067,7 @@
           <p:cNvPr id="8" name="TextBox 7">
             <a:extLst>
               <a:ext uri="{FF2B5EF4-FFF2-40B4-BE49-F238E27FC236}">
-                <a16:creationId xmlns:a16="http://schemas.microsoft.com/office/drawing/2014/main" id="{EDC0CEAC-03B0-6CA0-B904-A9724C34AA11}"/>
+                <a16:creationId xmlns:a16="http://schemas.microsoft.com/office/drawing/2014/main" xmlns="" id="{EDC0CEAC-03B0-6CA0-B904-A9724C34AA11}"/>
               </a:ext>
             </a:extLst>
           </p:cNvPr>
@@ -10631,10 +11204,17 @@
   <p:clrMapOvr>
     <a:masterClrMapping/>
   </p:clrMapOvr>
+  <p:timing>
+    <p:tnLst>
+      <p:par>
+        <p:cTn id="1" dur="indefinite" restart="never" nodeType="tmRoot"/>
+      </p:par>
+    </p:tnLst>
+  </p:timing>
 </p:sld>
 </file>
 
-<file path=ppt/slides/slide25.xml><?xml version="1.0" encoding="utf-8"?>
+<file path=ppt/slides/slide26.xml><?xml version="1.0" encoding="utf-8"?>
 <p:sld xmlns:a="http://schemas.openxmlformats.org/drawingml/2006/main" xmlns:r="http://schemas.openxmlformats.org/officeDocument/2006/relationships" xmlns:p="http://schemas.openxmlformats.org/presentationml/2006/main">
   <p:cSld>
     <p:bg>
@@ -10664,7 +11244,7 @@
           <p:cNvPr id="5" name="Object 2">
             <a:extLst>
               <a:ext uri="{FF2B5EF4-FFF2-40B4-BE49-F238E27FC236}">
-                <a16:creationId xmlns:a16="http://schemas.microsoft.com/office/drawing/2014/main" id="{EB9768FE-76B0-709F-3C4D-0ECBB41147CD}"/>
+                <a16:creationId xmlns:a16="http://schemas.microsoft.com/office/drawing/2014/main" xmlns="" id="{EB9768FE-76B0-709F-3C4D-0ECBB41147CD}"/>
               </a:ext>
             </a:extLst>
           </p:cNvPr>
@@ -10694,7 +11274,7 @@
           <p:cNvPr id="7" name="그룹 1001">
             <a:extLst>
               <a:ext uri="{FF2B5EF4-FFF2-40B4-BE49-F238E27FC236}">
-                <a16:creationId xmlns:a16="http://schemas.microsoft.com/office/drawing/2014/main" id="{0637F47C-891C-2B90-8647-32B84C264D42}"/>
+                <a16:creationId xmlns:a16="http://schemas.microsoft.com/office/drawing/2014/main" xmlns="" id="{0637F47C-891C-2B90-8647-32B84C264D42}"/>
               </a:ext>
             </a:extLst>
           </p:cNvPr>
@@ -10714,7 +11294,7 @@
             <p:cNvPr id="8" name="Object 5">
               <a:extLst>
                 <a:ext uri="{FF2B5EF4-FFF2-40B4-BE49-F238E27FC236}">
-                  <a16:creationId xmlns:a16="http://schemas.microsoft.com/office/drawing/2014/main" id="{710F969D-8259-9328-33C3-C6DB500C60D4}"/>
+                  <a16:creationId xmlns:a16="http://schemas.microsoft.com/office/drawing/2014/main" xmlns="" id="{710F969D-8259-9328-33C3-C6DB500C60D4}"/>
                 </a:ext>
               </a:extLst>
             </p:cNvPr>
@@ -10745,7 +11325,7 @@
           <p:cNvPr id="9" name="그룹 1002">
             <a:extLst>
               <a:ext uri="{FF2B5EF4-FFF2-40B4-BE49-F238E27FC236}">
-                <a16:creationId xmlns:a16="http://schemas.microsoft.com/office/drawing/2014/main" id="{A87796A8-251B-F38A-5AE9-11F8D847B25D}"/>
+                <a16:creationId xmlns:a16="http://schemas.microsoft.com/office/drawing/2014/main" xmlns="" id="{A87796A8-251B-F38A-5AE9-11F8D847B25D}"/>
               </a:ext>
             </a:extLst>
           </p:cNvPr>
@@ -10765,7 +11345,7 @@
             <p:cNvPr id="10" name="Object 8">
               <a:extLst>
                 <a:ext uri="{FF2B5EF4-FFF2-40B4-BE49-F238E27FC236}">
-                  <a16:creationId xmlns:a16="http://schemas.microsoft.com/office/drawing/2014/main" id="{9E806C19-D323-E705-F3B8-EEABB39F0993}"/>
+                  <a16:creationId xmlns:a16="http://schemas.microsoft.com/office/drawing/2014/main" xmlns="" id="{9E806C19-D323-E705-F3B8-EEABB39F0993}"/>
                 </a:ext>
               </a:extLst>
             </p:cNvPr>
@@ -10796,7 +11376,7 @@
           <p:cNvPr id="11" name="그룹 1003">
             <a:extLst>
               <a:ext uri="{FF2B5EF4-FFF2-40B4-BE49-F238E27FC236}">
-                <a16:creationId xmlns:a16="http://schemas.microsoft.com/office/drawing/2014/main" id="{701795E0-24B6-38E6-7308-FED7AD2B6900}"/>
+                <a16:creationId xmlns:a16="http://schemas.microsoft.com/office/drawing/2014/main" xmlns="" id="{701795E0-24B6-38E6-7308-FED7AD2B6900}"/>
               </a:ext>
             </a:extLst>
           </p:cNvPr>
@@ -10816,7 +11396,7 @@
             <p:cNvPr id="12" name="Object 11">
               <a:extLst>
                 <a:ext uri="{FF2B5EF4-FFF2-40B4-BE49-F238E27FC236}">
-                  <a16:creationId xmlns:a16="http://schemas.microsoft.com/office/drawing/2014/main" id="{D8C68167-7FB5-1F8E-D53C-DEA682F465F5}"/>
+                  <a16:creationId xmlns:a16="http://schemas.microsoft.com/office/drawing/2014/main" xmlns="" id="{D8C68167-7FB5-1F8E-D53C-DEA682F465F5}"/>
                 </a:ext>
               </a:extLst>
             </p:cNvPr>
@@ -10847,7 +11427,7 @@
           <p:cNvPr id="13" name="그룹 1004">
             <a:extLst>
               <a:ext uri="{FF2B5EF4-FFF2-40B4-BE49-F238E27FC236}">
-                <a16:creationId xmlns:a16="http://schemas.microsoft.com/office/drawing/2014/main" id="{03226A72-764D-99F3-A14F-47C351CB448B}"/>
+                <a16:creationId xmlns:a16="http://schemas.microsoft.com/office/drawing/2014/main" xmlns="" id="{03226A72-764D-99F3-A14F-47C351CB448B}"/>
               </a:ext>
             </a:extLst>
           </p:cNvPr>
@@ -10867,7 +11447,7 @@
             <p:cNvPr id="14" name="Object 14">
               <a:extLst>
                 <a:ext uri="{FF2B5EF4-FFF2-40B4-BE49-F238E27FC236}">
-                  <a16:creationId xmlns:a16="http://schemas.microsoft.com/office/drawing/2014/main" id="{77C5B9A8-AEBA-093B-4CD6-4F1ECF519068}"/>
+                  <a16:creationId xmlns:a16="http://schemas.microsoft.com/office/drawing/2014/main" xmlns="" id="{77C5B9A8-AEBA-093B-4CD6-4F1ECF519068}"/>
                 </a:ext>
               </a:extLst>
             </p:cNvPr>
@@ -10898,7 +11478,7 @@
           <p:cNvPr id="15" name="TextBox 14">
             <a:extLst>
               <a:ext uri="{FF2B5EF4-FFF2-40B4-BE49-F238E27FC236}">
-                <a16:creationId xmlns:a16="http://schemas.microsoft.com/office/drawing/2014/main" id="{E44AB10B-96D7-19D1-5C7A-D2761E62F16E}"/>
+                <a16:creationId xmlns:a16="http://schemas.microsoft.com/office/drawing/2014/main" xmlns="" id="{E44AB10B-96D7-19D1-5C7A-D2761E62F16E}"/>
               </a:ext>
             </a:extLst>
           </p:cNvPr>
@@ -10954,7 +11534,7 @@
 </p:sld>
 </file>
 
-<file path=ppt/slides/slide26.xml><?xml version="1.0" encoding="utf-8"?>
+<file path=ppt/slides/slide27.xml><?xml version="1.0" encoding="utf-8"?>
 <p:sld xmlns:a="http://schemas.openxmlformats.org/drawingml/2006/main" xmlns:r="http://schemas.openxmlformats.org/officeDocument/2006/relationships" xmlns:p="http://schemas.openxmlformats.org/presentationml/2006/main">
   <p:cSld>
     <p:spTree>
@@ -10976,7 +11556,7 @@
           <p:cNvPr id="4" name="TextBox 3">
             <a:extLst>
               <a:ext uri="{FF2B5EF4-FFF2-40B4-BE49-F238E27FC236}">
-                <a16:creationId xmlns:a16="http://schemas.microsoft.com/office/drawing/2014/main" id="{5ADC00B6-990A-40DC-3CEA-505258F5E8DA}"/>
+                <a16:creationId xmlns:a16="http://schemas.microsoft.com/office/drawing/2014/main" xmlns="" id="{5ADC00B6-990A-40DC-3CEA-505258F5E8DA}"/>
               </a:ext>
             </a:extLst>
           </p:cNvPr>
@@ -11034,7 +11614,7 @@
           <p:cNvPr id="5" name="TextBox 4">
             <a:extLst>
               <a:ext uri="{FF2B5EF4-FFF2-40B4-BE49-F238E27FC236}">
-                <a16:creationId xmlns:a16="http://schemas.microsoft.com/office/drawing/2014/main" id="{4EDAA912-8FA0-0F11-119B-EA9F8B36A489}"/>
+                <a16:creationId xmlns:a16="http://schemas.microsoft.com/office/drawing/2014/main" xmlns="" id="{4EDAA912-8FA0-0F11-119B-EA9F8B36A489}"/>
               </a:ext>
             </a:extLst>
           </p:cNvPr>
@@ -11351,7 +11931,7 @@
           <p:cNvPr id="7" name="TextBox 6">
             <a:extLst>
               <a:ext uri="{FF2B5EF4-FFF2-40B4-BE49-F238E27FC236}">
-                <a16:creationId xmlns:a16="http://schemas.microsoft.com/office/drawing/2014/main" id="{5ADC00B6-990A-40DC-3CEA-505258F5E8DA}"/>
+                <a16:creationId xmlns:a16="http://schemas.microsoft.com/office/drawing/2014/main" xmlns="" id="{5ADC00B6-990A-40DC-3CEA-505258F5E8DA}"/>
               </a:ext>
             </a:extLst>
           </p:cNvPr>
@@ -11409,7 +11989,7 @@
           <p:cNvPr id="8" name="TextBox 7">
             <a:extLst>
               <a:ext uri="{FF2B5EF4-FFF2-40B4-BE49-F238E27FC236}">
-                <a16:creationId xmlns:a16="http://schemas.microsoft.com/office/drawing/2014/main" id="{4EDAA912-8FA0-0F11-119B-EA9F8B36A489}"/>
+                <a16:creationId xmlns:a16="http://schemas.microsoft.com/office/drawing/2014/main" xmlns="" id="{4EDAA912-8FA0-0F11-119B-EA9F8B36A489}"/>
               </a:ext>
             </a:extLst>
           </p:cNvPr>
@@ -11501,7 +12081,7 @@
           <p:cNvPr id="10" name="TextBox 9">
             <a:extLst>
               <a:ext uri="{FF2B5EF4-FFF2-40B4-BE49-F238E27FC236}">
-                <a16:creationId xmlns:a16="http://schemas.microsoft.com/office/drawing/2014/main" id="{5ADC00B6-990A-40DC-3CEA-505258F5E8DA}"/>
+                <a16:creationId xmlns:a16="http://schemas.microsoft.com/office/drawing/2014/main" xmlns="" id="{5ADC00B6-990A-40DC-3CEA-505258F5E8DA}"/>
               </a:ext>
             </a:extLst>
           </p:cNvPr>
@@ -11559,7 +12139,7 @@
           <p:cNvPr id="11" name="TextBox 10">
             <a:extLst>
               <a:ext uri="{FF2B5EF4-FFF2-40B4-BE49-F238E27FC236}">
-                <a16:creationId xmlns:a16="http://schemas.microsoft.com/office/drawing/2014/main" id="{4EDAA912-8FA0-0F11-119B-EA9F8B36A489}"/>
+                <a16:creationId xmlns:a16="http://schemas.microsoft.com/office/drawing/2014/main" xmlns="" id="{4EDAA912-8FA0-0F11-119B-EA9F8B36A489}"/>
               </a:ext>
             </a:extLst>
           </p:cNvPr>
@@ -11656,10 +12236,17 @@
   <p:clrMapOvr>
     <a:masterClrMapping/>
   </p:clrMapOvr>
+  <p:timing>
+    <p:tnLst>
+      <p:par>
+        <p:cTn id="1" dur="indefinite" restart="never" nodeType="tmRoot"/>
+      </p:par>
+    </p:tnLst>
+  </p:timing>
 </p:sld>
 </file>
 
-<file path=ppt/slides/slide27.xml><?xml version="1.0" encoding="utf-8"?>
+<file path=ppt/slides/slide28.xml><?xml version="1.0" encoding="utf-8"?>
 <p:sld xmlns:a="http://schemas.openxmlformats.org/drawingml/2006/main" xmlns:r="http://schemas.openxmlformats.org/officeDocument/2006/relationships" xmlns:p="http://schemas.openxmlformats.org/presentationml/2006/main">
   <p:cSld name="Slide 20">
     <p:bg>
@@ -11947,7 +12534,7 @@
           <p:cNvPr id="2" name="TextBox 1">
             <a:extLst>
               <a:ext uri="{FF2B5EF4-FFF2-40B4-BE49-F238E27FC236}">
-                <a16:creationId xmlns:a16="http://schemas.microsoft.com/office/drawing/2014/main" id="{715D88A2-BD52-978B-A00A-540446126E3D}"/>
+                <a16:creationId xmlns:a16="http://schemas.microsoft.com/office/drawing/2014/main" xmlns="" id="{715D88A2-BD52-978B-A00A-540446126E3D}"/>
               </a:ext>
             </a:extLst>
           </p:cNvPr>
@@ -12208,7 +12795,7 @@
           <p:cNvPr id="2" name="TextBox 1">
             <a:extLst>
               <a:ext uri="{FF2B5EF4-FFF2-40B4-BE49-F238E27FC236}">
-                <a16:creationId xmlns:a16="http://schemas.microsoft.com/office/drawing/2014/main" id="{8D19D88B-9541-32D7-90F1-0C45C993E21C}"/>
+                <a16:creationId xmlns:a16="http://schemas.microsoft.com/office/drawing/2014/main" xmlns="" id="{8D19D88B-9541-32D7-90F1-0C45C993E21C}"/>
               </a:ext>
             </a:extLst>
           </p:cNvPr>
@@ -12266,6 +12853,13 @@
   <p:clrMapOvr>
     <a:masterClrMapping/>
   </p:clrMapOvr>
+  <p:timing>
+    <p:tnLst>
+      <p:par>
+        <p:cTn id="1" dur="indefinite" restart="never" nodeType="tmRoot"/>
+      </p:par>
+    </p:tnLst>
+  </p:timing>
 </p:sld>
 </file>
 
@@ -12372,7 +12966,7 @@
           <p:cNvPr id="21" name="그룹 1021">
             <a:extLst>
               <a:ext uri="{FF2B5EF4-FFF2-40B4-BE49-F238E27FC236}">
-                <a16:creationId xmlns:a16="http://schemas.microsoft.com/office/drawing/2014/main" id="{DAE466EB-8914-A47B-444E-4C193B0D877A}"/>
+                <a16:creationId xmlns:a16="http://schemas.microsoft.com/office/drawing/2014/main" xmlns="" id="{DAE466EB-8914-A47B-444E-4C193B0D877A}"/>
               </a:ext>
             </a:extLst>
           </p:cNvPr>
@@ -12392,7 +12986,7 @@
             <p:cNvPr id="23" name="Object 71">
               <a:extLst>
                 <a:ext uri="{FF2B5EF4-FFF2-40B4-BE49-F238E27FC236}">
-                  <a16:creationId xmlns:a16="http://schemas.microsoft.com/office/drawing/2014/main" id="{44802802-8C0A-9B02-4940-D16EEB7C206A}"/>
+                  <a16:creationId xmlns:a16="http://schemas.microsoft.com/office/drawing/2014/main" xmlns="" id="{44802802-8C0A-9B02-4940-D16EEB7C206A}"/>
                 </a:ext>
               </a:extLst>
             </p:cNvPr>
@@ -12423,7 +13017,7 @@
           <p:cNvPr id="24" name="그룹 1021">
             <a:extLst>
               <a:ext uri="{FF2B5EF4-FFF2-40B4-BE49-F238E27FC236}">
-                <a16:creationId xmlns:a16="http://schemas.microsoft.com/office/drawing/2014/main" id="{DAE466EB-8914-A47B-444E-4C193B0D877A}"/>
+                <a16:creationId xmlns:a16="http://schemas.microsoft.com/office/drawing/2014/main" xmlns="" id="{DAE466EB-8914-A47B-444E-4C193B0D877A}"/>
               </a:ext>
             </a:extLst>
           </p:cNvPr>
@@ -12443,7 +13037,7 @@
             <p:cNvPr id="25" name="Object 71">
               <a:extLst>
                 <a:ext uri="{FF2B5EF4-FFF2-40B4-BE49-F238E27FC236}">
-                  <a16:creationId xmlns:a16="http://schemas.microsoft.com/office/drawing/2014/main" id="{44802802-8C0A-9B02-4940-D16EEB7C206A}"/>
+                  <a16:creationId xmlns:a16="http://schemas.microsoft.com/office/drawing/2014/main" xmlns="" id="{44802802-8C0A-9B02-4940-D16EEB7C206A}"/>
                 </a:ext>
               </a:extLst>
             </p:cNvPr>
@@ -12474,7 +13068,7 @@
           <p:cNvPr id="26" name="직선 화살표 연결선 25">
             <a:extLst>
               <a:ext uri="{FF2B5EF4-FFF2-40B4-BE49-F238E27FC236}">
-                <a16:creationId xmlns:a16="http://schemas.microsoft.com/office/drawing/2014/main" id="{0628D70E-4BD6-EF88-6059-DB86364B2320}"/>
+                <a16:creationId xmlns:a16="http://schemas.microsoft.com/office/drawing/2014/main" xmlns="" id="{0628D70E-4BD6-EF88-6059-DB86364B2320}"/>
               </a:ext>
             </a:extLst>
           </p:cNvPr>
@@ -12516,7 +13110,7 @@
           <p:cNvPr id="27" name="TextBox 26">
             <a:extLst>
               <a:ext uri="{FF2B5EF4-FFF2-40B4-BE49-F238E27FC236}">
-                <a16:creationId xmlns:a16="http://schemas.microsoft.com/office/drawing/2014/main" id="{72769C28-9BB6-DE9C-7B6F-264B77B8DD0E}"/>
+                <a16:creationId xmlns:a16="http://schemas.microsoft.com/office/drawing/2014/main" xmlns="" id="{72769C28-9BB6-DE9C-7B6F-264B77B8DD0E}"/>
               </a:ext>
             </a:extLst>
           </p:cNvPr>
@@ -12564,7 +13158,7 @@
           <p:cNvPr id="28" name="TextBox 27">
             <a:extLst>
               <a:ext uri="{FF2B5EF4-FFF2-40B4-BE49-F238E27FC236}">
-                <a16:creationId xmlns:a16="http://schemas.microsoft.com/office/drawing/2014/main" id="{270932A0-5477-2529-2641-C73A825AFD61}"/>
+                <a16:creationId xmlns:a16="http://schemas.microsoft.com/office/drawing/2014/main" xmlns="" id="{270932A0-5477-2529-2641-C73A825AFD61}"/>
               </a:ext>
             </a:extLst>
           </p:cNvPr>
@@ -12612,7 +13206,7 @@
           <p:cNvPr id="29" name="TextBox 28">
             <a:extLst>
               <a:ext uri="{FF2B5EF4-FFF2-40B4-BE49-F238E27FC236}">
-                <a16:creationId xmlns:a16="http://schemas.microsoft.com/office/drawing/2014/main" id="{270932A0-5477-2529-2641-C73A825AFD61}"/>
+                <a16:creationId xmlns:a16="http://schemas.microsoft.com/office/drawing/2014/main" xmlns="" id="{270932A0-5477-2529-2641-C73A825AFD61}"/>
               </a:ext>
             </a:extLst>
           </p:cNvPr>
@@ -12660,7 +13254,7 @@
           <p:cNvPr id="30" name="TextBox 29">
             <a:extLst>
               <a:ext uri="{FF2B5EF4-FFF2-40B4-BE49-F238E27FC236}">
-                <a16:creationId xmlns:a16="http://schemas.microsoft.com/office/drawing/2014/main" id="{72769C28-9BB6-DE9C-7B6F-264B77B8DD0E}"/>
+                <a16:creationId xmlns:a16="http://schemas.microsoft.com/office/drawing/2014/main" xmlns="" id="{72769C28-9BB6-DE9C-7B6F-264B77B8DD0E}"/>
               </a:ext>
             </a:extLst>
           </p:cNvPr>
@@ -12708,7 +13302,7 @@
           <p:cNvPr id="31" name="TextBox 30">
             <a:extLst>
               <a:ext uri="{FF2B5EF4-FFF2-40B4-BE49-F238E27FC236}">
-                <a16:creationId xmlns:a16="http://schemas.microsoft.com/office/drawing/2014/main" id="{72769C28-9BB6-DE9C-7B6F-264B77B8DD0E}"/>
+                <a16:creationId xmlns:a16="http://schemas.microsoft.com/office/drawing/2014/main" xmlns="" id="{72769C28-9BB6-DE9C-7B6F-264B77B8DD0E}"/>
               </a:ext>
             </a:extLst>
           </p:cNvPr>
@@ -12766,7 +13360,7 @@
           <p:cNvPr id="32" name="TextBox 31">
             <a:extLst>
               <a:ext uri="{FF2B5EF4-FFF2-40B4-BE49-F238E27FC236}">
-                <a16:creationId xmlns:a16="http://schemas.microsoft.com/office/drawing/2014/main" id="{5ADC00B6-990A-40DC-3CEA-505258F5E8DA}"/>
+                <a16:creationId xmlns:a16="http://schemas.microsoft.com/office/drawing/2014/main" xmlns="" id="{5ADC00B6-990A-40DC-3CEA-505258F5E8DA}"/>
               </a:ext>
             </a:extLst>
           </p:cNvPr>
@@ -12819,6 +13413,13 @@
   <p:clrMapOvr>
     <a:masterClrMapping/>
   </p:clrMapOvr>
+  <p:timing>
+    <p:tnLst>
+      <p:par>
+        <p:cTn id="1" dur="indefinite" restart="never" nodeType="tmRoot"/>
+      </p:par>
+    </p:tnLst>
+  </p:timing>
 </p:sld>
 </file>
 
@@ -12868,7 +13469,7 @@
           <p:cNvPr id="6" name="TextBox 5">
             <a:extLst>
               <a:ext uri="{FF2B5EF4-FFF2-40B4-BE49-F238E27FC236}">
-                <a16:creationId xmlns:a16="http://schemas.microsoft.com/office/drawing/2014/main" id="{5ADC00B6-990A-40DC-3CEA-505258F5E8DA}"/>
+                <a16:creationId xmlns:a16="http://schemas.microsoft.com/office/drawing/2014/main" xmlns="" id="{5ADC00B6-990A-40DC-3CEA-505258F5E8DA}"/>
               </a:ext>
             </a:extLst>
           </p:cNvPr>
@@ -12950,7 +13551,7 @@
           <p:cNvPr id="8" name="TextBox 7">
             <a:extLst>
               <a:ext uri="{FF2B5EF4-FFF2-40B4-BE49-F238E27FC236}">
-                <a16:creationId xmlns:a16="http://schemas.microsoft.com/office/drawing/2014/main" id="{5ADC00B6-990A-40DC-3CEA-505258F5E8DA}"/>
+                <a16:creationId xmlns:a16="http://schemas.microsoft.com/office/drawing/2014/main" xmlns="" id="{5ADC00B6-990A-40DC-3CEA-505258F5E8DA}"/>
               </a:ext>
             </a:extLst>
           </p:cNvPr>
@@ -13026,6 +13627,13 @@
   <p:clrMapOvr>
     <a:masterClrMapping/>
   </p:clrMapOvr>
+  <p:timing>
+    <p:tnLst>
+      <p:par>
+        <p:cTn id="1" dur="indefinite" restart="never" nodeType="tmRoot"/>
+      </p:par>
+    </p:tnLst>
+  </p:timing>
 </p:sld>
 </file>
 
@@ -13075,7 +13683,7 @@
           <p:cNvPr id="5" name="직선 화살표 연결선 4">
             <a:extLst>
               <a:ext uri="{FF2B5EF4-FFF2-40B4-BE49-F238E27FC236}">
-                <a16:creationId xmlns:a16="http://schemas.microsoft.com/office/drawing/2014/main" id="{299DF5EC-9DF4-5255-06AC-0A7CE4FF58C3}"/>
+                <a16:creationId xmlns:a16="http://schemas.microsoft.com/office/drawing/2014/main" xmlns="" id="{299DF5EC-9DF4-5255-06AC-0A7CE4FF58C3}"/>
               </a:ext>
             </a:extLst>
           </p:cNvPr>
@@ -13116,7 +13724,7 @@
           <p:cNvPr id="7" name="TextBox 6">
             <a:extLst>
               <a:ext uri="{FF2B5EF4-FFF2-40B4-BE49-F238E27FC236}">
-                <a16:creationId xmlns:a16="http://schemas.microsoft.com/office/drawing/2014/main" id="{C6D113C6-EA5C-788F-0C77-E7CE6EBB865F}"/>
+                <a16:creationId xmlns:a16="http://schemas.microsoft.com/office/drawing/2014/main" xmlns="" id="{C6D113C6-EA5C-788F-0C77-E7CE6EBB865F}"/>
               </a:ext>
             </a:extLst>
           </p:cNvPr>
@@ -13194,7 +13802,7 @@
           <p:cNvPr id="11" name="TextBox 10">
             <a:extLst>
               <a:ext uri="{FF2B5EF4-FFF2-40B4-BE49-F238E27FC236}">
-                <a16:creationId xmlns:a16="http://schemas.microsoft.com/office/drawing/2014/main" id="{5ADC00B6-990A-40DC-3CEA-505258F5E8DA}"/>
+                <a16:creationId xmlns:a16="http://schemas.microsoft.com/office/drawing/2014/main" xmlns="" id="{5ADC00B6-990A-40DC-3CEA-505258F5E8DA}"/>
               </a:ext>
             </a:extLst>
           </p:cNvPr>
@@ -13257,6 +13865,13 @@
   <p:clrMapOvr>
     <a:masterClrMapping/>
   </p:clrMapOvr>
+  <p:timing>
+    <p:tnLst>
+      <p:par>
+        <p:cTn id="1" dur="indefinite" restart="never" nodeType="tmRoot"/>
+      </p:par>
+    </p:tnLst>
+  </p:timing>
 </p:sld>
 </file>
 
@@ -13354,7 +13969,7 @@
           <p:cNvPr id="8" name="직선 화살표 연결선 7">
             <a:extLst>
               <a:ext uri="{FF2B5EF4-FFF2-40B4-BE49-F238E27FC236}">
-                <a16:creationId xmlns:a16="http://schemas.microsoft.com/office/drawing/2014/main" id="{299DF5EC-9DF4-5255-06AC-0A7CE4FF58C3}"/>
+                <a16:creationId xmlns:a16="http://schemas.microsoft.com/office/drawing/2014/main" xmlns="" id="{299DF5EC-9DF4-5255-06AC-0A7CE4FF58C3}"/>
               </a:ext>
             </a:extLst>
           </p:cNvPr>
@@ -13396,7 +14011,7 @@
           <p:cNvPr id="9" name="TextBox 8">
             <a:extLst>
               <a:ext uri="{FF2B5EF4-FFF2-40B4-BE49-F238E27FC236}">
-                <a16:creationId xmlns:a16="http://schemas.microsoft.com/office/drawing/2014/main" id="{C6D113C6-EA5C-788F-0C77-E7CE6EBB865F}"/>
+                <a16:creationId xmlns:a16="http://schemas.microsoft.com/office/drawing/2014/main" xmlns="" id="{C6D113C6-EA5C-788F-0C77-E7CE6EBB865F}"/>
               </a:ext>
             </a:extLst>
           </p:cNvPr>
@@ -13454,7 +14069,7 @@
           <p:cNvPr id="11" name="TextBox 10">
             <a:extLst>
               <a:ext uri="{FF2B5EF4-FFF2-40B4-BE49-F238E27FC236}">
-                <a16:creationId xmlns:a16="http://schemas.microsoft.com/office/drawing/2014/main" id="{C6D113C6-EA5C-788F-0C77-E7CE6EBB865F}"/>
+                <a16:creationId xmlns:a16="http://schemas.microsoft.com/office/drawing/2014/main" xmlns="" id="{C6D113C6-EA5C-788F-0C77-E7CE6EBB865F}"/>
               </a:ext>
             </a:extLst>
           </p:cNvPr>
@@ -13522,7 +14137,7 @@
           <p:cNvPr id="12" name="TextBox 11">
             <a:extLst>
               <a:ext uri="{FF2B5EF4-FFF2-40B4-BE49-F238E27FC236}">
-                <a16:creationId xmlns:a16="http://schemas.microsoft.com/office/drawing/2014/main" id="{C6D113C6-EA5C-788F-0C77-E7CE6EBB865F}"/>
+                <a16:creationId xmlns:a16="http://schemas.microsoft.com/office/drawing/2014/main" xmlns="" id="{C6D113C6-EA5C-788F-0C77-E7CE6EBB865F}"/>
               </a:ext>
             </a:extLst>
           </p:cNvPr>
@@ -13630,7 +14245,7 @@
           <p:cNvPr id="14" name="TextBox 13">
             <a:extLst>
               <a:ext uri="{FF2B5EF4-FFF2-40B4-BE49-F238E27FC236}">
-                <a16:creationId xmlns:a16="http://schemas.microsoft.com/office/drawing/2014/main" id="{5ADC00B6-990A-40DC-3CEA-505258F5E8DA}"/>
+                <a16:creationId xmlns:a16="http://schemas.microsoft.com/office/drawing/2014/main" xmlns="" id="{5ADC00B6-990A-40DC-3CEA-505258F5E8DA}"/>
               </a:ext>
             </a:extLst>
           </p:cNvPr>
@@ -13712,7 +14327,7 @@
           <p:cNvPr id="16" name="TextBox 15">
             <a:extLst>
               <a:ext uri="{FF2B5EF4-FFF2-40B4-BE49-F238E27FC236}">
-                <a16:creationId xmlns:a16="http://schemas.microsoft.com/office/drawing/2014/main" id="{C6D113C6-EA5C-788F-0C77-E7CE6EBB865F}"/>
+                <a16:creationId xmlns:a16="http://schemas.microsoft.com/office/drawing/2014/main" xmlns="" id="{C6D113C6-EA5C-788F-0C77-E7CE6EBB865F}"/>
               </a:ext>
             </a:extLst>
           </p:cNvPr>
@@ -13796,7 +14411,7 @@
                             </p:stCondLst>
                             <p:childTnLst>
                               <p:par>
-                                <p:cTn id="5" presetID="1" presetClass="entr" presetSubtype="0" fill="hold" grpId="0" nodeType="clickEffect">
+                                <p:cTn id="5" presetID="1" presetClass="entr" presetSubtype="0" fill="hold" nodeType="clickEffect">
                                   <p:stCondLst>
                                     <p:cond delay="0"/>
                                   </p:stCondLst>
@@ -13804,6 +14419,141 @@
                                     <p:set>
                                       <p:cBhvr>
                                         <p:cTn id="6" dur="1" fill="hold">
+                                          <p:stCondLst>
+                                            <p:cond delay="0"/>
+                                          </p:stCondLst>
+                                        </p:cTn>
+                                        <p:tgtEl>
+                                          <p:spTgt spid="6"/>
+                                        </p:tgtEl>
+                                        <p:attrNameLst>
+                                          <p:attrName>style.visibility</p:attrName>
+                                        </p:attrNameLst>
+                                      </p:cBhvr>
+                                      <p:to>
+                                        <p:strVal val="visible"/>
+                                      </p:to>
+                                    </p:set>
+                                  </p:childTnLst>
+                                </p:cTn>
+                              </p:par>
+                            </p:childTnLst>
+                          </p:cTn>
+                        </p:par>
+                      </p:childTnLst>
+                    </p:cTn>
+                  </p:par>
+                  <p:par>
+                    <p:cTn id="7" fill="hold">
+                      <p:stCondLst>
+                        <p:cond delay="indefinite"/>
+                      </p:stCondLst>
+                      <p:childTnLst>
+                        <p:par>
+                          <p:cTn id="8" fill="hold">
+                            <p:stCondLst>
+                              <p:cond delay="0"/>
+                            </p:stCondLst>
+                            <p:childTnLst>
+                              <p:par>
+                                <p:cTn id="9" presetID="1" presetClass="entr" presetSubtype="0" fill="hold" grpId="0" nodeType="clickEffect">
+                                  <p:stCondLst>
+                                    <p:cond delay="0"/>
+                                  </p:stCondLst>
+                                  <p:childTnLst>
+                                    <p:set>
+                                      <p:cBhvr>
+                                        <p:cTn id="10" dur="1" fill="hold">
+                                          <p:stCondLst>
+                                            <p:cond delay="0"/>
+                                          </p:stCondLst>
+                                        </p:cTn>
+                                        <p:tgtEl>
+                                          <p:spTgt spid="11"/>
+                                        </p:tgtEl>
+                                        <p:attrNameLst>
+                                          <p:attrName>style.visibility</p:attrName>
+                                        </p:attrNameLst>
+                                      </p:cBhvr>
+                                      <p:to>
+                                        <p:strVal val="visible"/>
+                                      </p:to>
+                                    </p:set>
+                                  </p:childTnLst>
+                                </p:cTn>
+                              </p:par>
+                            </p:childTnLst>
+                          </p:cTn>
+                        </p:par>
+                      </p:childTnLst>
+                    </p:cTn>
+                  </p:par>
+                  <p:par>
+                    <p:cTn id="11" fill="hold">
+                      <p:stCondLst>
+                        <p:cond delay="indefinite"/>
+                      </p:stCondLst>
+                      <p:childTnLst>
+                        <p:par>
+                          <p:cTn id="12" fill="hold">
+                            <p:stCondLst>
+                              <p:cond delay="0"/>
+                            </p:stCondLst>
+                            <p:childTnLst>
+                              <p:par>
+                                <p:cTn id="13" presetID="1" presetClass="entr" presetSubtype="0" fill="hold" nodeType="clickEffect">
+                                  <p:stCondLst>
+                                    <p:cond delay="0"/>
+                                  </p:stCondLst>
+                                  <p:childTnLst>
+                                    <p:set>
+                                      <p:cBhvr>
+                                        <p:cTn id="14" dur="1" fill="hold">
+                                          <p:stCondLst>
+                                            <p:cond delay="0"/>
+                                          </p:stCondLst>
+                                        </p:cTn>
+                                        <p:tgtEl>
+                                          <p:spTgt spid="7"/>
+                                        </p:tgtEl>
+                                        <p:attrNameLst>
+                                          <p:attrName>style.visibility</p:attrName>
+                                        </p:attrNameLst>
+                                      </p:cBhvr>
+                                      <p:to>
+                                        <p:strVal val="visible"/>
+                                      </p:to>
+                                    </p:set>
+                                  </p:childTnLst>
+                                </p:cTn>
+                              </p:par>
+                            </p:childTnLst>
+                          </p:cTn>
+                        </p:par>
+                      </p:childTnLst>
+                    </p:cTn>
+                  </p:par>
+                  <p:par>
+                    <p:cTn id="15" fill="hold">
+                      <p:stCondLst>
+                        <p:cond delay="indefinite"/>
+                      </p:stCondLst>
+                      <p:childTnLst>
+                        <p:par>
+                          <p:cTn id="16" fill="hold">
+                            <p:stCondLst>
+                              <p:cond delay="0"/>
+                            </p:stCondLst>
+                            <p:childTnLst>
+                              <p:par>
+                                <p:cTn id="17" presetID="1" presetClass="entr" presetSubtype="0" fill="hold" grpId="0" nodeType="clickEffect">
+                                  <p:stCondLst>
+                                    <p:cond delay="0"/>
+                                  </p:stCondLst>
+                                  <p:childTnLst>
+                                    <p:set>
+                                      <p:cBhvr>
+                                        <p:cTn id="18" dur="1" fill="hold">
                                           <p:stCondLst>
                                             <p:cond delay="0"/>
                                           </p:stCondLst>
@@ -13822,15 +14572,33 @@
                                   </p:childTnLst>
                                 </p:cTn>
                               </p:par>
+                            </p:childTnLst>
+                          </p:cTn>
+                        </p:par>
+                      </p:childTnLst>
+                    </p:cTn>
+                  </p:par>
+                  <p:par>
+                    <p:cTn id="19" fill="hold">
+                      <p:stCondLst>
+                        <p:cond delay="indefinite"/>
+                      </p:stCondLst>
+                      <p:childTnLst>
+                        <p:par>
+                          <p:cTn id="20" fill="hold">
+                            <p:stCondLst>
+                              <p:cond delay="0"/>
+                            </p:stCondLst>
+                            <p:childTnLst>
                               <p:par>
-                                <p:cTn id="7" presetID="1" presetClass="entr" presetSubtype="0" fill="hold" grpId="0" nodeType="withEffect">
+                                <p:cTn id="21" presetID="1" presetClass="entr" presetSubtype="0" fill="hold" grpId="0" nodeType="clickEffect">
                                   <p:stCondLst>
                                     <p:cond delay="0"/>
                                   </p:stCondLst>
                                   <p:childTnLst>
                                     <p:set>
                                       <p:cBhvr>
-                                        <p:cTn id="8" dur="1" fill="hold">
+                                        <p:cTn id="22" dur="1" fill="hold">
                                           <p:stCondLst>
                                             <p:cond delay="0"/>
                                           </p:stCondLst>
@@ -13849,15 +14617,78 @@
                                   </p:childTnLst>
                                 </p:cTn>
                               </p:par>
+                            </p:childTnLst>
+                          </p:cTn>
+                        </p:par>
+                      </p:childTnLst>
+                    </p:cTn>
+                  </p:par>
+                  <p:par>
+                    <p:cTn id="23" fill="hold">
+                      <p:stCondLst>
+                        <p:cond delay="indefinite"/>
+                      </p:stCondLst>
+                      <p:childTnLst>
+                        <p:par>
+                          <p:cTn id="24" fill="hold">
+                            <p:stCondLst>
+                              <p:cond delay="0"/>
+                            </p:stCondLst>
+                            <p:childTnLst>
                               <p:par>
-                                <p:cTn id="9" presetID="1" presetClass="entr" presetSubtype="0" fill="hold" grpId="0" nodeType="withEffect">
+                                <p:cTn id="25" presetID="1" presetClass="entr" presetSubtype="0" fill="hold" nodeType="clickEffect">
                                   <p:stCondLst>
                                     <p:cond delay="0"/>
                                   </p:stCondLst>
                                   <p:childTnLst>
                                     <p:set>
                                       <p:cBhvr>
-                                        <p:cTn id="10" dur="1" fill="hold">
+                                        <p:cTn id="26" dur="1" fill="hold">
+                                          <p:stCondLst>
+                                            <p:cond delay="0"/>
+                                          </p:stCondLst>
+                                        </p:cTn>
+                                        <p:tgtEl>
+                                          <p:spTgt spid="15"/>
+                                        </p:tgtEl>
+                                        <p:attrNameLst>
+                                          <p:attrName>style.visibility</p:attrName>
+                                        </p:attrNameLst>
+                                      </p:cBhvr>
+                                      <p:to>
+                                        <p:strVal val="visible"/>
+                                      </p:to>
+                                    </p:set>
+                                  </p:childTnLst>
+                                </p:cTn>
+                              </p:par>
+                            </p:childTnLst>
+                          </p:cTn>
+                        </p:par>
+                      </p:childTnLst>
+                    </p:cTn>
+                  </p:par>
+                  <p:par>
+                    <p:cTn id="27" fill="hold">
+                      <p:stCondLst>
+                        <p:cond delay="indefinite"/>
+                      </p:stCondLst>
+                      <p:childTnLst>
+                        <p:par>
+                          <p:cTn id="28" fill="hold">
+                            <p:stCondLst>
+                              <p:cond delay="0"/>
+                            </p:stCondLst>
+                            <p:childTnLst>
+                              <p:par>
+                                <p:cTn id="29" presetID="1" presetClass="entr" presetSubtype="0" fill="hold" grpId="0" nodeType="clickEffect">
+                                  <p:stCondLst>
+                                    <p:cond delay="0"/>
+                                  </p:stCondLst>
+                                  <p:childTnLst>
+                                    <p:set>
+                                      <p:cBhvr>
+                                        <p:cTn id="30" dur="1" fill="hold">
                                           <p:stCondLst>
                                             <p:cond delay="0"/>
                                           </p:stCondLst>
@@ -13904,6 +14735,7 @@
       </p:par>
     </p:tnLst>
     <p:bldLst>
+      <p:bldP spid="11" grpId="0"/>
       <p:bldP spid="12" grpId="0"/>
       <p:bldP spid="13" grpId="0" animBg="1"/>
       <p:bldP spid="16" grpId="0"/>
@@ -13958,7 +14790,7 @@
           <p:cNvPr id="5" name="TextBox 4">
             <a:extLst>
               <a:ext uri="{FF2B5EF4-FFF2-40B4-BE49-F238E27FC236}">
-                <a16:creationId xmlns:a16="http://schemas.microsoft.com/office/drawing/2014/main" id="{C6D113C6-EA5C-788F-0C77-E7CE6EBB865F}"/>
+                <a16:creationId xmlns:a16="http://schemas.microsoft.com/office/drawing/2014/main" xmlns="" id="{C6D113C6-EA5C-788F-0C77-E7CE6EBB865F}"/>
               </a:ext>
             </a:extLst>
           </p:cNvPr>
@@ -14046,7 +14878,7 @@
           <p:cNvPr id="6" name="직사각형 5">
             <a:extLst>
               <a:ext uri="{FF2B5EF4-FFF2-40B4-BE49-F238E27FC236}">
-                <a16:creationId xmlns:a16="http://schemas.microsoft.com/office/drawing/2014/main" id="{FFF506F9-840A-0508-4CAF-3AC711D8D5CE}"/>
+                <a16:creationId xmlns:a16="http://schemas.microsoft.com/office/drawing/2014/main" xmlns="" id="{FFF506F9-840A-0508-4CAF-3AC711D8D5CE}"/>
               </a:ext>
             </a:extLst>
           </p:cNvPr>
@@ -14098,7 +14930,7 @@
           <p:cNvPr id="7" name="직선 화살표 연결선 6">
             <a:extLst>
               <a:ext uri="{FF2B5EF4-FFF2-40B4-BE49-F238E27FC236}">
-                <a16:creationId xmlns:a16="http://schemas.microsoft.com/office/drawing/2014/main" id="{299DF5EC-9DF4-5255-06AC-0A7CE4FF58C3}"/>
+                <a16:creationId xmlns:a16="http://schemas.microsoft.com/office/drawing/2014/main" xmlns="" id="{299DF5EC-9DF4-5255-06AC-0A7CE4FF58C3}"/>
               </a:ext>
             </a:extLst>
           </p:cNvPr>
@@ -14144,6 +14976,139 @@
   <p:clrMapOvr>
     <a:masterClrMapping/>
   </p:clrMapOvr>
+  <p:timing>
+    <p:tnLst>
+      <p:par>
+        <p:cTn id="1" dur="indefinite" restart="never" nodeType="tmRoot">
+          <p:childTnLst>
+            <p:seq concurrent="1" nextAc="seek">
+              <p:cTn id="2" dur="indefinite" nodeType="mainSeq">
+                <p:childTnLst>
+                  <p:par>
+                    <p:cTn id="3" fill="hold">
+                      <p:stCondLst>
+                        <p:cond delay="indefinite"/>
+                      </p:stCondLst>
+                      <p:childTnLst>
+                        <p:par>
+                          <p:cTn id="4" fill="hold">
+                            <p:stCondLst>
+                              <p:cond delay="0"/>
+                            </p:stCondLst>
+                            <p:childTnLst>
+                              <p:par>
+                                <p:cTn id="5" presetID="1" presetClass="entr" presetSubtype="0" fill="hold" grpId="0" nodeType="clickEffect">
+                                  <p:stCondLst>
+                                    <p:cond delay="0"/>
+                                  </p:stCondLst>
+                                  <p:childTnLst>
+                                    <p:set>
+                                      <p:cBhvr>
+                                        <p:cTn id="6" dur="1" fill="hold">
+                                          <p:stCondLst>
+                                            <p:cond delay="0"/>
+                                          </p:stCondLst>
+                                        </p:cTn>
+                                        <p:tgtEl>
+                                          <p:spTgt spid="6"/>
+                                        </p:tgtEl>
+                                        <p:attrNameLst>
+                                          <p:attrName>style.visibility</p:attrName>
+                                        </p:attrNameLst>
+                                      </p:cBhvr>
+                                      <p:to>
+                                        <p:strVal val="visible"/>
+                                      </p:to>
+                                    </p:set>
+                                  </p:childTnLst>
+                                </p:cTn>
+                              </p:par>
+                              <p:par>
+                                <p:cTn id="7" presetID="1" presetClass="entr" presetSubtype="0" fill="hold" nodeType="withEffect">
+                                  <p:stCondLst>
+                                    <p:cond delay="0"/>
+                                  </p:stCondLst>
+                                  <p:childTnLst>
+                                    <p:set>
+                                      <p:cBhvr>
+                                        <p:cTn id="8" dur="1" fill="hold">
+                                          <p:stCondLst>
+                                            <p:cond delay="0"/>
+                                          </p:stCondLst>
+                                        </p:cTn>
+                                        <p:tgtEl>
+                                          <p:spTgt spid="7"/>
+                                        </p:tgtEl>
+                                        <p:attrNameLst>
+                                          <p:attrName>style.visibility</p:attrName>
+                                        </p:attrNameLst>
+                                      </p:cBhvr>
+                                      <p:to>
+                                        <p:strVal val="visible"/>
+                                      </p:to>
+                                    </p:set>
+                                  </p:childTnLst>
+                                </p:cTn>
+                              </p:par>
+                              <p:par>
+                                <p:cTn id="9" presetID="1" presetClass="entr" presetSubtype="0" fill="hold" grpId="0" nodeType="withEffect">
+                                  <p:stCondLst>
+                                    <p:cond delay="0"/>
+                                  </p:stCondLst>
+                                  <p:childTnLst>
+                                    <p:set>
+                                      <p:cBhvr>
+                                        <p:cTn id="10" dur="1" fill="hold">
+                                          <p:stCondLst>
+                                            <p:cond delay="0"/>
+                                          </p:stCondLst>
+                                        </p:cTn>
+                                        <p:tgtEl>
+                                          <p:spTgt spid="5"/>
+                                        </p:tgtEl>
+                                        <p:attrNameLst>
+                                          <p:attrName>style.visibility</p:attrName>
+                                        </p:attrNameLst>
+                                      </p:cBhvr>
+                                      <p:to>
+                                        <p:strVal val="visible"/>
+                                      </p:to>
+                                    </p:set>
+                                  </p:childTnLst>
+                                </p:cTn>
+                              </p:par>
+                            </p:childTnLst>
+                          </p:cTn>
+                        </p:par>
+                      </p:childTnLst>
+                    </p:cTn>
+                  </p:par>
+                </p:childTnLst>
+              </p:cTn>
+              <p:prevCondLst>
+                <p:cond evt="onPrev" delay="0">
+                  <p:tgtEl>
+                    <p:sldTgt/>
+                  </p:tgtEl>
+                </p:cond>
+              </p:prevCondLst>
+              <p:nextCondLst>
+                <p:cond evt="onNext" delay="0">
+                  <p:tgtEl>
+                    <p:sldTgt/>
+                  </p:tgtEl>
+                </p:cond>
+              </p:nextCondLst>
+            </p:seq>
+          </p:childTnLst>
+        </p:cTn>
+      </p:par>
+    </p:tnLst>
+    <p:bldLst>
+      <p:bldP spid="5" grpId="0"/>
+      <p:bldP spid="6" grpId="0" animBg="1"/>
+    </p:bldLst>
+  </p:timing>
 </p:sld>
 </file>
 
@@ -14169,7 +15134,7 @@
           <p:cNvPr id="4" name="TextBox 3">
             <a:extLst>
               <a:ext uri="{FF2B5EF4-FFF2-40B4-BE49-F238E27FC236}">
-                <a16:creationId xmlns:a16="http://schemas.microsoft.com/office/drawing/2014/main" id="{6DFE3CFD-8AE7-B344-5821-D059E09D144B}"/>
+                <a16:creationId xmlns:a16="http://schemas.microsoft.com/office/drawing/2014/main" xmlns="" id="{6DFE3CFD-8AE7-B344-5821-D059E09D144B}"/>
               </a:ext>
             </a:extLst>
           </p:cNvPr>
@@ -14179,7 +15144,7 @@
         <p:spPr>
           <a:xfrm>
             <a:off x="990600" y="266700"/>
-            <a:ext cx="6096000" cy="830997"/>
+            <a:ext cx="6096000" cy="923330"/>
           </a:xfrm>
           <a:prstGeom prst="rect">
             <a:avLst/>
@@ -14193,21 +15158,31 @@
           <a:lstStyle/>
           <a:p>
             <a:r>
-              <a:rPr lang="ko-KR" altLang="en-US" sz="4800" dirty="0">
+              <a:rPr lang="ko-KR" altLang="en-US" sz="5400" smtClean="0">
                 <a:solidFill>
                   <a:srgbClr val="4C50BC"/>
                 </a:solidFill>
-                <a:latin typeface="G마켓 산스 Medium" panose="02000000000000000000" pitchFamily="50" charset="-127"/>
-                <a:ea typeface="G마켓 산스 Medium" panose="02000000000000000000" pitchFamily="50" charset="-127"/>
+                <a:latin typeface="G마켓 산스 Bold" panose="02000000000000000000" pitchFamily="50" charset="-127"/>
+                <a:ea typeface="G마켓 산스 Bold" panose="02000000000000000000" pitchFamily="50" charset="-127"/>
               </a:rPr>
               <a:t>실습문제</a:t>
             </a:r>
-            <a:endParaRPr lang="en-US" altLang="ko-KR" sz="4800" dirty="0">
+            <a:r>
+              <a:rPr lang="en-US" altLang="ko-KR" sz="5400" smtClean="0">
+                <a:solidFill>
+                  <a:srgbClr val="4C50BC"/>
+                </a:solidFill>
+                <a:latin typeface="G마켓 산스 Bold" panose="02000000000000000000" pitchFamily="50" charset="-127"/>
+                <a:ea typeface="G마켓 산스 Bold" panose="02000000000000000000" pitchFamily="50" charset="-127"/>
+              </a:rPr>
+              <a:t>1</a:t>
+            </a:r>
+            <a:endParaRPr lang="en-US" altLang="ko-KR" sz="5400" dirty="0">
               <a:solidFill>
                 <a:srgbClr val="4C50BC"/>
               </a:solidFill>
-              <a:latin typeface="G마켓 산스 Medium" panose="02000000000000000000" pitchFamily="50" charset="-127"/>
-              <a:ea typeface="G마켓 산스 Medium" panose="02000000000000000000" pitchFamily="50" charset="-127"/>
+              <a:latin typeface="G마켓 산스 Bold" panose="02000000000000000000" pitchFamily="50" charset="-127"/>
+              <a:ea typeface="G마켓 산스 Bold" panose="02000000000000000000" pitchFamily="50" charset="-127"/>
             </a:endParaRPr>
           </a:p>
         </p:txBody>
@@ -14217,7 +15192,7 @@
           <p:cNvPr id="5" name="TextBox 4">
             <a:extLst>
               <a:ext uri="{FF2B5EF4-FFF2-40B4-BE49-F238E27FC236}">
-                <a16:creationId xmlns:a16="http://schemas.microsoft.com/office/drawing/2014/main" id="{B7EB6279-6EB7-CE1E-EAD0-CF0DFEBD41C3}"/>
+                <a16:creationId xmlns:a16="http://schemas.microsoft.com/office/drawing/2014/main" xmlns="" id="{B7EB6279-6EB7-CE1E-EAD0-CF0DFEBD41C3}"/>
               </a:ext>
             </a:extLst>
           </p:cNvPr>
@@ -14226,8 +15201,8 @@
         </p:nvSpPr>
         <p:spPr>
           <a:xfrm>
-            <a:off x="381000" y="1362599"/>
-            <a:ext cx="11734800" cy="707886"/>
+            <a:off x="1524000" y="1243105"/>
+            <a:ext cx="11734800" cy="646331"/>
           </a:xfrm>
           <a:prstGeom prst="rect">
             <a:avLst/>
@@ -14240,39 +15215,33 @@
           </a:bodyPr>
           <a:lstStyle/>
           <a:p>
-            <a:r>
-              <a:rPr lang="en-US" altLang="ko-KR" sz="4000" dirty="0">
-                <a:solidFill>
-                  <a:schemeClr val="tx1">
-                    <a:lumMod val="50000"/>
-                    <a:lumOff val="50000"/>
-                  </a:schemeClr>
-                </a:solidFill>
-                <a:latin typeface="G마켓 산스 Medium" panose="02000000000000000000" pitchFamily="50" charset="-127"/>
-                <a:ea typeface="G마켓 산스 Medium" panose="02000000000000000000" pitchFamily="50" charset="-127"/>
-              </a:rPr>
-              <a:t>1. </a:t>
-            </a:r>
-            <a:r>
-              <a:rPr lang="ko-KR" altLang="en-US" sz="4000" dirty="0">
-                <a:solidFill>
-                  <a:schemeClr val="tx1">
-                    <a:lumMod val="50000"/>
-                    <a:lumOff val="50000"/>
-                  </a:schemeClr>
-                </a:solidFill>
-                <a:latin typeface="G마켓 산스 Medium" panose="02000000000000000000" pitchFamily="50" charset="-127"/>
-                <a:ea typeface="G마켓 산스 Medium" panose="02000000000000000000" pitchFamily="50" charset="-127"/>
-              </a:rPr>
-              <a:t>정수 한 개를 입력 받아 </a:t>
-            </a:r>
-            <a:r>
-              <a:rPr lang="en-US" altLang="ko-KR" sz="4000" dirty="0">
-                <a:solidFill>
-                  <a:schemeClr val="tx1">
-                    <a:lumMod val="50000"/>
-                    <a:lumOff val="50000"/>
-                  </a:schemeClr>
+            <a:pPr marL="514350" indent="-514350">
+              <a:buAutoNum type="arabicPeriod"/>
+            </a:pPr>
+            <a:r>
+              <a:rPr lang="ko-KR" altLang="en-US" sz="3600" smtClean="0">
+                <a:solidFill>
+                  <a:srgbClr val="4C50BC"/>
+                </a:solidFill>
+                <a:latin typeface="G마켓 산스 Medium" panose="02000000000000000000" pitchFamily="50" charset="-127"/>
+                <a:ea typeface="G마켓 산스 Medium" panose="02000000000000000000" pitchFamily="50" charset="-127"/>
+              </a:rPr>
+              <a:t>정수 </a:t>
+            </a:r>
+            <a:r>
+              <a:rPr lang="ko-KR" altLang="en-US" sz="3600" dirty="0">
+                <a:solidFill>
+                  <a:srgbClr val="4C50BC"/>
+                </a:solidFill>
+                <a:latin typeface="G마켓 산스 Medium" panose="02000000000000000000" pitchFamily="50" charset="-127"/>
+                <a:ea typeface="G마켓 산스 Medium" panose="02000000000000000000" pitchFamily="50" charset="-127"/>
+              </a:rPr>
+              <a:t>한 개를 입력 받아 </a:t>
+            </a:r>
+            <a:r>
+              <a:rPr lang="en-US" altLang="ko-KR" sz="3600" dirty="0">
+                <a:solidFill>
+                  <a:srgbClr val="4C50BC"/>
                 </a:solidFill>
                 <a:latin typeface="G마켓 산스 Medium" panose="02000000000000000000" pitchFamily="50" charset="-127"/>
                 <a:ea typeface="G마켓 산스 Medium" panose="02000000000000000000" pitchFamily="50" charset="-127"/>
@@ -14280,12 +15249,9 @@
               <a:t>50</a:t>
             </a:r>
             <a:r>
-              <a:rPr lang="ko-KR" altLang="en-US" sz="4000" dirty="0">
-                <a:solidFill>
-                  <a:schemeClr val="tx1">
-                    <a:lumMod val="50000"/>
-                    <a:lumOff val="50000"/>
-                  </a:schemeClr>
+              <a:rPr lang="ko-KR" altLang="en-US" sz="3600">
+                <a:solidFill>
+                  <a:srgbClr val="4C50BC"/>
                 </a:solidFill>
                 <a:latin typeface="G마켓 산스 Medium" panose="02000000000000000000" pitchFamily="50" charset="-127"/>
                 <a:ea typeface="G마켓 산스 Medium" panose="02000000000000000000" pitchFamily="50" charset="-127"/>
@@ -14293,24 +15259,18 @@
               <a:t>이상인지 </a:t>
             </a:r>
             <a:r>
-              <a:rPr lang="ko-KR" altLang="en-US" sz="4000" dirty="0" err="1">
-                <a:solidFill>
-                  <a:schemeClr val="tx1">
-                    <a:lumMod val="50000"/>
-                    <a:lumOff val="50000"/>
-                  </a:schemeClr>
+              <a:rPr lang="ko-KR" altLang="en-US" sz="3600" smtClean="0">
+                <a:solidFill>
+                  <a:srgbClr val="4C50BC"/>
                 </a:solidFill>
                 <a:latin typeface="G마켓 산스 Medium" panose="02000000000000000000" pitchFamily="50" charset="-127"/>
                 <a:ea typeface="G마켓 산스 Medium" panose="02000000000000000000" pitchFamily="50" charset="-127"/>
               </a:rPr>
               <a:t>출력하시오</a:t>
             </a:r>
-            <a:endParaRPr lang="en-US" altLang="ko-KR" sz="4000" dirty="0">
+            <a:endParaRPr lang="en-US" altLang="ko-KR" sz="3600" smtClean="0">
               <a:solidFill>
-                <a:schemeClr val="tx1">
-                  <a:lumMod val="50000"/>
-                  <a:lumOff val="50000"/>
-                </a:schemeClr>
+                <a:srgbClr val="4C50BC"/>
               </a:solidFill>
               <a:latin typeface="G마켓 산스 Medium" panose="02000000000000000000" pitchFamily="50" charset="-127"/>
               <a:ea typeface="G마켓 산스 Medium" panose="02000000000000000000" pitchFamily="50" charset="-127"/>
@@ -14323,7 +15283,7 @@
           <p:cNvPr id="7" name="그림 6">
             <a:extLst>
               <a:ext uri="{FF2B5EF4-FFF2-40B4-BE49-F238E27FC236}">
-                <a16:creationId xmlns:a16="http://schemas.microsoft.com/office/drawing/2014/main" id="{73215715-FBC0-D58E-F951-C109B809511E}"/>
+                <a16:creationId xmlns:a16="http://schemas.microsoft.com/office/drawing/2014/main" xmlns="" id="{73215715-FBC0-D58E-F951-C109B809511E}"/>
               </a:ext>
             </a:extLst>
           </p:cNvPr>
@@ -14340,7 +15300,7 @@
         </p:blipFill>
         <p:spPr>
           <a:xfrm>
-            <a:off x="1143000" y="2324101"/>
+            <a:off x="3733800" y="2476500"/>
             <a:ext cx="2819400" cy="1510394"/>
           </a:xfrm>
           <a:prstGeom prst="rect">
@@ -14353,7 +15313,7 @@
           <p:cNvPr id="9" name="그림 8">
             <a:extLst>
               <a:ext uri="{FF2B5EF4-FFF2-40B4-BE49-F238E27FC236}">
-                <a16:creationId xmlns:a16="http://schemas.microsoft.com/office/drawing/2014/main" id="{3A609EEB-FE3B-A0C4-FB5C-307EB00F55D9}"/>
+                <a16:creationId xmlns:a16="http://schemas.microsoft.com/office/drawing/2014/main" xmlns="" id="{3A609EEB-FE3B-A0C4-FB5C-307EB00F55D9}"/>
               </a:ext>
             </a:extLst>
           </p:cNvPr>
@@ -14370,7 +15330,7 @@
         </p:blipFill>
         <p:spPr>
           <a:xfrm>
-            <a:off x="4648200" y="2324101"/>
+            <a:off x="7056435" y="2476500"/>
             <a:ext cx="2669888" cy="1510394"/>
           </a:xfrm>
           <a:prstGeom prst="rect">
@@ -14383,7 +15343,7 @@
           <p:cNvPr id="11" name="그림 10">
             <a:extLst>
               <a:ext uri="{FF2B5EF4-FFF2-40B4-BE49-F238E27FC236}">
-                <a16:creationId xmlns:a16="http://schemas.microsoft.com/office/drawing/2014/main" id="{1A895C80-F732-6D8C-2A18-E97A06A04FF4}"/>
+                <a16:creationId xmlns:a16="http://schemas.microsoft.com/office/drawing/2014/main" xmlns="" id="{1A895C80-F732-6D8C-2A18-E97A06A04FF4}"/>
               </a:ext>
             </a:extLst>
           </p:cNvPr>
@@ -14400,7 +15360,7 @@
         </p:blipFill>
         <p:spPr>
           <a:xfrm>
-            <a:off x="11887200" y="419100"/>
+            <a:off x="3817034" y="4686300"/>
             <a:ext cx="6096000" cy="3695502"/>
           </a:xfrm>
           <a:prstGeom prst="rect">
@@ -14408,92 +15368,12 @@
           </a:prstGeom>
         </p:spPr>
       </p:pic>
-      <p:sp>
-        <p:nvSpPr>
-          <p:cNvPr id="2" name="TextBox 1">
+      <p:pic>
+        <p:nvPicPr>
+          <p:cNvPr id="14" name="그림 13">
             <a:extLst>
               <a:ext uri="{FF2B5EF4-FFF2-40B4-BE49-F238E27FC236}">
-                <a16:creationId xmlns:a16="http://schemas.microsoft.com/office/drawing/2014/main" id="{544B4A8C-50DE-F53E-3772-6A38DC3A6433}"/>
-              </a:ext>
-            </a:extLst>
-          </p:cNvPr>
-          <p:cNvSpPr txBox="1"/>
-          <p:nvPr/>
-        </p:nvSpPr>
-        <p:spPr>
-          <a:xfrm>
-            <a:off x="381000" y="4533900"/>
-            <a:ext cx="14097000" cy="707886"/>
-          </a:xfrm>
-          <a:prstGeom prst="rect">
-            <a:avLst/>
-          </a:prstGeom>
-          <a:noFill/>
-        </p:spPr>
-        <p:txBody>
-          <a:bodyPr wrap="square" rtlCol="0">
-            <a:spAutoFit/>
-          </a:bodyPr>
-          <a:lstStyle/>
-          <a:p>
-            <a:r>
-              <a:rPr lang="en-US" altLang="ko-KR" sz="4000" dirty="0">
-                <a:solidFill>
-                  <a:schemeClr val="tx1">
-                    <a:lumMod val="50000"/>
-                    <a:lumOff val="50000"/>
-                  </a:schemeClr>
-                </a:solidFill>
-                <a:latin typeface="G마켓 산스 Medium" panose="02000000000000000000" pitchFamily="50" charset="-127"/>
-                <a:ea typeface="G마켓 산스 Medium" panose="02000000000000000000" pitchFamily="50" charset="-127"/>
-              </a:rPr>
-              <a:t>2. 3</a:t>
-            </a:r>
-            <a:r>
-              <a:rPr lang="ko-KR" altLang="en-US" sz="4000" dirty="0">
-                <a:solidFill>
-                  <a:schemeClr val="tx1">
-                    <a:lumMod val="50000"/>
-                    <a:lumOff val="50000"/>
-                  </a:schemeClr>
-                </a:solidFill>
-                <a:latin typeface="G마켓 산스 Medium" panose="02000000000000000000" pitchFamily="50" charset="-127"/>
-                <a:ea typeface="G마켓 산스 Medium" panose="02000000000000000000" pitchFamily="50" charset="-127"/>
-              </a:rPr>
-              <a:t>개의 서로 다른 정수를 입력 받아 최대값을 </a:t>
-            </a:r>
-            <a:r>
-              <a:rPr lang="ko-KR" altLang="en-US" sz="4000" dirty="0" err="1">
-                <a:solidFill>
-                  <a:schemeClr val="tx1">
-                    <a:lumMod val="50000"/>
-                    <a:lumOff val="50000"/>
-                  </a:schemeClr>
-                </a:solidFill>
-                <a:latin typeface="G마켓 산스 Medium" panose="02000000000000000000" pitchFamily="50" charset="-127"/>
-                <a:ea typeface="G마켓 산스 Medium" panose="02000000000000000000" pitchFamily="50" charset="-127"/>
-              </a:rPr>
-              <a:t>출력하시오</a:t>
-            </a:r>
-            <a:endParaRPr lang="en-US" altLang="ko-KR" sz="4000" dirty="0">
-              <a:solidFill>
-                <a:schemeClr val="tx1">
-                  <a:lumMod val="50000"/>
-                  <a:lumOff val="50000"/>
-                </a:schemeClr>
-              </a:solidFill>
-              <a:latin typeface="G마켓 산스 Medium" panose="02000000000000000000" pitchFamily="50" charset="-127"/>
-              <a:ea typeface="G마켓 산스 Medium" panose="02000000000000000000" pitchFamily="50" charset="-127"/>
-            </a:endParaRPr>
-          </a:p>
-        </p:txBody>
-      </p:sp>
-      <p:pic>
-        <p:nvPicPr>
-          <p:cNvPr id="10" name="그림 9">
-            <a:extLst>
-              <a:ext uri="{FF2B5EF4-FFF2-40B4-BE49-F238E27FC236}">
-                <a16:creationId xmlns:a16="http://schemas.microsoft.com/office/drawing/2014/main" id="{AA24DD58-EB34-2CF3-679C-A44BAE4CBF17}"/>
+                <a16:creationId xmlns:a16="http://schemas.microsoft.com/office/drawing/2014/main" xmlns="" id="{1A895C80-F732-6D8C-2A18-E97A06A04FF4}"/>
               </a:ext>
             </a:extLst>
           </p:cNvPr>
@@ -14502,76 +15382,15 @@
           </p:cNvPicPr>
           <p:nvPr/>
         </p:nvPicPr>
-        <p:blipFill>
+        <p:blipFill rotWithShape="1">
           <a:blip r:embed="rId5"/>
-          <a:stretch>
-            <a:fillRect/>
-          </a:stretch>
+          <a:srcRect t="45363" b="1026"/>
+          <a:stretch/>
         </p:blipFill>
         <p:spPr>
           <a:xfrm>
-            <a:off x="609600" y="7891616"/>
-            <a:ext cx="3733800" cy="2357284"/>
-          </a:xfrm>
-          <a:prstGeom prst="rect">
-            <a:avLst/>
-          </a:prstGeom>
-        </p:spPr>
-      </p:pic>
-      <p:pic>
-        <p:nvPicPr>
-          <p:cNvPr id="13" name="그림 12">
-            <a:extLst>
-              <a:ext uri="{FF2B5EF4-FFF2-40B4-BE49-F238E27FC236}">
-                <a16:creationId xmlns:a16="http://schemas.microsoft.com/office/drawing/2014/main" id="{AC71D4B4-486B-D8B5-866B-E2CD93FAF6CB}"/>
-              </a:ext>
-            </a:extLst>
-          </p:cNvPr>
-          <p:cNvPicPr>
-            <a:picLocks noChangeAspect="1"/>
-          </p:cNvPicPr>
-          <p:nvPr/>
-        </p:nvPicPr>
-        <p:blipFill>
-          <a:blip r:embed="rId6"/>
-          <a:stretch>
-            <a:fillRect/>
-          </a:stretch>
-        </p:blipFill>
-        <p:spPr>
-          <a:xfrm>
-            <a:off x="609600" y="5676900"/>
-            <a:ext cx="8342871" cy="2253658"/>
-          </a:xfrm>
-          <a:prstGeom prst="rect">
-            <a:avLst/>
-          </a:prstGeom>
-        </p:spPr>
-      </p:pic>
-      <p:pic>
-        <p:nvPicPr>
-          <p:cNvPr id="15" name="그림 14">
-            <a:extLst>
-              <a:ext uri="{FF2B5EF4-FFF2-40B4-BE49-F238E27FC236}">
-                <a16:creationId xmlns:a16="http://schemas.microsoft.com/office/drawing/2014/main" id="{07338165-3415-4373-D05D-C7930059FE3B}"/>
-              </a:ext>
-            </a:extLst>
-          </p:cNvPr>
-          <p:cNvPicPr>
-            <a:picLocks noChangeAspect="1"/>
-          </p:cNvPicPr>
-          <p:nvPr/>
-        </p:nvPicPr>
-        <p:blipFill>
-          <a:blip r:embed="rId7"/>
-          <a:stretch>
-            <a:fillRect/>
-          </a:stretch>
-        </p:blipFill>
-        <p:spPr>
-          <a:xfrm>
-            <a:off x="9982200" y="5295900"/>
-            <a:ext cx="7692075" cy="4724400"/>
+            <a:off x="3817034" y="6400602"/>
+            <a:ext cx="6096000" cy="1981200"/>
           </a:xfrm>
           <a:prstGeom prst="rect">
             <a:avLst/>
@@ -14609,7 +15428,7 @@
                             </p:stCondLst>
                             <p:childTnLst>
                               <p:par>
-                                <p:cTn id="5" presetID="1" presetClass="entr" presetSubtype="0" fill="hold" nodeType="clickEffect">
+                                <p:cTn id="5" presetID="1" presetClass="exit" presetSubtype="0" fill="hold" nodeType="clickEffect">
                                   <p:stCondLst>
                                     <p:cond delay="0"/>
                                   </p:stCondLst>
@@ -14622,59 +15441,14 @@
                                           </p:stCondLst>
                                         </p:cTn>
                                         <p:tgtEl>
-                                          <p:spTgt spid="11"/>
+                                          <p:spTgt spid="14"/>
                                         </p:tgtEl>
                                         <p:attrNameLst>
                                           <p:attrName>style.visibility</p:attrName>
                                         </p:attrNameLst>
                                       </p:cBhvr>
                                       <p:to>
-                                        <p:strVal val="visible"/>
-                                      </p:to>
-                                    </p:set>
-                                  </p:childTnLst>
-                                </p:cTn>
-                              </p:par>
-                            </p:childTnLst>
-                          </p:cTn>
-                        </p:par>
-                      </p:childTnLst>
-                    </p:cTn>
-                  </p:par>
-                  <p:par>
-                    <p:cTn id="7" fill="hold">
-                      <p:stCondLst>
-                        <p:cond delay="indefinite"/>
-                      </p:stCondLst>
-                      <p:childTnLst>
-                        <p:par>
-                          <p:cTn id="8" fill="hold">
-                            <p:stCondLst>
-                              <p:cond delay="0"/>
-                            </p:stCondLst>
-                            <p:childTnLst>
-                              <p:par>
-                                <p:cTn id="9" presetID="1" presetClass="entr" presetSubtype="0" fill="hold" nodeType="clickEffect">
-                                  <p:stCondLst>
-                                    <p:cond delay="0"/>
-                                  </p:stCondLst>
-                                  <p:childTnLst>
-                                    <p:set>
-                                      <p:cBhvr>
-                                        <p:cTn id="10" dur="1" fill="hold">
-                                          <p:stCondLst>
-                                            <p:cond delay="0"/>
-                                          </p:stCondLst>
-                                        </p:cTn>
-                                        <p:tgtEl>
-                                          <p:spTgt spid="15"/>
-                                        </p:tgtEl>
-                                        <p:attrNameLst>
-                                          <p:attrName>style.visibility</p:attrName>
-                                        </p:attrNameLst>
-                                      </p:cBhvr>
-                                      <p:to>
-                                        <p:strVal val="visible"/>
+                                        <p:strVal val="hidden"/>
                                       </p:to>
                                     </p:set>
                                   </p:childTnLst>
